--- a/Project Documents/Batch 3 PPT.pptx
+++ b/Project Documents/Batch 3 PPT.pptx
@@ -1016,7 +1016,7 @@
           <a:p>
             <a:fld id="{A423BF71-38B7-8642-BFCE-EDAE9BD0CBAF}" type="datetimeFigureOut">
               <a:rPr lang="en-US" dirty="0"/>
-              <a:t>6/16/2021</a:t>
+              <a:t>6/17/2021</a:t>
             </a:fld>
             <a:endParaRPr lang="en-US" dirty="0"/>
           </a:p>
@@ -1228,7 +1228,7 @@
           <a:p>
             <a:fld id="{73B025CB-9D18-264E-A945-2D020344C9DA}" type="datetimeFigureOut">
               <a:rPr lang="en-US" dirty="0"/>
-              <a:t>6/16/2021</a:t>
+              <a:t>6/17/2021</a:t>
             </a:fld>
             <a:endParaRPr lang="en-US" dirty="0"/>
           </a:p>
@@ -1444,7 +1444,7 @@
           <a:p>
             <a:fld id="{507EFB6C-7E96-8F41-8872-189CA1C59F84}" type="datetimeFigureOut">
               <a:rPr lang="en-US" dirty="0"/>
-              <a:t>6/16/2021</a:t>
+              <a:t>6/17/2021</a:t>
             </a:fld>
             <a:endParaRPr lang="en-US" dirty="0"/>
           </a:p>
@@ -1646,7 +1646,7 @@
           <a:p>
             <a:fld id="{B6981CDE-9BE7-C544-8ACB-7077DFC4270F}" type="datetimeFigureOut">
               <a:rPr lang="en-US" dirty="0"/>
-              <a:t>6/16/2021</a:t>
+              <a:t>6/17/2021</a:t>
             </a:fld>
             <a:endParaRPr lang="en-US" dirty="0"/>
           </a:p>
@@ -1926,7 +1926,7 @@
           <a:p>
             <a:fld id="{B55BA285-9698-1B45-8319-D90A8C63F150}" type="datetimeFigureOut">
               <a:rPr lang="en-US" dirty="0"/>
-              <a:t>6/16/2021</a:t>
+              <a:t>6/17/2021</a:t>
             </a:fld>
             <a:endParaRPr lang="en-US" dirty="0"/>
           </a:p>
@@ -2195,7 +2195,7 @@
           <a:p>
             <a:fld id="{0A86CD42-43FF-B740-998F-DCC3802C4CE3}" type="datetimeFigureOut">
               <a:rPr lang="en-US" dirty="0"/>
-              <a:t>6/16/2021</a:t>
+              <a:t>6/17/2021</a:t>
             </a:fld>
             <a:endParaRPr lang="en-US" dirty="0"/>
           </a:p>
@@ -2612,7 +2612,7 @@
           <a:p>
             <a:fld id="{CEA0FFBD-2EE4-8547-BBAE-A1AC91C8D77E}" type="datetimeFigureOut">
               <a:rPr lang="en-US" dirty="0"/>
-              <a:t>6/16/2021</a:t>
+              <a:t>6/17/2021</a:t>
             </a:fld>
             <a:endParaRPr lang="en-US" dirty="0"/>
           </a:p>
@@ -2762,7 +2762,7 @@
           <a:p>
             <a:fld id="{955A2352-D7AC-F242-9256-A4477BCBF354}" type="datetimeFigureOut">
               <a:rPr lang="en-US" dirty="0"/>
-              <a:t>6/16/2021</a:t>
+              <a:t>6/17/2021</a:t>
             </a:fld>
             <a:endParaRPr lang="en-US" dirty="0"/>
           </a:p>
@@ -2889,7 +2889,7 @@
           <a:p>
             <a:fld id="{4EFCFC6A-9AE6-404D-9FDD-168B477B9C90}" type="datetimeFigureOut">
               <a:rPr lang="en-US" dirty="0"/>
-              <a:t>6/16/2021</a:t>
+              <a:t>6/17/2021</a:t>
             </a:fld>
             <a:endParaRPr lang="en-US" dirty="0"/>
           </a:p>
@@ -3135,7 +3135,7 @@
           <a:p>
             <a:fld id="{61CFCDFD-B4CF-A241-8D71-E814B10BEAF4}" type="datetimeFigureOut">
               <a:rPr lang="en-US" dirty="0"/>
-              <a:t>6/16/2021</a:t>
+              <a:t>6/17/2021</a:t>
             </a:fld>
             <a:endParaRPr lang="en-US" dirty="0"/>
           </a:p>
@@ -3585,7 +3585,7 @@
           <a:p>
             <a:fld id="{26A7B589-FD4B-7E46-869A-CBADC5FC564E}" type="datetimeFigureOut">
               <a:rPr lang="en-US" dirty="0"/>
-              <a:t>6/16/2021</a:t>
+              <a:t>6/17/2021</a:t>
             </a:fld>
             <a:endParaRPr lang="en-US" dirty="0"/>
           </a:p>
@@ -3907,7 +3907,7 @@
           <a:p>
             <a:fld id="{4CD8A92E-5FF9-8143-81B3-CCB531513398}" type="datetimeFigureOut">
               <a:rPr lang="en-US" dirty="0"/>
-              <a:t>6/16/2021</a:t>
+              <a:t>6/17/2021</a:t>
             </a:fld>
             <a:endParaRPr lang="en-US" dirty="0"/>
           </a:p>
@@ -5548,7 +5548,7 @@
         </p:spPr>
         <p:txBody>
           <a:bodyPr>
-            <a:normAutofit fontScale="92500" lnSpcReduction="10000"/>
+            <a:normAutofit/>
           </a:bodyPr>
           <a:lstStyle/>
           <a:p>
@@ -5568,17 +5568,10 @@
                 </a:solidFill>
                 <a:latin typeface="Arial" panose="020B0604020202020204" pitchFamily="34" charset="0"/>
               </a:rPr>
-              <a:t> class allows rotation of up to 90 degrees, horizontal flip, horizontal and vertical shift of the data. We need to apply the training standardization over the test set. </a:t>
-            </a:r>
-            <a:r>
-              <a:rPr lang="en-US" sz="1800" b="0" i="0" u="none" strike="noStrike" baseline="0" dirty="0" err="1">
-                <a:solidFill>
-                  <a:srgbClr val="000000"/>
-                </a:solidFill>
-                <a:latin typeface="Arial" panose="020B0604020202020204" pitchFamily="34" charset="0"/>
-              </a:rPr>
-              <a:t>ImageDataGenerator</a:t>
-            </a:r>
+              <a:t> class allows rotation of up to 90 degrees, horizontal flip, horizontal and vertical shift of the data..</a:t>
+            </a:r>
+          </a:p>
+          <a:p>
             <a:r>
               <a:rPr lang="en-US" sz="1800" b="0" i="0" u="none" strike="noStrike" baseline="0" dirty="0">
                 <a:solidFill>
@@ -5586,7 +5579,7 @@
                 </a:solidFill>
                 <a:latin typeface="Arial" panose="020B0604020202020204" pitchFamily="34" charset="0"/>
               </a:rPr>
-              <a:t> will generate a stream of augmented images during training. </a:t>
+              <a:t>Exponential Linear Unit (ELU) activation functions : A single fully-connected layer after the last max pooling.</a:t>
             </a:r>
           </a:p>
           <a:p>
@@ -5597,7 +5590,7 @@
                 </a:solidFill>
                 <a:latin typeface="Arial" panose="020B0604020202020204" pitchFamily="34" charset="0"/>
               </a:rPr>
-              <a:t>Exponential Linear Unit (ELU) activation functions : A single fully-connected layer after the last max pooling.</a:t>
+              <a:t>Batch normalization provides a way to apply data processing, similar to the standard score, for the hidden layers of the network</a:t>
             </a:r>
           </a:p>
           <a:p>
@@ -5608,18 +5601,7 @@
                 </a:solidFill>
                 <a:latin typeface="Arial" panose="020B0604020202020204" pitchFamily="34" charset="0"/>
               </a:rPr>
-              <a:t>The padding 'same' parameter : This simply means that the output volume slices will have the same dimensions as the input ones. </a:t>
-            </a:r>
-          </a:p>
-          <a:p>
-            <a:r>
-              <a:rPr lang="en-US" sz="1800" b="0" i="0" u="none" strike="noStrike" baseline="0" dirty="0">
-                <a:solidFill>
-                  <a:srgbClr val="000000"/>
-                </a:solidFill>
-                <a:latin typeface="Arial" panose="020B0604020202020204" pitchFamily="34" charset="0"/>
-              </a:rPr>
-              <a:t>Batch normalization provides a way to apply data processing, similar to the standard score, for the hidden layers of the network. It normalizes the outputs of the hidden layer for each mini-batch (hence the name) in a way, which maintains its mean activation value close to 0, and its standard deviation close to 1. We can use it with both convolutional and fully connected layers. Networks with batch normalization train faster and can use higher learning rates. </a:t>
+              <a:t>It normalizes the outputs of the hidden layer for each mini-batch (hence the name) in a way, which maintains its mean activation value close to 0, and its standard deviation close to 1 </a:t>
             </a:r>
             <a:endParaRPr lang="en-IN" dirty="0"/>
           </a:p>
@@ -6078,801 +6060,81 @@
         </p:nvSpPr>
         <p:spPr>
           <a:xfrm>
-            <a:off x="1534696" y="2015732"/>
+            <a:off x="1534696" y="1887586"/>
             <a:ext cx="9520158" cy="3960195"/>
           </a:xfrm>
         </p:spPr>
         <p:txBody>
           <a:bodyPr anchor="t">
-            <a:normAutofit fontScale="92500" lnSpcReduction="10000"/>
+            <a:noAutofit/>
           </a:bodyPr>
           <a:lstStyle/>
           <a:p>
-            <a:pPr algn="just"/>
-            <a:r>
-              <a:rPr lang="en-US" sz="1800" dirty="0">
-                <a:effectLst/>
-                <a:latin typeface="Times New Roman" panose="02020603050405020304" pitchFamily="18" charset="0"/>
-                <a:ea typeface="Times New Roman" panose="02020603050405020304" pitchFamily="18" charset="0"/>
-              </a:rPr>
-              <a:t>Biometric</a:t>
-            </a:r>
-            <a:r>
-              <a:rPr lang="en-US" sz="1800" spc="355" dirty="0">
-                <a:effectLst/>
-                <a:latin typeface="Times New Roman" panose="02020603050405020304" pitchFamily="18" charset="0"/>
-                <a:ea typeface="Times New Roman" panose="02020603050405020304" pitchFamily="18" charset="0"/>
-              </a:rPr>
-              <a:t> </a:t>
-            </a:r>
-            <a:r>
-              <a:rPr lang="en-US" sz="1800" dirty="0">
-                <a:effectLst/>
-                <a:latin typeface="Times New Roman" panose="02020603050405020304" pitchFamily="18" charset="0"/>
-                <a:ea typeface="Times New Roman" panose="02020603050405020304" pitchFamily="18" charset="0"/>
-              </a:rPr>
-              <a:t>authentication</a:t>
-            </a:r>
-            <a:r>
-              <a:rPr lang="en-US" sz="1800" spc="355" dirty="0">
-                <a:effectLst/>
-                <a:latin typeface="Times New Roman" panose="02020603050405020304" pitchFamily="18" charset="0"/>
-                <a:ea typeface="Times New Roman" panose="02020603050405020304" pitchFamily="18" charset="0"/>
-              </a:rPr>
-              <a:t> </a:t>
-            </a:r>
-            <a:r>
-              <a:rPr lang="en-US" sz="1800" dirty="0">
-                <a:effectLst/>
-                <a:latin typeface="Times New Roman" panose="02020603050405020304" pitchFamily="18" charset="0"/>
-                <a:ea typeface="Times New Roman" panose="02020603050405020304" pitchFamily="18" charset="0"/>
-              </a:rPr>
-              <a:t>is</a:t>
-            </a:r>
-            <a:r>
-              <a:rPr lang="en-US" sz="1800" spc="355" dirty="0">
-                <a:effectLst/>
-                <a:latin typeface="Times New Roman" panose="02020603050405020304" pitchFamily="18" charset="0"/>
-                <a:ea typeface="Times New Roman" panose="02020603050405020304" pitchFamily="18" charset="0"/>
-              </a:rPr>
-              <a:t> </a:t>
-            </a:r>
-            <a:r>
-              <a:rPr lang="en-US" sz="1800" dirty="0">
-                <a:effectLst/>
-                <a:latin typeface="Times New Roman" panose="02020603050405020304" pitchFamily="18" charset="0"/>
-                <a:ea typeface="Times New Roman" panose="02020603050405020304" pitchFamily="18" charset="0"/>
-              </a:rPr>
-              <a:t>a</a:t>
-            </a:r>
-            <a:r>
-              <a:rPr lang="en-US" sz="1800" spc="355" dirty="0">
-                <a:effectLst/>
-                <a:latin typeface="Times New Roman" panose="02020603050405020304" pitchFamily="18" charset="0"/>
-                <a:ea typeface="Times New Roman" panose="02020603050405020304" pitchFamily="18" charset="0"/>
-              </a:rPr>
-              <a:t> </a:t>
-            </a:r>
-            <a:r>
-              <a:rPr lang="en-US" sz="1800" dirty="0">
-                <a:effectLst/>
-                <a:latin typeface="Times New Roman" panose="02020603050405020304" pitchFamily="18" charset="0"/>
-                <a:ea typeface="Times New Roman" panose="02020603050405020304" pitchFamily="18" charset="0"/>
-              </a:rPr>
-              <a:t>security</a:t>
-            </a:r>
-            <a:r>
-              <a:rPr lang="en-US" sz="1800" spc="355" dirty="0">
-                <a:effectLst/>
-                <a:latin typeface="Times New Roman" panose="02020603050405020304" pitchFamily="18" charset="0"/>
-                <a:ea typeface="Times New Roman" panose="02020603050405020304" pitchFamily="18" charset="0"/>
-              </a:rPr>
-              <a:t> </a:t>
-            </a:r>
-            <a:r>
-              <a:rPr lang="en-US" sz="1800" dirty="0">
-                <a:effectLst/>
-                <a:latin typeface="Times New Roman" panose="02020603050405020304" pitchFamily="18" charset="0"/>
-                <a:ea typeface="Times New Roman" panose="02020603050405020304" pitchFamily="18" charset="0"/>
-              </a:rPr>
-              <a:t>process  </a:t>
-            </a:r>
-            <a:r>
-              <a:rPr lang="en-US" sz="1800" spc="5" dirty="0">
-                <a:effectLst/>
-                <a:latin typeface="Times New Roman" panose="02020603050405020304" pitchFamily="18" charset="0"/>
-                <a:ea typeface="Times New Roman" panose="02020603050405020304" pitchFamily="18" charset="0"/>
-              </a:rPr>
-              <a:t> </a:t>
-            </a:r>
-            <a:r>
-              <a:rPr lang="en-US" sz="1800" dirty="0">
-                <a:effectLst/>
-                <a:latin typeface="Times New Roman" panose="02020603050405020304" pitchFamily="18" charset="0"/>
-                <a:ea typeface="Times New Roman" panose="02020603050405020304" pitchFamily="18" charset="0"/>
-              </a:rPr>
-              <a:t>that  </a:t>
-            </a:r>
-            <a:r>
-              <a:rPr lang="en-US" sz="1800" spc="5" dirty="0">
-                <a:effectLst/>
-                <a:latin typeface="Times New Roman" panose="02020603050405020304" pitchFamily="18" charset="0"/>
-                <a:ea typeface="Times New Roman" panose="02020603050405020304" pitchFamily="18" charset="0"/>
-              </a:rPr>
-              <a:t> </a:t>
-            </a:r>
-            <a:r>
-              <a:rPr lang="en-US" sz="1800" dirty="0">
-                <a:effectLst/>
-                <a:latin typeface="Times New Roman" panose="02020603050405020304" pitchFamily="18" charset="0"/>
-                <a:ea typeface="Times New Roman" panose="02020603050405020304" pitchFamily="18" charset="0"/>
-              </a:rPr>
-              <a:t>relies  </a:t>
-            </a:r>
-            <a:r>
-              <a:rPr lang="en-US" sz="1800" spc="5" dirty="0">
-                <a:effectLst/>
-                <a:latin typeface="Times New Roman" panose="02020603050405020304" pitchFamily="18" charset="0"/>
-                <a:ea typeface="Times New Roman" panose="02020603050405020304" pitchFamily="18" charset="0"/>
-              </a:rPr>
-              <a:t> </a:t>
-            </a:r>
-            <a:r>
-              <a:rPr lang="en-US" sz="1800" dirty="0">
-                <a:effectLst/>
-                <a:latin typeface="Times New Roman" panose="02020603050405020304" pitchFamily="18" charset="0"/>
-                <a:ea typeface="Times New Roman" panose="02020603050405020304" pitchFamily="18" charset="0"/>
-              </a:rPr>
-              <a:t>on  </a:t>
-            </a:r>
-            <a:r>
-              <a:rPr lang="en-US" sz="1800" spc="5" dirty="0">
-                <a:effectLst/>
-                <a:latin typeface="Times New Roman" panose="02020603050405020304" pitchFamily="18" charset="0"/>
-                <a:ea typeface="Times New Roman" panose="02020603050405020304" pitchFamily="18" charset="0"/>
-              </a:rPr>
-              <a:t> </a:t>
-            </a:r>
-            <a:r>
-              <a:rPr lang="en-US" sz="1800" dirty="0">
-                <a:effectLst/>
-                <a:latin typeface="Times New Roman" panose="02020603050405020304" pitchFamily="18" charset="0"/>
-                <a:ea typeface="Times New Roman" panose="02020603050405020304" pitchFamily="18" charset="0"/>
-              </a:rPr>
-              <a:t>the  </a:t>
-            </a:r>
-            <a:r>
-              <a:rPr lang="en-US" sz="1800" spc="5" dirty="0">
-                <a:effectLst/>
-                <a:latin typeface="Times New Roman" panose="02020603050405020304" pitchFamily="18" charset="0"/>
-                <a:ea typeface="Times New Roman" panose="02020603050405020304" pitchFamily="18" charset="0"/>
-              </a:rPr>
-              <a:t> </a:t>
-            </a:r>
-            <a:r>
-              <a:rPr lang="en-US" sz="1800" dirty="0">
-                <a:effectLst/>
-                <a:latin typeface="Times New Roman" panose="02020603050405020304" pitchFamily="18" charset="0"/>
-                <a:ea typeface="Times New Roman" panose="02020603050405020304" pitchFamily="18" charset="0"/>
-              </a:rPr>
-              <a:t>unique</a:t>
-            </a:r>
-            <a:r>
-              <a:rPr lang="en-US" sz="1800" spc="-335" dirty="0">
-                <a:effectLst/>
-                <a:latin typeface="Times New Roman" panose="02020603050405020304" pitchFamily="18" charset="0"/>
-                <a:ea typeface="Times New Roman" panose="02020603050405020304" pitchFamily="18" charset="0"/>
-              </a:rPr>
-              <a:t> </a:t>
-            </a:r>
-            <a:r>
-              <a:rPr lang="en-US" sz="1800" spc="-335" dirty="0">
-                <a:latin typeface="Times New Roman" panose="02020603050405020304" pitchFamily="18" charset="0"/>
-                <a:ea typeface="Times New Roman" panose="02020603050405020304" pitchFamily="18" charset="0"/>
-              </a:rPr>
-              <a:t> </a:t>
-            </a:r>
-            <a:r>
-              <a:rPr lang="en-US" sz="1800" dirty="0">
-                <a:effectLst/>
-                <a:latin typeface="Times New Roman" panose="02020603050405020304" pitchFamily="18" charset="0"/>
-                <a:ea typeface="Times New Roman" panose="02020603050405020304" pitchFamily="18" charset="0"/>
-              </a:rPr>
-              <a:t>biological characteristics of</a:t>
-            </a:r>
-            <a:r>
-              <a:rPr lang="en-US" sz="1800" spc="5" dirty="0">
-                <a:effectLst/>
-                <a:latin typeface="Times New Roman" panose="02020603050405020304" pitchFamily="18" charset="0"/>
-                <a:ea typeface="Times New Roman" panose="02020603050405020304" pitchFamily="18" charset="0"/>
-              </a:rPr>
-              <a:t> </a:t>
-            </a:r>
-            <a:r>
-              <a:rPr lang="en-US" sz="1800" dirty="0">
-                <a:effectLst/>
-                <a:latin typeface="Times New Roman" panose="02020603050405020304" pitchFamily="18" charset="0"/>
-                <a:ea typeface="Times New Roman" panose="02020603050405020304" pitchFamily="18" charset="0"/>
-              </a:rPr>
-              <a:t>an</a:t>
-            </a:r>
-            <a:r>
-              <a:rPr lang="en-US" sz="1800" spc="5" dirty="0">
-                <a:effectLst/>
-                <a:latin typeface="Times New Roman" panose="02020603050405020304" pitchFamily="18" charset="0"/>
-                <a:ea typeface="Times New Roman" panose="02020603050405020304" pitchFamily="18" charset="0"/>
-              </a:rPr>
-              <a:t> </a:t>
-            </a:r>
-            <a:r>
-              <a:rPr lang="en-US" sz="1800" dirty="0">
-                <a:effectLst/>
-                <a:latin typeface="Times New Roman" panose="02020603050405020304" pitchFamily="18" charset="0"/>
-                <a:ea typeface="Times New Roman" panose="02020603050405020304" pitchFamily="18" charset="0"/>
-              </a:rPr>
-              <a:t>individual</a:t>
-            </a:r>
-            <a:r>
-              <a:rPr lang="en-US" sz="1800" spc="5" dirty="0">
-                <a:effectLst/>
-                <a:latin typeface="Times New Roman" panose="02020603050405020304" pitchFamily="18" charset="0"/>
-                <a:ea typeface="Times New Roman" panose="02020603050405020304" pitchFamily="18" charset="0"/>
-              </a:rPr>
-              <a:t> </a:t>
-            </a:r>
-            <a:r>
-              <a:rPr lang="en-US" sz="1800" dirty="0">
-                <a:effectLst/>
-                <a:latin typeface="Times New Roman" panose="02020603050405020304" pitchFamily="18" charset="0"/>
-                <a:ea typeface="Times New Roman" panose="02020603050405020304" pitchFamily="18" charset="0"/>
-              </a:rPr>
-              <a:t>to</a:t>
-            </a:r>
-            <a:r>
-              <a:rPr lang="en-US" sz="1800" spc="5" dirty="0">
-                <a:effectLst/>
-                <a:latin typeface="Times New Roman" panose="02020603050405020304" pitchFamily="18" charset="0"/>
-                <a:ea typeface="Times New Roman" panose="02020603050405020304" pitchFamily="18" charset="0"/>
-              </a:rPr>
-              <a:t> </a:t>
-            </a:r>
-            <a:r>
-              <a:rPr lang="en-US" sz="1800" dirty="0">
-                <a:effectLst/>
-                <a:latin typeface="Times New Roman" panose="02020603050405020304" pitchFamily="18" charset="0"/>
-                <a:ea typeface="Times New Roman" panose="02020603050405020304" pitchFamily="18" charset="0"/>
-              </a:rPr>
-              <a:t>verify</a:t>
-            </a:r>
-            <a:r>
-              <a:rPr lang="en-US" sz="1800" spc="5" dirty="0">
-                <a:effectLst/>
-                <a:latin typeface="Times New Roman" panose="02020603050405020304" pitchFamily="18" charset="0"/>
-                <a:ea typeface="Times New Roman" panose="02020603050405020304" pitchFamily="18" charset="0"/>
-              </a:rPr>
-              <a:t> </a:t>
-            </a:r>
-            <a:r>
-              <a:rPr lang="en-US" sz="1800" dirty="0">
-                <a:effectLst/>
-                <a:latin typeface="Times New Roman" panose="02020603050405020304" pitchFamily="18" charset="0"/>
-                <a:ea typeface="Times New Roman" panose="02020603050405020304" pitchFamily="18" charset="0"/>
-              </a:rPr>
-              <a:t>that</a:t>
-            </a:r>
-            <a:r>
-              <a:rPr lang="en-US" sz="1800" spc="5" dirty="0">
-                <a:effectLst/>
-                <a:latin typeface="Times New Roman" panose="02020603050405020304" pitchFamily="18" charset="0"/>
-                <a:ea typeface="Times New Roman" panose="02020603050405020304" pitchFamily="18" charset="0"/>
-              </a:rPr>
-              <a:t> </a:t>
-            </a:r>
-            <a:r>
-              <a:rPr lang="en-US" sz="1800" dirty="0">
-                <a:effectLst/>
-                <a:latin typeface="Times New Roman" panose="02020603050405020304" pitchFamily="18" charset="0"/>
-                <a:ea typeface="Times New Roman" panose="02020603050405020304" pitchFamily="18" charset="0"/>
-              </a:rPr>
-              <a:t>he</a:t>
-            </a:r>
-            <a:r>
-              <a:rPr lang="en-US" sz="1800" spc="5" dirty="0">
-                <a:effectLst/>
-                <a:latin typeface="Times New Roman" panose="02020603050405020304" pitchFamily="18" charset="0"/>
-                <a:ea typeface="Times New Roman" panose="02020603050405020304" pitchFamily="18" charset="0"/>
-              </a:rPr>
-              <a:t> </a:t>
-            </a:r>
-            <a:r>
-              <a:rPr lang="en-US" sz="1800" dirty="0">
-                <a:effectLst/>
-                <a:latin typeface="Times New Roman" panose="02020603050405020304" pitchFamily="18" charset="0"/>
-                <a:ea typeface="Times New Roman" panose="02020603050405020304" pitchFamily="18" charset="0"/>
-              </a:rPr>
-              <a:t>is</a:t>
-            </a:r>
-            <a:r>
-              <a:rPr lang="en-US" sz="1800" spc="5" dirty="0">
-                <a:effectLst/>
-                <a:latin typeface="Times New Roman" panose="02020603050405020304" pitchFamily="18" charset="0"/>
-                <a:ea typeface="Times New Roman" panose="02020603050405020304" pitchFamily="18" charset="0"/>
-              </a:rPr>
-              <a:t> </a:t>
-            </a:r>
-            <a:r>
-              <a:rPr lang="en-US" sz="1800" dirty="0">
-                <a:effectLst/>
-                <a:latin typeface="Times New Roman" panose="02020603050405020304" pitchFamily="18" charset="0"/>
-                <a:ea typeface="Times New Roman" panose="02020603050405020304" pitchFamily="18" charset="0"/>
-              </a:rPr>
-              <a:t>who</a:t>
-            </a:r>
-            <a:r>
-              <a:rPr lang="en-US" sz="1800" spc="5" dirty="0">
-                <a:effectLst/>
-                <a:latin typeface="Times New Roman" panose="02020603050405020304" pitchFamily="18" charset="0"/>
-                <a:ea typeface="Times New Roman" panose="02020603050405020304" pitchFamily="18" charset="0"/>
-              </a:rPr>
-              <a:t> </a:t>
-            </a:r>
-            <a:r>
-              <a:rPr lang="en-US" sz="1800" dirty="0">
-                <a:effectLst/>
-                <a:latin typeface="Times New Roman" panose="02020603050405020304" pitchFamily="18" charset="0"/>
-                <a:ea typeface="Times New Roman" panose="02020603050405020304" pitchFamily="18" charset="0"/>
-              </a:rPr>
-              <a:t>he</a:t>
-            </a:r>
-            <a:r>
-              <a:rPr lang="en-US" sz="1800" spc="5" dirty="0">
-                <a:effectLst/>
-                <a:latin typeface="Times New Roman" panose="02020603050405020304" pitchFamily="18" charset="0"/>
-                <a:ea typeface="Times New Roman" panose="02020603050405020304" pitchFamily="18" charset="0"/>
-              </a:rPr>
-              <a:t> </a:t>
-            </a:r>
-            <a:r>
-              <a:rPr lang="en-US" sz="1800" dirty="0">
-                <a:effectLst/>
-                <a:latin typeface="Times New Roman" panose="02020603050405020304" pitchFamily="18" charset="0"/>
-                <a:ea typeface="Times New Roman" panose="02020603050405020304" pitchFamily="18" charset="0"/>
-              </a:rPr>
-              <a:t>says</a:t>
-            </a:r>
-            <a:r>
-              <a:rPr lang="en-US" sz="1800" spc="5" dirty="0">
-                <a:effectLst/>
-                <a:latin typeface="Times New Roman" panose="02020603050405020304" pitchFamily="18" charset="0"/>
-                <a:ea typeface="Times New Roman" panose="02020603050405020304" pitchFamily="18" charset="0"/>
-              </a:rPr>
-              <a:t> </a:t>
-            </a:r>
-            <a:r>
-              <a:rPr lang="en-US" sz="1800" dirty="0">
-                <a:effectLst/>
-                <a:latin typeface="Times New Roman" panose="02020603050405020304" pitchFamily="18" charset="0"/>
-                <a:ea typeface="Times New Roman" panose="02020603050405020304" pitchFamily="18" charset="0"/>
-              </a:rPr>
-              <a:t>he</a:t>
-            </a:r>
-            <a:r>
-              <a:rPr lang="en-US" sz="1800" spc="350" dirty="0">
-                <a:effectLst/>
-                <a:latin typeface="Times New Roman" panose="02020603050405020304" pitchFamily="18" charset="0"/>
-                <a:ea typeface="Times New Roman" panose="02020603050405020304" pitchFamily="18" charset="0"/>
-              </a:rPr>
-              <a:t> </a:t>
-            </a:r>
-            <a:r>
-              <a:rPr lang="en-US" sz="1800" dirty="0">
-                <a:effectLst/>
-                <a:latin typeface="Times New Roman" panose="02020603050405020304" pitchFamily="18" charset="0"/>
-                <a:ea typeface="Times New Roman" panose="02020603050405020304" pitchFamily="18" charset="0"/>
-              </a:rPr>
-              <a:t>is.</a:t>
-            </a:r>
-            <a:endParaRPr lang="en-US" sz="1800" spc="5" dirty="0">
+            <a:r>
+              <a:rPr lang="en-US" sz="2800" baseline="-25000" dirty="0">
+                <a:latin typeface="Times New Roman" panose="02020603050405020304" pitchFamily="18" charset="0"/>
+                <a:cs typeface="Times New Roman" panose="02020603050405020304" pitchFamily="18" charset="0"/>
+              </a:rPr>
+              <a:t>Unique to each individual, even among identical twins.</a:t>
+            </a:r>
+          </a:p>
+          <a:p>
+            <a:endParaRPr lang="en-US" sz="2800" baseline="-25000" dirty="0">
               <a:latin typeface="Times New Roman" panose="02020603050405020304" pitchFamily="18" charset="0"/>
-              <a:ea typeface="Times New Roman" panose="02020603050405020304" pitchFamily="18" charset="0"/>
+              <a:cs typeface="Times New Roman" panose="02020603050405020304" pitchFamily="18" charset="0"/>
             </a:endParaRPr>
           </a:p>
           <a:p>
-            <a:pPr algn="just"/>
-            <a:r>
-              <a:rPr lang="en-US" sz="1800" dirty="0">
-                <a:effectLst/>
-                <a:latin typeface="Times New Roman" panose="02020603050405020304" pitchFamily="18" charset="0"/>
-                <a:ea typeface="Times New Roman" panose="02020603050405020304" pitchFamily="18" charset="0"/>
-              </a:rPr>
-              <a:t>Biometric</a:t>
-            </a:r>
-            <a:r>
-              <a:rPr lang="en-US" sz="1800" spc="5" dirty="0">
-                <a:effectLst/>
-                <a:latin typeface="Times New Roman" panose="02020603050405020304" pitchFamily="18" charset="0"/>
-                <a:ea typeface="Times New Roman" panose="02020603050405020304" pitchFamily="18" charset="0"/>
-              </a:rPr>
-              <a:t> </a:t>
-            </a:r>
-            <a:r>
-              <a:rPr lang="en-US" sz="1800" dirty="0">
-                <a:effectLst/>
-                <a:latin typeface="Times New Roman" panose="02020603050405020304" pitchFamily="18" charset="0"/>
-                <a:ea typeface="Times New Roman" panose="02020603050405020304" pitchFamily="18" charset="0"/>
-              </a:rPr>
-              <a:t>authentication</a:t>
-            </a:r>
-            <a:r>
-              <a:rPr lang="en-US" sz="1800" spc="5" dirty="0">
-                <a:effectLst/>
-                <a:latin typeface="Times New Roman" panose="02020603050405020304" pitchFamily="18" charset="0"/>
-                <a:ea typeface="Times New Roman" panose="02020603050405020304" pitchFamily="18" charset="0"/>
-              </a:rPr>
-              <a:t> </a:t>
-            </a:r>
-            <a:r>
-              <a:rPr lang="en-US" sz="1800" dirty="0">
-                <a:effectLst/>
-                <a:latin typeface="Times New Roman" panose="02020603050405020304" pitchFamily="18" charset="0"/>
-                <a:ea typeface="Times New Roman" panose="02020603050405020304" pitchFamily="18" charset="0"/>
-              </a:rPr>
-              <a:t>technology</a:t>
-            </a:r>
-            <a:r>
-              <a:rPr lang="en-US" sz="1800" spc="5" dirty="0">
-                <a:effectLst/>
-                <a:latin typeface="Times New Roman" panose="02020603050405020304" pitchFamily="18" charset="0"/>
-                <a:ea typeface="Times New Roman" panose="02020603050405020304" pitchFamily="18" charset="0"/>
-              </a:rPr>
-              <a:t> </a:t>
-            </a:r>
-            <a:r>
-              <a:rPr lang="en-US" sz="1800" dirty="0">
-                <a:effectLst/>
-                <a:latin typeface="Times New Roman" panose="02020603050405020304" pitchFamily="18" charset="0"/>
-                <a:ea typeface="Times New Roman" panose="02020603050405020304" pitchFamily="18" charset="0"/>
-              </a:rPr>
-              <a:t>compares</a:t>
-            </a:r>
-            <a:r>
-              <a:rPr lang="en-US" sz="1800" spc="5" dirty="0">
-                <a:effectLst/>
-                <a:latin typeface="Times New Roman" panose="02020603050405020304" pitchFamily="18" charset="0"/>
-                <a:ea typeface="Times New Roman" panose="02020603050405020304" pitchFamily="18" charset="0"/>
-              </a:rPr>
-              <a:t> </a:t>
-            </a:r>
-            <a:r>
-              <a:rPr lang="en-US" sz="1800" dirty="0">
-                <a:effectLst/>
-                <a:latin typeface="Times New Roman" panose="02020603050405020304" pitchFamily="18" charset="0"/>
-                <a:ea typeface="Times New Roman" panose="02020603050405020304" pitchFamily="18" charset="0"/>
-              </a:rPr>
-              <a:t>biometric</a:t>
-            </a:r>
-            <a:r>
-              <a:rPr lang="en-US" sz="1800" spc="5" dirty="0">
-                <a:effectLst/>
-                <a:latin typeface="Times New Roman" panose="02020603050405020304" pitchFamily="18" charset="0"/>
-                <a:ea typeface="Times New Roman" panose="02020603050405020304" pitchFamily="18" charset="0"/>
-              </a:rPr>
-              <a:t> </a:t>
-            </a:r>
-            <a:r>
-              <a:rPr lang="en-US" sz="1800" dirty="0">
-                <a:effectLst/>
-                <a:latin typeface="Times New Roman" panose="02020603050405020304" pitchFamily="18" charset="0"/>
-                <a:ea typeface="Times New Roman" panose="02020603050405020304" pitchFamily="18" charset="0"/>
-              </a:rPr>
-              <a:t>data</a:t>
-            </a:r>
-            <a:r>
-              <a:rPr lang="en-US" sz="1800" spc="5" dirty="0">
-                <a:effectLst/>
-                <a:latin typeface="Times New Roman" panose="02020603050405020304" pitchFamily="18" charset="0"/>
-                <a:ea typeface="Times New Roman" panose="02020603050405020304" pitchFamily="18" charset="0"/>
-              </a:rPr>
-              <a:t> </a:t>
-            </a:r>
-            <a:r>
-              <a:rPr lang="en-US" sz="1800" dirty="0">
-                <a:effectLst/>
-                <a:latin typeface="Times New Roman" panose="02020603050405020304" pitchFamily="18" charset="0"/>
-                <a:ea typeface="Times New Roman" panose="02020603050405020304" pitchFamily="18" charset="0"/>
-              </a:rPr>
-              <a:t>capture</a:t>
-            </a:r>
-            <a:r>
-              <a:rPr lang="en-US" sz="1800" spc="5" dirty="0">
-                <a:effectLst/>
-                <a:latin typeface="Times New Roman" panose="02020603050405020304" pitchFamily="18" charset="0"/>
-                <a:ea typeface="Times New Roman" panose="02020603050405020304" pitchFamily="18" charset="0"/>
-              </a:rPr>
-              <a:t> </a:t>
-            </a:r>
-            <a:r>
-              <a:rPr lang="en-US" sz="1800" dirty="0">
-                <a:effectLst/>
-                <a:latin typeface="Times New Roman" panose="02020603050405020304" pitchFamily="18" charset="0"/>
-                <a:ea typeface="Times New Roman" panose="02020603050405020304" pitchFamily="18" charset="0"/>
-              </a:rPr>
-              <a:t>to</a:t>
-            </a:r>
-            <a:r>
-              <a:rPr lang="en-US" sz="1800" spc="5" dirty="0">
-                <a:effectLst/>
-                <a:latin typeface="Times New Roman" panose="02020603050405020304" pitchFamily="18" charset="0"/>
-                <a:ea typeface="Times New Roman" panose="02020603050405020304" pitchFamily="18" charset="0"/>
-              </a:rPr>
-              <a:t> </a:t>
-            </a:r>
-            <a:r>
-              <a:rPr lang="en-US" sz="1800" dirty="0">
-                <a:effectLst/>
-                <a:latin typeface="Times New Roman" panose="02020603050405020304" pitchFamily="18" charset="0"/>
-                <a:ea typeface="Times New Roman" panose="02020603050405020304" pitchFamily="18" charset="0"/>
-              </a:rPr>
-              <a:t>stored,</a:t>
-            </a:r>
-            <a:r>
-              <a:rPr lang="en-US" sz="1800" spc="5" dirty="0">
-                <a:effectLst/>
-                <a:latin typeface="Times New Roman" panose="02020603050405020304" pitchFamily="18" charset="0"/>
-                <a:ea typeface="Times New Roman" panose="02020603050405020304" pitchFamily="18" charset="0"/>
-              </a:rPr>
-              <a:t> </a:t>
-            </a:r>
-            <a:r>
-              <a:rPr lang="en-US" sz="1800" dirty="0">
-                <a:effectLst/>
-                <a:latin typeface="Times New Roman" panose="02020603050405020304" pitchFamily="18" charset="0"/>
-                <a:ea typeface="Times New Roman" panose="02020603050405020304" pitchFamily="18" charset="0"/>
-              </a:rPr>
-              <a:t>confirmed authentic data in a database. </a:t>
-            </a:r>
-          </a:p>
-          <a:p>
-            <a:pPr algn="just"/>
-            <a:r>
-              <a:rPr lang="en-US" sz="1800" dirty="0">
-                <a:effectLst/>
-                <a:latin typeface="Times New Roman" panose="02020603050405020304" pitchFamily="18" charset="0"/>
-                <a:ea typeface="Times New Roman" panose="02020603050405020304" pitchFamily="18" charset="0"/>
-              </a:rPr>
-              <a:t>Finger vein recognition is a method that specifies</a:t>
-            </a:r>
-            <a:r>
-              <a:rPr lang="en-US" sz="1800" spc="-335" dirty="0">
-                <a:effectLst/>
-                <a:latin typeface="Times New Roman" panose="02020603050405020304" pitchFamily="18" charset="0"/>
-                <a:ea typeface="Times New Roman" panose="02020603050405020304" pitchFamily="18" charset="0"/>
-              </a:rPr>
-              <a:t>  </a:t>
-            </a:r>
-            <a:r>
-              <a:rPr lang="en-US" sz="1800" dirty="0">
-                <a:effectLst/>
-                <a:latin typeface="Times New Roman" panose="02020603050405020304" pitchFamily="18" charset="0"/>
-                <a:ea typeface="Times New Roman" panose="02020603050405020304" pitchFamily="18" charset="0"/>
-              </a:rPr>
-              <a:t>an individual using the vein pattern inside one’s fingers. </a:t>
-            </a:r>
-          </a:p>
-          <a:p>
-            <a:pPr algn="just"/>
-            <a:r>
-              <a:rPr lang="en-US" sz="1800" dirty="0">
-                <a:effectLst/>
-                <a:latin typeface="Times New Roman" panose="02020603050405020304" pitchFamily="18" charset="0"/>
-                <a:ea typeface="Times New Roman" panose="02020603050405020304" pitchFamily="18" charset="0"/>
-              </a:rPr>
-              <a:t>Finger vein patterns are unique</a:t>
-            </a:r>
-            <a:r>
-              <a:rPr lang="en-US" sz="1800" spc="5" dirty="0">
-                <a:effectLst/>
-                <a:latin typeface="Times New Roman" panose="02020603050405020304" pitchFamily="18" charset="0"/>
-                <a:ea typeface="Times New Roman" panose="02020603050405020304" pitchFamily="18" charset="0"/>
-              </a:rPr>
-              <a:t> </a:t>
-            </a:r>
-            <a:r>
-              <a:rPr lang="en-US" sz="1800" dirty="0">
-                <a:effectLst/>
-                <a:latin typeface="Times New Roman" panose="02020603050405020304" pitchFamily="18" charset="0"/>
-                <a:ea typeface="Times New Roman" panose="02020603050405020304" pitchFamily="18" charset="0"/>
-              </a:rPr>
-              <a:t>to each individual, even among identical twins. The false acceptance rate is very low</a:t>
-            </a:r>
-            <a:r>
-              <a:rPr lang="en-US" sz="1800" spc="5" dirty="0">
-                <a:effectLst/>
-                <a:latin typeface="Times New Roman" panose="02020603050405020304" pitchFamily="18" charset="0"/>
-                <a:ea typeface="Times New Roman" panose="02020603050405020304" pitchFamily="18" charset="0"/>
-              </a:rPr>
-              <a:t> </a:t>
-            </a:r>
-            <a:r>
-              <a:rPr lang="en-US" sz="1800" dirty="0">
-                <a:effectLst/>
-                <a:latin typeface="Times New Roman" panose="02020603050405020304" pitchFamily="18" charset="0"/>
-                <a:ea typeface="Times New Roman" panose="02020603050405020304" pitchFamily="18" charset="0"/>
-              </a:rPr>
-              <a:t>(close to zero).</a:t>
-            </a:r>
-          </a:p>
-          <a:p>
-            <a:pPr algn="just"/>
-            <a:r>
-              <a:rPr lang="en-US" sz="1800" dirty="0">
-                <a:effectLst/>
-                <a:latin typeface="Times New Roman" panose="02020603050405020304" pitchFamily="18" charset="0"/>
-                <a:ea typeface="Times New Roman" panose="02020603050405020304" pitchFamily="18" charset="0"/>
-              </a:rPr>
-              <a:t>Placing a hand or finger is less intrusive compared to other biometric</a:t>
-            </a:r>
-            <a:r>
-              <a:rPr lang="en-US" sz="1800" spc="5" dirty="0">
-                <a:effectLst/>
-                <a:latin typeface="Times New Roman" panose="02020603050405020304" pitchFamily="18" charset="0"/>
-                <a:ea typeface="Times New Roman" panose="02020603050405020304" pitchFamily="18" charset="0"/>
-              </a:rPr>
-              <a:t> </a:t>
-            </a:r>
-            <a:r>
-              <a:rPr lang="en-US" sz="1800" dirty="0">
-                <a:effectLst/>
-                <a:latin typeface="Times New Roman" panose="02020603050405020304" pitchFamily="18" charset="0"/>
-                <a:ea typeface="Times New Roman" panose="02020603050405020304" pitchFamily="18" charset="0"/>
-              </a:rPr>
-              <a:t>technologies. Because veins are located inside the body, it is extremely difficult to read</a:t>
-            </a:r>
-            <a:r>
-              <a:rPr lang="en-US" sz="1800" spc="5" dirty="0">
-                <a:effectLst/>
-                <a:latin typeface="Times New Roman" panose="02020603050405020304" pitchFamily="18" charset="0"/>
-                <a:ea typeface="Times New Roman" panose="02020603050405020304" pitchFamily="18" charset="0"/>
-              </a:rPr>
-              <a:t> </a:t>
-            </a:r>
-            <a:r>
-              <a:rPr lang="en-US" sz="1800" dirty="0">
-                <a:effectLst/>
-                <a:latin typeface="Times New Roman" panose="02020603050405020304" pitchFamily="18" charset="0"/>
-                <a:ea typeface="Times New Roman" panose="02020603050405020304" pitchFamily="18" charset="0"/>
-              </a:rPr>
-              <a:t>or steal and hence cannot be duplicated. Finger veins are less likely to be influenced by</a:t>
-            </a:r>
-            <a:r>
-              <a:rPr lang="en-US" sz="1800" spc="5" dirty="0">
-                <a:effectLst/>
-                <a:latin typeface="Times New Roman" panose="02020603050405020304" pitchFamily="18" charset="0"/>
-                <a:ea typeface="Times New Roman" panose="02020603050405020304" pitchFamily="18" charset="0"/>
-              </a:rPr>
-              <a:t> </a:t>
-            </a:r>
-            <a:r>
-              <a:rPr lang="en-US" sz="1800" dirty="0">
-                <a:effectLst/>
-                <a:latin typeface="Times New Roman" panose="02020603050405020304" pitchFamily="18" charset="0"/>
-                <a:ea typeface="Times New Roman" panose="02020603050405020304" pitchFamily="18" charset="0"/>
-              </a:rPr>
-              <a:t>changes</a:t>
-            </a:r>
-            <a:r>
-              <a:rPr lang="en-US" sz="1800" spc="-15" dirty="0">
-                <a:effectLst/>
-                <a:latin typeface="Times New Roman" panose="02020603050405020304" pitchFamily="18" charset="0"/>
-                <a:ea typeface="Times New Roman" panose="02020603050405020304" pitchFamily="18" charset="0"/>
-              </a:rPr>
-              <a:t> </a:t>
-            </a:r>
-            <a:r>
-              <a:rPr lang="en-US" sz="1800" dirty="0">
-                <a:effectLst/>
-                <a:latin typeface="Times New Roman" panose="02020603050405020304" pitchFamily="18" charset="0"/>
-                <a:ea typeface="Times New Roman" panose="02020603050405020304" pitchFamily="18" charset="0"/>
-              </a:rPr>
-              <a:t>in</a:t>
-            </a:r>
-            <a:r>
-              <a:rPr lang="en-US" sz="1800" spc="-15" dirty="0">
-                <a:effectLst/>
-                <a:latin typeface="Times New Roman" panose="02020603050405020304" pitchFamily="18" charset="0"/>
-                <a:ea typeface="Times New Roman" panose="02020603050405020304" pitchFamily="18" charset="0"/>
-              </a:rPr>
-              <a:t> </a:t>
-            </a:r>
-            <a:r>
-              <a:rPr lang="en-US" sz="1800" dirty="0">
-                <a:effectLst/>
-                <a:latin typeface="Times New Roman" panose="02020603050405020304" pitchFamily="18" charset="0"/>
-                <a:ea typeface="Times New Roman" panose="02020603050405020304" pitchFamily="18" charset="0"/>
-              </a:rPr>
-              <a:t>the</a:t>
-            </a:r>
-            <a:r>
-              <a:rPr lang="en-US" sz="1800" spc="-5" dirty="0">
-                <a:effectLst/>
-                <a:latin typeface="Times New Roman" panose="02020603050405020304" pitchFamily="18" charset="0"/>
-                <a:ea typeface="Times New Roman" panose="02020603050405020304" pitchFamily="18" charset="0"/>
-              </a:rPr>
-              <a:t> </a:t>
-            </a:r>
-            <a:r>
-              <a:rPr lang="en-US" sz="1800" dirty="0">
-                <a:effectLst/>
-                <a:latin typeface="Times New Roman" panose="02020603050405020304" pitchFamily="18" charset="0"/>
-                <a:ea typeface="Times New Roman" panose="02020603050405020304" pitchFamily="18" charset="0"/>
-              </a:rPr>
-              <a:t>weather</a:t>
-            </a:r>
-            <a:r>
-              <a:rPr lang="en-US" sz="1800" spc="-5" dirty="0">
-                <a:effectLst/>
-                <a:latin typeface="Times New Roman" panose="02020603050405020304" pitchFamily="18" charset="0"/>
-                <a:ea typeface="Times New Roman" panose="02020603050405020304" pitchFamily="18" charset="0"/>
-              </a:rPr>
-              <a:t> </a:t>
-            </a:r>
-            <a:r>
-              <a:rPr lang="en-US" sz="1800" dirty="0">
-                <a:effectLst/>
-                <a:latin typeface="Times New Roman" panose="02020603050405020304" pitchFamily="18" charset="0"/>
-                <a:ea typeface="Times New Roman" panose="02020603050405020304" pitchFamily="18" charset="0"/>
-              </a:rPr>
-              <a:t>or physical condition</a:t>
-            </a:r>
-            <a:r>
-              <a:rPr lang="en-US" sz="1800" spc="-15" dirty="0">
-                <a:effectLst/>
-                <a:latin typeface="Times New Roman" panose="02020603050405020304" pitchFamily="18" charset="0"/>
-                <a:ea typeface="Times New Roman" panose="02020603050405020304" pitchFamily="18" charset="0"/>
-              </a:rPr>
-              <a:t> </a:t>
-            </a:r>
-            <a:r>
-              <a:rPr lang="en-US" sz="1800" dirty="0">
-                <a:effectLst/>
-                <a:latin typeface="Times New Roman" panose="02020603050405020304" pitchFamily="18" charset="0"/>
-                <a:ea typeface="Times New Roman" panose="02020603050405020304" pitchFamily="18" charset="0"/>
-              </a:rPr>
-              <a:t>of</a:t>
-            </a:r>
-            <a:r>
-              <a:rPr lang="en-US" sz="1800" spc="-5" dirty="0">
-                <a:effectLst/>
-                <a:latin typeface="Times New Roman" panose="02020603050405020304" pitchFamily="18" charset="0"/>
-                <a:ea typeface="Times New Roman" panose="02020603050405020304" pitchFamily="18" charset="0"/>
-              </a:rPr>
-              <a:t> </a:t>
-            </a:r>
-            <a:r>
-              <a:rPr lang="en-US" sz="1800" dirty="0">
-                <a:effectLst/>
-                <a:latin typeface="Times New Roman" panose="02020603050405020304" pitchFamily="18" charset="0"/>
-                <a:ea typeface="Times New Roman" panose="02020603050405020304" pitchFamily="18" charset="0"/>
-              </a:rPr>
-              <a:t>the</a:t>
-            </a:r>
-            <a:r>
-              <a:rPr lang="en-US" sz="1800" spc="-15" dirty="0">
-                <a:effectLst/>
-                <a:latin typeface="Times New Roman" panose="02020603050405020304" pitchFamily="18" charset="0"/>
-                <a:ea typeface="Times New Roman" panose="02020603050405020304" pitchFamily="18" charset="0"/>
-              </a:rPr>
-              <a:t> </a:t>
-            </a:r>
-            <a:r>
-              <a:rPr lang="en-US" sz="1800" dirty="0">
-                <a:effectLst/>
-                <a:latin typeface="Times New Roman" panose="02020603050405020304" pitchFamily="18" charset="0"/>
-                <a:ea typeface="Times New Roman" panose="02020603050405020304" pitchFamily="18" charset="0"/>
-              </a:rPr>
-              <a:t>individual.</a:t>
-            </a:r>
-            <a:endParaRPr lang="en-IN" sz="1800" dirty="0">
+            <a:r>
+              <a:rPr lang="en-US" sz="2800" baseline="-25000" dirty="0">
+                <a:latin typeface="Times New Roman" panose="02020603050405020304" pitchFamily="18" charset="0"/>
+                <a:cs typeface="Times New Roman" panose="02020603050405020304" pitchFamily="18" charset="0"/>
+              </a:rPr>
+              <a:t>Finger vein recognition is a method that specifies an individual using the vein pattern inside one’s fingers.</a:t>
+            </a:r>
+          </a:p>
+          <a:p>
+            <a:endParaRPr lang="en-US" sz="2800" baseline="-25000" dirty="0">
+              <a:latin typeface="Times New Roman" panose="02020603050405020304" pitchFamily="18" charset="0"/>
+              <a:cs typeface="Times New Roman" panose="02020603050405020304" pitchFamily="18" charset="0"/>
+            </a:endParaRPr>
+          </a:p>
+          <a:p>
+            <a:r>
+              <a:rPr lang="en-US" sz="2800" baseline="-25000" dirty="0">
+                <a:latin typeface="Times New Roman" panose="02020603050405020304" pitchFamily="18" charset="0"/>
+                <a:cs typeface="Times New Roman" panose="02020603050405020304" pitchFamily="18" charset="0"/>
+              </a:rPr>
+              <a:t>Less intrusive.</a:t>
+            </a:r>
+          </a:p>
+          <a:p>
+            <a:endParaRPr lang="en-US" sz="2800" baseline="-25000" dirty="0">
+              <a:latin typeface="Times New Roman" panose="02020603050405020304" pitchFamily="18" charset="0"/>
+              <a:cs typeface="Times New Roman" panose="02020603050405020304" pitchFamily="18" charset="0"/>
+            </a:endParaRPr>
+          </a:p>
+          <a:p>
+            <a:r>
+              <a:rPr lang="en-US" sz="2800" baseline="-25000" dirty="0">
+                <a:latin typeface="Times New Roman" panose="02020603050405020304" pitchFamily="18" charset="0"/>
+                <a:cs typeface="Times New Roman" panose="02020603050405020304" pitchFamily="18" charset="0"/>
+              </a:rPr>
+              <a:t>Extremely difficult to read or steal and hence cannot be duplicated. </a:t>
+            </a:r>
+          </a:p>
+          <a:p>
+            <a:pPr marL="354330" indent="-285750"/>
+            <a:endParaRPr lang="en-US" sz="2800" baseline="-25000" dirty="0">
+              <a:latin typeface="Times New Roman" panose="02020603050405020304" pitchFamily="18" charset="0"/>
+              <a:cs typeface="Times New Roman" panose="02020603050405020304" pitchFamily="18" charset="0"/>
+            </a:endParaRPr>
+          </a:p>
+          <a:p>
+            <a:pPr marL="0" indent="0" algn="just">
+              <a:buNone/>
+            </a:pPr>
+            <a:endParaRPr lang="en-IN" sz="2800" dirty="0">
               <a:effectLst/>
               <a:latin typeface="Times New Roman" panose="02020603050405020304" pitchFamily="18" charset="0"/>
               <a:ea typeface="Times New Roman" panose="02020603050405020304" pitchFamily="18" charset="0"/>
@@ -6971,38 +6233,298 @@
           </a:prstGeom>
         </p:spPr>
       </p:pic>
-      <p:pic>
-        <p:nvPicPr>
-          <p:cNvPr id="14" name="Content Placeholder 8">
+      <p:sp>
+        <p:nvSpPr>
+          <p:cNvPr id="5" name="Rectangle 6">
             <a:extLst>
               <a:ext uri="{FF2B5EF4-FFF2-40B4-BE49-F238E27FC236}">
-                <a16:creationId xmlns:a16="http://schemas.microsoft.com/office/drawing/2014/main" id="{DC5B9A4C-C8A8-4B83-86A5-6B80F660C707}"/>
+                <a16:creationId xmlns:a16="http://schemas.microsoft.com/office/drawing/2014/main" id="{88E3FFF0-A76E-4BB9-9A5A-F7DC20C615EC}"/>
               </a:ext>
             </a:extLst>
           </p:cNvPr>
-          <p:cNvPicPr>
-            <a:picLocks noGrp="1" noChangeAspect="1"/>
-          </p:cNvPicPr>
-          <p:nvPr>
-            <p:ph sz="half" idx="2"/>
-          </p:nvPr>
-        </p:nvPicPr>
-        <p:blipFill>
-          <a:blip r:embed="rId3"/>
-          <a:stretch>
-            <a:fillRect/>
-          </a:stretch>
-        </p:blipFill>
-        <p:spPr>
+          <p:cNvSpPr>
+            <a:spLocks noChangeArrowheads="1"/>
+          </p:cNvSpPr>
+          <p:nvPr/>
+        </p:nvSpPr>
+        <p:spPr bwMode="auto">
           <a:xfrm>
-            <a:off x="7074220" y="2129711"/>
-            <a:ext cx="3254022" cy="2598578"/>
+            <a:off x="6096000" y="2058519"/>
+            <a:ext cx="12192000" cy="0"/>
           </a:xfrm>
           <a:prstGeom prst="rect">
             <a:avLst/>
           </a:prstGeom>
+          <a:noFill/>
+          <a:ln>
+            <a:noFill/>
+          </a:ln>
+          <a:effectLst/>
+          <a:extLst>
+            <a:ext uri="{909E8E84-426E-40DD-AFC4-6F175D3DCCD1}">
+              <a14:hiddenFill xmlns:a14="http://schemas.microsoft.com/office/drawing/2010/main">
+                <a:solidFill>
+                  <a:schemeClr val="accent1"/>
+                </a:solidFill>
+              </a14:hiddenFill>
+            </a:ext>
+            <a:ext uri="{91240B29-F687-4F45-9708-019B960494DF}">
+              <a14:hiddenLine xmlns:a14="http://schemas.microsoft.com/office/drawing/2010/main" w="9525">
+                <a:solidFill>
+                  <a:schemeClr val="tx1"/>
+                </a:solidFill>
+                <a:miter lim="800000"/>
+                <a:headEnd/>
+                <a:tailEnd/>
+              </a14:hiddenLine>
+            </a:ext>
+            <a:ext uri="{AF507438-7753-43E0-B8FC-AC1667EBCBE1}">
+              <a14:hiddenEffects xmlns:a14="http://schemas.microsoft.com/office/drawing/2010/main">
+                <a:effectLst>
+                  <a:outerShdw dist="35921" dir="2700000" algn="ctr" rotWithShape="0">
+                    <a:schemeClr val="bg2"/>
+                  </a:outerShdw>
+                </a:effectLst>
+              </a14:hiddenEffects>
+            </a:ext>
+          </a:extLst>
         </p:spPr>
-      </p:pic>
+        <p:txBody>
+          <a:bodyPr vert="horz" wrap="none" lIns="91440" tIns="45720" rIns="91440" bIns="45720" numCol="1" anchor="ctr" anchorCtr="0" compatLnSpc="1">
+            <a:prstTxWarp prst="textNoShape">
+              <a:avLst/>
+            </a:prstTxWarp>
+            <a:spAutoFit/>
+          </a:bodyPr>
+          <a:lstStyle/>
+          <a:p>
+            <a:endParaRPr lang="en-IN"/>
+          </a:p>
+        </p:txBody>
+      </p:sp>
+      <p:grpSp>
+        <p:nvGrpSpPr>
+          <p:cNvPr id="6" name="Group 1">
+            <a:extLst>
+              <a:ext uri="{FF2B5EF4-FFF2-40B4-BE49-F238E27FC236}">
+                <a16:creationId xmlns:a16="http://schemas.microsoft.com/office/drawing/2014/main" id="{179F2F40-B7DC-4BB5-B283-410FD5967446}"/>
+              </a:ext>
+            </a:extLst>
+          </p:cNvPr>
+          <p:cNvGrpSpPr>
+            <a:grpSpLocks/>
+          </p:cNvGrpSpPr>
+          <p:nvPr/>
+        </p:nvGrpSpPr>
+        <p:grpSpPr bwMode="auto">
+          <a:xfrm>
+            <a:off x="6096000" y="2058519"/>
+            <a:ext cx="4467225" cy="2935288"/>
+            <a:chOff x="0" y="0"/>
+            <a:chExt cx="7035" cy="4623"/>
+          </a:xfrm>
+        </p:grpSpPr>
+        <p:pic>
+          <p:nvPicPr>
+            <p:cNvPr id="2053" name="Picture 5">
+              <a:extLst>
+                <a:ext uri="{FF2B5EF4-FFF2-40B4-BE49-F238E27FC236}">
+                  <a16:creationId xmlns:a16="http://schemas.microsoft.com/office/drawing/2014/main" id="{B3E3B919-7157-4BB1-9818-F5CB66A0A620}"/>
+                </a:ext>
+              </a:extLst>
+            </p:cNvPr>
+            <p:cNvPicPr>
+              <a:picLocks noChangeAspect="1" noChangeArrowheads="1"/>
+            </p:cNvPicPr>
+            <p:nvPr/>
+          </p:nvPicPr>
+          <p:blipFill>
+            <a:blip r:embed="rId3">
+              <a:extLst>
+                <a:ext uri="{28A0092B-C50C-407E-A947-70E740481C1C}">
+                  <a14:useLocalDpi xmlns:a14="http://schemas.microsoft.com/office/drawing/2010/main" val="0"/>
+                </a:ext>
+              </a:extLst>
+            </a:blip>
+            <a:srcRect/>
+            <a:stretch>
+              <a:fillRect/>
+            </a:stretch>
+          </p:blipFill>
+          <p:spPr bwMode="auto">
+            <a:xfrm>
+              <a:off x="88" y="15"/>
+              <a:ext cx="3222" cy="4593"/>
+            </a:xfrm>
+            <a:prstGeom prst="rect">
+              <a:avLst/>
+            </a:prstGeom>
+            <a:noFill/>
+            <a:extLst>
+              <a:ext uri="{909E8E84-426E-40DD-AFC4-6F175D3DCCD1}">
+                <a14:hiddenFill xmlns:a14="http://schemas.microsoft.com/office/drawing/2010/main">
+                  <a:solidFill>
+                    <a:srgbClr val="FFFFFF"/>
+                  </a:solidFill>
+                </a14:hiddenFill>
+              </a:ext>
+            </a:extLst>
+          </p:spPr>
+        </p:pic>
+        <p:sp>
+          <p:nvSpPr>
+            <p:cNvPr id="7" name="Rectangle 4">
+              <a:extLst>
+                <a:ext uri="{FF2B5EF4-FFF2-40B4-BE49-F238E27FC236}">
+                  <a16:creationId xmlns:a16="http://schemas.microsoft.com/office/drawing/2014/main" id="{58AE9173-8180-439E-931E-6F73D7215452}"/>
+                </a:ext>
+              </a:extLst>
+            </p:cNvPr>
+            <p:cNvSpPr>
+              <a:spLocks noChangeArrowheads="1"/>
+            </p:cNvSpPr>
+            <p:nvPr/>
+          </p:nvSpPr>
+          <p:spPr bwMode="auto">
+            <a:xfrm>
+              <a:off x="7" y="7"/>
+              <a:ext cx="3511" cy="4608"/>
+            </a:xfrm>
+            <a:prstGeom prst="rect">
+              <a:avLst/>
+            </a:prstGeom>
+            <a:noFill/>
+            <a:ln w="9525">
+              <a:solidFill>
+                <a:srgbClr val="000000"/>
+              </a:solidFill>
+              <a:miter lim="800000"/>
+              <a:headEnd/>
+              <a:tailEnd/>
+            </a:ln>
+            <a:extLst>
+              <a:ext uri="{909E8E84-426E-40DD-AFC4-6F175D3DCCD1}">
+                <a14:hiddenFill xmlns:a14="http://schemas.microsoft.com/office/drawing/2010/main">
+                  <a:solidFill>
+                    <a:srgbClr val="FFFFFF"/>
+                  </a:solidFill>
+                </a14:hiddenFill>
+              </a:ext>
+            </a:extLst>
+          </p:spPr>
+          <p:txBody>
+            <a:bodyPr vert="horz" wrap="square" lIns="91440" tIns="45720" rIns="91440" bIns="45720" numCol="1" anchor="t" anchorCtr="0" compatLnSpc="1">
+              <a:prstTxWarp prst="textNoShape">
+                <a:avLst/>
+              </a:prstTxWarp>
+            </a:bodyPr>
+            <a:lstStyle/>
+            <a:p>
+              <a:endParaRPr lang="en-IN"/>
+            </a:p>
+          </p:txBody>
+        </p:sp>
+        <p:pic>
+          <p:nvPicPr>
+            <p:cNvPr id="2051" name="Picture 3">
+              <a:extLst>
+                <a:ext uri="{FF2B5EF4-FFF2-40B4-BE49-F238E27FC236}">
+                  <a16:creationId xmlns:a16="http://schemas.microsoft.com/office/drawing/2014/main" id="{3E480BDC-28B6-4C75-B6EF-F61B4153F14F}"/>
+                </a:ext>
+              </a:extLst>
+            </p:cNvPr>
+            <p:cNvPicPr>
+              <a:picLocks noChangeAspect="1" noChangeArrowheads="1"/>
+            </p:cNvPicPr>
+            <p:nvPr/>
+          </p:nvPicPr>
+          <p:blipFill>
+            <a:blip r:embed="rId4">
+              <a:extLst>
+                <a:ext uri="{28A0092B-C50C-407E-A947-70E740481C1C}">
+                  <a14:useLocalDpi xmlns:a14="http://schemas.microsoft.com/office/drawing/2010/main" val="0"/>
+                </a:ext>
+              </a:extLst>
+            </a:blip>
+            <a:srcRect/>
+            <a:stretch>
+              <a:fillRect/>
+            </a:stretch>
+          </p:blipFill>
+          <p:spPr bwMode="auto">
+            <a:xfrm>
+              <a:off x="3659" y="75"/>
+              <a:ext cx="3351" cy="4504"/>
+            </a:xfrm>
+            <a:prstGeom prst="rect">
+              <a:avLst/>
+            </a:prstGeom>
+            <a:noFill/>
+            <a:extLst>
+              <a:ext uri="{909E8E84-426E-40DD-AFC4-6F175D3DCCD1}">
+                <a14:hiddenFill xmlns:a14="http://schemas.microsoft.com/office/drawing/2010/main">
+                  <a:solidFill>
+                    <a:srgbClr val="FFFFFF"/>
+                  </a:solidFill>
+                </a14:hiddenFill>
+              </a:ext>
+            </a:extLst>
+          </p:spPr>
+        </p:pic>
+        <p:sp>
+          <p:nvSpPr>
+            <p:cNvPr id="8" name="Rectangle 2">
+              <a:extLst>
+                <a:ext uri="{FF2B5EF4-FFF2-40B4-BE49-F238E27FC236}">
+                  <a16:creationId xmlns:a16="http://schemas.microsoft.com/office/drawing/2014/main" id="{D1483EC8-CF9D-4A80-9B9A-7F4B51C5E6C6}"/>
+                </a:ext>
+              </a:extLst>
+            </p:cNvPr>
+            <p:cNvSpPr>
+              <a:spLocks noChangeArrowheads="1"/>
+            </p:cNvSpPr>
+            <p:nvPr/>
+          </p:nvSpPr>
+          <p:spPr bwMode="auto">
+            <a:xfrm>
+              <a:off x="3577" y="67"/>
+              <a:ext cx="3450" cy="4533"/>
+            </a:xfrm>
+            <a:prstGeom prst="rect">
+              <a:avLst/>
+            </a:prstGeom>
+            <a:noFill/>
+            <a:ln w="9525">
+              <a:solidFill>
+                <a:srgbClr val="000000"/>
+              </a:solidFill>
+              <a:miter lim="800000"/>
+              <a:headEnd/>
+              <a:tailEnd/>
+            </a:ln>
+            <a:extLst>
+              <a:ext uri="{909E8E84-426E-40DD-AFC4-6F175D3DCCD1}">
+                <a14:hiddenFill xmlns:a14="http://schemas.microsoft.com/office/drawing/2010/main">
+                  <a:solidFill>
+                    <a:srgbClr val="FFFFFF"/>
+                  </a:solidFill>
+                </a14:hiddenFill>
+              </a:ext>
+            </a:extLst>
+          </p:spPr>
+          <p:txBody>
+            <a:bodyPr vert="horz" wrap="square" lIns="91440" tIns="45720" rIns="91440" bIns="45720" numCol="1" anchor="t" anchorCtr="0" compatLnSpc="1">
+              <a:prstTxWarp prst="textNoShape">
+                <a:avLst/>
+              </a:prstTxWarp>
+            </a:bodyPr>
+            <a:lstStyle/>
+            <a:p>
+              <a:endParaRPr lang="en-IN"/>
+            </a:p>
+          </p:txBody>
+        </p:sp>
+      </p:grpSp>
     </p:spTree>
     <p:extLst>
       <p:ext uri="{BB962C8B-B14F-4D97-AF65-F5344CB8AC3E}">
@@ -7063,64 +6585,198 @@
           </a:p>
         </p:txBody>
       </p:sp>
-      <p:pic>
-        <p:nvPicPr>
-          <p:cNvPr id="5" name="Content Placeholder 4">
+      <p:sp>
+        <p:nvSpPr>
+          <p:cNvPr id="11" name="Rectangle 11">
             <a:extLst>
               <a:ext uri="{FF2B5EF4-FFF2-40B4-BE49-F238E27FC236}">
-                <a16:creationId xmlns:a16="http://schemas.microsoft.com/office/drawing/2014/main" id="{C8B98DA6-E21B-4707-96F3-86E61BD084E8}"/>
+                <a16:creationId xmlns:a16="http://schemas.microsoft.com/office/drawing/2014/main" id="{3756DF90-5BCC-4DD6-A983-35F0521EB019}"/>
               </a:ext>
             </a:extLst>
           </p:cNvPr>
-          <p:cNvPicPr>
-            <a:picLocks noGrp="1" noChangeAspect="1"/>
-          </p:cNvPicPr>
-          <p:nvPr>
-            <p:ph sz="half" idx="1"/>
-          </p:nvPr>
-        </p:nvPicPr>
-        <p:blipFill>
-          <a:blip r:embed="rId2"/>
-          <a:stretch>
-            <a:fillRect/>
-          </a:stretch>
-        </p:blipFill>
-        <p:spPr>
+          <p:cNvSpPr>
+            <a:spLocks noChangeArrowheads="1"/>
+          </p:cNvSpPr>
+          <p:nvPr/>
+        </p:nvSpPr>
+        <p:spPr bwMode="auto">
           <a:xfrm>
-            <a:off x="2231409" y="2517092"/>
-            <a:ext cx="3215919" cy="2476715"/>
+            <a:off x="152400" y="152400"/>
+            <a:ext cx="12192000" cy="0"/>
           </a:xfrm>
+          <a:prstGeom prst="rect">
+            <a:avLst/>
+          </a:prstGeom>
+          <a:noFill/>
+          <a:ln>
+            <a:noFill/>
+          </a:ln>
+          <a:effectLst/>
+          <a:extLst>
+            <a:ext uri="{909E8E84-426E-40DD-AFC4-6F175D3DCCD1}">
+              <a14:hiddenFill xmlns:a14="http://schemas.microsoft.com/office/drawing/2010/main">
+                <a:solidFill>
+                  <a:schemeClr val="accent1"/>
+                </a:solidFill>
+              </a14:hiddenFill>
+            </a:ext>
+            <a:ext uri="{91240B29-F687-4F45-9708-019B960494DF}">
+              <a14:hiddenLine xmlns:a14="http://schemas.microsoft.com/office/drawing/2010/main" w="9525">
+                <a:solidFill>
+                  <a:schemeClr val="tx1"/>
+                </a:solidFill>
+                <a:miter lim="800000"/>
+                <a:headEnd/>
+                <a:tailEnd/>
+              </a14:hiddenLine>
+            </a:ext>
+            <a:ext uri="{AF507438-7753-43E0-B8FC-AC1667EBCBE1}">
+              <a14:hiddenEffects xmlns:a14="http://schemas.microsoft.com/office/drawing/2010/main">
+                <a:effectLst>
+                  <a:outerShdw dist="35921" dir="2700000" algn="ctr" rotWithShape="0">
+                    <a:schemeClr val="bg2"/>
+                  </a:outerShdw>
+                </a:effectLst>
+              </a14:hiddenEffects>
+            </a:ext>
+          </a:extLst>
         </p:spPr>
-      </p:pic>
-      <p:pic>
-        <p:nvPicPr>
-          <p:cNvPr id="7" name="Content Placeholder 6">
+        <p:txBody>
+          <a:bodyPr vert="horz" wrap="none" lIns="91440" tIns="45720" rIns="91440" bIns="45720" numCol="1" anchor="ctr" anchorCtr="0" compatLnSpc="1">
+            <a:prstTxWarp prst="textNoShape">
+              <a:avLst/>
+            </a:prstTxWarp>
+            <a:spAutoFit/>
+          </a:bodyPr>
+          <a:lstStyle/>
+          <a:p>
+            <a:endParaRPr lang="en-IN"/>
+          </a:p>
+        </p:txBody>
+      </p:sp>
+      <p:grpSp>
+        <p:nvGrpSpPr>
+          <p:cNvPr id="12" name="Group 8">
             <a:extLst>
               <a:ext uri="{FF2B5EF4-FFF2-40B4-BE49-F238E27FC236}">
-                <a16:creationId xmlns:a16="http://schemas.microsoft.com/office/drawing/2014/main" id="{15834400-9EB3-408A-B51B-AB8C04F7EB3F}"/>
+                <a16:creationId xmlns:a16="http://schemas.microsoft.com/office/drawing/2014/main" id="{F753D887-F9F8-4282-A8A0-5041F7949A21}"/>
               </a:ext>
             </a:extLst>
           </p:cNvPr>
-          <p:cNvPicPr>
-            <a:picLocks noGrp="1" noChangeAspect="1"/>
-          </p:cNvPicPr>
-          <p:nvPr>
-            <p:ph sz="half" idx="2"/>
-          </p:nvPr>
-        </p:nvPicPr>
-        <p:blipFill>
-          <a:blip r:embed="rId3"/>
-          <a:stretch>
-            <a:fillRect/>
-          </a:stretch>
-        </p:blipFill>
-        <p:spPr>
+          <p:cNvGrpSpPr>
+            <a:grpSpLocks/>
+          </p:cNvGrpSpPr>
+          <p:nvPr/>
+        </p:nvGrpSpPr>
+        <p:grpSpPr bwMode="auto">
           <a:xfrm>
-            <a:off x="6950577" y="2517091"/>
-            <a:ext cx="3612146" cy="2476715"/>
+            <a:off x="3782218" y="2203142"/>
+            <a:ext cx="4627563" cy="3328988"/>
+            <a:chOff x="0" y="0"/>
+            <a:chExt cx="7287" cy="5243"/>
           </a:xfrm>
-        </p:spPr>
-      </p:pic>
+        </p:grpSpPr>
+        <p:pic>
+          <p:nvPicPr>
+            <p:cNvPr id="2058" name="Picture 10">
+              <a:extLst>
+                <a:ext uri="{FF2B5EF4-FFF2-40B4-BE49-F238E27FC236}">
+                  <a16:creationId xmlns:a16="http://schemas.microsoft.com/office/drawing/2014/main" id="{B38BFA0A-CF79-4B00-A251-313FC731503A}"/>
+                </a:ext>
+              </a:extLst>
+            </p:cNvPr>
+            <p:cNvPicPr>
+              <a:picLocks noChangeAspect="1" noChangeArrowheads="1"/>
+            </p:cNvPicPr>
+            <p:nvPr/>
+          </p:nvPicPr>
+          <p:blipFill>
+            <a:blip r:embed="rId2">
+              <a:extLst>
+                <a:ext uri="{28A0092B-C50C-407E-A947-70E740481C1C}">
+                  <a14:useLocalDpi xmlns:a14="http://schemas.microsoft.com/office/drawing/2010/main" val="0"/>
+                </a:ext>
+              </a:extLst>
+            </a:blip>
+            <a:srcRect/>
+            <a:stretch>
+              <a:fillRect/>
+            </a:stretch>
+          </p:blipFill>
+          <p:spPr bwMode="auto">
+            <a:xfrm>
+              <a:off x="94" y="15"/>
+              <a:ext cx="7018" cy="5184"/>
+            </a:xfrm>
+            <a:prstGeom prst="rect">
+              <a:avLst/>
+            </a:prstGeom>
+            <a:noFill/>
+            <a:extLst>
+              <a:ext uri="{909E8E84-426E-40DD-AFC4-6F175D3DCCD1}">
+                <a14:hiddenFill xmlns:a14="http://schemas.microsoft.com/office/drawing/2010/main">
+                  <a:solidFill>
+                    <a:srgbClr val="FFFFFF"/>
+                  </a:solidFill>
+                </a14:hiddenFill>
+              </a:ext>
+            </a:extLst>
+          </p:spPr>
+        </p:pic>
+        <p:sp>
+          <p:nvSpPr>
+            <p:cNvPr id="13" name="Rectangle 9">
+              <a:extLst>
+                <a:ext uri="{FF2B5EF4-FFF2-40B4-BE49-F238E27FC236}">
+                  <a16:creationId xmlns:a16="http://schemas.microsoft.com/office/drawing/2014/main" id="{3D21A9DD-CC3B-44A2-A26E-4D83D09A3862}"/>
+                </a:ext>
+              </a:extLst>
+            </p:cNvPr>
+            <p:cNvSpPr>
+              <a:spLocks noChangeArrowheads="1"/>
+            </p:cNvSpPr>
+            <p:nvPr/>
+          </p:nvSpPr>
+          <p:spPr bwMode="auto">
+            <a:xfrm>
+              <a:off x="7" y="7"/>
+              <a:ext cx="7272" cy="5228"/>
+            </a:xfrm>
+            <a:prstGeom prst="rect">
+              <a:avLst/>
+            </a:prstGeom>
+            <a:noFill/>
+            <a:ln w="9525">
+              <a:solidFill>
+                <a:srgbClr val="000000"/>
+              </a:solidFill>
+              <a:miter lim="800000"/>
+              <a:headEnd/>
+              <a:tailEnd/>
+            </a:ln>
+            <a:extLst>
+              <a:ext uri="{909E8E84-426E-40DD-AFC4-6F175D3DCCD1}">
+                <a14:hiddenFill xmlns:a14="http://schemas.microsoft.com/office/drawing/2010/main">
+                  <a:solidFill>
+                    <a:srgbClr val="FFFFFF"/>
+                  </a:solidFill>
+                </a14:hiddenFill>
+              </a:ext>
+            </a:extLst>
+          </p:spPr>
+          <p:txBody>
+            <a:bodyPr vert="horz" wrap="square" lIns="91440" tIns="45720" rIns="91440" bIns="45720" numCol="1" anchor="t" anchorCtr="0" compatLnSpc="1">
+              <a:prstTxWarp prst="textNoShape">
+                <a:avLst/>
+              </a:prstTxWarp>
+            </a:bodyPr>
+            <a:lstStyle/>
+            <a:p>
+              <a:endParaRPr lang="en-IN"/>
+            </a:p>
+          </p:txBody>
+        </p:sp>
+      </p:grpSp>
     </p:spTree>
     <p:extLst>
       <p:ext uri="{BB962C8B-B14F-4D97-AF65-F5344CB8AC3E}">
@@ -7181,50 +6837,142 @@
           </a:p>
         </p:txBody>
       </p:sp>
+      <p:grpSp>
+        <p:nvGrpSpPr>
+          <p:cNvPr id="9" name="Group 5">
+            <a:extLst>
+              <a:ext uri="{FF2B5EF4-FFF2-40B4-BE49-F238E27FC236}">
+                <a16:creationId xmlns:a16="http://schemas.microsoft.com/office/drawing/2014/main" id="{37178CCC-D331-49E5-A7F6-E908053952ED}"/>
+              </a:ext>
+            </a:extLst>
+          </p:cNvPr>
+          <p:cNvGrpSpPr>
+            <a:grpSpLocks/>
+          </p:cNvGrpSpPr>
+          <p:nvPr/>
+        </p:nvGrpSpPr>
+        <p:grpSpPr bwMode="auto">
+          <a:xfrm>
+            <a:off x="1818065" y="2132768"/>
+            <a:ext cx="3211512" cy="2998788"/>
+            <a:chOff x="3730" y="182"/>
+            <a:chExt cx="5058" cy="4722"/>
+          </a:xfrm>
+        </p:grpSpPr>
+        <p:pic>
+          <p:nvPicPr>
+            <p:cNvPr id="1030" name="Picture 6">
+              <a:extLst>
+                <a:ext uri="{FF2B5EF4-FFF2-40B4-BE49-F238E27FC236}">
+                  <a16:creationId xmlns:a16="http://schemas.microsoft.com/office/drawing/2014/main" id="{DB847795-B307-4E1A-8039-747A2EDE90D5}"/>
+                </a:ext>
+              </a:extLst>
+            </p:cNvPr>
+            <p:cNvPicPr>
+              <a:picLocks noChangeAspect="1" noChangeArrowheads="1"/>
+            </p:cNvPicPr>
+            <p:nvPr/>
+          </p:nvPicPr>
+          <p:blipFill>
+            <a:blip r:embed="rId2">
+              <a:extLst>
+                <a:ext uri="{28A0092B-C50C-407E-A947-70E740481C1C}">
+                  <a14:useLocalDpi xmlns:a14="http://schemas.microsoft.com/office/drawing/2010/main" val="0"/>
+                </a:ext>
+              </a:extLst>
+            </a:blip>
+            <a:srcRect/>
+            <a:stretch>
+              <a:fillRect/>
+            </a:stretch>
+          </p:blipFill>
+          <p:spPr bwMode="auto">
+            <a:xfrm>
+              <a:off x="3745" y="197"/>
+              <a:ext cx="5028" cy="4692"/>
+            </a:xfrm>
+            <a:prstGeom prst="rect">
+              <a:avLst/>
+            </a:prstGeom>
+            <a:noFill/>
+            <a:extLst>
+              <a:ext uri="{909E8E84-426E-40DD-AFC4-6F175D3DCCD1}">
+                <a14:hiddenFill xmlns:a14="http://schemas.microsoft.com/office/drawing/2010/main">
+                  <a:solidFill>
+                    <a:srgbClr val="FFFFFF"/>
+                  </a:solidFill>
+                </a14:hiddenFill>
+              </a:ext>
+            </a:extLst>
+          </p:spPr>
+        </p:pic>
+        <p:sp>
+          <p:nvSpPr>
+            <p:cNvPr id="10" name="Rectangle 7">
+              <a:extLst>
+                <a:ext uri="{FF2B5EF4-FFF2-40B4-BE49-F238E27FC236}">
+                  <a16:creationId xmlns:a16="http://schemas.microsoft.com/office/drawing/2014/main" id="{73C974CE-A26A-479E-8709-73A2C2BB3F89}"/>
+                </a:ext>
+              </a:extLst>
+            </p:cNvPr>
+            <p:cNvSpPr>
+              <a:spLocks noChangeArrowheads="1"/>
+            </p:cNvSpPr>
+            <p:nvPr/>
+          </p:nvSpPr>
+          <p:spPr bwMode="auto">
+            <a:xfrm>
+              <a:off x="3738" y="189"/>
+              <a:ext cx="5043" cy="4707"/>
+            </a:xfrm>
+            <a:prstGeom prst="rect">
+              <a:avLst/>
+            </a:prstGeom>
+            <a:noFill/>
+            <a:ln w="9525">
+              <a:solidFill>
+                <a:srgbClr val="000000"/>
+              </a:solidFill>
+              <a:miter lim="800000"/>
+              <a:headEnd/>
+              <a:tailEnd/>
+            </a:ln>
+            <a:extLst>
+              <a:ext uri="{909E8E84-426E-40DD-AFC4-6F175D3DCCD1}">
+                <a14:hiddenFill xmlns:a14="http://schemas.microsoft.com/office/drawing/2010/main">
+                  <a:solidFill>
+                    <a:srgbClr val="FFFFFF"/>
+                  </a:solidFill>
+                </a14:hiddenFill>
+              </a:ext>
+            </a:extLst>
+          </p:spPr>
+          <p:txBody>
+            <a:bodyPr vert="horz" wrap="square" lIns="91440" tIns="45720" rIns="91440" bIns="45720" numCol="1" anchor="t" anchorCtr="0" compatLnSpc="1">
+              <a:prstTxWarp prst="textNoShape">
+                <a:avLst/>
+              </a:prstTxWarp>
+            </a:bodyPr>
+            <a:lstStyle/>
+            <a:p>
+              <a:endParaRPr lang="en-IN"/>
+            </a:p>
+          </p:txBody>
+        </p:sp>
+      </p:grpSp>
       <p:pic>
         <p:nvPicPr>
-          <p:cNvPr id="11" name="Content Placeholder 10">
+          <p:cNvPr id="6" name="Content Placeholder 6">
             <a:extLst>
               <a:ext uri="{FF2B5EF4-FFF2-40B4-BE49-F238E27FC236}">
-                <a16:creationId xmlns:a16="http://schemas.microsoft.com/office/drawing/2014/main" id="{75571C04-DEB2-403F-BD4A-07817903E5F6}"/>
+                <a16:creationId xmlns:a16="http://schemas.microsoft.com/office/drawing/2014/main" id="{000A39C3-3EAE-4D94-89D6-B164287B511D}"/>
               </a:ext>
             </a:extLst>
           </p:cNvPr>
           <p:cNvPicPr>
-            <a:picLocks noGrp="1" noChangeAspect="1"/>
+            <a:picLocks noChangeAspect="1"/>
           </p:cNvPicPr>
-          <p:nvPr>
-            <p:ph sz="half" idx="1"/>
-          </p:nvPr>
-        </p:nvPicPr>
-        <p:blipFill>
-          <a:blip r:embed="rId2"/>
-          <a:stretch>
-            <a:fillRect/>
-          </a:stretch>
-        </p:blipFill>
-        <p:spPr>
-          <a:xfrm>
-            <a:off x="2573867" y="2011363"/>
-            <a:ext cx="2616200" cy="3436937"/>
-          </a:xfrm>
-        </p:spPr>
-      </p:pic>
-      <p:pic>
-        <p:nvPicPr>
-          <p:cNvPr id="13" name="Content Placeholder 12">
-            <a:extLst>
-              <a:ext uri="{FF2B5EF4-FFF2-40B4-BE49-F238E27FC236}">
-                <a16:creationId xmlns:a16="http://schemas.microsoft.com/office/drawing/2014/main" id="{D859B41D-4A8A-420B-99C3-E8A78D106223}"/>
-              </a:ext>
-            </a:extLst>
-          </p:cNvPr>
-          <p:cNvPicPr>
-            <a:picLocks noGrp="1" noChangeAspect="1"/>
-          </p:cNvPicPr>
-          <p:nvPr>
-            <p:ph sz="half" idx="2"/>
-          </p:nvPr>
+          <p:nvPr/>
         </p:nvPicPr>
         <p:blipFill>
           <a:blip r:embed="rId3"/>
@@ -7234,9 +6982,12 @@
         </p:blipFill>
         <p:spPr>
           <a:xfrm>
-            <a:off x="7001935" y="2017713"/>
-            <a:ext cx="2616197" cy="3441700"/>
+            <a:off x="6752265" y="2393486"/>
+            <a:ext cx="3612146" cy="2476715"/>
           </a:xfrm>
+          <a:prstGeom prst="rect">
+            <a:avLst/>
+          </a:prstGeom>
         </p:spPr>
       </p:pic>
     </p:spTree>
@@ -7314,66 +7065,87 @@
             <p:ph idx="1"/>
           </p:nvPr>
         </p:nvSpPr>
-        <p:spPr/>
+        <p:spPr>
+          <a:xfrm>
+            <a:off x="1463675" y="2122264"/>
+            <a:ext cx="9520158" cy="3450613"/>
+          </a:xfrm>
+        </p:spPr>
         <p:txBody>
           <a:bodyPr>
-            <a:normAutofit lnSpcReduction="10000"/>
+            <a:normAutofit/>
           </a:bodyPr>
           <a:lstStyle/>
           <a:p>
             <a:r>
-              <a:rPr lang="en-US" sz="1800" b="0" i="0" u="none" strike="noStrike" baseline="0" dirty="0">
-                <a:solidFill>
-                  <a:srgbClr val="000000"/>
-                </a:solidFill>
-                <a:latin typeface="Arial" panose="020B0604020202020204" pitchFamily="34" charset="0"/>
-              </a:rPr>
-              <a:t>The proposed method is suitable for quantification in the early stage and for use in large cohorts.</a:t>
-            </a:r>
-          </a:p>
-          <a:p>
-            <a:r>
-              <a:rPr lang="en-US" sz="1800" b="0" i="0" u="none" strike="noStrike" baseline="0" dirty="0">
-                <a:solidFill>
-                  <a:srgbClr val="000000"/>
-                </a:solidFill>
-                <a:latin typeface="Arial" panose="020B0604020202020204" pitchFamily="34" charset="0"/>
-              </a:rPr>
-              <a:t>It may be expected that system can be detected more timely with our quantitative measurements than by ordinal scores.</a:t>
-            </a:r>
-          </a:p>
-          <a:p>
-            <a:r>
-              <a:rPr lang="en-US" sz="1800" b="0" i="0" u="none" strike="noStrike" baseline="0" dirty="0">
-                <a:solidFill>
-                  <a:srgbClr val="000000"/>
-                </a:solidFill>
-                <a:latin typeface="Arial" panose="020B0604020202020204" pitchFamily="34" charset="0"/>
-              </a:rPr>
-              <a:t>This paper has introduced anatomy structure analysis into finger network extraction and matching and proposed an effective finger recognition framework.</a:t>
-            </a:r>
-          </a:p>
-          <a:p>
-            <a:r>
-              <a:rPr lang="en-US" sz="1800" b="0" i="0" u="none" strike="noStrike" baseline="0" dirty="0">
-                <a:solidFill>
-                  <a:srgbClr val="000000"/>
-                </a:solidFill>
-                <a:latin typeface="Arial" panose="020B0604020202020204" pitchFamily="34" charset="0"/>
-              </a:rPr>
-              <a:t>The contributions of this paper can be summarized as follows.</a:t>
-            </a:r>
-          </a:p>
-          <a:p>
-            <a:r>
-              <a:rPr lang="en-US" sz="1800" b="0" i="0" u="none" strike="noStrike" baseline="0" dirty="0">
-                <a:solidFill>
-                  <a:srgbClr val="000000"/>
-                </a:solidFill>
-                <a:latin typeface="Arial" panose="020B0604020202020204" pitchFamily="34" charset="0"/>
-              </a:rPr>
-              <a:t>The algorithm was used in vein pattern extraction, including the orientation map guided curvature method and anatomy structure based vein network refinement. </a:t>
-            </a:r>
+              <a:rPr lang="en-US" sz="2000" dirty="0">
+                <a:latin typeface="Times New Roman" pitchFamily="18" charset="0"/>
+                <a:cs typeface="Times New Roman" pitchFamily="18" charset="0"/>
+              </a:rPr>
+              <a:t>Suitable for quantification in the early stage and for use in </a:t>
+            </a:r>
+          </a:p>
+          <a:p>
+            <a:pPr marL="0" indent="0">
+              <a:buNone/>
+            </a:pPr>
+            <a:r>
+              <a:rPr lang="en-US" sz="2000" dirty="0">
+                <a:latin typeface="Times New Roman" pitchFamily="18" charset="0"/>
+                <a:cs typeface="Times New Roman" pitchFamily="18" charset="0"/>
+              </a:rPr>
+              <a:t>     large cohorts.</a:t>
+            </a:r>
+          </a:p>
+          <a:p>
+            <a:pPr>
+              <a:buFont typeface="Wingdings" pitchFamily="2" charset="2"/>
+              <a:buChar char="Ø"/>
+            </a:pPr>
+            <a:endParaRPr lang="en-US" sz="2000" dirty="0">
+              <a:latin typeface="Times New Roman" pitchFamily="18" charset="0"/>
+              <a:cs typeface="Times New Roman" pitchFamily="18" charset="0"/>
+            </a:endParaRPr>
+          </a:p>
+          <a:p>
+            <a:r>
+              <a:rPr lang="en-US" sz="2000" dirty="0">
+                <a:latin typeface="Times New Roman" pitchFamily="18" charset="0"/>
+                <a:cs typeface="Times New Roman" pitchFamily="18" charset="0"/>
+              </a:rPr>
+              <a:t>More timely with our quantitative measurements than by ordinal scores.</a:t>
+            </a:r>
+          </a:p>
+          <a:p>
+            <a:pPr>
+              <a:buFont typeface="Wingdings" pitchFamily="2" charset="2"/>
+              <a:buChar char="Ø"/>
+            </a:pPr>
+            <a:endParaRPr lang="en-US" sz="2000" dirty="0">
+              <a:latin typeface="Times New Roman" pitchFamily="18" charset="0"/>
+              <a:cs typeface="Times New Roman" pitchFamily="18" charset="0"/>
+            </a:endParaRPr>
+          </a:p>
+          <a:p>
+            <a:r>
+              <a:rPr lang="en-US" sz="2000" dirty="0">
+                <a:latin typeface="Times New Roman" pitchFamily="18" charset="0"/>
+                <a:cs typeface="Times New Roman" pitchFamily="18" charset="0"/>
+              </a:rPr>
+              <a:t>Our future research is to  enhance the existing authentication system by integrating the designed model for finger vein based biometric authentication</a:t>
+            </a:r>
+          </a:p>
+          <a:p>
+            <a:pPr>
+              <a:buFont typeface="Wingdings" pitchFamily="2" charset="2"/>
+              <a:buChar char="Ø"/>
+            </a:pPr>
+            <a:endParaRPr lang="en-IN" dirty="0">
+              <a:latin typeface="Times New Roman" pitchFamily="18" charset="0"/>
+              <a:cs typeface="Times New Roman" pitchFamily="18" charset="0"/>
+            </a:endParaRPr>
+          </a:p>
+          <a:p>
             <a:endParaRPr lang="en-IN" dirty="0"/>
           </a:p>
         </p:txBody>
@@ -8910,14 +8682,14 @@
             <p:ph idx="1"/>
             <p:extLst>
               <p:ext uri="{D42A27DB-BD31-4B8C-83A1-F6EECF244321}">
-                <p14:modId xmlns:p14="http://schemas.microsoft.com/office/powerpoint/2010/main" val="2010884200"/>
+                <p14:modId xmlns:p14="http://schemas.microsoft.com/office/powerpoint/2010/main" val="2381326173"/>
               </p:ext>
             </p:extLst>
           </p:nvPr>
         </p:nvGraphicFramePr>
         <p:xfrm>
           <a:off x="1535113" y="941098"/>
-          <a:ext cx="9853401" cy="4975803"/>
+          <a:ext cx="9853401" cy="5095696"/>
         </p:xfrm>
         <a:graphic>
           <a:graphicData uri="http://schemas.openxmlformats.org/drawingml/2006/table">
@@ -9189,6 +8961,114 @@
                         </a:rPr>
                         <a:t> Xi </a:t>
                       </a:r>
+                    </a:p>
+                    <a:p>
+                      <a:pPr marL="0" marR="0" lvl="0" indent="0" algn="l" defTabSz="914400" rtl="0" eaLnBrk="1" fontAlgn="auto" latinLnBrk="0" hangingPunct="1">
+                        <a:lnSpc>
+                          <a:spcPct val="100000"/>
+                        </a:lnSpc>
+                        <a:spcBef>
+                          <a:spcPts val="0"/>
+                        </a:spcBef>
+                        <a:spcAft>
+                          <a:spcPts val="0"/>
+                        </a:spcAft>
+                        <a:buClrTx/>
+                        <a:buSzTx/>
+                        <a:buFontTx/>
+                        <a:buNone/>
+                        <a:tabLst/>
+                        <a:defRPr/>
+                      </a:pPr>
+                      <a:endParaRPr lang="en-IN" sz="1400" b="0" i="0" u="none" strike="noStrike" kern="1200" baseline="0" dirty="0">
+                        <a:solidFill>
+                          <a:schemeClr val="tx1"/>
+                        </a:solidFill>
+                        <a:latin typeface="Times New Roman" panose="02020603050405020304" pitchFamily="18" charset="0"/>
+                        <a:ea typeface="+mn-ea"/>
+                        <a:cs typeface="Times New Roman" panose="02020603050405020304" pitchFamily="18" charset="0"/>
+                      </a:endParaRPr>
+                    </a:p>
+                    <a:p>
+                      <a:pPr marL="0" marR="0" lvl="0" indent="0" algn="l" defTabSz="914400" rtl="0" eaLnBrk="1" fontAlgn="auto" latinLnBrk="0" hangingPunct="1">
+                        <a:lnSpc>
+                          <a:spcPct val="100000"/>
+                        </a:lnSpc>
+                        <a:spcBef>
+                          <a:spcPts val="0"/>
+                        </a:spcBef>
+                        <a:spcAft>
+                          <a:spcPts val="0"/>
+                        </a:spcAft>
+                        <a:buClrTx/>
+                        <a:buSzTx/>
+                        <a:buFontTx/>
+                        <a:buNone/>
+                        <a:tabLst/>
+                        <a:defRPr/>
+                      </a:pPr>
+                      <a:endParaRPr lang="en-IN" sz="1400" b="0" i="0" u="none" strike="noStrike" kern="1200" baseline="0" dirty="0">
+                        <a:solidFill>
+                          <a:schemeClr val="tx1"/>
+                        </a:solidFill>
+                        <a:latin typeface="Times New Roman" panose="02020603050405020304" pitchFamily="18" charset="0"/>
+                        <a:ea typeface="+mn-ea"/>
+                        <a:cs typeface="Times New Roman" panose="02020603050405020304" pitchFamily="18" charset="0"/>
+                      </a:endParaRPr>
+                    </a:p>
+                    <a:p>
+                      <a:pPr marL="0" marR="0" lvl="0" indent="0" algn="l" defTabSz="914400" rtl="0" eaLnBrk="1" fontAlgn="auto" latinLnBrk="0" hangingPunct="1">
+                        <a:lnSpc>
+                          <a:spcPct val="100000"/>
+                        </a:lnSpc>
+                        <a:spcBef>
+                          <a:spcPts val="0"/>
+                        </a:spcBef>
+                        <a:spcAft>
+                          <a:spcPts val="0"/>
+                        </a:spcAft>
+                        <a:buClrTx/>
+                        <a:buSzTx/>
+                        <a:buFontTx/>
+                        <a:buNone/>
+                        <a:tabLst/>
+                        <a:defRPr/>
+                      </a:pPr>
+                      <a:r>
+                        <a:rPr lang="en-IN" sz="1400" b="0" i="0" u="none" strike="noStrike" kern="1200" baseline="0" dirty="0">
+                          <a:solidFill>
+                            <a:schemeClr val="tx1"/>
+                          </a:solidFill>
+                          <a:latin typeface="Times New Roman" panose="02020603050405020304" pitchFamily="18" charset="0"/>
+                          <a:ea typeface="+mn-ea"/>
+                          <a:cs typeface="Times New Roman" panose="02020603050405020304" pitchFamily="18" charset="0"/>
+                        </a:rPr>
+                        <a:t>Link: </a:t>
+                      </a:r>
+                      <a:r>
+                        <a:rPr lang="en-IN" sz="1400" b="0" i="0" u="none" strike="noStrike" kern="1200" baseline="0" dirty="0">
+                          <a:solidFill>
+                            <a:schemeClr val="accent5">
+                              <a:lumMod val="75000"/>
+                            </a:schemeClr>
+                          </a:solidFill>
+                          <a:latin typeface="Times New Roman" panose="02020603050405020304" pitchFamily="18" charset="0"/>
+                          <a:ea typeface="+mn-ea"/>
+                          <a:cs typeface="Times New Roman" panose="02020603050405020304" pitchFamily="18" charset="0"/>
+                          <a:hlinkClick r:id="rId2"/>
+                        </a:rPr>
+                        <a:t>https://ieeexplore.ieee.org/document/7882665</a:t>
+                      </a:r>
+                      <a:endParaRPr lang="en-IN" sz="1400" b="0" i="0" u="none" strike="noStrike" kern="1200" baseline="0" dirty="0">
+                        <a:solidFill>
+                          <a:schemeClr val="accent5">
+                            <a:lumMod val="75000"/>
+                          </a:schemeClr>
+                        </a:solidFill>
+                        <a:latin typeface="Times New Roman" panose="02020603050405020304" pitchFamily="18" charset="0"/>
+                        <a:ea typeface="+mn-ea"/>
+                        <a:cs typeface="Times New Roman" panose="02020603050405020304" pitchFamily="18" charset="0"/>
+                      </a:endParaRPr>
                     </a:p>
                   </a:txBody>
                   <a:tcPr/>
@@ -9508,6 +9388,55 @@
                         <a:t> Yin 	</a:t>
                       </a:r>
                     </a:p>
+                    <a:p>
+                      <a:endParaRPr lang="en-IN" sz="1400" b="0" i="0" u="none" strike="noStrike" kern="1200" baseline="0" dirty="0">
+                        <a:solidFill>
+                          <a:schemeClr val="tx1"/>
+                        </a:solidFill>
+                        <a:latin typeface="Times New Roman" panose="02020603050405020304" pitchFamily="18" charset="0"/>
+                        <a:ea typeface="+mn-ea"/>
+                        <a:cs typeface="Times New Roman" panose="02020603050405020304" pitchFamily="18" charset="0"/>
+                      </a:endParaRPr>
+                    </a:p>
+                    <a:p>
+                      <a:r>
+                        <a:rPr lang="en-IN" sz="1400" b="0" i="0" u="none" strike="noStrike" kern="1200" baseline="0" dirty="0">
+                          <a:solidFill>
+                            <a:schemeClr val="tx1"/>
+                          </a:solidFill>
+                          <a:latin typeface="Times New Roman" panose="02020603050405020304" pitchFamily="18" charset="0"/>
+                          <a:ea typeface="+mn-ea"/>
+                          <a:cs typeface="Times New Roman" panose="02020603050405020304" pitchFamily="18" charset="0"/>
+                        </a:rPr>
+                        <a:t>Link:</a:t>
+                      </a:r>
+                    </a:p>
+                    <a:p>
+                      <a:r>
+                        <a:rPr lang="en-IN" sz="1400" b="0" i="0" u="none" strike="noStrike" kern="1200" baseline="0" dirty="0">
+                          <a:solidFill>
+                            <a:schemeClr val="accent5">
+                              <a:lumMod val="75000"/>
+                            </a:schemeClr>
+                          </a:solidFill>
+                          <a:latin typeface="Times New Roman" panose="02020603050405020304" pitchFamily="18" charset="0"/>
+                          <a:ea typeface="+mn-ea"/>
+                          <a:cs typeface="Times New Roman" panose="02020603050405020304" pitchFamily="18" charset="0"/>
+                          <a:hlinkClick r:id="rId3"/>
+                        </a:rPr>
+                        <a:t>https://ieeexplore.ieee.org/document/7993012</a:t>
+                      </a:r>
+                      <a:endParaRPr lang="en-IN" sz="1400" b="0" i="0" u="none" strike="noStrike" kern="1200" baseline="0" dirty="0">
+                        <a:solidFill>
+                          <a:schemeClr val="accent5">
+                            <a:lumMod val="75000"/>
+                          </a:schemeClr>
+                        </a:solidFill>
+                        <a:latin typeface="Times New Roman" panose="02020603050405020304" pitchFamily="18" charset="0"/>
+                        <a:ea typeface="+mn-ea"/>
+                        <a:cs typeface="Times New Roman" panose="02020603050405020304" pitchFamily="18" charset="0"/>
+                      </a:endParaRPr>
+                    </a:p>
                   </a:txBody>
                   <a:tcPr/>
                 </a:tc>
@@ -9725,7 +9654,7 @@
             <p:ph idx="1"/>
             <p:extLst>
               <p:ext uri="{D42A27DB-BD31-4B8C-83A1-F6EECF244321}">
-                <p14:modId xmlns:p14="http://schemas.microsoft.com/office/powerpoint/2010/main" val="1620425883"/>
+                <p14:modId xmlns:p14="http://schemas.microsoft.com/office/powerpoint/2010/main" val="1346201294"/>
               </p:ext>
             </p:extLst>
           </p:nvPr>
@@ -9748,14 +9677,14 @@
                     </a:ext>
                   </a:extLst>
                 </a:gridCol>
-                <a:gridCol w="1787644">
+                <a:gridCol w="1787807">
                   <a:extLst>
                     <a:ext uri="{9D8B030D-6E8A-4147-A177-3AD203B41FA5}">
                       <a16:colId xmlns:a16="http://schemas.microsoft.com/office/drawing/2014/main" val="545084164"/>
                     </a:ext>
                   </a:extLst>
                 </a:gridCol>
-                <a:gridCol w="2055313">
+                <a:gridCol w="2055150">
                   <a:extLst>
                     <a:ext uri="{9D8B030D-6E8A-4147-A177-3AD203B41FA5}">
                       <a16:colId xmlns:a16="http://schemas.microsoft.com/office/drawing/2014/main" val="3582126375"/>
@@ -10035,7 +9964,89 @@
                           <a:ea typeface="+mn-ea"/>
                           <a:cs typeface="Times New Roman" panose="02020603050405020304" pitchFamily="18" charset="0"/>
                         </a:rPr>
-                        <a:t> Huang	</a:t>
+                        <a:t> Huang</a:t>
+                      </a:r>
+                    </a:p>
+                    <a:p>
+                      <a:pPr marL="0" marR="0" lvl="0" indent="0" algn="l" defTabSz="914400" rtl="0" eaLnBrk="1" fontAlgn="auto" latinLnBrk="0" hangingPunct="1">
+                        <a:lnSpc>
+                          <a:spcPct val="100000"/>
+                        </a:lnSpc>
+                        <a:spcBef>
+                          <a:spcPts val="0"/>
+                        </a:spcBef>
+                        <a:spcAft>
+                          <a:spcPts val="0"/>
+                        </a:spcAft>
+                        <a:buClrTx/>
+                        <a:buSzTx/>
+                        <a:buFontTx/>
+                        <a:buNone/>
+                        <a:tabLst/>
+                        <a:defRPr/>
+                      </a:pPr>
+                      <a:endParaRPr lang="en-IN" sz="1400" b="0" i="0" u="none" strike="noStrike" kern="1200" baseline="0" dirty="0">
+                        <a:solidFill>
+                          <a:schemeClr val="tx1"/>
+                        </a:solidFill>
+                        <a:latin typeface="Times New Roman" panose="02020603050405020304" pitchFamily="18" charset="0"/>
+                        <a:ea typeface="+mn-ea"/>
+                        <a:cs typeface="Times New Roman" panose="02020603050405020304" pitchFamily="18" charset="0"/>
+                      </a:endParaRPr>
+                    </a:p>
+                    <a:p>
+                      <a:pPr marL="0" marR="0" lvl="0" indent="0" algn="l" defTabSz="914400" rtl="0" eaLnBrk="1" fontAlgn="auto" latinLnBrk="0" hangingPunct="1">
+                        <a:lnSpc>
+                          <a:spcPct val="100000"/>
+                        </a:lnSpc>
+                        <a:spcBef>
+                          <a:spcPts val="0"/>
+                        </a:spcBef>
+                        <a:spcAft>
+                          <a:spcPts val="0"/>
+                        </a:spcAft>
+                        <a:buClrTx/>
+                        <a:buSzTx/>
+                        <a:buFontTx/>
+                        <a:buNone/>
+                        <a:tabLst/>
+                        <a:defRPr/>
+                      </a:pPr>
+                      <a:r>
+                        <a:rPr lang="en-IN" sz="1400" b="0" i="0" u="none" strike="noStrike" kern="1200" baseline="0" dirty="0">
+                          <a:solidFill>
+                            <a:schemeClr val="tx1"/>
+                          </a:solidFill>
+                          <a:latin typeface="Times New Roman" panose="02020603050405020304" pitchFamily="18" charset="0"/>
+                          <a:ea typeface="+mn-ea"/>
+                          <a:cs typeface="Times New Roman" panose="02020603050405020304" pitchFamily="18" charset="0"/>
+                        </a:rPr>
+                        <a:t>Link: </a:t>
+                      </a:r>
+                      <a:r>
+                        <a:rPr lang="en-IN" sz="1400" b="0" i="0" u="none" strike="noStrike" kern="1200" baseline="0" dirty="0">
+                          <a:solidFill>
+                            <a:schemeClr val="accent5">
+                              <a:lumMod val="75000"/>
+                            </a:schemeClr>
+                          </a:solidFill>
+                          <a:latin typeface="Times New Roman" panose="02020603050405020304" pitchFamily="18" charset="0"/>
+                          <a:ea typeface="+mn-ea"/>
+                          <a:cs typeface="Times New Roman" panose="02020603050405020304" pitchFamily="18" charset="0"/>
+                          <a:hlinkClick r:id="rId2"/>
+                        </a:rPr>
+                        <a:t>https://ieeexplore.ieee.org/document/8049353</a:t>
+                      </a:r>
+                      <a:r>
+                        <a:rPr lang="en-IN" sz="1400" b="0" i="0" u="none" strike="noStrike" kern="1200" baseline="0" dirty="0">
+                          <a:solidFill>
+                            <a:schemeClr val="tx1"/>
+                          </a:solidFill>
+                          <a:latin typeface="Times New Roman" panose="02020603050405020304" pitchFamily="18" charset="0"/>
+                          <a:ea typeface="+mn-ea"/>
+                          <a:cs typeface="Times New Roman" panose="02020603050405020304" pitchFamily="18" charset="0"/>
+                        </a:rPr>
+                        <a:t>	</a:t>
                       </a:r>
                     </a:p>
                   </a:txBody>
@@ -10276,6 +10287,60 @@
                         </a:rPr>
                         <a:t>	</a:t>
                       </a:r>
+                    </a:p>
+                    <a:p>
+                      <a:pPr marL="0" marR="0" lvl="0" indent="0" algn="l" defTabSz="914400" rtl="0" eaLnBrk="1" fontAlgn="auto" latinLnBrk="0" hangingPunct="1">
+                        <a:lnSpc>
+                          <a:spcPct val="100000"/>
+                        </a:lnSpc>
+                        <a:spcBef>
+                          <a:spcPts val="0"/>
+                        </a:spcBef>
+                        <a:spcAft>
+                          <a:spcPts val="0"/>
+                        </a:spcAft>
+                        <a:buClrTx/>
+                        <a:buSzTx/>
+                        <a:buFontTx/>
+                        <a:buNone/>
+                        <a:tabLst/>
+                        <a:defRPr/>
+                      </a:pPr>
+                      <a:r>
+                        <a:rPr lang="en-IN" sz="1400" b="0" i="0" u="none" strike="noStrike" kern="1200" baseline="0" dirty="0">
+                          <a:solidFill>
+                            <a:schemeClr val="tx1"/>
+                          </a:solidFill>
+                          <a:latin typeface="Times New Roman" panose="02020603050405020304" pitchFamily="18" charset="0"/>
+                          <a:ea typeface="+mn-ea"/>
+                          <a:cs typeface="Times New Roman" panose="02020603050405020304" pitchFamily="18" charset="0"/>
+                        </a:rPr>
+                        <a:t>Link: </a:t>
+                      </a:r>
+                      <a:r>
+                        <a:rPr lang="en-IN" sz="1400" b="0" i="0" u="none" strike="noStrike" kern="1200" baseline="0" dirty="0">
+                          <a:solidFill>
+                            <a:schemeClr val="accent5">
+                              <a:lumMod val="75000"/>
+                            </a:schemeClr>
+                          </a:solidFill>
+                          <a:latin typeface="Times New Roman" panose="02020603050405020304" pitchFamily="18" charset="0"/>
+                          <a:ea typeface="+mn-ea"/>
+                          <a:cs typeface="Times New Roman" panose="02020603050405020304" pitchFamily="18" charset="0"/>
+                          <a:hlinkClick r:id="rId3"/>
+                        </a:rPr>
+                        <a:t>https://ieeexplore.ieee.org/abstract/document/8679987</a:t>
+                      </a:r>
+                      <a:endParaRPr lang="en-IN" sz="1400" b="0" i="0" u="none" strike="noStrike" kern="1200" baseline="0" dirty="0">
+                        <a:solidFill>
+                          <a:schemeClr val="accent5">
+                            <a:lumMod val="75000"/>
+                          </a:schemeClr>
+                        </a:solidFill>
+                        <a:latin typeface="Times New Roman" panose="02020603050405020304" pitchFamily="18" charset="0"/>
+                        <a:ea typeface="+mn-ea"/>
+                        <a:cs typeface="Times New Roman" panose="02020603050405020304" pitchFamily="18" charset="0"/>
+                      </a:endParaRPr>
                     </a:p>
                   </a:txBody>
                   <a:tcPr/>
@@ -10554,14 +10619,14 @@
             <p:ph idx="1"/>
             <p:extLst>
               <p:ext uri="{D42A27DB-BD31-4B8C-83A1-F6EECF244321}">
-                <p14:modId xmlns:p14="http://schemas.microsoft.com/office/powerpoint/2010/main" val="1174676246"/>
+                <p14:modId xmlns:p14="http://schemas.microsoft.com/office/powerpoint/2010/main" val="3285283672"/>
               </p:ext>
             </p:extLst>
           </p:nvPr>
         </p:nvGraphicFramePr>
         <p:xfrm>
           <a:off x="1535113" y="941099"/>
-          <a:ext cx="9853401" cy="4776210"/>
+          <a:ext cx="9853401" cy="5715253"/>
         </p:xfrm>
         <a:graphic>
           <a:graphicData uri="http://schemas.openxmlformats.org/drawingml/2006/table">
@@ -10855,6 +10920,50 @@
                           <a:ea typeface="+mn-ea"/>
                           <a:cs typeface="Times New Roman" panose="02020603050405020304" pitchFamily="18" charset="0"/>
                         </a:rPr>
+                        <a:t>Link:</a:t>
+                      </a:r>
+                    </a:p>
+                    <a:p>
+                      <a:pPr marL="0" marR="0" lvl="0" indent="0" algn="l" defTabSz="914400" rtl="0" eaLnBrk="1" fontAlgn="auto" latinLnBrk="0" hangingPunct="1">
+                        <a:lnSpc>
+                          <a:spcPct val="100000"/>
+                        </a:lnSpc>
+                        <a:spcBef>
+                          <a:spcPts val="0"/>
+                        </a:spcBef>
+                        <a:spcAft>
+                          <a:spcPts val="0"/>
+                        </a:spcAft>
+                        <a:buClrTx/>
+                        <a:buSzTx/>
+                        <a:buFontTx/>
+                        <a:buNone/>
+                        <a:tabLst/>
+                        <a:defRPr/>
+                      </a:pPr>
+                      <a:r>
+                        <a:rPr lang="en-IN" sz="1400" b="0" i="0" u="none" strike="noStrike" kern="1200" baseline="0" dirty="0">
+                          <a:solidFill>
+                            <a:schemeClr val="accent5">
+                              <a:lumMod val="75000"/>
+                            </a:schemeClr>
+                          </a:solidFill>
+                          <a:latin typeface="Times New Roman" panose="02020603050405020304" pitchFamily="18" charset="0"/>
+                          <a:ea typeface="+mn-ea"/>
+                          <a:cs typeface="Times New Roman" panose="02020603050405020304" pitchFamily="18" charset="0"/>
+                          <a:hlinkClick r:id="rId2"/>
+                        </a:rPr>
+                        <a:t>https://ieeexplore.ieee.org/document/8374822</a:t>
+                      </a:r>
+                      <a:r>
+                        <a:rPr lang="en-IN" sz="1400" b="0" i="0" u="none" strike="noStrike" kern="1200" baseline="0" dirty="0">
+                          <a:solidFill>
+                            <a:schemeClr val="tx1"/>
+                          </a:solidFill>
+                          <a:latin typeface="Times New Roman" panose="02020603050405020304" pitchFamily="18" charset="0"/>
+                          <a:ea typeface="+mn-ea"/>
+                          <a:cs typeface="Times New Roman" panose="02020603050405020304" pitchFamily="18" charset="0"/>
+                        </a:rPr>
                         <a:t>	</a:t>
                       </a:r>
                     </a:p>
@@ -11038,7 +11147,137 @@
                           <a:ea typeface="+mn-ea"/>
                           <a:cs typeface="Times New Roman" panose="02020603050405020304" pitchFamily="18" charset="0"/>
                         </a:rPr>
-                        <a:t>Raghavendra Ramachandra, Kiran Raja, Sushma Venkatesh and Christoph Busch 	</a:t>
+                        <a:t>Raghavendra Ramachandra, Kiran Raja, Sushma Venkatesh and Christoph Busch </a:t>
+                      </a:r>
+                    </a:p>
+                    <a:p>
+                      <a:pPr marL="0" marR="0" lvl="0" indent="0" algn="l" defTabSz="914400" rtl="0" eaLnBrk="1" fontAlgn="auto" latinLnBrk="0" hangingPunct="1">
+                        <a:lnSpc>
+                          <a:spcPct val="100000"/>
+                        </a:lnSpc>
+                        <a:spcBef>
+                          <a:spcPts val="0"/>
+                        </a:spcBef>
+                        <a:spcAft>
+                          <a:spcPts val="0"/>
+                        </a:spcAft>
+                        <a:buClrTx/>
+                        <a:buSzTx/>
+                        <a:buFontTx/>
+                        <a:buNone/>
+                        <a:tabLst/>
+                        <a:defRPr/>
+                      </a:pPr>
+                      <a:endParaRPr lang="en-IN" sz="1400" b="0" i="0" u="none" strike="noStrike" kern="1200" baseline="0" dirty="0">
+                        <a:solidFill>
+                          <a:schemeClr val="tx1"/>
+                        </a:solidFill>
+                        <a:latin typeface="Times New Roman" panose="02020603050405020304" pitchFamily="18" charset="0"/>
+                        <a:ea typeface="+mn-ea"/>
+                        <a:cs typeface="Times New Roman" panose="02020603050405020304" pitchFamily="18" charset="0"/>
+                      </a:endParaRPr>
+                    </a:p>
+                    <a:p>
+                      <a:pPr marL="0" marR="0" lvl="0" indent="0" algn="l" defTabSz="914400" rtl="0" eaLnBrk="1" fontAlgn="auto" latinLnBrk="0" hangingPunct="1">
+                        <a:lnSpc>
+                          <a:spcPct val="100000"/>
+                        </a:lnSpc>
+                        <a:spcBef>
+                          <a:spcPts val="0"/>
+                        </a:spcBef>
+                        <a:spcAft>
+                          <a:spcPts val="0"/>
+                        </a:spcAft>
+                        <a:buClrTx/>
+                        <a:buSzTx/>
+                        <a:buFontTx/>
+                        <a:buNone/>
+                        <a:tabLst/>
+                        <a:defRPr/>
+                      </a:pPr>
+                      <a:r>
+                        <a:rPr lang="en-IN" sz="1400" b="0" i="0" u="none" strike="noStrike" kern="1200" baseline="0" dirty="0">
+                          <a:solidFill>
+                            <a:schemeClr val="tx1"/>
+                          </a:solidFill>
+                          <a:latin typeface="Times New Roman" panose="02020603050405020304" pitchFamily="18" charset="0"/>
+                          <a:ea typeface="+mn-ea"/>
+                          <a:cs typeface="Times New Roman" panose="02020603050405020304" pitchFamily="18" charset="0"/>
+                        </a:rPr>
+                        <a:t>Link:</a:t>
+                      </a:r>
+                    </a:p>
+                    <a:p>
+                      <a:pPr marL="0" marR="0" lvl="0" indent="0" algn="l" defTabSz="914400" rtl="0" eaLnBrk="1" fontAlgn="auto" latinLnBrk="0" hangingPunct="1">
+                        <a:lnSpc>
+                          <a:spcPct val="100000"/>
+                        </a:lnSpc>
+                        <a:spcBef>
+                          <a:spcPts val="0"/>
+                        </a:spcBef>
+                        <a:spcAft>
+                          <a:spcPts val="0"/>
+                        </a:spcAft>
+                        <a:buClrTx/>
+                        <a:buSzTx/>
+                        <a:buFontTx/>
+                        <a:buNone/>
+                        <a:tabLst/>
+                        <a:defRPr/>
+                      </a:pPr>
+                      <a:r>
+                        <a:rPr lang="en-IN" sz="1400" b="0" i="0" u="none" strike="noStrike" kern="1200" baseline="0" dirty="0">
+                          <a:solidFill>
+                            <a:schemeClr val="accent5">
+                              <a:lumMod val="75000"/>
+                            </a:schemeClr>
+                          </a:solidFill>
+                          <a:latin typeface="Times New Roman" panose="02020603050405020304" pitchFamily="18" charset="0"/>
+                          <a:ea typeface="+mn-ea"/>
+                          <a:cs typeface="Times New Roman" panose="02020603050405020304" pitchFamily="18" charset="0"/>
+                          <a:hlinkClick r:id="rId3"/>
+                        </a:rPr>
+                        <a:t>https://ieeexplore.ieee.org/document/8672597</a:t>
+                      </a:r>
+                      <a:endParaRPr lang="en-IN" sz="1400" b="0" i="0" u="none" strike="noStrike" kern="1200" baseline="0" dirty="0">
+                        <a:solidFill>
+                          <a:schemeClr val="accent5">
+                            <a:lumMod val="75000"/>
+                          </a:schemeClr>
+                        </a:solidFill>
+                        <a:latin typeface="Times New Roman" panose="02020603050405020304" pitchFamily="18" charset="0"/>
+                        <a:ea typeface="+mn-ea"/>
+                        <a:cs typeface="Times New Roman" panose="02020603050405020304" pitchFamily="18" charset="0"/>
+                      </a:endParaRPr>
+                    </a:p>
+                    <a:p>
+                      <a:pPr marL="0" marR="0" lvl="0" indent="0" algn="l" defTabSz="914400" rtl="0" eaLnBrk="1" fontAlgn="auto" latinLnBrk="0" hangingPunct="1">
+                        <a:lnSpc>
+                          <a:spcPct val="100000"/>
+                        </a:lnSpc>
+                        <a:spcBef>
+                          <a:spcPts val="0"/>
+                        </a:spcBef>
+                        <a:spcAft>
+                          <a:spcPts val="0"/>
+                        </a:spcAft>
+                        <a:buClrTx/>
+                        <a:buSzTx/>
+                        <a:buFontTx/>
+                        <a:buNone/>
+                        <a:tabLst/>
+                        <a:defRPr/>
+                      </a:pPr>
+                      <a:r>
+                        <a:rPr lang="en-IN" sz="1400" b="0" i="0" u="none" strike="noStrike" kern="1200" baseline="0" dirty="0">
+                          <a:solidFill>
+                            <a:schemeClr val="tx1"/>
+                          </a:solidFill>
+                          <a:latin typeface="Times New Roman" panose="02020603050405020304" pitchFamily="18" charset="0"/>
+                          <a:ea typeface="+mn-ea"/>
+                          <a:cs typeface="Times New Roman" panose="02020603050405020304" pitchFamily="18" charset="0"/>
+                        </a:rPr>
+                        <a:t>	</a:t>
                       </a:r>
                     </a:p>
                     <a:p>
@@ -12589,18 +12828,15 @@
               <a:t>Link: </a:t>
             </a:r>
             <a:r>
-              <a:rPr lang="en-US" sz="1800" b="0" i="0" u="none" strike="noStrike" baseline="0" dirty="0">
+              <a:rPr lang="en-US" sz="1800" b="1" dirty="0">
+                <a:solidFill>
+                  <a:schemeClr val="tx1"/>
+                </a:solidFill>
                 <a:latin typeface="Times New Roman" panose="02020603050405020304" pitchFamily="18" charset="0"/>
                 <a:cs typeface="Times New Roman" panose="02020603050405020304" pitchFamily="18" charset="0"/>
-                <a:hlinkClick r:id="rId2">
-                  <a:extLst>
-                    <a:ext uri="{A12FA001-AC4F-418D-AE19-62706E023703}">
-                      <ahyp:hlinkClr xmlns:ahyp="http://schemas.microsoft.com/office/drawing/2018/hyperlinkcolor" val="tx"/>
-                    </a:ext>
-                  </a:extLst>
-                </a:hlinkClick>
-              </a:rPr>
-              <a:t>http://drfendi.com/2015/12/05/fv-usm-database-download-page/</a:t>
+                <a:hlinkClick r:id="rId2"/>
+              </a:rPr>
+              <a:t>https://www.kaggle.com/ryeltsin/finger-vein</a:t>
             </a:r>
             <a:endParaRPr lang="en-IN" sz="1800" b="0" i="0" u="none" strike="noStrike" baseline="0" dirty="0">
               <a:latin typeface="Times New Roman" panose="02020603050405020304" pitchFamily="18" charset="0"/>

--- a/Project Documents/Batch 3 PPT.pptx
+++ b/Project Documents/Batch 3 PPT.pptx
@@ -7,9 +7,9 @@
   <p:sldIdLst>
     <p:sldId id="256" r:id="rId2"/>
     <p:sldId id="285" r:id="rId3"/>
-    <p:sldId id="269" r:id="rId4"/>
-    <p:sldId id="297" r:id="rId5"/>
-    <p:sldId id="298" r:id="rId6"/>
+    <p:sldId id="297" r:id="rId4"/>
+    <p:sldId id="298" r:id="rId5"/>
+    <p:sldId id="269" r:id="rId6"/>
     <p:sldId id="291" r:id="rId7"/>
     <p:sldId id="258" r:id="rId8"/>
     <p:sldId id="259" r:id="rId9"/>
@@ -4491,6 +4491,20 @@
                 <a:latin typeface="Times New Roman" panose="02020603050405020304" pitchFamily="18" charset="0"/>
                 <a:cs typeface="Times New Roman" panose="02020603050405020304" pitchFamily="18" charset="0"/>
               </a:rPr>
+              <a:t>Nivedhitaa Ravichandran (21141710172)</a:t>
+            </a:r>
+          </a:p>
+          <a:p>
+            <a:r>
+              <a:rPr lang="en-IN" altLang="en-US" sz="1800" dirty="0" err="1">
+                <a:solidFill>
+                  <a:schemeClr val="tx2">
+                    <a:lumMod val="50000"/>
+                  </a:schemeClr>
+                </a:solidFill>
+                <a:latin typeface="Times New Roman" panose="02020603050405020304" pitchFamily="18" charset="0"/>
+                <a:cs typeface="Times New Roman" panose="02020603050405020304" pitchFamily="18" charset="0"/>
+              </a:rPr>
               <a:t>Pratisha</a:t>
             </a:r>
             <a:r>
@@ -4516,24 +4530,6 @@
                 <a:cs typeface="Times New Roman" panose="02020603050405020304" pitchFamily="18" charset="0"/>
               </a:rPr>
               <a:t>B (211417104195)</a:t>
-            </a:r>
-            <a:endParaRPr lang="zh-CN" altLang="en-US" dirty="0">
-              <a:latin typeface="Times New Roman" panose="02020603050405020304" pitchFamily="18" charset="0"/>
-              <a:cs typeface="Times New Roman" panose="02020603050405020304" pitchFamily="18" charset="0"/>
-            </a:endParaRPr>
-          </a:p>
-          <a:p>
-            <a:r>
-              <a:rPr lang="en-IN" altLang="en-US" sz="1800" dirty="0">
-                <a:solidFill>
-                  <a:schemeClr val="tx2">
-                    <a:lumMod val="50000"/>
-                  </a:schemeClr>
-                </a:solidFill>
-                <a:latin typeface="Times New Roman" panose="02020603050405020304" pitchFamily="18" charset="0"/>
-                <a:cs typeface="Times New Roman" panose="02020603050405020304" pitchFamily="18" charset="0"/>
-              </a:rPr>
-              <a:t>Nivedhitaa Ravichandran (21141710172)</a:t>
             </a:r>
           </a:p>
           <a:p>
@@ -5114,6 +5110,11 @@
           <a:bodyPr/>
           <a:lstStyle/>
           <a:p>
+            <a:pPr algn="just">
+              <a:lnSpc>
+                <a:spcPct val="200000"/>
+              </a:lnSpc>
+            </a:pPr>
             <a:r>
               <a:rPr lang="en-US" sz="1800" b="0" i="0" u="none" strike="noStrike" baseline="0" dirty="0">
                 <a:solidFill>
@@ -5125,7 +5126,10 @@
             </a:r>
           </a:p>
           <a:p>
-            <a:pPr marL="514350" indent="-285750">
+            <a:pPr marL="514350" indent="-285750" algn="just">
+              <a:lnSpc>
+                <a:spcPct val="200000"/>
+              </a:lnSpc>
               <a:buFont typeface="Wingdings" panose="05000000000000000000" pitchFamily="2" charset="2"/>
               <a:buChar char="ü"/>
             </a:pPr>
@@ -5140,7 +5144,10 @@
             </a:r>
           </a:p>
           <a:p>
-            <a:pPr marL="514350" indent="-285750">
+            <a:pPr marL="514350" indent="-285750" algn="just">
+              <a:lnSpc>
+                <a:spcPct val="200000"/>
+              </a:lnSpc>
               <a:buFont typeface="Wingdings" panose="05000000000000000000" pitchFamily="2" charset="2"/>
               <a:buChar char="ü"/>
             </a:pPr>
@@ -5155,6 +5162,11 @@
             </a:r>
           </a:p>
           <a:p>
+            <a:pPr algn="just">
+              <a:lnSpc>
+                <a:spcPct val="200000"/>
+              </a:lnSpc>
+            </a:pPr>
             <a:r>
               <a:rPr lang="en-US" sz="1800" b="0" i="0" u="none" strike="noStrike" baseline="0" dirty="0">
                 <a:solidFill>
@@ -5162,18 +5174,23 @@
                 </a:solidFill>
                 <a:latin typeface="Arial" panose="020B0604020202020204" pitchFamily="34" charset="0"/>
               </a:rPr>
-              <a:t>Data visualization is a technique that uses an array of static and interactive visuals within a specific context to help people understand and make sense of large amounts of data. </a:t>
-            </a:r>
-          </a:p>
-          <a:p>
-            <a:r>
-              <a:rPr lang="en-US" sz="1800" b="0" i="0" u="none" strike="noStrike" baseline="0" dirty="0">
+              <a:t>Data visualization- to visualize both small and large size data.</a:t>
+            </a:r>
+          </a:p>
+          <a:p>
+            <a:pPr algn="just">
+              <a:lnSpc>
+                <a:spcPct val="200000"/>
+              </a:lnSpc>
+            </a:pPr>
+            <a:r>
+              <a:rPr lang="en-US" sz="1800" dirty="0">
                 <a:solidFill>
                   <a:srgbClr val="000000"/>
                 </a:solidFill>
                 <a:latin typeface="Arial" panose="020B0604020202020204" pitchFamily="34" charset="0"/>
               </a:rPr>
-              <a:t>The data is often displayed in a story format that visualizes patterns, trends and correlations that may otherwise go unnoticed. </a:t>
+              <a:t>Library used- matplotlib</a:t>
             </a:r>
             <a:endParaRPr lang="en-IN" dirty="0"/>
           </a:p>
@@ -5266,11 +5283,23 @@
             <p:ph idx="1"/>
           </p:nvPr>
         </p:nvSpPr>
-        <p:spPr/>
+        <p:spPr>
+          <a:xfrm>
+            <a:off x="1534696" y="2015732"/>
+            <a:ext cx="9520158" cy="4037749"/>
+          </a:xfrm>
+        </p:spPr>
         <p:txBody>
-          <a:bodyPr/>
+          <a:bodyPr>
+            <a:normAutofit/>
+          </a:bodyPr>
           <a:lstStyle/>
           <a:p>
+            <a:pPr algn="just">
+              <a:lnSpc>
+                <a:spcPct val="150000"/>
+              </a:lnSpc>
+            </a:pPr>
             <a:r>
               <a:rPr lang="en-US" dirty="0">
                 <a:latin typeface="Times New Roman" panose="02020603050405020304" pitchFamily="18" charset="0"/>
@@ -5280,7 +5309,10 @@
             </a:r>
           </a:p>
           <a:p>
-            <a:pPr indent="131763">
+            <a:pPr indent="131763" algn="just">
+              <a:lnSpc>
+                <a:spcPct val="150000"/>
+              </a:lnSpc>
               <a:buFont typeface="Wingdings" panose="05000000000000000000" pitchFamily="2" charset="2"/>
               <a:buChar char="ü"/>
             </a:pPr>
@@ -5293,7 +5325,10 @@
             </a:r>
           </a:p>
           <a:p>
-            <a:pPr indent="131763">
+            <a:pPr indent="131763" algn="just">
+              <a:lnSpc>
+                <a:spcPct val="150000"/>
+              </a:lnSpc>
               <a:buFont typeface="Wingdings" panose="05000000000000000000" pitchFamily="2" charset="2"/>
               <a:buChar char="ü"/>
             </a:pPr>
@@ -5306,7 +5341,10 @@
             </a:r>
           </a:p>
           <a:p>
-            <a:pPr indent="131763">
+            <a:pPr indent="131763" algn="just">
+              <a:lnSpc>
+                <a:spcPct val="150000"/>
+              </a:lnSpc>
               <a:buFont typeface="Wingdings" panose="05000000000000000000" pitchFamily="2" charset="2"/>
               <a:buChar char="ü"/>
             </a:pPr>
@@ -5319,7 +5357,10 @@
             </a:r>
           </a:p>
           <a:p>
-            <a:pPr indent="131763">
+            <a:pPr indent="131763" algn="just">
+              <a:lnSpc>
+                <a:spcPct val="150000"/>
+              </a:lnSpc>
               <a:buFont typeface="Wingdings" panose="05000000000000000000" pitchFamily="2" charset="2"/>
               <a:buChar char="ü"/>
             </a:pPr>
@@ -5332,7 +5373,10 @@
             </a:r>
           </a:p>
           <a:p>
-            <a:pPr indent="131763">
+            <a:pPr indent="131763" algn="just">
+              <a:lnSpc>
+                <a:spcPct val="150000"/>
+              </a:lnSpc>
               <a:buFont typeface="Wingdings" panose="05000000000000000000" pitchFamily="2" charset="2"/>
               <a:buChar char="ü"/>
             </a:pPr>
@@ -5345,7 +5389,10 @@
             </a:r>
           </a:p>
           <a:p>
-            <a:pPr indent="131763">
+            <a:pPr indent="131763" algn="just">
+              <a:lnSpc>
+                <a:spcPct val="150000"/>
+              </a:lnSpc>
               <a:buFont typeface="Wingdings" panose="05000000000000000000" pitchFamily="2" charset="2"/>
               <a:buChar char="ü"/>
             </a:pPr>
@@ -5440,6 +5487,11 @@
           <a:bodyPr/>
           <a:lstStyle/>
           <a:p>
+            <a:pPr algn="just">
+              <a:lnSpc>
+                <a:spcPct val="200000"/>
+              </a:lnSpc>
+            </a:pPr>
             <a:r>
               <a:rPr lang="en-US" sz="1800" b="0" i="0" u="none" strike="noStrike" baseline="0" dirty="0">
                 <a:solidFill>
@@ -5447,10 +5499,31 @@
                 </a:solidFill>
                 <a:latin typeface="Arial" panose="020B0604020202020204" pitchFamily="34" charset="0"/>
               </a:rPr>
-              <a:t>The number of pixels in an image is the same as the size of the image for grayscale images we can find the pixel features by reshaping the shape of the image and returning the array form of the image. </a:t>
-            </a:r>
-          </a:p>
-          <a:p>
+              <a:t>Automatically select features that contribute most to prediction variable.</a:t>
+            </a:r>
+          </a:p>
+          <a:p>
+            <a:pPr algn="just">
+              <a:lnSpc>
+                <a:spcPct val="200000"/>
+              </a:lnSpc>
+            </a:pPr>
+            <a:r>
+              <a:rPr lang="en-US" sz="1800" dirty="0">
+                <a:solidFill>
+                  <a:srgbClr val="000000"/>
+                </a:solidFill>
+                <a:latin typeface="Arial" panose="020B0604020202020204" pitchFamily="34" charset="0"/>
+              </a:rPr>
+              <a:t>Removes Overfitting</a:t>
+            </a:r>
+          </a:p>
+          <a:p>
+            <a:pPr algn="just">
+              <a:lnSpc>
+                <a:spcPct val="200000"/>
+              </a:lnSpc>
+            </a:pPr>
             <a:r>
               <a:rPr lang="en-US" sz="1800" b="0" i="0" u="none" strike="noStrike" baseline="0" dirty="0">
                 <a:solidFill>
@@ -5458,9 +5531,30 @@
                 </a:solidFill>
                 <a:latin typeface="Arial" panose="020B0604020202020204" pitchFamily="34" charset="0"/>
               </a:rPr>
-              <a:t>Edges in an image are the corners where the pixel change drastically, as the images are stored in array form we can visualize different values and see where the change in pixel value is higher but doing it manually takes time </a:t>
-            </a:r>
-            <a:endParaRPr lang="en-IN" dirty="0"/>
+              <a:t>Improves Accuracy</a:t>
+            </a:r>
+          </a:p>
+          <a:p>
+            <a:pPr algn="just">
+              <a:lnSpc>
+                <a:spcPct val="200000"/>
+              </a:lnSpc>
+            </a:pPr>
+            <a:r>
+              <a:rPr lang="en-US" sz="1800" dirty="0">
+                <a:solidFill>
+                  <a:srgbClr val="000000"/>
+                </a:solidFill>
+                <a:latin typeface="Arial" panose="020B0604020202020204" pitchFamily="34" charset="0"/>
+              </a:rPr>
+              <a:t>Reduces Training time</a:t>
+            </a:r>
+            <a:endParaRPr lang="en-US" sz="1800" b="0" i="0" u="none" strike="noStrike" baseline="0" dirty="0">
+              <a:solidFill>
+                <a:srgbClr val="000000"/>
+              </a:solidFill>
+              <a:latin typeface="Arial" panose="020B0604020202020204" pitchFamily="34" charset="0"/>
+            </a:endParaRPr>
           </a:p>
         </p:txBody>
       </p:sp>
@@ -5552,15 +5646,11 @@
           </a:bodyPr>
           <a:lstStyle/>
           <a:p>
-            <a:r>
-              <a:rPr lang="en-US" sz="1800" b="0" i="0" u="none" strike="noStrike" baseline="0" dirty="0" err="1">
-                <a:solidFill>
-                  <a:srgbClr val="000000"/>
-                </a:solidFill>
-                <a:latin typeface="Arial" panose="020B0604020202020204" pitchFamily="34" charset="0"/>
-              </a:rPr>
-              <a:t>ImageDataGenerator</a:t>
-            </a:r>
+            <a:pPr algn="just">
+              <a:lnSpc>
+                <a:spcPct val="200000"/>
+              </a:lnSpc>
+            </a:pPr>
             <a:r>
               <a:rPr lang="en-US" sz="1800" b="0" i="0" u="none" strike="noStrike" baseline="0" dirty="0">
                 <a:solidFill>
@@ -5568,10 +5658,15 @@
                 </a:solidFill>
                 <a:latin typeface="Arial" panose="020B0604020202020204" pitchFamily="34" charset="0"/>
               </a:rPr>
-              <a:t> class allows rotation of up to 90 degrees, horizontal flip, horizontal and vertical shift of the data..</a:t>
-            </a:r>
-          </a:p>
-          <a:p>
+              <a:t>Image Data Generator class – used to augment images in real time</a:t>
+            </a:r>
+          </a:p>
+          <a:p>
+            <a:pPr algn="just">
+              <a:lnSpc>
+                <a:spcPct val="200000"/>
+              </a:lnSpc>
+            </a:pPr>
             <a:r>
               <a:rPr lang="en-US" sz="1800" b="0" i="0" u="none" strike="noStrike" baseline="0" dirty="0">
                 <a:solidFill>
@@ -5583,6 +5678,11 @@
             </a:r>
           </a:p>
           <a:p>
+            <a:pPr algn="just">
+              <a:lnSpc>
+                <a:spcPct val="200000"/>
+              </a:lnSpc>
+            </a:pPr>
             <a:r>
               <a:rPr lang="en-US" sz="1800" b="0" i="0" u="none" strike="noStrike" baseline="0" dirty="0">
                 <a:solidFill>
@@ -5590,10 +5690,15 @@
                 </a:solidFill>
                 <a:latin typeface="Arial" panose="020B0604020202020204" pitchFamily="34" charset="0"/>
               </a:rPr>
-              <a:t>Batch normalization provides a way to apply data processing, similar to the standard score, for the hidden layers of the network</a:t>
-            </a:r>
-          </a:p>
-          <a:p>
+              <a:t>Batch normalization apply data processing for the hidden layers of the network.</a:t>
+            </a:r>
+          </a:p>
+          <a:p>
+            <a:pPr algn="just">
+              <a:lnSpc>
+                <a:spcPct val="200000"/>
+              </a:lnSpc>
+            </a:pPr>
             <a:r>
               <a:rPr lang="en-US" sz="1800" b="0" i="0" u="none" strike="noStrike" baseline="0" dirty="0">
                 <a:solidFill>
@@ -5601,7 +5706,7 @@
                 </a:solidFill>
                 <a:latin typeface="Arial" panose="020B0604020202020204" pitchFamily="34" charset="0"/>
               </a:rPr>
-              <a:t>It normalizes the outputs of the hidden layer for each mini-batch (hence the name) in a way, which maintains its mean activation value close to 0, and its standard deviation close to 1 </a:t>
+              <a:t>Batch normalization reduces internal covariant shift.</a:t>
             </a:r>
             <a:endParaRPr lang="en-IN" dirty="0"/>
           </a:p>
@@ -6070,36 +6175,42 @@
           </a:bodyPr>
           <a:lstStyle/>
           <a:p>
+            <a:pPr algn="just">
+              <a:lnSpc>
+                <a:spcPct val="200000"/>
+              </a:lnSpc>
+              <a:buSzPct val="80000"/>
+            </a:pPr>
             <a:r>
               <a:rPr lang="en-US" sz="2800" baseline="-25000" dirty="0">
                 <a:latin typeface="Times New Roman" panose="02020603050405020304" pitchFamily="18" charset="0"/>
                 <a:cs typeface="Times New Roman" panose="02020603050405020304" pitchFamily="18" charset="0"/>
               </a:rPr>
-              <a:t>Unique to each individual, even among identical twins.</a:t>
-            </a:r>
-          </a:p>
-          <a:p>
-            <a:endParaRPr lang="en-US" sz="2800" baseline="-25000" dirty="0">
-              <a:latin typeface="Times New Roman" panose="02020603050405020304" pitchFamily="18" charset="0"/>
-              <a:cs typeface="Times New Roman" panose="02020603050405020304" pitchFamily="18" charset="0"/>
-            </a:endParaRPr>
-          </a:p>
-          <a:p>
+              <a:t>Finger vein recognition is a method that specifies an individual using the vein pattern inside one’s fingers.</a:t>
+            </a:r>
+          </a:p>
+          <a:p>
+            <a:pPr algn="just">
+              <a:lnSpc>
+                <a:spcPct val="200000"/>
+              </a:lnSpc>
+              <a:buSzPct val="80000"/>
+            </a:pPr>
             <a:r>
               <a:rPr lang="en-US" sz="2800" baseline="-25000" dirty="0">
                 <a:latin typeface="Times New Roman" panose="02020603050405020304" pitchFamily="18" charset="0"/>
                 <a:cs typeface="Times New Roman" panose="02020603050405020304" pitchFamily="18" charset="0"/>
               </a:rPr>
-              <a:t>Finger vein recognition is a method that specifies an individual using the vein pattern inside one’s fingers.</a:t>
-            </a:r>
-          </a:p>
-          <a:p>
-            <a:endParaRPr lang="en-US" sz="2800" baseline="-25000" dirty="0">
-              <a:latin typeface="Times New Roman" panose="02020603050405020304" pitchFamily="18" charset="0"/>
-              <a:cs typeface="Times New Roman" panose="02020603050405020304" pitchFamily="18" charset="0"/>
-            </a:endParaRPr>
-          </a:p>
-          <a:p>
+              <a:t>Unique</a:t>
+            </a:r>
+          </a:p>
+          <a:p>
+            <a:pPr algn="just">
+              <a:lnSpc>
+                <a:spcPct val="200000"/>
+              </a:lnSpc>
+              <a:buSzPct val="80000"/>
+            </a:pPr>
             <a:r>
               <a:rPr lang="en-US" sz="2800" baseline="-25000" dirty="0">
                 <a:latin typeface="Times New Roman" panose="02020603050405020304" pitchFamily="18" charset="0"/>
@@ -6109,36 +6220,34 @@
             </a:r>
           </a:p>
           <a:p>
-            <a:endParaRPr lang="en-US" sz="2800" baseline="-25000" dirty="0">
-              <a:latin typeface="Times New Roman" panose="02020603050405020304" pitchFamily="18" charset="0"/>
-              <a:cs typeface="Times New Roman" panose="02020603050405020304" pitchFamily="18" charset="0"/>
-            </a:endParaRPr>
-          </a:p>
-          <a:p>
+            <a:pPr algn="just">
+              <a:lnSpc>
+                <a:spcPct val="200000"/>
+              </a:lnSpc>
+              <a:buSzPct val="80000"/>
+            </a:pPr>
             <a:r>
               <a:rPr lang="en-US" sz="2800" baseline="-25000" dirty="0">
                 <a:latin typeface="Times New Roman" panose="02020603050405020304" pitchFamily="18" charset="0"/>
                 <a:cs typeface="Times New Roman" panose="02020603050405020304" pitchFamily="18" charset="0"/>
               </a:rPr>
-              <a:t>Extremely difficult to read or steal and hence cannot be duplicated. </a:t>
-            </a:r>
-          </a:p>
-          <a:p>
-            <a:pPr marL="354330" indent="-285750"/>
-            <a:endParaRPr lang="en-US" sz="2800" baseline="-25000" dirty="0">
-              <a:latin typeface="Times New Roman" panose="02020603050405020304" pitchFamily="18" charset="0"/>
-              <a:cs typeface="Times New Roman" panose="02020603050405020304" pitchFamily="18" charset="0"/>
-            </a:endParaRPr>
-          </a:p>
-          <a:p>
-            <a:pPr marL="0" indent="0" algn="just">
-              <a:buNone/>
+              <a:t>Extremely difficult to read or steal.</a:t>
+            </a:r>
+          </a:p>
+          <a:p>
+            <a:pPr algn="just">
+              <a:lnSpc>
+                <a:spcPct val="200000"/>
+              </a:lnSpc>
+              <a:buSzPct val="80000"/>
             </a:pPr>
-            <a:endParaRPr lang="en-IN" sz="2800" dirty="0">
-              <a:effectLst/>
-              <a:latin typeface="Times New Roman" panose="02020603050405020304" pitchFamily="18" charset="0"/>
-              <a:ea typeface="Times New Roman" panose="02020603050405020304" pitchFamily="18" charset="0"/>
-            </a:endParaRPr>
+            <a:r>
+              <a:rPr lang="en-US" sz="2800" baseline="-25000" dirty="0">
+                <a:latin typeface="Times New Roman" panose="02020603050405020304" pitchFamily="18" charset="0"/>
+                <a:cs typeface="Times New Roman" panose="02020603050405020304" pitchFamily="18" charset="0"/>
+              </a:rPr>
+              <a:t>Higher acceptance rate.</a:t>
+            </a:r>
           </a:p>
         </p:txBody>
       </p:sp>
@@ -7082,19 +7191,7 @@
                 <a:latin typeface="Times New Roman" pitchFamily="18" charset="0"/>
                 <a:cs typeface="Times New Roman" pitchFamily="18" charset="0"/>
               </a:rPr>
-              <a:t>Suitable for quantification in the early stage and for use in </a:t>
-            </a:r>
-          </a:p>
-          <a:p>
-            <a:pPr marL="0" indent="0">
-              <a:buNone/>
-            </a:pPr>
-            <a:r>
-              <a:rPr lang="en-US" sz="2000" dirty="0">
-                <a:latin typeface="Times New Roman" pitchFamily="18" charset="0"/>
-                <a:cs typeface="Times New Roman" pitchFamily="18" charset="0"/>
-              </a:rPr>
-              <a:t>     large cohorts.</a:t>
+              <a:t>Suitable for quantification in the early stage and for use in large cohorts.</a:t>
             </a:r>
           </a:p>
           <a:p>
@@ -7128,11 +7225,18 @@
           </a:p>
           <a:p>
             <a:r>
+              <a:rPr lang="en-US" dirty="0">
+                <a:latin typeface="Times New Roman" pitchFamily="18" charset="0"/>
+                <a:cs typeface="Times New Roman" pitchFamily="18" charset="0"/>
+              </a:rPr>
+              <a:t>F</a:t>
+            </a:r>
+            <a:r>
               <a:rPr lang="en-US" sz="2000" dirty="0">
                 <a:latin typeface="Times New Roman" pitchFamily="18" charset="0"/>
                 <a:cs typeface="Times New Roman" pitchFamily="18" charset="0"/>
               </a:rPr>
-              <a:t>Our future research is to  enhance the existing authentication system by integrating the designed model for finger vein based biometric authentication</a:t>
+              <a:t>uture research - biometric authentication</a:t>
             </a:r>
           </a:p>
           <a:p>
@@ -7250,6 +7354,251 @@
               <a:spcBef>
                 <a:spcPts val="780"/>
               </a:spcBef>
+              <a:buSzPts val="1200"/>
+              <a:buFont typeface="Times New Roman" panose="02020603050405020304" pitchFamily="18" charset="0"/>
+              <a:buAutoNum type="arabicPeriod"/>
+            </a:pPr>
+            <a:r>
+              <a:rPr lang="en-US" sz="1500" spc="-30" dirty="0">
+                <a:effectLst/>
+                <a:latin typeface="Times New Roman" panose="02020603050405020304" pitchFamily="18" charset="0"/>
+                <a:ea typeface="Times New Roman" panose="02020603050405020304" pitchFamily="18" charset="0"/>
+              </a:rPr>
+              <a:t>K. B. Raja, R. Raghavendra, And C. Busch, “Video Presentation Attack</a:t>
+            </a:r>
+            <a:r>
+              <a:rPr lang="en-US" sz="1500" spc="5" dirty="0">
+                <a:effectLst/>
+                <a:latin typeface="Times New Roman" panose="02020603050405020304" pitchFamily="18" charset="0"/>
+                <a:ea typeface="Times New Roman" panose="02020603050405020304" pitchFamily="18" charset="0"/>
+              </a:rPr>
+              <a:t> </a:t>
+            </a:r>
+            <a:r>
+              <a:rPr lang="en-US" sz="1500" spc="-30" dirty="0">
+                <a:effectLst/>
+                <a:latin typeface="Times New Roman" panose="02020603050405020304" pitchFamily="18" charset="0"/>
+                <a:ea typeface="Times New Roman" panose="02020603050405020304" pitchFamily="18" charset="0"/>
+              </a:rPr>
+              <a:t>Detection In Visible Spectrum Iris Recognition Using Magnified Phase</a:t>
+            </a:r>
+            <a:r>
+              <a:rPr lang="en-US" sz="1500" spc="5" dirty="0">
+                <a:effectLst/>
+                <a:latin typeface="Times New Roman" panose="02020603050405020304" pitchFamily="18" charset="0"/>
+                <a:ea typeface="Times New Roman" panose="02020603050405020304" pitchFamily="18" charset="0"/>
+              </a:rPr>
+              <a:t> </a:t>
+            </a:r>
+            <a:r>
+              <a:rPr lang="en-US" sz="1500" spc="-30" dirty="0">
+                <a:effectLst/>
+                <a:latin typeface="Times New Roman" panose="02020603050405020304" pitchFamily="18" charset="0"/>
+                <a:ea typeface="Times New Roman" panose="02020603050405020304" pitchFamily="18" charset="0"/>
+              </a:rPr>
+              <a:t>Information,” IEEE</a:t>
+            </a:r>
+            <a:r>
+              <a:rPr lang="en-US" sz="1500" spc="-25" dirty="0">
+                <a:effectLst/>
+                <a:latin typeface="Times New Roman" panose="02020603050405020304" pitchFamily="18" charset="0"/>
+                <a:ea typeface="Times New Roman" panose="02020603050405020304" pitchFamily="18" charset="0"/>
+              </a:rPr>
+              <a:t> </a:t>
+            </a:r>
+            <a:r>
+              <a:rPr lang="en-US" sz="1500" spc="-30" dirty="0">
+                <a:effectLst/>
+                <a:latin typeface="Times New Roman" panose="02020603050405020304" pitchFamily="18" charset="0"/>
+                <a:ea typeface="Times New Roman" panose="02020603050405020304" pitchFamily="18" charset="0"/>
+              </a:rPr>
+              <a:t>Transactions</a:t>
+            </a:r>
+            <a:r>
+              <a:rPr lang="en-US" sz="1500" spc="-15" dirty="0">
+                <a:effectLst/>
+                <a:latin typeface="Times New Roman" panose="02020603050405020304" pitchFamily="18" charset="0"/>
+                <a:ea typeface="Times New Roman" panose="02020603050405020304" pitchFamily="18" charset="0"/>
+              </a:rPr>
+              <a:t> </a:t>
+            </a:r>
+            <a:r>
+              <a:rPr lang="en-US" sz="1500" spc="-30" dirty="0">
+                <a:effectLst/>
+                <a:latin typeface="Times New Roman" panose="02020603050405020304" pitchFamily="18" charset="0"/>
+                <a:ea typeface="Times New Roman" panose="02020603050405020304" pitchFamily="18" charset="0"/>
+              </a:rPr>
+              <a:t>On</a:t>
+            </a:r>
+            <a:r>
+              <a:rPr lang="en-US" sz="1500" spc="-20" dirty="0">
+                <a:effectLst/>
+                <a:latin typeface="Times New Roman" panose="02020603050405020304" pitchFamily="18" charset="0"/>
+                <a:ea typeface="Times New Roman" panose="02020603050405020304" pitchFamily="18" charset="0"/>
+              </a:rPr>
+              <a:t> </a:t>
+            </a:r>
+            <a:r>
+              <a:rPr lang="en-US" sz="1500" spc="-30" dirty="0">
+                <a:effectLst/>
+                <a:latin typeface="Times New Roman" panose="02020603050405020304" pitchFamily="18" charset="0"/>
+                <a:ea typeface="Times New Roman" panose="02020603050405020304" pitchFamily="18" charset="0"/>
+              </a:rPr>
+              <a:t>Information</a:t>
+            </a:r>
+            <a:r>
+              <a:rPr lang="en-US" sz="1500" spc="-15" dirty="0">
+                <a:effectLst/>
+                <a:latin typeface="Times New Roman" panose="02020603050405020304" pitchFamily="18" charset="0"/>
+                <a:ea typeface="Times New Roman" panose="02020603050405020304" pitchFamily="18" charset="0"/>
+              </a:rPr>
+              <a:t> </a:t>
+            </a:r>
+            <a:r>
+              <a:rPr lang="en-US" sz="1500" spc="-30" dirty="0">
+                <a:effectLst/>
+                <a:latin typeface="Times New Roman" panose="02020603050405020304" pitchFamily="18" charset="0"/>
+                <a:ea typeface="Times New Roman" panose="02020603050405020304" pitchFamily="18" charset="0"/>
+              </a:rPr>
+              <a:t>Forensics</a:t>
+            </a:r>
+            <a:r>
+              <a:rPr lang="en-US" sz="1500" spc="-20" dirty="0">
+                <a:effectLst/>
+                <a:latin typeface="Times New Roman" panose="02020603050405020304" pitchFamily="18" charset="0"/>
+                <a:ea typeface="Times New Roman" panose="02020603050405020304" pitchFamily="18" charset="0"/>
+              </a:rPr>
+              <a:t> </a:t>
+            </a:r>
+            <a:r>
+              <a:rPr lang="en-US" sz="1500" spc="-30" dirty="0">
+                <a:effectLst/>
+                <a:latin typeface="Times New Roman" panose="02020603050405020304" pitchFamily="18" charset="0"/>
+                <a:ea typeface="Times New Roman" panose="02020603050405020304" pitchFamily="18" charset="0"/>
+              </a:rPr>
+              <a:t>And</a:t>
+            </a:r>
+            <a:r>
+              <a:rPr lang="en-US" sz="1500" spc="-35" dirty="0">
+                <a:effectLst/>
+                <a:latin typeface="Times New Roman" panose="02020603050405020304" pitchFamily="18" charset="0"/>
+                <a:ea typeface="Times New Roman" panose="02020603050405020304" pitchFamily="18" charset="0"/>
+              </a:rPr>
+              <a:t> </a:t>
+            </a:r>
+            <a:r>
+              <a:rPr lang="en-US" sz="1500" spc="-30" dirty="0">
+                <a:effectLst/>
+                <a:latin typeface="Times New Roman" panose="02020603050405020304" pitchFamily="18" charset="0"/>
+                <a:ea typeface="Times New Roman" panose="02020603050405020304" pitchFamily="18" charset="0"/>
+              </a:rPr>
+              <a:t>Security, Vol.</a:t>
+            </a:r>
+            <a:r>
+              <a:rPr lang="en-US" sz="1500" spc="-335" dirty="0">
+                <a:effectLst/>
+                <a:latin typeface="Times New Roman" panose="02020603050405020304" pitchFamily="18" charset="0"/>
+                <a:ea typeface="Times New Roman" panose="02020603050405020304" pitchFamily="18" charset="0"/>
+              </a:rPr>
+              <a:t> </a:t>
+            </a:r>
+            <a:r>
+              <a:rPr lang="en-US" sz="1500" spc="-30" dirty="0">
+                <a:effectLst/>
+                <a:latin typeface="Times New Roman" panose="02020603050405020304" pitchFamily="18" charset="0"/>
+                <a:ea typeface="Times New Roman" panose="02020603050405020304" pitchFamily="18" charset="0"/>
+              </a:rPr>
+              <a:t>10,</a:t>
+            </a:r>
+            <a:r>
+              <a:rPr lang="en-US" sz="1500" spc="-10" dirty="0">
+                <a:effectLst/>
+                <a:latin typeface="Times New Roman" panose="02020603050405020304" pitchFamily="18" charset="0"/>
+                <a:ea typeface="Times New Roman" panose="02020603050405020304" pitchFamily="18" charset="0"/>
+              </a:rPr>
+              <a:t> </a:t>
+            </a:r>
+            <a:r>
+              <a:rPr lang="en-US" sz="1500" spc="-30" dirty="0">
+                <a:effectLst/>
+                <a:latin typeface="Times New Roman" panose="02020603050405020304" pitchFamily="18" charset="0"/>
+                <a:ea typeface="Times New Roman" panose="02020603050405020304" pitchFamily="18" charset="0"/>
+              </a:rPr>
+              <a:t>No.</a:t>
+            </a:r>
+            <a:r>
+              <a:rPr lang="en-US" sz="1500" spc="-20" dirty="0">
+                <a:effectLst/>
+                <a:latin typeface="Times New Roman" panose="02020603050405020304" pitchFamily="18" charset="0"/>
+                <a:ea typeface="Times New Roman" panose="02020603050405020304" pitchFamily="18" charset="0"/>
+              </a:rPr>
+              <a:t> </a:t>
+            </a:r>
+            <a:r>
+              <a:rPr lang="en-US" sz="1500" spc="-30" dirty="0">
+                <a:effectLst/>
+                <a:latin typeface="Times New Roman" panose="02020603050405020304" pitchFamily="18" charset="0"/>
+                <a:ea typeface="Times New Roman" panose="02020603050405020304" pitchFamily="18" charset="0"/>
+              </a:rPr>
+              <a:t>10,</a:t>
+            </a:r>
+            <a:r>
+              <a:rPr lang="en-US" sz="1500" spc="-5" dirty="0">
+                <a:effectLst/>
+                <a:latin typeface="Times New Roman" panose="02020603050405020304" pitchFamily="18" charset="0"/>
+                <a:ea typeface="Times New Roman" panose="02020603050405020304" pitchFamily="18" charset="0"/>
+              </a:rPr>
+              <a:t> </a:t>
+            </a:r>
+            <a:r>
+              <a:rPr lang="en-US" sz="1500" spc="-30" dirty="0">
+                <a:effectLst/>
+                <a:latin typeface="Times New Roman" panose="02020603050405020304" pitchFamily="18" charset="0"/>
+                <a:ea typeface="Times New Roman" panose="02020603050405020304" pitchFamily="18" charset="0"/>
+              </a:rPr>
+              <a:t>Pp.</a:t>
+            </a:r>
+            <a:r>
+              <a:rPr lang="en-US" sz="1500" spc="-5" dirty="0">
+                <a:effectLst/>
+                <a:latin typeface="Times New Roman" panose="02020603050405020304" pitchFamily="18" charset="0"/>
+                <a:ea typeface="Times New Roman" panose="02020603050405020304" pitchFamily="18" charset="0"/>
+              </a:rPr>
+              <a:t> </a:t>
+            </a:r>
+            <a:r>
+              <a:rPr lang="en-US" sz="1500" spc="-30" dirty="0">
+                <a:effectLst/>
+                <a:latin typeface="Times New Roman" panose="02020603050405020304" pitchFamily="18" charset="0"/>
+                <a:ea typeface="Times New Roman" panose="02020603050405020304" pitchFamily="18" charset="0"/>
+              </a:rPr>
+              <a:t>2048-2056,</a:t>
+            </a:r>
+            <a:r>
+              <a:rPr lang="en-US" sz="1500" spc="-5" dirty="0">
+                <a:effectLst/>
+                <a:latin typeface="Times New Roman" panose="02020603050405020304" pitchFamily="18" charset="0"/>
+                <a:ea typeface="Times New Roman" panose="02020603050405020304" pitchFamily="18" charset="0"/>
+              </a:rPr>
+              <a:t> </a:t>
+            </a:r>
+            <a:r>
+              <a:rPr lang="en-US" sz="1500" spc="-30" dirty="0">
+                <a:effectLst/>
+                <a:latin typeface="Times New Roman" panose="02020603050405020304" pitchFamily="18" charset="0"/>
+                <a:ea typeface="Times New Roman" panose="02020603050405020304" pitchFamily="18" charset="0"/>
+              </a:rPr>
+              <a:t>2015.</a:t>
+            </a:r>
+          </a:p>
+          <a:p>
+            <a:pPr marL="742950" marR="756920" lvl="1" indent="-285750" algn="just">
+              <a:lnSpc>
+                <a:spcPct val="150000"/>
+              </a:lnSpc>
+              <a:spcBef>
+                <a:spcPts val="780"/>
+              </a:spcBef>
               <a:spcAft>
                 <a:spcPts val="0"/>
               </a:spcAft>
@@ -7762,83 +8111,6 @@
                 <a:ea typeface="Times New Roman" panose="02020603050405020304" pitchFamily="18" charset="0"/>
               </a:rPr>
               <a:t>2014.</a:t>
-            </a:r>
-            <a:endParaRPr lang="en-IN" sz="1500" spc="-30" dirty="0">
-              <a:effectLst/>
-              <a:latin typeface="Times New Roman" panose="02020603050405020304" pitchFamily="18" charset="0"/>
-              <a:ea typeface="Times New Roman" panose="02020603050405020304" pitchFamily="18" charset="0"/>
-            </a:endParaRPr>
-          </a:p>
-          <a:p>
-            <a:pPr marL="742950" marR="578485" lvl="1" indent="-285750" algn="just">
-              <a:lnSpc>
-                <a:spcPct val="150000"/>
-              </a:lnSpc>
-              <a:spcBef>
-                <a:spcPts val="805"/>
-              </a:spcBef>
-              <a:spcAft>
-                <a:spcPts val="0"/>
-              </a:spcAft>
-              <a:buSzPts val="1200"/>
-              <a:buFont typeface="Times New Roman" panose="02020603050405020304" pitchFamily="18" charset="0"/>
-              <a:buAutoNum type="arabicPeriod"/>
-            </a:pPr>
-            <a:r>
-              <a:rPr lang="en-US" sz="1500" spc="-30" dirty="0">
-                <a:effectLst/>
-                <a:latin typeface="Times New Roman" panose="02020603050405020304" pitchFamily="18" charset="0"/>
-                <a:ea typeface="Times New Roman" panose="02020603050405020304" pitchFamily="18" charset="0"/>
-              </a:rPr>
-              <a:t>L. Yang, G. Yang, Y. Yin, And R. Xiao, “Sliding Window-Based Region Of</a:t>
-            </a:r>
-            <a:r>
-              <a:rPr lang="en-US" sz="1500" spc="-335" dirty="0">
-                <a:effectLst/>
-                <a:latin typeface="Times New Roman" panose="02020603050405020304" pitchFamily="18" charset="0"/>
-                <a:ea typeface="Times New Roman" panose="02020603050405020304" pitchFamily="18" charset="0"/>
-              </a:rPr>
-              <a:t> </a:t>
-            </a:r>
-            <a:r>
-              <a:rPr lang="en-US" sz="1500" spc="-30" dirty="0">
-                <a:effectLst/>
-                <a:latin typeface="Times New Roman" panose="02020603050405020304" pitchFamily="18" charset="0"/>
-                <a:ea typeface="Times New Roman" panose="02020603050405020304" pitchFamily="18" charset="0"/>
-              </a:rPr>
-              <a:t>Interest Extraction For Finger Vein Images,” Sensors, Vol. 13, No. 3,</a:t>
-            </a:r>
-            <a:r>
-              <a:rPr lang="en-US" sz="1500" spc="5" dirty="0">
-                <a:effectLst/>
-                <a:latin typeface="Times New Roman" panose="02020603050405020304" pitchFamily="18" charset="0"/>
-                <a:ea typeface="Times New Roman" panose="02020603050405020304" pitchFamily="18" charset="0"/>
-              </a:rPr>
-              <a:t> </a:t>
-            </a:r>
-            <a:r>
-              <a:rPr lang="en-US" sz="1500" spc="-30" dirty="0">
-                <a:effectLst/>
-                <a:latin typeface="Times New Roman" panose="02020603050405020304" pitchFamily="18" charset="0"/>
-                <a:ea typeface="Times New Roman" panose="02020603050405020304" pitchFamily="18" charset="0"/>
-              </a:rPr>
-              <a:t>Pp.3799–3815,</a:t>
-            </a:r>
-            <a:r>
-              <a:rPr lang="en-US" sz="1500" spc="-10" dirty="0">
-                <a:effectLst/>
-                <a:latin typeface="Times New Roman" panose="02020603050405020304" pitchFamily="18" charset="0"/>
-                <a:ea typeface="Times New Roman" panose="02020603050405020304" pitchFamily="18" charset="0"/>
-              </a:rPr>
-              <a:t> </a:t>
-            </a:r>
-            <a:r>
-              <a:rPr lang="en-US" sz="1500" spc="-30" dirty="0">
-                <a:effectLst/>
-                <a:latin typeface="Times New Roman" panose="02020603050405020304" pitchFamily="18" charset="0"/>
-                <a:ea typeface="Times New Roman" panose="02020603050405020304" pitchFamily="18" charset="0"/>
-              </a:rPr>
-              <a:t>2013.</a:t>
             </a:r>
             <a:endParaRPr lang="en-IN" sz="1500" spc="-30" dirty="0">
               <a:effectLst/>
@@ -8061,6 +8333,75 @@
               </a:rPr>
               <a:t>1865-1869.</a:t>
             </a:r>
+          </a:p>
+          <a:p>
+            <a:pPr marL="742950" marR="664210" lvl="1" indent="-285750" algn="just">
+              <a:lnSpc>
+                <a:spcPct val="150000"/>
+              </a:lnSpc>
+              <a:spcBef>
+                <a:spcPts val="5"/>
+              </a:spcBef>
+              <a:buSzPts val="1200"/>
+              <a:buFont typeface="Times New Roman" panose="02020603050405020304" pitchFamily="18" charset="0"/>
+              <a:buAutoNum type="arabicPeriod"/>
+            </a:pPr>
+            <a:r>
+              <a:rPr lang="en-US" sz="1500" spc="-30" dirty="0">
+                <a:effectLst/>
+                <a:latin typeface="Times New Roman" panose="02020603050405020304" pitchFamily="18" charset="0"/>
+                <a:ea typeface="Times New Roman" panose="02020603050405020304" pitchFamily="18" charset="0"/>
+              </a:rPr>
+              <a:t>L. Yang, G. Yang, Y. Yin, And R. Xiao, “Sliding Window-Based Region Of</a:t>
+            </a:r>
+            <a:r>
+              <a:rPr lang="en-US" sz="1500" spc="-335" dirty="0">
+                <a:effectLst/>
+                <a:latin typeface="Times New Roman" panose="02020603050405020304" pitchFamily="18" charset="0"/>
+                <a:ea typeface="Times New Roman" panose="02020603050405020304" pitchFamily="18" charset="0"/>
+              </a:rPr>
+              <a:t> </a:t>
+            </a:r>
+            <a:r>
+              <a:rPr lang="en-US" sz="1500" spc="-30" dirty="0">
+                <a:effectLst/>
+                <a:latin typeface="Times New Roman" panose="02020603050405020304" pitchFamily="18" charset="0"/>
+                <a:ea typeface="Times New Roman" panose="02020603050405020304" pitchFamily="18" charset="0"/>
+              </a:rPr>
+              <a:t>Interest Extraction For Finger Vein Images,” Sensors, Vol. 13, No. 3,</a:t>
+            </a:r>
+            <a:r>
+              <a:rPr lang="en-US" sz="1500" spc="5" dirty="0">
+                <a:effectLst/>
+                <a:latin typeface="Times New Roman" panose="02020603050405020304" pitchFamily="18" charset="0"/>
+                <a:ea typeface="Times New Roman" panose="02020603050405020304" pitchFamily="18" charset="0"/>
+              </a:rPr>
+              <a:t> </a:t>
+            </a:r>
+            <a:r>
+              <a:rPr lang="en-US" sz="1500" spc="-30" dirty="0">
+                <a:effectLst/>
+                <a:latin typeface="Times New Roman" panose="02020603050405020304" pitchFamily="18" charset="0"/>
+                <a:ea typeface="Times New Roman" panose="02020603050405020304" pitchFamily="18" charset="0"/>
+              </a:rPr>
+              <a:t>Pp.3799–3815,</a:t>
+            </a:r>
+            <a:r>
+              <a:rPr lang="en-US" sz="1500" spc="-10" dirty="0">
+                <a:effectLst/>
+                <a:latin typeface="Times New Roman" panose="02020603050405020304" pitchFamily="18" charset="0"/>
+                <a:ea typeface="Times New Roman" panose="02020603050405020304" pitchFamily="18" charset="0"/>
+              </a:rPr>
+              <a:t> </a:t>
+            </a:r>
+            <a:r>
+              <a:rPr lang="en-US" sz="1500" spc="-30" dirty="0">
+                <a:effectLst/>
+                <a:latin typeface="Times New Roman" panose="02020603050405020304" pitchFamily="18" charset="0"/>
+                <a:ea typeface="Times New Roman" panose="02020603050405020304" pitchFamily="18" charset="0"/>
+              </a:rPr>
+              <a:t>2013.</a:t>
+            </a:r>
             <a:endParaRPr lang="en-IN" sz="1500" spc="-30" dirty="0">
               <a:effectLst/>
               <a:latin typeface="Times New Roman" panose="02020603050405020304" pitchFamily="18" charset="0"/>
@@ -8233,267 +8574,6 @@
                 <a:ea typeface="Times New Roman" panose="02020603050405020304" pitchFamily="18" charset="0"/>
               </a:rPr>
               <a:t>2009.</a:t>
-            </a:r>
-            <a:endParaRPr lang="en-IN" sz="1500" spc="-30" dirty="0">
-              <a:effectLst/>
-              <a:latin typeface="Times New Roman" panose="02020603050405020304" pitchFamily="18" charset="0"/>
-              <a:ea typeface="Times New Roman" panose="02020603050405020304" pitchFamily="18" charset="0"/>
-            </a:endParaRPr>
-          </a:p>
-          <a:p>
-            <a:pPr marL="742950" marR="511175" lvl="1" indent="-285750" algn="just">
-              <a:lnSpc>
-                <a:spcPct val="150000"/>
-              </a:lnSpc>
-              <a:spcAft>
-                <a:spcPts val="0"/>
-              </a:spcAft>
-              <a:buSzPts val="1200"/>
-              <a:buFont typeface="Times New Roman" panose="02020603050405020304" pitchFamily="18" charset="0"/>
-              <a:buAutoNum type="arabicPeriod"/>
-              <a:tabLst>
-                <a:tab pos="810260" algn="l"/>
-              </a:tabLst>
-            </a:pPr>
-            <a:r>
-              <a:rPr lang="en-US" sz="1500" spc="-30" dirty="0">
-                <a:effectLst/>
-                <a:latin typeface="Times New Roman" panose="02020603050405020304" pitchFamily="18" charset="0"/>
-                <a:ea typeface="Times New Roman" panose="02020603050405020304" pitchFamily="18" charset="0"/>
-              </a:rPr>
-              <a:t>K. B. Raja, R. Raghavendra, And C. Busch, “Video Presentation Attack</a:t>
-            </a:r>
-            <a:r>
-              <a:rPr lang="en-US" sz="1500" spc="5" dirty="0">
-                <a:effectLst/>
-                <a:latin typeface="Times New Roman" panose="02020603050405020304" pitchFamily="18" charset="0"/>
-                <a:ea typeface="Times New Roman" panose="02020603050405020304" pitchFamily="18" charset="0"/>
-              </a:rPr>
-              <a:t> </a:t>
-            </a:r>
-            <a:r>
-              <a:rPr lang="en-US" sz="1500" spc="-30" dirty="0">
-                <a:effectLst/>
-                <a:latin typeface="Times New Roman" panose="02020603050405020304" pitchFamily="18" charset="0"/>
-                <a:ea typeface="Times New Roman" panose="02020603050405020304" pitchFamily="18" charset="0"/>
-              </a:rPr>
-              <a:t>Detection In Visible Spectrum Iris Recognition Using Magnified Phase</a:t>
-            </a:r>
-            <a:r>
-              <a:rPr lang="en-US" sz="1500" spc="5" dirty="0">
-                <a:effectLst/>
-                <a:latin typeface="Times New Roman" panose="02020603050405020304" pitchFamily="18" charset="0"/>
-                <a:ea typeface="Times New Roman" panose="02020603050405020304" pitchFamily="18" charset="0"/>
-              </a:rPr>
-              <a:t> </a:t>
-            </a:r>
-            <a:r>
-              <a:rPr lang="en-US" sz="1500" spc="-30" dirty="0">
-                <a:effectLst/>
-                <a:latin typeface="Times New Roman" panose="02020603050405020304" pitchFamily="18" charset="0"/>
-                <a:ea typeface="Times New Roman" panose="02020603050405020304" pitchFamily="18" charset="0"/>
-              </a:rPr>
-              <a:t>Information,” </a:t>
-            </a:r>
-            <a:r>
-              <a:rPr lang="en-US" sz="1500" spc="-30" dirty="0" err="1">
-                <a:effectLst/>
-                <a:latin typeface="Times New Roman" panose="02020603050405020304" pitchFamily="18" charset="0"/>
-                <a:ea typeface="Times New Roman" panose="02020603050405020304" pitchFamily="18" charset="0"/>
-              </a:rPr>
-              <a:t>Ieee</a:t>
-            </a:r>
-            <a:r>
-              <a:rPr lang="en-US" sz="1500" spc="-25" dirty="0">
-                <a:effectLst/>
-                <a:latin typeface="Times New Roman" panose="02020603050405020304" pitchFamily="18" charset="0"/>
-                <a:ea typeface="Times New Roman" panose="02020603050405020304" pitchFamily="18" charset="0"/>
-              </a:rPr>
-              <a:t> </a:t>
-            </a:r>
-            <a:r>
-              <a:rPr lang="en-US" sz="1500" spc="-30" dirty="0">
-                <a:effectLst/>
-                <a:latin typeface="Times New Roman" panose="02020603050405020304" pitchFamily="18" charset="0"/>
-                <a:ea typeface="Times New Roman" panose="02020603050405020304" pitchFamily="18" charset="0"/>
-              </a:rPr>
-              <a:t>Transactions</a:t>
-            </a:r>
-            <a:r>
-              <a:rPr lang="en-US" sz="1500" spc="-15" dirty="0">
-                <a:effectLst/>
-                <a:latin typeface="Times New Roman" panose="02020603050405020304" pitchFamily="18" charset="0"/>
-                <a:ea typeface="Times New Roman" panose="02020603050405020304" pitchFamily="18" charset="0"/>
-              </a:rPr>
-              <a:t> </a:t>
-            </a:r>
-            <a:r>
-              <a:rPr lang="en-US" sz="1500" spc="-30" dirty="0">
-                <a:effectLst/>
-                <a:latin typeface="Times New Roman" panose="02020603050405020304" pitchFamily="18" charset="0"/>
-                <a:ea typeface="Times New Roman" panose="02020603050405020304" pitchFamily="18" charset="0"/>
-              </a:rPr>
-              <a:t>On</a:t>
-            </a:r>
-            <a:r>
-              <a:rPr lang="en-US" sz="1500" spc="-20" dirty="0">
-                <a:effectLst/>
-                <a:latin typeface="Times New Roman" panose="02020603050405020304" pitchFamily="18" charset="0"/>
-                <a:ea typeface="Times New Roman" panose="02020603050405020304" pitchFamily="18" charset="0"/>
-              </a:rPr>
-              <a:t> </a:t>
-            </a:r>
-            <a:r>
-              <a:rPr lang="en-US" sz="1500" spc="-30" dirty="0">
-                <a:effectLst/>
-                <a:latin typeface="Times New Roman" panose="02020603050405020304" pitchFamily="18" charset="0"/>
-                <a:ea typeface="Times New Roman" panose="02020603050405020304" pitchFamily="18" charset="0"/>
-              </a:rPr>
-              <a:t>Information</a:t>
-            </a:r>
-            <a:r>
-              <a:rPr lang="en-US" sz="1500" spc="-15" dirty="0">
-                <a:effectLst/>
-                <a:latin typeface="Times New Roman" panose="02020603050405020304" pitchFamily="18" charset="0"/>
-                <a:ea typeface="Times New Roman" panose="02020603050405020304" pitchFamily="18" charset="0"/>
-              </a:rPr>
-              <a:t> </a:t>
-            </a:r>
-            <a:r>
-              <a:rPr lang="en-US" sz="1500" spc="-30" dirty="0">
-                <a:effectLst/>
-                <a:latin typeface="Times New Roman" panose="02020603050405020304" pitchFamily="18" charset="0"/>
-                <a:ea typeface="Times New Roman" panose="02020603050405020304" pitchFamily="18" charset="0"/>
-              </a:rPr>
-              <a:t>Forensics</a:t>
-            </a:r>
-            <a:r>
-              <a:rPr lang="en-US" sz="1500" spc="-20" dirty="0">
-                <a:effectLst/>
-                <a:latin typeface="Times New Roman" panose="02020603050405020304" pitchFamily="18" charset="0"/>
-                <a:ea typeface="Times New Roman" panose="02020603050405020304" pitchFamily="18" charset="0"/>
-              </a:rPr>
-              <a:t> </a:t>
-            </a:r>
-            <a:r>
-              <a:rPr lang="en-US" sz="1500" spc="-30" dirty="0">
-                <a:effectLst/>
-                <a:latin typeface="Times New Roman" panose="02020603050405020304" pitchFamily="18" charset="0"/>
-                <a:ea typeface="Times New Roman" panose="02020603050405020304" pitchFamily="18" charset="0"/>
-              </a:rPr>
-              <a:t>And</a:t>
-            </a:r>
-            <a:r>
-              <a:rPr lang="en-US" sz="1500" spc="-35" dirty="0">
-                <a:effectLst/>
-                <a:latin typeface="Times New Roman" panose="02020603050405020304" pitchFamily="18" charset="0"/>
-                <a:ea typeface="Times New Roman" panose="02020603050405020304" pitchFamily="18" charset="0"/>
-              </a:rPr>
-              <a:t> </a:t>
-            </a:r>
-            <a:r>
-              <a:rPr lang="en-US" sz="1500" spc="-30" dirty="0">
-                <a:effectLst/>
-                <a:latin typeface="Times New Roman" panose="02020603050405020304" pitchFamily="18" charset="0"/>
-                <a:ea typeface="Times New Roman" panose="02020603050405020304" pitchFamily="18" charset="0"/>
-              </a:rPr>
-              <a:t>Security, Vol.</a:t>
-            </a:r>
-            <a:r>
-              <a:rPr lang="en-US" sz="1500" spc="-335" dirty="0">
-                <a:effectLst/>
-                <a:latin typeface="Times New Roman" panose="02020603050405020304" pitchFamily="18" charset="0"/>
-                <a:ea typeface="Times New Roman" panose="02020603050405020304" pitchFamily="18" charset="0"/>
-              </a:rPr>
-              <a:t> </a:t>
-            </a:r>
-            <a:r>
-              <a:rPr lang="en-US" sz="1500" spc="-30" dirty="0">
-                <a:effectLst/>
-                <a:latin typeface="Times New Roman" panose="02020603050405020304" pitchFamily="18" charset="0"/>
-                <a:ea typeface="Times New Roman" panose="02020603050405020304" pitchFamily="18" charset="0"/>
-              </a:rPr>
-              <a:t>10,</a:t>
-            </a:r>
-            <a:r>
-              <a:rPr lang="en-US" sz="1500" spc="-10" dirty="0">
-                <a:effectLst/>
-                <a:latin typeface="Times New Roman" panose="02020603050405020304" pitchFamily="18" charset="0"/>
-                <a:ea typeface="Times New Roman" panose="02020603050405020304" pitchFamily="18" charset="0"/>
-              </a:rPr>
-              <a:t> </a:t>
-            </a:r>
-            <a:r>
-              <a:rPr lang="en-US" sz="1500" spc="-30" dirty="0">
-                <a:effectLst/>
-                <a:latin typeface="Times New Roman" panose="02020603050405020304" pitchFamily="18" charset="0"/>
-                <a:ea typeface="Times New Roman" panose="02020603050405020304" pitchFamily="18" charset="0"/>
-              </a:rPr>
-              <a:t>No.</a:t>
-            </a:r>
-            <a:r>
-              <a:rPr lang="en-US" sz="1500" spc="-20" dirty="0">
-                <a:effectLst/>
-                <a:latin typeface="Times New Roman" panose="02020603050405020304" pitchFamily="18" charset="0"/>
-                <a:ea typeface="Times New Roman" panose="02020603050405020304" pitchFamily="18" charset="0"/>
-              </a:rPr>
-              <a:t> </a:t>
-            </a:r>
-            <a:r>
-              <a:rPr lang="en-US" sz="1500" spc="-30" dirty="0">
-                <a:effectLst/>
-                <a:latin typeface="Times New Roman" panose="02020603050405020304" pitchFamily="18" charset="0"/>
-                <a:ea typeface="Times New Roman" panose="02020603050405020304" pitchFamily="18" charset="0"/>
-              </a:rPr>
-              <a:t>10,</a:t>
-            </a:r>
-            <a:r>
-              <a:rPr lang="en-US" sz="1500" spc="-5" dirty="0">
-                <a:effectLst/>
-                <a:latin typeface="Times New Roman" panose="02020603050405020304" pitchFamily="18" charset="0"/>
-                <a:ea typeface="Times New Roman" panose="02020603050405020304" pitchFamily="18" charset="0"/>
-              </a:rPr>
-              <a:t> </a:t>
-            </a:r>
-            <a:r>
-              <a:rPr lang="en-US" sz="1500" spc="-30" dirty="0">
-                <a:effectLst/>
-                <a:latin typeface="Times New Roman" panose="02020603050405020304" pitchFamily="18" charset="0"/>
-                <a:ea typeface="Times New Roman" panose="02020603050405020304" pitchFamily="18" charset="0"/>
-              </a:rPr>
-              <a:t>Pp.</a:t>
-            </a:r>
-            <a:r>
-              <a:rPr lang="en-US" sz="1500" spc="-5" dirty="0">
-                <a:effectLst/>
-                <a:latin typeface="Times New Roman" panose="02020603050405020304" pitchFamily="18" charset="0"/>
-                <a:ea typeface="Times New Roman" panose="02020603050405020304" pitchFamily="18" charset="0"/>
-              </a:rPr>
-              <a:t> </a:t>
-            </a:r>
-            <a:r>
-              <a:rPr lang="en-US" sz="1500" spc="-30" dirty="0">
-                <a:effectLst/>
-                <a:latin typeface="Times New Roman" panose="02020603050405020304" pitchFamily="18" charset="0"/>
-                <a:ea typeface="Times New Roman" panose="02020603050405020304" pitchFamily="18" charset="0"/>
-              </a:rPr>
-              <a:t>2048-2056,</a:t>
-            </a:r>
-            <a:r>
-              <a:rPr lang="en-US" sz="1500" spc="-5" dirty="0">
-                <a:effectLst/>
-                <a:latin typeface="Times New Roman" panose="02020603050405020304" pitchFamily="18" charset="0"/>
-                <a:ea typeface="Times New Roman" panose="02020603050405020304" pitchFamily="18" charset="0"/>
-              </a:rPr>
-              <a:t> </a:t>
-            </a:r>
-            <a:r>
-              <a:rPr lang="en-US" sz="1500" spc="-30" dirty="0">
-                <a:effectLst/>
-                <a:latin typeface="Times New Roman" panose="02020603050405020304" pitchFamily="18" charset="0"/>
-                <a:ea typeface="Times New Roman" panose="02020603050405020304" pitchFamily="18" charset="0"/>
-              </a:rPr>
-              <a:t>2015.</a:t>
             </a:r>
             <a:endParaRPr lang="en-IN" sz="1500" spc="-30" dirty="0">
               <a:effectLst/>
@@ -8682,986 +8762,14 @@
             <p:ph idx="1"/>
             <p:extLst>
               <p:ext uri="{D42A27DB-BD31-4B8C-83A1-F6EECF244321}">
-                <p14:modId xmlns:p14="http://schemas.microsoft.com/office/powerpoint/2010/main" val="2381326173"/>
+                <p14:modId xmlns:p14="http://schemas.microsoft.com/office/powerpoint/2010/main" val="1448781633"/>
               </p:ext>
             </p:extLst>
           </p:nvPr>
         </p:nvGraphicFramePr>
         <p:xfrm>
           <a:off x="1535113" y="941098"/>
-          <a:ext cx="9853401" cy="5095696"/>
-        </p:xfrm>
-        <a:graphic>
-          <a:graphicData uri="http://schemas.openxmlformats.org/drawingml/2006/table">
-            <a:tbl>
-              <a:tblPr firstRow="1" bandRow="1">
-                <a:tableStyleId>{5940675A-B579-460E-94D1-54222C63F5DA}</a:tableStyleId>
-              </a:tblPr>
-              <a:tblGrid>
-                <a:gridCol w="1231325">
-                  <a:extLst>
-                    <a:ext uri="{9D8B030D-6E8A-4147-A177-3AD203B41FA5}">
-                      <a16:colId xmlns:a16="http://schemas.microsoft.com/office/drawing/2014/main" val="4137336576"/>
-                    </a:ext>
-                  </a:extLst>
-                </a:gridCol>
-                <a:gridCol w="1787644">
-                  <a:extLst>
-                    <a:ext uri="{9D8B030D-6E8A-4147-A177-3AD203B41FA5}">
-                      <a16:colId xmlns:a16="http://schemas.microsoft.com/office/drawing/2014/main" val="545084164"/>
-                    </a:ext>
-                  </a:extLst>
-                </a:gridCol>
-                <a:gridCol w="2055313">
-                  <a:extLst>
-                    <a:ext uri="{9D8B030D-6E8A-4147-A177-3AD203B41FA5}">
-                      <a16:colId xmlns:a16="http://schemas.microsoft.com/office/drawing/2014/main" val="3582126375"/>
-                    </a:ext>
-                  </a:extLst>
-                </a:gridCol>
-                <a:gridCol w="2808439">
-                  <a:extLst>
-                    <a:ext uri="{9D8B030D-6E8A-4147-A177-3AD203B41FA5}">
-                      <a16:colId xmlns:a16="http://schemas.microsoft.com/office/drawing/2014/main" val="3571017933"/>
-                    </a:ext>
-                  </a:extLst>
-                </a:gridCol>
-                <a:gridCol w="1970680">
-                  <a:extLst>
-                    <a:ext uri="{9D8B030D-6E8A-4147-A177-3AD203B41FA5}">
-                      <a16:colId xmlns:a16="http://schemas.microsoft.com/office/drawing/2014/main" val="1937686863"/>
-                    </a:ext>
-                  </a:extLst>
-                </a:gridCol>
-              </a:tblGrid>
-              <a:tr h="542235">
-                <a:tc>
-                  <a:txBody>
-                    <a:bodyPr/>
-                    <a:lstStyle/>
-                    <a:p>
-                      <a:r>
-                        <a:rPr lang="en-US" sz="1400" dirty="0">
-                          <a:latin typeface="Times New Roman" panose="02020603050405020304" pitchFamily="18" charset="0"/>
-                          <a:cs typeface="Times New Roman" panose="02020603050405020304" pitchFamily="18" charset="0"/>
-                        </a:rPr>
-                        <a:t>Year of Publishing</a:t>
-                      </a:r>
-                      <a:endParaRPr lang="en-IN" sz="1400" dirty="0">
-                        <a:latin typeface="Times New Roman" panose="02020603050405020304" pitchFamily="18" charset="0"/>
-                        <a:cs typeface="Times New Roman" panose="02020603050405020304" pitchFamily="18" charset="0"/>
-                      </a:endParaRPr>
-                    </a:p>
-                  </a:txBody>
-                  <a:tcPr/>
-                </a:tc>
-                <a:tc>
-                  <a:txBody>
-                    <a:bodyPr/>
-                    <a:lstStyle/>
-                    <a:p>
-                      <a:r>
-                        <a:rPr lang="en-US" sz="1400" dirty="0">
-                          <a:latin typeface="Times New Roman" panose="02020603050405020304" pitchFamily="18" charset="0"/>
-                          <a:cs typeface="Times New Roman" panose="02020603050405020304" pitchFamily="18" charset="0"/>
-                        </a:rPr>
-                        <a:t>Author Name</a:t>
-                      </a:r>
-                      <a:endParaRPr lang="en-IN" sz="1400" dirty="0">
-                        <a:latin typeface="Times New Roman" panose="02020603050405020304" pitchFamily="18" charset="0"/>
-                        <a:cs typeface="Times New Roman" panose="02020603050405020304" pitchFamily="18" charset="0"/>
-                      </a:endParaRPr>
-                    </a:p>
-                  </a:txBody>
-                  <a:tcPr/>
-                </a:tc>
-                <a:tc>
-                  <a:txBody>
-                    <a:bodyPr/>
-                    <a:lstStyle/>
-                    <a:p>
-                      <a:r>
-                        <a:rPr lang="en-US" sz="1400" dirty="0">
-                          <a:latin typeface="Times New Roman" panose="02020603050405020304" pitchFamily="18" charset="0"/>
-                          <a:cs typeface="Times New Roman" panose="02020603050405020304" pitchFamily="18" charset="0"/>
-                        </a:rPr>
-                        <a:t>Title of the Paper</a:t>
-                      </a:r>
-                      <a:endParaRPr lang="en-IN" sz="1400" dirty="0">
-                        <a:latin typeface="Times New Roman" panose="02020603050405020304" pitchFamily="18" charset="0"/>
-                        <a:cs typeface="Times New Roman" panose="02020603050405020304" pitchFamily="18" charset="0"/>
-                      </a:endParaRPr>
-                    </a:p>
-                  </a:txBody>
-                  <a:tcPr/>
-                </a:tc>
-                <a:tc>
-                  <a:txBody>
-                    <a:bodyPr/>
-                    <a:lstStyle/>
-                    <a:p>
-                      <a:r>
-                        <a:rPr lang="en-US" sz="1400" dirty="0">
-                          <a:latin typeface="Times New Roman" panose="02020603050405020304" pitchFamily="18" charset="0"/>
-                          <a:cs typeface="Times New Roman" panose="02020603050405020304" pitchFamily="18" charset="0"/>
-                        </a:rPr>
-                        <a:t>Merits</a:t>
-                      </a:r>
-                      <a:endParaRPr lang="en-IN" sz="1400" dirty="0">
-                        <a:latin typeface="Times New Roman" panose="02020603050405020304" pitchFamily="18" charset="0"/>
-                        <a:cs typeface="Times New Roman" panose="02020603050405020304" pitchFamily="18" charset="0"/>
-                      </a:endParaRPr>
-                    </a:p>
-                  </a:txBody>
-                  <a:tcPr/>
-                </a:tc>
-                <a:tc>
-                  <a:txBody>
-                    <a:bodyPr/>
-                    <a:lstStyle/>
-                    <a:p>
-                      <a:r>
-                        <a:rPr lang="en-US" sz="1400" dirty="0">
-                          <a:latin typeface="Times New Roman" panose="02020603050405020304" pitchFamily="18" charset="0"/>
-                          <a:cs typeface="Times New Roman" panose="02020603050405020304" pitchFamily="18" charset="0"/>
-                        </a:rPr>
-                        <a:t>Demerits</a:t>
-                      </a:r>
-                      <a:endParaRPr lang="en-IN" sz="1400" dirty="0">
-                        <a:latin typeface="Times New Roman" panose="02020603050405020304" pitchFamily="18" charset="0"/>
-                        <a:cs typeface="Times New Roman" panose="02020603050405020304" pitchFamily="18" charset="0"/>
-                      </a:endParaRPr>
-                    </a:p>
-                  </a:txBody>
-                  <a:tcPr/>
-                </a:tc>
-                <a:extLst>
-                  <a:ext uri="{0D108BD9-81ED-4DB2-BD59-A6C34878D82A}">
-                    <a16:rowId xmlns:a16="http://schemas.microsoft.com/office/drawing/2014/main" val="3011202477"/>
-                  </a:ext>
-                </a:extLst>
-              </a:tr>
-              <a:tr h="2328421">
-                <a:tc>
-                  <a:txBody>
-                    <a:bodyPr/>
-                    <a:lstStyle/>
-                    <a:p>
-                      <a:r>
-                        <a:rPr lang="en-US" sz="1400" dirty="0">
-                          <a:latin typeface="Times New Roman" panose="02020603050405020304" pitchFamily="18" charset="0"/>
-                          <a:cs typeface="Times New Roman" panose="02020603050405020304" pitchFamily="18" charset="0"/>
-                        </a:rPr>
-                        <a:t>2017</a:t>
-                      </a:r>
-                      <a:endParaRPr lang="en-IN" sz="1400" dirty="0">
-                        <a:latin typeface="Times New Roman" panose="02020603050405020304" pitchFamily="18" charset="0"/>
-                        <a:cs typeface="Times New Roman" panose="02020603050405020304" pitchFamily="18" charset="0"/>
-                      </a:endParaRPr>
-                    </a:p>
-                  </a:txBody>
-                  <a:tcPr/>
-                </a:tc>
-                <a:tc>
-                  <a:txBody>
-                    <a:bodyPr/>
-                    <a:lstStyle/>
-                    <a:p>
-                      <a:pPr marL="0" marR="0" lvl="0" indent="0" algn="l" defTabSz="914400" rtl="0" eaLnBrk="1" fontAlgn="auto" latinLnBrk="0" hangingPunct="1">
-                        <a:lnSpc>
-                          <a:spcPct val="100000"/>
-                        </a:lnSpc>
-                        <a:spcBef>
-                          <a:spcPts val="0"/>
-                        </a:spcBef>
-                        <a:spcAft>
-                          <a:spcPts val="0"/>
-                        </a:spcAft>
-                        <a:buClrTx/>
-                        <a:buSzTx/>
-                        <a:buFontTx/>
-                        <a:buNone/>
-                        <a:tabLst/>
-                        <a:defRPr/>
-                      </a:pPr>
-                      <a:r>
-                        <a:rPr lang="en-IN" sz="1400" b="0" i="0" u="none" strike="noStrike" kern="1200" baseline="0" dirty="0">
-                          <a:solidFill>
-                            <a:schemeClr val="tx1"/>
-                          </a:solidFill>
-                          <a:latin typeface="Times New Roman" panose="02020603050405020304" pitchFamily="18" charset="0"/>
-                          <a:ea typeface="+mn-ea"/>
-                          <a:cs typeface="Times New Roman" panose="02020603050405020304" pitchFamily="18" charset="0"/>
-                        </a:rPr>
-                        <a:t>Lu Yang, </a:t>
-                      </a:r>
-                      <a:r>
-                        <a:rPr lang="en-IN" sz="1400" b="0" i="0" u="none" strike="noStrike" kern="1200" baseline="0" dirty="0" err="1">
-                          <a:solidFill>
-                            <a:schemeClr val="tx1"/>
-                          </a:solidFill>
-                          <a:latin typeface="Times New Roman" panose="02020603050405020304" pitchFamily="18" charset="0"/>
-                          <a:ea typeface="+mn-ea"/>
-                          <a:cs typeface="Times New Roman" panose="02020603050405020304" pitchFamily="18" charset="0"/>
-                        </a:rPr>
-                        <a:t>Gongping</a:t>
-                      </a:r>
-                      <a:r>
-                        <a:rPr lang="en-IN" sz="1400" b="0" i="0" u="none" strike="noStrike" kern="1200" baseline="0" dirty="0">
-                          <a:solidFill>
-                            <a:schemeClr val="tx1"/>
-                          </a:solidFill>
-                          <a:latin typeface="Times New Roman" panose="02020603050405020304" pitchFamily="18" charset="0"/>
-                          <a:ea typeface="+mn-ea"/>
-                          <a:cs typeface="Times New Roman" panose="02020603050405020304" pitchFamily="18" charset="0"/>
-                        </a:rPr>
-                        <a:t> Yang, </a:t>
-                      </a:r>
-                      <a:r>
-                        <a:rPr lang="en-IN" sz="1400" b="0" i="0" u="none" strike="noStrike" kern="1200" baseline="0" dirty="0" err="1">
-                          <a:solidFill>
-                            <a:schemeClr val="tx1"/>
-                          </a:solidFill>
-                          <a:latin typeface="Times New Roman" panose="02020603050405020304" pitchFamily="18" charset="0"/>
-                          <a:ea typeface="+mn-ea"/>
-                          <a:cs typeface="Times New Roman" panose="02020603050405020304" pitchFamily="18" charset="0"/>
-                        </a:rPr>
-                        <a:t>Yilong</a:t>
-                      </a:r>
-                      <a:r>
-                        <a:rPr lang="en-IN" sz="1400" b="0" i="0" u="none" strike="noStrike" kern="1200" baseline="0" dirty="0">
-                          <a:solidFill>
-                            <a:schemeClr val="tx1"/>
-                          </a:solidFill>
-                          <a:latin typeface="Times New Roman" panose="02020603050405020304" pitchFamily="18" charset="0"/>
-                          <a:ea typeface="+mn-ea"/>
-                          <a:cs typeface="Times New Roman" panose="02020603050405020304" pitchFamily="18" charset="0"/>
-                        </a:rPr>
-                        <a:t> Yin, and </a:t>
-                      </a:r>
-                      <a:r>
-                        <a:rPr lang="en-IN" sz="1400" b="0" i="0" u="none" strike="noStrike" kern="1200" baseline="0" dirty="0" err="1">
-                          <a:solidFill>
-                            <a:schemeClr val="tx1"/>
-                          </a:solidFill>
-                          <a:latin typeface="Times New Roman" panose="02020603050405020304" pitchFamily="18" charset="0"/>
-                          <a:ea typeface="+mn-ea"/>
-                          <a:cs typeface="Times New Roman" panose="02020603050405020304" pitchFamily="18" charset="0"/>
-                        </a:rPr>
-                        <a:t>Xiaoming</a:t>
-                      </a:r>
-                      <a:r>
-                        <a:rPr lang="en-IN" sz="1400" b="0" i="0" u="none" strike="noStrike" kern="1200" baseline="0" dirty="0">
-                          <a:solidFill>
-                            <a:schemeClr val="tx1"/>
-                          </a:solidFill>
-                          <a:latin typeface="Times New Roman" panose="02020603050405020304" pitchFamily="18" charset="0"/>
-                          <a:ea typeface="+mn-ea"/>
-                          <a:cs typeface="Times New Roman" panose="02020603050405020304" pitchFamily="18" charset="0"/>
-                        </a:rPr>
-                        <a:t> Xi </a:t>
-                      </a:r>
-                    </a:p>
-                    <a:p>
-                      <a:pPr marL="0" marR="0" lvl="0" indent="0" algn="l" defTabSz="914400" rtl="0" eaLnBrk="1" fontAlgn="auto" latinLnBrk="0" hangingPunct="1">
-                        <a:lnSpc>
-                          <a:spcPct val="100000"/>
-                        </a:lnSpc>
-                        <a:spcBef>
-                          <a:spcPts val="0"/>
-                        </a:spcBef>
-                        <a:spcAft>
-                          <a:spcPts val="0"/>
-                        </a:spcAft>
-                        <a:buClrTx/>
-                        <a:buSzTx/>
-                        <a:buFontTx/>
-                        <a:buNone/>
-                        <a:tabLst/>
-                        <a:defRPr/>
-                      </a:pPr>
-                      <a:endParaRPr lang="en-IN" sz="1400" b="0" i="0" u="none" strike="noStrike" kern="1200" baseline="0" dirty="0">
-                        <a:solidFill>
-                          <a:schemeClr val="tx1"/>
-                        </a:solidFill>
-                        <a:latin typeface="Times New Roman" panose="02020603050405020304" pitchFamily="18" charset="0"/>
-                        <a:ea typeface="+mn-ea"/>
-                        <a:cs typeface="Times New Roman" panose="02020603050405020304" pitchFamily="18" charset="0"/>
-                      </a:endParaRPr>
-                    </a:p>
-                    <a:p>
-                      <a:pPr marL="0" marR="0" lvl="0" indent="0" algn="l" defTabSz="914400" rtl="0" eaLnBrk="1" fontAlgn="auto" latinLnBrk="0" hangingPunct="1">
-                        <a:lnSpc>
-                          <a:spcPct val="100000"/>
-                        </a:lnSpc>
-                        <a:spcBef>
-                          <a:spcPts val="0"/>
-                        </a:spcBef>
-                        <a:spcAft>
-                          <a:spcPts val="0"/>
-                        </a:spcAft>
-                        <a:buClrTx/>
-                        <a:buSzTx/>
-                        <a:buFontTx/>
-                        <a:buNone/>
-                        <a:tabLst/>
-                        <a:defRPr/>
-                      </a:pPr>
-                      <a:endParaRPr lang="en-IN" sz="1400" b="0" i="0" u="none" strike="noStrike" kern="1200" baseline="0" dirty="0">
-                        <a:solidFill>
-                          <a:schemeClr val="tx1"/>
-                        </a:solidFill>
-                        <a:latin typeface="Times New Roman" panose="02020603050405020304" pitchFamily="18" charset="0"/>
-                        <a:ea typeface="+mn-ea"/>
-                        <a:cs typeface="Times New Roman" panose="02020603050405020304" pitchFamily="18" charset="0"/>
-                      </a:endParaRPr>
-                    </a:p>
-                    <a:p>
-                      <a:pPr marL="0" marR="0" lvl="0" indent="0" algn="l" defTabSz="914400" rtl="0" eaLnBrk="1" fontAlgn="auto" latinLnBrk="0" hangingPunct="1">
-                        <a:lnSpc>
-                          <a:spcPct val="100000"/>
-                        </a:lnSpc>
-                        <a:spcBef>
-                          <a:spcPts val="0"/>
-                        </a:spcBef>
-                        <a:spcAft>
-                          <a:spcPts val="0"/>
-                        </a:spcAft>
-                        <a:buClrTx/>
-                        <a:buSzTx/>
-                        <a:buFontTx/>
-                        <a:buNone/>
-                        <a:tabLst/>
-                        <a:defRPr/>
-                      </a:pPr>
-                      <a:r>
-                        <a:rPr lang="en-IN" sz="1400" b="0" i="0" u="none" strike="noStrike" kern="1200" baseline="0" dirty="0">
-                          <a:solidFill>
-                            <a:schemeClr val="tx1"/>
-                          </a:solidFill>
-                          <a:latin typeface="Times New Roman" panose="02020603050405020304" pitchFamily="18" charset="0"/>
-                          <a:ea typeface="+mn-ea"/>
-                          <a:cs typeface="Times New Roman" panose="02020603050405020304" pitchFamily="18" charset="0"/>
-                        </a:rPr>
-                        <a:t>Link: </a:t>
-                      </a:r>
-                      <a:r>
-                        <a:rPr lang="en-IN" sz="1400" b="0" i="0" u="none" strike="noStrike" kern="1200" baseline="0" dirty="0">
-                          <a:solidFill>
-                            <a:schemeClr val="accent5">
-                              <a:lumMod val="75000"/>
-                            </a:schemeClr>
-                          </a:solidFill>
-                          <a:latin typeface="Times New Roman" panose="02020603050405020304" pitchFamily="18" charset="0"/>
-                          <a:ea typeface="+mn-ea"/>
-                          <a:cs typeface="Times New Roman" panose="02020603050405020304" pitchFamily="18" charset="0"/>
-                          <a:hlinkClick r:id="rId2"/>
-                        </a:rPr>
-                        <a:t>https://ieeexplore.ieee.org/document/7882665</a:t>
-                      </a:r>
-                      <a:endParaRPr lang="en-IN" sz="1400" b="0" i="0" u="none" strike="noStrike" kern="1200" baseline="0" dirty="0">
-                        <a:solidFill>
-                          <a:schemeClr val="accent5">
-                            <a:lumMod val="75000"/>
-                          </a:schemeClr>
-                        </a:solidFill>
-                        <a:latin typeface="Times New Roman" panose="02020603050405020304" pitchFamily="18" charset="0"/>
-                        <a:ea typeface="+mn-ea"/>
-                        <a:cs typeface="Times New Roman" panose="02020603050405020304" pitchFamily="18" charset="0"/>
-                      </a:endParaRPr>
-                    </a:p>
-                  </a:txBody>
-                  <a:tcPr/>
-                </a:tc>
-                <a:tc>
-                  <a:txBody>
-                    <a:bodyPr/>
-                    <a:lstStyle/>
-                    <a:p>
-                      <a:pPr marL="0" marR="0" lvl="0" indent="0" algn="l" defTabSz="914400" rtl="0" eaLnBrk="1" fontAlgn="auto" latinLnBrk="0" hangingPunct="1">
-                        <a:lnSpc>
-                          <a:spcPct val="100000"/>
-                        </a:lnSpc>
-                        <a:spcBef>
-                          <a:spcPts val="0"/>
-                        </a:spcBef>
-                        <a:spcAft>
-                          <a:spcPts val="0"/>
-                        </a:spcAft>
-                        <a:buClrTx/>
-                        <a:buSzTx/>
-                        <a:buFontTx/>
-                        <a:buNone/>
-                        <a:tabLst/>
-                        <a:defRPr/>
-                      </a:pPr>
-                      <a:r>
-                        <a:rPr lang="en-US" sz="1400" b="0" i="0" u="none" strike="noStrike" kern="1200" baseline="0" dirty="0">
-                          <a:solidFill>
-                            <a:schemeClr val="tx1"/>
-                          </a:solidFill>
-                          <a:latin typeface="Times New Roman" panose="02020603050405020304" pitchFamily="18" charset="0"/>
-                          <a:ea typeface="+mn-ea"/>
-                          <a:cs typeface="Times New Roman" panose="02020603050405020304" pitchFamily="18" charset="0"/>
-                        </a:rPr>
-                        <a:t>Finger Vein Recognition with Anatomy Structure Analysis </a:t>
-                      </a:r>
-                    </a:p>
-                  </a:txBody>
-                  <a:tcPr/>
-                </a:tc>
-                <a:tc>
-                  <a:txBody>
-                    <a:bodyPr/>
-                    <a:lstStyle/>
-                    <a:p>
-                      <a:pPr marL="285750" indent="-285750">
-                        <a:buFont typeface="Wingdings" panose="05000000000000000000" pitchFamily="2" charset="2"/>
-                        <a:buChar char="ü"/>
-                      </a:pPr>
-                      <a:r>
-                        <a:rPr lang="en-IN" sz="1400" b="0" i="0" u="none" strike="noStrike" kern="1200" baseline="0" dirty="0">
-                          <a:solidFill>
-                            <a:schemeClr val="tx1"/>
-                          </a:solidFill>
-                          <a:latin typeface="Times New Roman" panose="02020603050405020304" pitchFamily="18" charset="0"/>
-                          <a:ea typeface="+mn-ea"/>
-                          <a:cs typeface="Times New Roman" panose="02020603050405020304" pitchFamily="18" charset="0"/>
-                        </a:rPr>
-                        <a:t>Anatomy structure analysis-based vein extraction </a:t>
-                      </a:r>
-                    </a:p>
-                    <a:p>
-                      <a:pPr marL="285750" indent="-285750">
-                        <a:buFont typeface="Wingdings" panose="05000000000000000000" pitchFamily="2" charset="2"/>
-                        <a:buChar char="ü"/>
-                      </a:pPr>
-                      <a:r>
-                        <a:rPr lang="en-US" sz="1400" b="0" i="0" u="none" strike="noStrike" kern="1200" baseline="0" dirty="0">
-                          <a:solidFill>
-                            <a:schemeClr val="tx1"/>
-                          </a:solidFill>
-                          <a:latin typeface="Times New Roman" panose="02020603050405020304" pitchFamily="18" charset="0"/>
-                          <a:ea typeface="+mn-ea"/>
-                          <a:cs typeface="Times New Roman" panose="02020603050405020304" pitchFamily="18" charset="0"/>
-                        </a:rPr>
-                        <a:t>Extracted by the orientation map-guided curvature based on the valley- or half valley-shaped cross sectional profile </a:t>
-                      </a:r>
-                    </a:p>
-                    <a:p>
-                      <a:pPr marL="285750" indent="-285750">
-                        <a:buFont typeface="Wingdings" panose="05000000000000000000" pitchFamily="2" charset="2"/>
-                        <a:buChar char="ü"/>
-                      </a:pPr>
-                      <a:r>
-                        <a:rPr lang="en-US" sz="1400" b="0" i="0" u="none" strike="noStrike" kern="1200" baseline="0" dirty="0">
-                          <a:solidFill>
-                            <a:schemeClr val="tx1"/>
-                          </a:solidFill>
-                          <a:latin typeface="Times New Roman" panose="02020603050405020304" pitchFamily="18" charset="0"/>
-                          <a:ea typeface="+mn-ea"/>
-                          <a:cs typeface="Times New Roman" panose="02020603050405020304" pitchFamily="18" charset="0"/>
-                        </a:rPr>
-                        <a:t>Thinned and refined to obtain a reliable vein network </a:t>
-                      </a:r>
-                      <a:endParaRPr lang="en-IN" sz="1400" dirty="0">
-                        <a:latin typeface="Times New Roman" panose="02020603050405020304" pitchFamily="18" charset="0"/>
-                        <a:cs typeface="Times New Roman" panose="02020603050405020304" pitchFamily="18" charset="0"/>
-                      </a:endParaRPr>
-                    </a:p>
-                  </a:txBody>
-                  <a:tcPr/>
-                </a:tc>
-                <a:tc>
-                  <a:txBody>
-                    <a:bodyPr/>
-                    <a:lstStyle/>
-                    <a:p>
-                      <a:pPr marL="285750" indent="-285750">
-                        <a:buFont typeface="Wingdings" panose="05000000000000000000" pitchFamily="2" charset="2"/>
-                        <a:buChar char="ü"/>
-                      </a:pPr>
-                      <a:r>
-                        <a:rPr lang="en-US" sz="1400" b="0" i="0" u="none" strike="noStrike" kern="1200" baseline="0" dirty="0">
-                          <a:solidFill>
-                            <a:schemeClr val="tx1"/>
-                          </a:solidFill>
-                          <a:latin typeface="Times New Roman" panose="02020603050405020304" pitchFamily="18" charset="0"/>
-                          <a:ea typeface="+mn-ea"/>
-                          <a:cs typeface="Times New Roman" panose="02020603050405020304" pitchFamily="18" charset="0"/>
-                        </a:rPr>
-                        <a:t>Accurate evaluation of joint damage is low </a:t>
-                      </a:r>
-                    </a:p>
-                    <a:p>
-                      <a:pPr marL="285750" indent="-285750">
-                        <a:buFont typeface="Wingdings" panose="05000000000000000000" pitchFamily="2" charset="2"/>
-                        <a:buChar char="ü"/>
-                      </a:pPr>
-                      <a:r>
-                        <a:rPr lang="en-US" sz="1400" b="0" i="0" u="none" strike="noStrike" kern="1200" baseline="0" dirty="0">
-                          <a:solidFill>
-                            <a:schemeClr val="tx1"/>
-                          </a:solidFill>
-                          <a:latin typeface="Times New Roman" panose="02020603050405020304" pitchFamily="18" charset="0"/>
-                          <a:ea typeface="+mn-ea"/>
-                          <a:cs typeface="Times New Roman" panose="02020603050405020304" pitchFamily="18" charset="0"/>
-                        </a:rPr>
-                        <a:t>Does not improve the assessment sensitivity in the early stage </a:t>
-                      </a:r>
-                    </a:p>
-                    <a:p>
-                      <a:pPr marL="285750" indent="-285750">
-                        <a:buFont typeface="Wingdings" panose="05000000000000000000" pitchFamily="2" charset="2"/>
-                        <a:buChar char="ü"/>
-                      </a:pPr>
-                      <a:r>
-                        <a:rPr lang="en-US" sz="1400" b="0" i="0" u="none" strike="noStrike" kern="1200" baseline="0" dirty="0">
-                          <a:solidFill>
-                            <a:schemeClr val="tx1"/>
-                          </a:solidFill>
-                          <a:latin typeface="Times New Roman" panose="02020603050405020304" pitchFamily="18" charset="0"/>
-                          <a:ea typeface="+mn-ea"/>
-                          <a:cs typeface="Times New Roman" panose="02020603050405020304" pitchFamily="18" charset="0"/>
-                        </a:rPr>
-                        <a:t>Lead to the generation of bad candidate proposals</a:t>
-                      </a:r>
-                      <a:endParaRPr lang="en-IN" sz="1400" dirty="0">
-                        <a:latin typeface="Times New Roman" panose="02020603050405020304" pitchFamily="18" charset="0"/>
-                        <a:cs typeface="Times New Roman" panose="02020603050405020304" pitchFamily="18" charset="0"/>
-                      </a:endParaRPr>
-                    </a:p>
-                  </a:txBody>
-                  <a:tcPr/>
-                </a:tc>
-                <a:extLst>
-                  <a:ext uri="{0D108BD9-81ED-4DB2-BD59-A6C34878D82A}">
-                    <a16:rowId xmlns:a16="http://schemas.microsoft.com/office/drawing/2014/main" val="1504356262"/>
-                  </a:ext>
-                </a:extLst>
-              </a:tr>
-              <a:tr h="2105147">
-                <a:tc>
-                  <a:txBody>
-                    <a:bodyPr/>
-                    <a:lstStyle/>
-                    <a:p>
-                      <a:r>
-                        <a:rPr lang="en-US" sz="1400" dirty="0">
-                          <a:latin typeface="Times New Roman" panose="02020603050405020304" pitchFamily="18" charset="0"/>
-                          <a:cs typeface="Times New Roman" panose="02020603050405020304" pitchFamily="18" charset="0"/>
-                        </a:rPr>
-                        <a:t>2017</a:t>
-                      </a:r>
-                      <a:endParaRPr lang="en-IN" sz="1400" dirty="0">
-                        <a:latin typeface="Times New Roman" panose="02020603050405020304" pitchFamily="18" charset="0"/>
-                        <a:cs typeface="Times New Roman" panose="02020603050405020304" pitchFamily="18" charset="0"/>
-                      </a:endParaRPr>
-                    </a:p>
-                  </a:txBody>
-                  <a:tcPr/>
-                </a:tc>
-                <a:tc>
-                  <a:txBody>
-                    <a:bodyPr/>
-                    <a:lstStyle/>
-                    <a:p>
-                      <a:r>
-                        <a:rPr lang="en-IN" sz="1400" b="0" i="0" u="none" strike="noStrike" kern="1200" baseline="0" dirty="0">
-                          <a:solidFill>
-                            <a:schemeClr val="tx1"/>
-                          </a:solidFill>
-                          <a:latin typeface="Times New Roman" panose="02020603050405020304" pitchFamily="18" charset="0"/>
-                          <a:ea typeface="+mn-ea"/>
-                          <a:cs typeface="Times New Roman" panose="02020603050405020304" pitchFamily="18" charset="0"/>
-                        </a:rPr>
-                        <a:t>Lu Yang, </a:t>
-                      </a:r>
-                      <a:r>
-                        <a:rPr lang="en-IN" sz="1400" b="0" i="0" u="none" strike="noStrike" kern="1200" baseline="0" dirty="0" err="1">
-                          <a:solidFill>
-                            <a:schemeClr val="tx1"/>
-                          </a:solidFill>
-                          <a:latin typeface="Times New Roman" panose="02020603050405020304" pitchFamily="18" charset="0"/>
-                          <a:ea typeface="+mn-ea"/>
-                          <a:cs typeface="Times New Roman" panose="02020603050405020304" pitchFamily="18" charset="0"/>
-                        </a:rPr>
-                        <a:t>Gongping</a:t>
-                      </a:r>
-                      <a:r>
-                        <a:rPr lang="en-IN" sz="1400" b="0" i="0" u="none" strike="noStrike" kern="1200" baseline="0" dirty="0">
-                          <a:solidFill>
-                            <a:schemeClr val="tx1"/>
-                          </a:solidFill>
-                          <a:latin typeface="Times New Roman" panose="02020603050405020304" pitchFamily="18" charset="0"/>
-                          <a:ea typeface="+mn-ea"/>
-                          <a:cs typeface="Times New Roman" panose="02020603050405020304" pitchFamily="18" charset="0"/>
-                        </a:rPr>
-                        <a:t> Yang, </a:t>
-                      </a:r>
-                      <a:r>
-                        <a:rPr lang="en-IN" sz="1400" b="0" i="0" u="none" strike="noStrike" kern="1200" baseline="0" dirty="0" err="1">
-                          <a:solidFill>
-                            <a:schemeClr val="tx1"/>
-                          </a:solidFill>
-                          <a:latin typeface="Times New Roman" panose="02020603050405020304" pitchFamily="18" charset="0"/>
-                          <a:ea typeface="+mn-ea"/>
-                          <a:cs typeface="Times New Roman" panose="02020603050405020304" pitchFamily="18" charset="0"/>
-                        </a:rPr>
-                        <a:t>Xiaoming</a:t>
-                      </a:r>
-                      <a:r>
-                        <a:rPr lang="en-IN" sz="1400" b="0" i="0" u="none" strike="noStrike" kern="1200" baseline="0" dirty="0">
-                          <a:solidFill>
-                            <a:schemeClr val="tx1"/>
-                          </a:solidFill>
-                          <a:latin typeface="Times New Roman" panose="02020603050405020304" pitchFamily="18" charset="0"/>
-                          <a:ea typeface="+mn-ea"/>
-                          <a:cs typeface="Times New Roman" panose="02020603050405020304" pitchFamily="18" charset="0"/>
-                        </a:rPr>
-                        <a:t> Xi, </a:t>
-                      </a:r>
-                      <a:r>
-                        <a:rPr lang="en-IN" sz="1400" b="0" i="0" u="none" strike="noStrike" kern="1200" baseline="0" dirty="0" err="1">
-                          <a:solidFill>
-                            <a:schemeClr val="tx1"/>
-                          </a:solidFill>
-                          <a:latin typeface="Times New Roman" panose="02020603050405020304" pitchFamily="18" charset="0"/>
-                          <a:ea typeface="+mn-ea"/>
-                          <a:cs typeface="Times New Roman" panose="02020603050405020304" pitchFamily="18" charset="0"/>
-                        </a:rPr>
-                        <a:t>Xianjing</a:t>
-                      </a:r>
-                      <a:r>
-                        <a:rPr lang="en-IN" sz="1400" b="0" i="0" u="none" strike="noStrike" kern="1200" baseline="0" dirty="0">
-                          <a:solidFill>
-                            <a:schemeClr val="tx1"/>
-                          </a:solidFill>
-                          <a:latin typeface="Times New Roman" panose="02020603050405020304" pitchFamily="18" charset="0"/>
-                          <a:ea typeface="+mn-ea"/>
-                          <a:cs typeface="Times New Roman" panose="02020603050405020304" pitchFamily="18" charset="0"/>
-                        </a:rPr>
-                        <a:t> Meng, </a:t>
-                      </a:r>
-                      <a:r>
-                        <a:rPr lang="en-IN" sz="1400" b="0" i="0" u="none" strike="noStrike" kern="1200" baseline="0" dirty="0" err="1">
-                          <a:solidFill>
-                            <a:schemeClr val="tx1"/>
-                          </a:solidFill>
-                          <a:latin typeface="Times New Roman" panose="02020603050405020304" pitchFamily="18" charset="0"/>
-                          <a:ea typeface="+mn-ea"/>
-                          <a:cs typeface="Times New Roman" panose="02020603050405020304" pitchFamily="18" charset="0"/>
-                        </a:rPr>
-                        <a:t>Chunyun</a:t>
-                      </a:r>
-                      <a:r>
-                        <a:rPr lang="en-IN" sz="1400" b="0" i="0" u="none" strike="noStrike" kern="1200" baseline="0" dirty="0">
-                          <a:solidFill>
-                            <a:schemeClr val="tx1"/>
-                          </a:solidFill>
-                          <a:latin typeface="Times New Roman" panose="02020603050405020304" pitchFamily="18" charset="0"/>
-                          <a:ea typeface="+mn-ea"/>
-                          <a:cs typeface="Times New Roman" panose="02020603050405020304" pitchFamily="18" charset="0"/>
-                        </a:rPr>
-                        <a:t> Zhang and </a:t>
-                      </a:r>
-                      <a:r>
-                        <a:rPr lang="en-IN" sz="1400" b="0" i="0" u="none" strike="noStrike" kern="1200" baseline="0" dirty="0" err="1">
-                          <a:solidFill>
-                            <a:schemeClr val="tx1"/>
-                          </a:solidFill>
-                          <a:latin typeface="Times New Roman" panose="02020603050405020304" pitchFamily="18" charset="0"/>
-                          <a:ea typeface="+mn-ea"/>
-                          <a:cs typeface="Times New Roman" panose="02020603050405020304" pitchFamily="18" charset="0"/>
-                        </a:rPr>
-                        <a:t>Yilong</a:t>
-                      </a:r>
-                      <a:r>
-                        <a:rPr lang="en-IN" sz="1400" b="0" i="0" u="none" strike="noStrike" kern="1200" baseline="0" dirty="0">
-                          <a:solidFill>
-                            <a:schemeClr val="tx1"/>
-                          </a:solidFill>
-                          <a:latin typeface="Times New Roman" panose="02020603050405020304" pitchFamily="18" charset="0"/>
-                          <a:ea typeface="+mn-ea"/>
-                          <a:cs typeface="Times New Roman" panose="02020603050405020304" pitchFamily="18" charset="0"/>
-                        </a:rPr>
-                        <a:t> Yin 	</a:t>
-                      </a:r>
-                    </a:p>
-                    <a:p>
-                      <a:endParaRPr lang="en-IN" sz="1400" b="0" i="0" u="none" strike="noStrike" kern="1200" baseline="0" dirty="0">
-                        <a:solidFill>
-                          <a:schemeClr val="tx1"/>
-                        </a:solidFill>
-                        <a:latin typeface="Times New Roman" panose="02020603050405020304" pitchFamily="18" charset="0"/>
-                        <a:ea typeface="+mn-ea"/>
-                        <a:cs typeface="Times New Roman" panose="02020603050405020304" pitchFamily="18" charset="0"/>
-                      </a:endParaRPr>
-                    </a:p>
-                    <a:p>
-                      <a:r>
-                        <a:rPr lang="en-IN" sz="1400" b="0" i="0" u="none" strike="noStrike" kern="1200" baseline="0" dirty="0">
-                          <a:solidFill>
-                            <a:schemeClr val="tx1"/>
-                          </a:solidFill>
-                          <a:latin typeface="Times New Roman" panose="02020603050405020304" pitchFamily="18" charset="0"/>
-                          <a:ea typeface="+mn-ea"/>
-                          <a:cs typeface="Times New Roman" panose="02020603050405020304" pitchFamily="18" charset="0"/>
-                        </a:rPr>
-                        <a:t>Link:</a:t>
-                      </a:r>
-                    </a:p>
-                    <a:p>
-                      <a:r>
-                        <a:rPr lang="en-IN" sz="1400" b="0" i="0" u="none" strike="noStrike" kern="1200" baseline="0" dirty="0">
-                          <a:solidFill>
-                            <a:schemeClr val="accent5">
-                              <a:lumMod val="75000"/>
-                            </a:schemeClr>
-                          </a:solidFill>
-                          <a:latin typeface="Times New Roman" panose="02020603050405020304" pitchFamily="18" charset="0"/>
-                          <a:ea typeface="+mn-ea"/>
-                          <a:cs typeface="Times New Roman" panose="02020603050405020304" pitchFamily="18" charset="0"/>
-                          <a:hlinkClick r:id="rId3"/>
-                        </a:rPr>
-                        <a:t>https://ieeexplore.ieee.org/document/7993012</a:t>
-                      </a:r>
-                      <a:endParaRPr lang="en-IN" sz="1400" b="0" i="0" u="none" strike="noStrike" kern="1200" baseline="0" dirty="0">
-                        <a:solidFill>
-                          <a:schemeClr val="accent5">
-                            <a:lumMod val="75000"/>
-                          </a:schemeClr>
-                        </a:solidFill>
-                        <a:latin typeface="Times New Roman" panose="02020603050405020304" pitchFamily="18" charset="0"/>
-                        <a:ea typeface="+mn-ea"/>
-                        <a:cs typeface="Times New Roman" panose="02020603050405020304" pitchFamily="18" charset="0"/>
-                      </a:endParaRPr>
-                    </a:p>
-                  </a:txBody>
-                  <a:tcPr/>
-                </a:tc>
-                <a:tc>
-                  <a:txBody>
-                    <a:bodyPr/>
-                    <a:lstStyle/>
-                    <a:p>
-                      <a:r>
-                        <a:rPr lang="en-IN" sz="1400" b="0" i="0" u="none" strike="noStrike" kern="1200" baseline="0" dirty="0">
-                          <a:solidFill>
-                            <a:schemeClr val="tx1"/>
-                          </a:solidFill>
-                          <a:latin typeface="Times New Roman" panose="02020603050405020304" pitchFamily="18" charset="0"/>
-                          <a:ea typeface="+mn-ea"/>
-                          <a:cs typeface="Times New Roman" panose="02020603050405020304" pitchFamily="18" charset="0"/>
-                        </a:rPr>
-                        <a:t>Tri-branch Vein Structure Assisted Finger Vein Recognition 	</a:t>
-                      </a:r>
-                    </a:p>
-                  </a:txBody>
-                  <a:tcPr/>
-                </a:tc>
-                <a:tc>
-                  <a:txBody>
-                    <a:bodyPr/>
-                    <a:lstStyle/>
-                    <a:p>
-                      <a:pPr marL="285750" indent="-285750">
-                        <a:buFont typeface="Wingdings" panose="05000000000000000000" pitchFamily="2" charset="2"/>
-                        <a:buChar char="ü"/>
-                      </a:pPr>
-                      <a:r>
-                        <a:rPr lang="en-US" sz="1400" b="0" i="0" u="none" strike="noStrike" kern="1200" baseline="0" dirty="0">
-                          <a:solidFill>
-                            <a:schemeClr val="tx1"/>
-                          </a:solidFill>
-                          <a:latin typeface="Times New Roman" panose="02020603050405020304" pitchFamily="18" charset="0"/>
-                          <a:ea typeface="+mn-ea"/>
-                          <a:cs typeface="Times New Roman" panose="02020603050405020304" pitchFamily="18" charset="0"/>
-                        </a:rPr>
-                        <a:t>Improve the recognition performance of the template matching </a:t>
-                      </a:r>
-                    </a:p>
-                    <a:p>
-                      <a:pPr marL="285750" indent="-285750">
-                        <a:buFont typeface="Wingdings" panose="05000000000000000000" pitchFamily="2" charset="2"/>
-                        <a:buChar char="ü"/>
-                      </a:pPr>
-                      <a:r>
-                        <a:rPr lang="en-US" sz="1400" b="0" i="0" u="none" strike="noStrike" kern="1200" baseline="0" dirty="0">
-                          <a:solidFill>
-                            <a:schemeClr val="tx1"/>
-                          </a:solidFill>
-                          <a:latin typeface="Times New Roman" panose="02020603050405020304" pitchFamily="18" charset="0"/>
-                          <a:ea typeface="+mn-ea"/>
-                          <a:cs typeface="Times New Roman" panose="02020603050405020304" pitchFamily="18" charset="0"/>
-                        </a:rPr>
-                        <a:t>Supports fused with the whole vein pattern by a user-specific threshold based filter framework </a:t>
-                      </a:r>
-                    </a:p>
-                    <a:p>
-                      <a:pPr marL="285750" indent="-285750">
-                        <a:buFont typeface="Wingdings" panose="05000000000000000000" pitchFamily="2" charset="2"/>
-                        <a:buChar char="ü"/>
-                      </a:pPr>
-                      <a:r>
-                        <a:rPr lang="en-US" sz="1400" b="0" i="0" u="none" strike="noStrike" kern="1200" baseline="0" dirty="0">
-                          <a:solidFill>
-                            <a:schemeClr val="tx1"/>
-                          </a:solidFill>
-                          <a:latin typeface="Times New Roman" panose="02020603050405020304" pitchFamily="18" charset="0"/>
-                          <a:ea typeface="+mn-ea"/>
-                          <a:cs typeface="Times New Roman" panose="02020603050405020304" pitchFamily="18" charset="0"/>
-                        </a:rPr>
-                        <a:t>Developed based on the imaging characteristic of finger vein that the gray value of vein point </a:t>
-                      </a:r>
-                      <a:endParaRPr lang="en-IN" sz="1400" dirty="0">
-                        <a:latin typeface="Times New Roman" panose="02020603050405020304" pitchFamily="18" charset="0"/>
-                        <a:cs typeface="Times New Roman" panose="02020603050405020304" pitchFamily="18" charset="0"/>
-                      </a:endParaRPr>
-                    </a:p>
-                  </a:txBody>
-                  <a:tcPr/>
-                </a:tc>
-                <a:tc>
-                  <a:txBody>
-                    <a:bodyPr/>
-                    <a:lstStyle/>
-                    <a:p>
-                      <a:pPr marL="285750" indent="-285750">
-                        <a:buFont typeface="Wingdings" panose="05000000000000000000" pitchFamily="2" charset="2"/>
-                        <a:buChar char="ü"/>
-                      </a:pPr>
-                      <a:r>
-                        <a:rPr lang="en-US" sz="1400" b="0" i="0" u="none" strike="noStrike" kern="1200" baseline="0" dirty="0">
-                          <a:solidFill>
-                            <a:schemeClr val="tx1"/>
-                          </a:solidFill>
-                          <a:latin typeface="Times New Roman" panose="02020603050405020304" pitchFamily="18" charset="0"/>
-                          <a:ea typeface="+mn-ea"/>
-                          <a:cs typeface="Times New Roman" panose="02020603050405020304" pitchFamily="18" charset="0"/>
-                        </a:rPr>
-                        <a:t>Performance remains unsatisfactory owing to defective vein networks and weak matching </a:t>
-                      </a:r>
-                    </a:p>
-                    <a:p>
-                      <a:pPr marL="285750" indent="-285750">
-                        <a:buFont typeface="Wingdings" panose="05000000000000000000" pitchFamily="2" charset="2"/>
-                        <a:buChar char="ü"/>
-                      </a:pPr>
-                      <a:r>
-                        <a:rPr lang="en-US" sz="1400" b="0" i="0" u="none" strike="noStrike" kern="1200" baseline="0" dirty="0">
-                          <a:solidFill>
-                            <a:schemeClr val="tx1"/>
-                          </a:solidFill>
-                          <a:latin typeface="Times New Roman" panose="02020603050405020304" pitchFamily="18" charset="0"/>
-                          <a:ea typeface="+mn-ea"/>
-                          <a:cs typeface="Times New Roman" panose="02020603050405020304" pitchFamily="18" charset="0"/>
-                        </a:rPr>
-                        <a:t>Neglect of deep analysis of the vein anatomy structure</a:t>
-                      </a:r>
-                    </a:p>
-                  </a:txBody>
-                  <a:tcPr/>
-                </a:tc>
-                <a:extLst>
-                  <a:ext uri="{0D108BD9-81ED-4DB2-BD59-A6C34878D82A}">
-                    <a16:rowId xmlns:a16="http://schemas.microsoft.com/office/drawing/2014/main" val="427460015"/>
-                  </a:ext>
-                </a:extLst>
-              </a:tr>
-            </a:tbl>
-          </a:graphicData>
-        </a:graphic>
-      </p:graphicFrame>
-    </p:spTree>
-    <p:extLst>
-      <p:ext uri="{BB962C8B-B14F-4D97-AF65-F5344CB8AC3E}">
-        <p14:creationId xmlns:p14="http://schemas.microsoft.com/office/powerpoint/2010/main" val="3239487573"/>
-      </p:ext>
-    </p:extLst>
-  </p:cSld>
-  <p:clrMapOvr>
-    <a:masterClrMapping/>
-  </p:clrMapOvr>
-</p:sld>
-</file>
-
-<file path=ppt/slides/slide4.xml><?xml version="1.0" encoding="utf-8"?>
-<p:sld xmlns:a="http://schemas.openxmlformats.org/drawingml/2006/main" xmlns:r="http://schemas.openxmlformats.org/officeDocument/2006/relationships" xmlns:p="http://schemas.openxmlformats.org/presentationml/2006/main">
-  <p:cSld>
-    <p:spTree>
-      <p:nvGrpSpPr>
-        <p:cNvPr id="1" name=""/>
-        <p:cNvGrpSpPr/>
-        <p:nvPr/>
-      </p:nvGrpSpPr>
-      <p:grpSpPr>
-        <a:xfrm>
-          <a:off x="0" y="0"/>
-          <a:ext cx="0" cy="0"/>
-          <a:chOff x="0" y="0"/>
-          <a:chExt cx="0" cy="0"/>
-        </a:xfrm>
-      </p:grpSpPr>
-      <p:sp>
-        <p:nvSpPr>
-          <p:cNvPr id="2" name="Title 1">
-            <a:extLst>
-              <a:ext uri="{FF2B5EF4-FFF2-40B4-BE49-F238E27FC236}">
-                <a16:creationId xmlns:a16="http://schemas.microsoft.com/office/drawing/2014/main" id="{DF1BE719-6F88-4308-A94C-23C0BF80E185}"/>
-              </a:ext>
-            </a:extLst>
-          </p:cNvPr>
-          <p:cNvSpPr>
-            <a:spLocks noGrp="1"/>
-          </p:cNvSpPr>
-          <p:nvPr>
-            <p:ph type="title"/>
-          </p:nvPr>
-        </p:nvSpPr>
-        <p:spPr>
-          <a:xfrm>
-            <a:off x="1535113" y="111792"/>
-            <a:ext cx="9520158" cy="1049235"/>
-          </a:xfrm>
-        </p:spPr>
-        <p:txBody>
-          <a:bodyPr anchor="t"/>
-          <a:lstStyle/>
-          <a:p>
-            <a:pPr algn="ctr"/>
-            <a:r>
-              <a:rPr lang="en-US" dirty="0"/>
-              <a:t>Literature Survey</a:t>
-            </a:r>
-            <a:endParaRPr lang="en-IN" dirty="0"/>
-          </a:p>
-        </p:txBody>
-      </p:sp>
-      <p:graphicFrame>
-        <p:nvGraphicFramePr>
-          <p:cNvPr id="4" name="Table 4">
-            <a:extLst>
-              <a:ext uri="{FF2B5EF4-FFF2-40B4-BE49-F238E27FC236}">
-                <a16:creationId xmlns:a16="http://schemas.microsoft.com/office/drawing/2014/main" id="{DD1886E6-CCF2-4979-8CEF-71715359DD7C}"/>
-              </a:ext>
-            </a:extLst>
-          </p:cNvPr>
-          <p:cNvGraphicFramePr>
-            <a:graphicFrameLocks noGrp="1"/>
-          </p:cNvGraphicFramePr>
-          <p:nvPr>
-            <p:ph idx="1"/>
-            <p:extLst>
-              <p:ext uri="{D42A27DB-BD31-4B8C-83A1-F6EECF244321}">
-                <p14:modId xmlns:p14="http://schemas.microsoft.com/office/powerpoint/2010/main" val="1346201294"/>
-              </p:ext>
-            </p:extLst>
-          </p:nvPr>
-        </p:nvGraphicFramePr>
-        <p:xfrm>
-          <a:off x="1535113" y="941098"/>
-          <a:ext cx="9853401" cy="5085782"/>
+          <a:ext cx="9853401" cy="4872422"/>
         </p:xfrm>
         <a:graphic>
           <a:graphicData uri="http://schemas.openxmlformats.org/drawingml/2006/table">
@@ -9813,413 +8921,6 @@
                   </a:ext>
                 </a:extLst>
               </a:tr>
-              <a:tr h="2328421">
-                <a:tc>
-                  <a:txBody>
-                    <a:bodyPr/>
-                    <a:lstStyle/>
-                    <a:p>
-                      <a:r>
-                        <a:rPr lang="en-US" sz="1400" dirty="0">
-                          <a:latin typeface="Times New Roman" panose="02020603050405020304" pitchFamily="18" charset="0"/>
-                          <a:cs typeface="Times New Roman" panose="02020603050405020304" pitchFamily="18" charset="0"/>
-                        </a:rPr>
-                        <a:t>2016</a:t>
-                      </a:r>
-                      <a:endParaRPr lang="en-IN" sz="1400" dirty="0">
-                        <a:latin typeface="Times New Roman" panose="02020603050405020304" pitchFamily="18" charset="0"/>
-                        <a:cs typeface="Times New Roman" panose="02020603050405020304" pitchFamily="18" charset="0"/>
-                      </a:endParaRPr>
-                    </a:p>
-                  </a:txBody>
-                  <a:tcPr/>
-                </a:tc>
-                <a:tc>
-                  <a:txBody>
-                    <a:bodyPr/>
-                    <a:lstStyle/>
-                    <a:p>
-                      <a:pPr marL="0" marR="0" lvl="0" indent="0" algn="l" defTabSz="914400" rtl="0" eaLnBrk="1" fontAlgn="auto" latinLnBrk="0" hangingPunct="1">
-                        <a:lnSpc>
-                          <a:spcPct val="100000"/>
-                        </a:lnSpc>
-                        <a:spcBef>
-                          <a:spcPts val="0"/>
-                        </a:spcBef>
-                        <a:spcAft>
-                          <a:spcPts val="0"/>
-                        </a:spcAft>
-                        <a:buClrTx/>
-                        <a:buSzTx/>
-                        <a:buFontTx/>
-                        <a:buNone/>
-                        <a:tabLst/>
-                        <a:defRPr/>
-                      </a:pPr>
-                      <a:r>
-                        <a:rPr lang="en-IN" sz="1400" b="0" i="0" u="none" strike="noStrike" kern="1200" baseline="0" dirty="0" err="1">
-                          <a:solidFill>
-                            <a:schemeClr val="tx1"/>
-                          </a:solidFill>
-                          <a:latin typeface="Times New Roman" panose="02020603050405020304" pitchFamily="18" charset="0"/>
-                          <a:ea typeface="+mn-ea"/>
-                          <a:cs typeface="Times New Roman" panose="02020603050405020304" pitchFamily="18" charset="0"/>
-                        </a:rPr>
-                        <a:t>Xinwei</a:t>
-                      </a:r>
-                      <a:r>
-                        <a:rPr lang="en-IN" sz="1400" b="0" i="0" u="none" strike="noStrike" kern="1200" baseline="0" dirty="0">
-                          <a:solidFill>
-                            <a:schemeClr val="tx1"/>
-                          </a:solidFill>
-                          <a:latin typeface="Times New Roman" panose="02020603050405020304" pitchFamily="18" charset="0"/>
-                          <a:ea typeface="+mn-ea"/>
-                          <a:cs typeface="Times New Roman" panose="02020603050405020304" pitchFamily="18" charset="0"/>
-                        </a:rPr>
-                        <a:t> </a:t>
-                      </a:r>
-                      <a:r>
-                        <a:rPr lang="en-IN" sz="1400" b="0" i="0" u="none" strike="noStrike" kern="1200" baseline="0" dirty="0" err="1">
-                          <a:solidFill>
-                            <a:schemeClr val="tx1"/>
-                          </a:solidFill>
-                          <a:latin typeface="Times New Roman" panose="02020603050405020304" pitchFamily="18" charset="0"/>
-                          <a:ea typeface="+mn-ea"/>
-                          <a:cs typeface="Times New Roman" panose="02020603050405020304" pitchFamily="18" charset="0"/>
-                        </a:rPr>
-                        <a:t>Qiu</a:t>
-                      </a:r>
-                      <a:r>
-                        <a:rPr lang="en-IN" sz="1400" b="0" i="0" u="none" strike="noStrike" kern="1200" baseline="0" dirty="0">
-                          <a:solidFill>
-                            <a:schemeClr val="tx1"/>
-                          </a:solidFill>
-                          <a:latin typeface="Times New Roman" panose="02020603050405020304" pitchFamily="18" charset="0"/>
-                          <a:ea typeface="+mn-ea"/>
-                          <a:cs typeface="Times New Roman" panose="02020603050405020304" pitchFamily="18" charset="0"/>
-                        </a:rPr>
-                        <a:t>, </a:t>
-                      </a:r>
-                      <a:r>
-                        <a:rPr lang="en-IN" sz="1400" b="0" i="0" u="none" strike="noStrike" kern="1200" baseline="0" dirty="0" err="1">
-                          <a:solidFill>
-                            <a:schemeClr val="tx1"/>
-                          </a:solidFill>
-                          <a:latin typeface="Times New Roman" panose="02020603050405020304" pitchFamily="18" charset="0"/>
-                          <a:ea typeface="+mn-ea"/>
-                          <a:cs typeface="Times New Roman" panose="02020603050405020304" pitchFamily="18" charset="0"/>
-                        </a:rPr>
-                        <a:t>Wenxiong</a:t>
-                      </a:r>
-                      <a:r>
-                        <a:rPr lang="en-IN" sz="1400" b="0" i="0" u="none" strike="noStrike" kern="1200" baseline="0" dirty="0">
-                          <a:solidFill>
-                            <a:schemeClr val="tx1"/>
-                          </a:solidFill>
-                          <a:latin typeface="Times New Roman" panose="02020603050405020304" pitchFamily="18" charset="0"/>
-                          <a:ea typeface="+mn-ea"/>
-                          <a:cs typeface="Times New Roman" panose="02020603050405020304" pitchFamily="18" charset="0"/>
-                        </a:rPr>
-                        <a:t> Kang, </a:t>
-                      </a:r>
-                      <a:r>
-                        <a:rPr lang="en-IN" sz="1400" b="0" i="0" u="none" strike="noStrike" kern="1200" baseline="0" dirty="0" err="1">
-                          <a:solidFill>
-                            <a:schemeClr val="tx1"/>
-                          </a:solidFill>
-                          <a:latin typeface="Times New Roman" panose="02020603050405020304" pitchFamily="18" charset="0"/>
-                          <a:ea typeface="+mn-ea"/>
-                          <a:cs typeface="Times New Roman" panose="02020603050405020304" pitchFamily="18" charset="0"/>
-                        </a:rPr>
-                        <a:t>Senping</a:t>
-                      </a:r>
-                      <a:r>
-                        <a:rPr lang="en-IN" sz="1400" b="0" i="0" u="none" strike="noStrike" kern="1200" baseline="0" dirty="0">
-                          <a:solidFill>
-                            <a:schemeClr val="tx1"/>
-                          </a:solidFill>
-                          <a:latin typeface="Times New Roman" panose="02020603050405020304" pitchFamily="18" charset="0"/>
-                          <a:ea typeface="+mn-ea"/>
-                          <a:cs typeface="Times New Roman" panose="02020603050405020304" pitchFamily="18" charset="0"/>
-                        </a:rPr>
-                        <a:t> Tian, Wei Jia, </a:t>
-                      </a:r>
-                      <a:r>
-                        <a:rPr lang="en-IN" sz="1400" b="0" i="0" u="none" strike="noStrike" kern="1200" baseline="0" dirty="0" err="1">
-                          <a:solidFill>
-                            <a:schemeClr val="tx1"/>
-                          </a:solidFill>
-                          <a:latin typeface="Times New Roman" panose="02020603050405020304" pitchFamily="18" charset="0"/>
-                          <a:ea typeface="+mn-ea"/>
-                          <a:cs typeface="Times New Roman" panose="02020603050405020304" pitchFamily="18" charset="0"/>
-                        </a:rPr>
-                        <a:t>Zhixing</a:t>
-                      </a:r>
-                      <a:r>
-                        <a:rPr lang="en-IN" sz="1400" b="0" i="0" u="none" strike="noStrike" kern="1200" baseline="0" dirty="0">
-                          <a:solidFill>
-                            <a:schemeClr val="tx1"/>
-                          </a:solidFill>
-                          <a:latin typeface="Times New Roman" panose="02020603050405020304" pitchFamily="18" charset="0"/>
-                          <a:ea typeface="+mn-ea"/>
-                          <a:cs typeface="Times New Roman" panose="02020603050405020304" pitchFamily="18" charset="0"/>
-                        </a:rPr>
-                        <a:t> Huang</a:t>
-                      </a:r>
-                    </a:p>
-                    <a:p>
-                      <a:pPr marL="0" marR="0" lvl="0" indent="0" algn="l" defTabSz="914400" rtl="0" eaLnBrk="1" fontAlgn="auto" latinLnBrk="0" hangingPunct="1">
-                        <a:lnSpc>
-                          <a:spcPct val="100000"/>
-                        </a:lnSpc>
-                        <a:spcBef>
-                          <a:spcPts val="0"/>
-                        </a:spcBef>
-                        <a:spcAft>
-                          <a:spcPts val="0"/>
-                        </a:spcAft>
-                        <a:buClrTx/>
-                        <a:buSzTx/>
-                        <a:buFontTx/>
-                        <a:buNone/>
-                        <a:tabLst/>
-                        <a:defRPr/>
-                      </a:pPr>
-                      <a:endParaRPr lang="en-IN" sz="1400" b="0" i="0" u="none" strike="noStrike" kern="1200" baseline="0" dirty="0">
-                        <a:solidFill>
-                          <a:schemeClr val="tx1"/>
-                        </a:solidFill>
-                        <a:latin typeface="Times New Roman" panose="02020603050405020304" pitchFamily="18" charset="0"/>
-                        <a:ea typeface="+mn-ea"/>
-                        <a:cs typeface="Times New Roman" panose="02020603050405020304" pitchFamily="18" charset="0"/>
-                      </a:endParaRPr>
-                    </a:p>
-                    <a:p>
-                      <a:pPr marL="0" marR="0" lvl="0" indent="0" algn="l" defTabSz="914400" rtl="0" eaLnBrk="1" fontAlgn="auto" latinLnBrk="0" hangingPunct="1">
-                        <a:lnSpc>
-                          <a:spcPct val="100000"/>
-                        </a:lnSpc>
-                        <a:spcBef>
-                          <a:spcPts val="0"/>
-                        </a:spcBef>
-                        <a:spcAft>
-                          <a:spcPts val="0"/>
-                        </a:spcAft>
-                        <a:buClrTx/>
-                        <a:buSzTx/>
-                        <a:buFontTx/>
-                        <a:buNone/>
-                        <a:tabLst/>
-                        <a:defRPr/>
-                      </a:pPr>
-                      <a:r>
-                        <a:rPr lang="en-IN" sz="1400" b="0" i="0" u="none" strike="noStrike" kern="1200" baseline="0" dirty="0">
-                          <a:solidFill>
-                            <a:schemeClr val="tx1"/>
-                          </a:solidFill>
-                          <a:latin typeface="Times New Roman" panose="02020603050405020304" pitchFamily="18" charset="0"/>
-                          <a:ea typeface="+mn-ea"/>
-                          <a:cs typeface="Times New Roman" panose="02020603050405020304" pitchFamily="18" charset="0"/>
-                        </a:rPr>
-                        <a:t>Link: </a:t>
-                      </a:r>
-                      <a:r>
-                        <a:rPr lang="en-IN" sz="1400" b="0" i="0" u="none" strike="noStrike" kern="1200" baseline="0" dirty="0">
-                          <a:solidFill>
-                            <a:schemeClr val="accent5">
-                              <a:lumMod val="75000"/>
-                            </a:schemeClr>
-                          </a:solidFill>
-                          <a:latin typeface="Times New Roman" panose="02020603050405020304" pitchFamily="18" charset="0"/>
-                          <a:ea typeface="+mn-ea"/>
-                          <a:cs typeface="Times New Roman" panose="02020603050405020304" pitchFamily="18" charset="0"/>
-                          <a:hlinkClick r:id="rId2"/>
-                        </a:rPr>
-                        <a:t>https://ieeexplore.ieee.org/document/8049353</a:t>
-                      </a:r>
-                      <a:r>
-                        <a:rPr lang="en-IN" sz="1400" b="0" i="0" u="none" strike="noStrike" kern="1200" baseline="0" dirty="0">
-                          <a:solidFill>
-                            <a:schemeClr val="tx1"/>
-                          </a:solidFill>
-                          <a:latin typeface="Times New Roman" panose="02020603050405020304" pitchFamily="18" charset="0"/>
-                          <a:ea typeface="+mn-ea"/>
-                          <a:cs typeface="Times New Roman" panose="02020603050405020304" pitchFamily="18" charset="0"/>
-                        </a:rPr>
-                        <a:t>	</a:t>
-                      </a:r>
-                    </a:p>
-                  </a:txBody>
-                  <a:tcPr/>
-                </a:tc>
-                <a:tc>
-                  <a:txBody>
-                    <a:bodyPr/>
-                    <a:lstStyle/>
-                    <a:p>
-                      <a:r>
-                        <a:rPr lang="en-IN" sz="1400" b="0" i="0" u="none" strike="noStrike" kern="1200" baseline="0" dirty="0">
-                          <a:solidFill>
-                            <a:schemeClr val="tx1"/>
-                          </a:solidFill>
-                          <a:latin typeface="Times New Roman" panose="02020603050405020304" pitchFamily="18" charset="0"/>
-                          <a:ea typeface="+mn-ea"/>
-                          <a:cs typeface="Times New Roman" panose="02020603050405020304" pitchFamily="18" charset="0"/>
-                        </a:rPr>
-                        <a:t>Finger Vein Presentation Attack Detection Using Total Variation Decomposition 	</a:t>
-                      </a:r>
-                    </a:p>
-                  </a:txBody>
-                  <a:tcPr/>
-                </a:tc>
-                <a:tc>
-                  <a:txBody>
-                    <a:bodyPr/>
-                    <a:lstStyle/>
-                    <a:p>
-                      <a:pPr marL="285750" indent="-285750">
-                        <a:buFont typeface="Wingdings" panose="05000000000000000000" pitchFamily="2" charset="2"/>
-                        <a:buChar char="ü"/>
-                      </a:pPr>
-                      <a:r>
-                        <a:rPr lang="en-US" sz="1400" b="0" i="0" u="none" strike="noStrike" kern="1200" baseline="0" dirty="0">
-                          <a:solidFill>
-                            <a:schemeClr val="tx1"/>
-                          </a:solidFill>
-                          <a:latin typeface="Times New Roman" panose="02020603050405020304" pitchFamily="18" charset="0"/>
-                          <a:ea typeface="+mn-ea"/>
-                          <a:cs typeface="Times New Roman" panose="02020603050405020304" pitchFamily="18" charset="0"/>
-                        </a:rPr>
-                        <a:t>Efficient and robust method for detecting presentation attacks </a:t>
-                      </a:r>
-                    </a:p>
-                    <a:p>
-                      <a:pPr marL="285750" indent="-285750">
-                        <a:buFont typeface="Wingdings" panose="05000000000000000000" pitchFamily="2" charset="2"/>
-                        <a:buChar char="ü"/>
-                      </a:pPr>
-                      <a:r>
-                        <a:rPr lang="en-US" sz="1400" b="0" i="0" u="none" strike="noStrike" kern="1200" baseline="0" dirty="0">
-                          <a:solidFill>
-                            <a:schemeClr val="tx1"/>
-                          </a:solidFill>
-                          <a:latin typeface="Times New Roman" panose="02020603050405020304" pitchFamily="18" charset="0"/>
-                          <a:ea typeface="+mn-ea"/>
-                          <a:cs typeface="Times New Roman" panose="02020603050405020304" pitchFamily="18" charset="0"/>
-                        </a:rPr>
-                        <a:t>Detects degrees of blurriness and the noise distribution </a:t>
-                      </a:r>
-                    </a:p>
-                    <a:p>
-                      <a:pPr marL="285750" indent="-285750">
-                        <a:buFont typeface="Wingdings" panose="05000000000000000000" pitchFamily="2" charset="2"/>
-                        <a:buChar char="ü"/>
-                      </a:pPr>
-                      <a:r>
-                        <a:rPr lang="en-US" sz="1400" b="0" i="0" u="none" strike="noStrike" kern="1200" baseline="0" dirty="0">
-                          <a:solidFill>
-                            <a:schemeClr val="tx1"/>
-                          </a:solidFill>
-                          <a:latin typeface="Times New Roman" panose="02020603050405020304" pitchFamily="18" charset="0"/>
-                          <a:ea typeface="+mn-ea"/>
-                          <a:cs typeface="Times New Roman" panose="02020603050405020304" pitchFamily="18" charset="0"/>
-                        </a:rPr>
-                        <a:t>Encode both structure and noise information in the decomposed components </a:t>
-                      </a:r>
-                    </a:p>
-                    <a:p>
-                      <a:r>
-                        <a:rPr lang="en-IN" sz="1400" b="0" i="0" u="none" strike="noStrike" kern="1200" baseline="0" dirty="0">
-                          <a:solidFill>
-                            <a:schemeClr val="tx1"/>
-                          </a:solidFill>
-                          <a:latin typeface="Times New Roman" panose="02020603050405020304" pitchFamily="18" charset="0"/>
-                          <a:ea typeface="+mn-ea"/>
-                          <a:cs typeface="Times New Roman" panose="02020603050405020304" pitchFamily="18" charset="0"/>
-                        </a:rPr>
-                        <a:t>	</a:t>
-                      </a:r>
-                    </a:p>
-                  </a:txBody>
-                  <a:tcPr/>
-                </a:tc>
-                <a:tc>
-                  <a:txBody>
-                    <a:bodyPr/>
-                    <a:lstStyle/>
-                    <a:p>
-                      <a:pPr marL="285750" indent="-285750">
-                        <a:buFont typeface="Wingdings" panose="05000000000000000000" pitchFamily="2" charset="2"/>
-                        <a:buChar char="ü"/>
-                      </a:pPr>
-                      <a:r>
-                        <a:rPr lang="en-US" sz="1400" b="0" i="0" u="none" strike="noStrike" kern="1200" baseline="0" dirty="0">
-                          <a:solidFill>
-                            <a:schemeClr val="tx1"/>
-                          </a:solidFill>
-                          <a:latin typeface="Times New Roman" panose="02020603050405020304" pitchFamily="18" charset="0"/>
-                          <a:ea typeface="+mn-ea"/>
-                          <a:cs typeface="Times New Roman" panose="02020603050405020304" pitchFamily="18" charset="0"/>
-                        </a:rPr>
-                        <a:t>Does not support pattern based finger vein recognition </a:t>
-                      </a:r>
-                    </a:p>
-                    <a:p>
-                      <a:pPr marL="285750" indent="-285750">
-                        <a:buFont typeface="Wingdings" panose="05000000000000000000" pitchFamily="2" charset="2"/>
-                        <a:buChar char="ü"/>
-                      </a:pPr>
-                      <a:r>
-                        <a:rPr lang="en-US" sz="1400" b="0" i="0" u="none" strike="noStrike" kern="1200" baseline="0" dirty="0">
-                          <a:solidFill>
-                            <a:schemeClr val="tx1"/>
-                          </a:solidFill>
-                          <a:latin typeface="Times New Roman" panose="02020603050405020304" pitchFamily="18" charset="0"/>
-                          <a:ea typeface="+mn-ea"/>
-                          <a:cs typeface="Times New Roman" panose="02020603050405020304" pitchFamily="18" charset="0"/>
-                        </a:rPr>
-                        <a:t>Computational cost in training the model is high </a:t>
-                      </a:r>
-                    </a:p>
-                    <a:p>
-                      <a:pPr marL="285750" indent="-285750">
-                        <a:buFont typeface="Wingdings" panose="05000000000000000000" pitchFamily="2" charset="2"/>
-                        <a:buChar char="ü"/>
-                      </a:pPr>
-                      <a:r>
-                        <a:rPr lang="en-US" sz="1400" b="0" i="0" u="none" strike="noStrike" kern="1200" baseline="0" dirty="0">
-                          <a:solidFill>
-                            <a:schemeClr val="tx1"/>
-                          </a:solidFill>
-                          <a:latin typeface="Times New Roman" panose="02020603050405020304" pitchFamily="18" charset="0"/>
-                          <a:ea typeface="+mn-ea"/>
-                          <a:cs typeface="Times New Roman" panose="02020603050405020304" pitchFamily="18" charset="0"/>
-                        </a:rPr>
-                        <a:t>Does not bifurcation point of vein pattern vary largely between the imposter images </a:t>
-                      </a:r>
-                    </a:p>
-                    <a:p>
-                      <a:r>
-                        <a:rPr lang="en-IN" sz="1400" b="0" i="0" u="none" strike="noStrike" kern="1200" baseline="0" dirty="0">
-                          <a:solidFill>
-                            <a:schemeClr val="tx1"/>
-                          </a:solidFill>
-                          <a:latin typeface="Times New Roman" panose="02020603050405020304" pitchFamily="18" charset="0"/>
-                          <a:ea typeface="+mn-ea"/>
-                          <a:cs typeface="Times New Roman" panose="02020603050405020304" pitchFamily="18" charset="0"/>
-                        </a:rPr>
-                        <a:t>	</a:t>
-                      </a:r>
-                    </a:p>
-                  </a:txBody>
-                  <a:tcPr/>
-                </a:tc>
-                <a:extLst>
-                  <a:ext uri="{0D108BD9-81ED-4DB2-BD59-A6C34878D82A}">
-                    <a16:rowId xmlns:a16="http://schemas.microsoft.com/office/drawing/2014/main" val="1504356262"/>
-                  </a:ext>
-                </a:extLst>
-              </a:tr>
               <a:tr h="2105147">
                 <a:tc>
                   <a:txBody>
@@ -10327,7 +9028,7 @@
                           <a:latin typeface="Times New Roman" panose="02020603050405020304" pitchFamily="18" charset="0"/>
                           <a:ea typeface="+mn-ea"/>
                           <a:cs typeface="Times New Roman" panose="02020603050405020304" pitchFamily="18" charset="0"/>
-                          <a:hlinkClick r:id="rId3"/>
+                          <a:hlinkClick r:id="rId2"/>
                         </a:rPr>
                         <a:t>https://ieeexplore.ieee.org/abstract/document/8679987</a:t>
                       </a:r>
@@ -10534,6 +9235,341 @@
                   </a:ext>
                 </a:extLst>
               </a:tr>
+              <a:tr h="2105147">
+                <a:tc>
+                  <a:txBody>
+                    <a:bodyPr/>
+                    <a:lstStyle/>
+                    <a:p>
+                      <a:r>
+                        <a:rPr lang="en-US" sz="1400" dirty="0">
+                          <a:latin typeface="Times New Roman" panose="02020603050405020304" pitchFamily="18" charset="0"/>
+                          <a:cs typeface="Times New Roman" panose="02020603050405020304" pitchFamily="18" charset="0"/>
+                        </a:rPr>
+                        <a:t>2018</a:t>
+                      </a:r>
+                      <a:endParaRPr lang="en-IN" sz="1400" dirty="0">
+                        <a:latin typeface="Times New Roman" panose="02020603050405020304" pitchFamily="18" charset="0"/>
+                        <a:cs typeface="Times New Roman" panose="02020603050405020304" pitchFamily="18" charset="0"/>
+                      </a:endParaRPr>
+                    </a:p>
+                  </a:txBody>
+                  <a:tcPr/>
+                </a:tc>
+                <a:tc>
+                  <a:txBody>
+                    <a:bodyPr/>
+                    <a:lstStyle/>
+                    <a:p>
+                      <a:pPr marL="0" marR="0" lvl="0" indent="0" algn="l" defTabSz="914400" rtl="0" eaLnBrk="1" fontAlgn="auto" latinLnBrk="0" hangingPunct="1">
+                        <a:lnSpc>
+                          <a:spcPct val="100000"/>
+                        </a:lnSpc>
+                        <a:spcBef>
+                          <a:spcPts val="0"/>
+                        </a:spcBef>
+                        <a:spcAft>
+                          <a:spcPts val="0"/>
+                        </a:spcAft>
+                        <a:buClrTx/>
+                        <a:buSzTx/>
+                        <a:buFontTx/>
+                        <a:buNone/>
+                        <a:tabLst/>
+                        <a:defRPr/>
+                      </a:pPr>
+                      <a:r>
+                        <a:rPr lang="en-IN" sz="1400" b="0" i="0" u="none" strike="noStrike" kern="1200" baseline="0" dirty="0">
+                          <a:solidFill>
+                            <a:schemeClr val="tx1"/>
+                          </a:solidFill>
+                          <a:latin typeface="Times New Roman" panose="02020603050405020304" pitchFamily="18" charset="0"/>
+                          <a:ea typeface="+mn-ea"/>
+                          <a:cs typeface="Times New Roman" panose="02020603050405020304" pitchFamily="18" charset="0"/>
+                        </a:rPr>
+                        <a:t>Raghavendra Ramachandra, Kiran Raja, Sushma Venkatesh and Christoph Busch </a:t>
+                      </a:r>
+                    </a:p>
+                    <a:p>
+                      <a:pPr marL="0" marR="0" lvl="0" indent="0" algn="l" defTabSz="914400" rtl="0" eaLnBrk="1" fontAlgn="auto" latinLnBrk="0" hangingPunct="1">
+                        <a:lnSpc>
+                          <a:spcPct val="100000"/>
+                        </a:lnSpc>
+                        <a:spcBef>
+                          <a:spcPts val="0"/>
+                        </a:spcBef>
+                        <a:spcAft>
+                          <a:spcPts val="0"/>
+                        </a:spcAft>
+                        <a:buClrTx/>
+                        <a:buSzTx/>
+                        <a:buFontTx/>
+                        <a:buNone/>
+                        <a:tabLst/>
+                        <a:defRPr/>
+                      </a:pPr>
+                      <a:endParaRPr lang="en-IN" sz="1400" b="0" i="0" u="none" strike="noStrike" kern="1200" baseline="0" dirty="0">
+                        <a:solidFill>
+                          <a:schemeClr val="tx1"/>
+                        </a:solidFill>
+                        <a:latin typeface="Times New Roman" panose="02020603050405020304" pitchFamily="18" charset="0"/>
+                        <a:ea typeface="+mn-ea"/>
+                        <a:cs typeface="Times New Roman" panose="02020603050405020304" pitchFamily="18" charset="0"/>
+                      </a:endParaRPr>
+                    </a:p>
+                    <a:p>
+                      <a:pPr marL="0" marR="0" lvl="0" indent="0" algn="l" defTabSz="914400" rtl="0" eaLnBrk="1" fontAlgn="auto" latinLnBrk="0" hangingPunct="1">
+                        <a:lnSpc>
+                          <a:spcPct val="100000"/>
+                        </a:lnSpc>
+                        <a:spcBef>
+                          <a:spcPts val="0"/>
+                        </a:spcBef>
+                        <a:spcAft>
+                          <a:spcPts val="0"/>
+                        </a:spcAft>
+                        <a:buClrTx/>
+                        <a:buSzTx/>
+                        <a:buFontTx/>
+                        <a:buNone/>
+                        <a:tabLst/>
+                        <a:defRPr/>
+                      </a:pPr>
+                      <a:r>
+                        <a:rPr lang="en-IN" sz="1400" b="0" i="0" u="none" strike="noStrike" kern="1200" baseline="0" dirty="0">
+                          <a:solidFill>
+                            <a:schemeClr val="tx1"/>
+                          </a:solidFill>
+                          <a:latin typeface="Times New Roman" panose="02020603050405020304" pitchFamily="18" charset="0"/>
+                          <a:ea typeface="+mn-ea"/>
+                          <a:cs typeface="Times New Roman" panose="02020603050405020304" pitchFamily="18" charset="0"/>
+                        </a:rPr>
+                        <a:t>Link:</a:t>
+                      </a:r>
+                    </a:p>
+                    <a:p>
+                      <a:pPr marL="0" marR="0" lvl="0" indent="0" algn="l" defTabSz="914400" rtl="0" eaLnBrk="1" fontAlgn="auto" latinLnBrk="0" hangingPunct="1">
+                        <a:lnSpc>
+                          <a:spcPct val="100000"/>
+                        </a:lnSpc>
+                        <a:spcBef>
+                          <a:spcPts val="0"/>
+                        </a:spcBef>
+                        <a:spcAft>
+                          <a:spcPts val="0"/>
+                        </a:spcAft>
+                        <a:buClrTx/>
+                        <a:buSzTx/>
+                        <a:buFontTx/>
+                        <a:buNone/>
+                        <a:tabLst/>
+                        <a:defRPr/>
+                      </a:pPr>
+                      <a:r>
+                        <a:rPr lang="en-IN" sz="1400" b="0" i="0" u="none" strike="noStrike" kern="1200" baseline="0" dirty="0">
+                          <a:solidFill>
+                            <a:schemeClr val="accent5">
+                              <a:lumMod val="75000"/>
+                            </a:schemeClr>
+                          </a:solidFill>
+                          <a:latin typeface="Times New Roman" panose="02020603050405020304" pitchFamily="18" charset="0"/>
+                          <a:ea typeface="+mn-ea"/>
+                          <a:cs typeface="Times New Roman" panose="02020603050405020304" pitchFamily="18" charset="0"/>
+                          <a:hlinkClick r:id="rId3"/>
+                        </a:rPr>
+                        <a:t>https://ieeexplore.ieee.org/document/8672597</a:t>
+                      </a:r>
+                      <a:r>
+                        <a:rPr lang="en-IN" sz="1400" b="0" i="0" u="none" strike="noStrike" kern="1200" baseline="0" dirty="0">
+                          <a:solidFill>
+                            <a:schemeClr val="tx1"/>
+                          </a:solidFill>
+                          <a:latin typeface="Times New Roman" panose="02020603050405020304" pitchFamily="18" charset="0"/>
+                          <a:ea typeface="+mn-ea"/>
+                          <a:cs typeface="Times New Roman" panose="02020603050405020304" pitchFamily="18" charset="0"/>
+                        </a:rPr>
+                        <a:t>	</a:t>
+                      </a:r>
+                    </a:p>
+                  </a:txBody>
+                  <a:tcPr/>
+                </a:tc>
+                <a:tc>
+                  <a:txBody>
+                    <a:bodyPr/>
+                    <a:lstStyle/>
+                    <a:p>
+                      <a:pPr marL="0" marR="0" lvl="0" indent="0" algn="l" defTabSz="914400" rtl="0" eaLnBrk="1" fontAlgn="auto" latinLnBrk="0" hangingPunct="1">
+                        <a:lnSpc>
+                          <a:spcPct val="100000"/>
+                        </a:lnSpc>
+                        <a:spcBef>
+                          <a:spcPts val="0"/>
+                        </a:spcBef>
+                        <a:spcAft>
+                          <a:spcPts val="0"/>
+                        </a:spcAft>
+                        <a:buClrTx/>
+                        <a:buSzTx/>
+                        <a:buFontTx/>
+                        <a:buNone/>
+                        <a:tabLst/>
+                        <a:defRPr/>
+                      </a:pPr>
+                      <a:r>
+                        <a:rPr lang="en-US" sz="1400" b="0" i="0" u="none" strike="noStrike" kern="1200" baseline="0" dirty="0">
+                          <a:solidFill>
+                            <a:schemeClr val="tx1"/>
+                          </a:solidFill>
+                          <a:latin typeface="Times New Roman" panose="02020603050405020304" pitchFamily="18" charset="0"/>
+                          <a:ea typeface="+mn-ea"/>
+                          <a:cs typeface="Times New Roman" panose="02020603050405020304" pitchFamily="18" charset="0"/>
+                        </a:rPr>
+                        <a:t>Design and Development of low-cost Sensor to capture ventral and dorsal Finger-vein for Biometric Authentication 	</a:t>
+                      </a:r>
+                    </a:p>
+                    <a:p>
+                      <a:r>
+                        <a:rPr lang="en-US" sz="1400" b="0" i="0" u="none" strike="noStrike" kern="1200" baseline="0" dirty="0">
+                          <a:solidFill>
+                            <a:schemeClr val="tx1"/>
+                          </a:solidFill>
+                          <a:latin typeface="Times New Roman" panose="02020603050405020304" pitchFamily="18" charset="0"/>
+                          <a:ea typeface="+mn-ea"/>
+                          <a:cs typeface="Times New Roman" panose="02020603050405020304" pitchFamily="18" charset="0"/>
+                        </a:rPr>
+                        <a:t>	</a:t>
+                      </a:r>
+                    </a:p>
+                  </a:txBody>
+                  <a:tcPr/>
+                </a:tc>
+                <a:tc>
+                  <a:txBody>
+                    <a:bodyPr/>
+                    <a:lstStyle/>
+                    <a:p>
+                      <a:pPr marL="285750" indent="-285750">
+                        <a:buFont typeface="Wingdings" panose="05000000000000000000" pitchFamily="2" charset="2"/>
+                        <a:buChar char="ü"/>
+                      </a:pPr>
+                      <a:r>
+                        <a:rPr lang="en-US" sz="1400" b="0" i="0" u="none" strike="noStrike" kern="1200" baseline="0" dirty="0">
+                          <a:solidFill>
+                            <a:schemeClr val="tx1"/>
+                          </a:solidFill>
+                          <a:latin typeface="Times New Roman" panose="02020603050405020304" pitchFamily="18" charset="0"/>
+                          <a:ea typeface="+mn-ea"/>
+                          <a:cs typeface="Times New Roman" panose="02020603050405020304" pitchFamily="18" charset="0"/>
+                        </a:rPr>
+                        <a:t>More accurate the detection results </a:t>
+                      </a:r>
+                    </a:p>
+                    <a:p>
+                      <a:pPr marL="285750" indent="-285750">
+                        <a:buFont typeface="Wingdings" panose="05000000000000000000" pitchFamily="2" charset="2"/>
+                        <a:buChar char="ü"/>
+                      </a:pPr>
+                      <a:r>
+                        <a:rPr lang="en-US" sz="1400" b="0" i="0" u="none" strike="noStrike" kern="1200" baseline="0" dirty="0">
+                          <a:solidFill>
+                            <a:schemeClr val="tx1"/>
+                          </a:solidFill>
+                          <a:latin typeface="Times New Roman" panose="02020603050405020304" pitchFamily="18" charset="0"/>
+                          <a:ea typeface="+mn-ea"/>
+                          <a:cs typeface="Times New Roman" panose="02020603050405020304" pitchFamily="18" charset="0"/>
+                        </a:rPr>
+                        <a:t>Performance of the classifier improved significantly </a:t>
+                      </a:r>
+                    </a:p>
+                    <a:p>
+                      <a:pPr marL="285750" indent="-285750">
+                        <a:buFont typeface="Wingdings" panose="05000000000000000000" pitchFamily="2" charset="2"/>
+                        <a:buChar char="ü"/>
+                      </a:pPr>
+                      <a:r>
+                        <a:rPr lang="en-US" sz="1400" b="0" i="0" u="none" strike="noStrike" kern="1200" baseline="0" dirty="0">
+                          <a:solidFill>
+                            <a:schemeClr val="tx1"/>
+                          </a:solidFill>
+                          <a:latin typeface="Times New Roman" panose="02020603050405020304" pitchFamily="18" charset="0"/>
+                          <a:ea typeface="+mn-ea"/>
+                          <a:cs typeface="Times New Roman" panose="02020603050405020304" pitchFamily="18" charset="0"/>
+                        </a:rPr>
+                        <a:t>Identify and detect with the help of patterns created </a:t>
+                      </a:r>
+                    </a:p>
+                    <a:p>
+                      <a:r>
+                        <a:rPr lang="en-IN" sz="1400" b="0" i="0" u="none" strike="noStrike" kern="1200" baseline="0" dirty="0">
+                          <a:solidFill>
+                            <a:schemeClr val="tx1"/>
+                          </a:solidFill>
+                          <a:latin typeface="Times New Roman" panose="02020603050405020304" pitchFamily="18" charset="0"/>
+                          <a:ea typeface="+mn-ea"/>
+                          <a:cs typeface="Times New Roman" panose="02020603050405020304" pitchFamily="18" charset="0"/>
+                        </a:rPr>
+                        <a:t>	</a:t>
+                      </a:r>
+                    </a:p>
+                  </a:txBody>
+                  <a:tcPr/>
+                </a:tc>
+                <a:tc>
+                  <a:txBody>
+                    <a:bodyPr/>
+                    <a:lstStyle/>
+                    <a:p>
+                      <a:pPr marL="285750" indent="-285750">
+                        <a:buFont typeface="Wingdings" panose="05000000000000000000" pitchFamily="2" charset="2"/>
+                        <a:buChar char="ü"/>
+                      </a:pPr>
+                      <a:r>
+                        <a:rPr lang="en-US" sz="1400" b="0" i="0" u="none" strike="noStrike" kern="1200" baseline="0" dirty="0">
+                          <a:solidFill>
+                            <a:schemeClr val="tx1"/>
+                          </a:solidFill>
+                          <a:latin typeface="Times New Roman" panose="02020603050405020304" pitchFamily="18" charset="0"/>
+                          <a:ea typeface="+mn-ea"/>
+                          <a:cs typeface="Times New Roman" panose="02020603050405020304" pitchFamily="18" charset="0"/>
+                        </a:rPr>
+                        <a:t>Unable to resolve the problem when probability is half by half </a:t>
+                      </a:r>
+                    </a:p>
+                    <a:p>
+                      <a:pPr marL="285750" indent="-285750">
+                        <a:buFont typeface="Wingdings" panose="05000000000000000000" pitchFamily="2" charset="2"/>
+                        <a:buChar char="ü"/>
+                      </a:pPr>
+                      <a:r>
+                        <a:rPr lang="en-US" sz="1400" b="0" i="0" u="none" strike="noStrike" kern="1200" baseline="0" dirty="0">
+                          <a:solidFill>
+                            <a:schemeClr val="tx1"/>
+                          </a:solidFill>
+                          <a:latin typeface="Times New Roman" panose="02020603050405020304" pitchFamily="18" charset="0"/>
+                          <a:ea typeface="+mn-ea"/>
+                          <a:cs typeface="Times New Roman" panose="02020603050405020304" pitchFamily="18" charset="0"/>
+                        </a:rPr>
+                        <a:t>No better performance as a baseline.</a:t>
+                      </a:r>
+                      <a:endParaRPr lang="en-IN" sz="1400" b="0" i="0" u="none" strike="noStrike" kern="1200" baseline="0" dirty="0">
+                        <a:solidFill>
+                          <a:schemeClr val="tx1"/>
+                        </a:solidFill>
+                        <a:latin typeface="Times New Roman" panose="02020603050405020304" pitchFamily="18" charset="0"/>
+                        <a:ea typeface="+mn-ea"/>
+                        <a:cs typeface="Times New Roman" panose="02020603050405020304" pitchFamily="18" charset="0"/>
+                      </a:endParaRPr>
+                    </a:p>
+                  </a:txBody>
+                  <a:tcPr/>
+                </a:tc>
+                <a:extLst>
+                  <a:ext uri="{0D108BD9-81ED-4DB2-BD59-A6C34878D82A}">
+                    <a16:rowId xmlns:a16="http://schemas.microsoft.com/office/drawing/2014/main" val="4230332919"/>
+                  </a:ext>
+                </a:extLst>
+              </a:tr>
             </a:tbl>
           </a:graphicData>
         </a:graphic>
@@ -10551,7 +9587,7 @@
 </p:sld>
 </file>
 
-<file path=ppt/slides/slide5.xml><?xml version="1.0" encoding="utf-8"?>
+<file path=ppt/slides/slide4.xml><?xml version="1.0" encoding="utf-8"?>
 <p:sld xmlns:a="http://schemas.openxmlformats.org/drawingml/2006/main" xmlns:r="http://schemas.openxmlformats.org/officeDocument/2006/relationships" xmlns:p="http://schemas.openxmlformats.org/presentationml/2006/main">
   <p:cSld>
     <p:spTree>
@@ -10619,14 +9655,14 @@
             <p:ph idx="1"/>
             <p:extLst>
               <p:ext uri="{D42A27DB-BD31-4B8C-83A1-F6EECF244321}">
-                <p14:modId xmlns:p14="http://schemas.microsoft.com/office/powerpoint/2010/main" val="3285283672"/>
+                <p14:modId xmlns:p14="http://schemas.microsoft.com/office/powerpoint/2010/main" val="2859775654"/>
               </p:ext>
             </p:extLst>
           </p:nvPr>
         </p:nvGraphicFramePr>
         <p:xfrm>
           <a:off x="1535113" y="941099"/>
-          <a:ext cx="9853401" cy="5715253"/>
+          <a:ext cx="9853401" cy="5145295"/>
         </p:xfrm>
         <a:graphic>
           <a:graphicData uri="http://schemas.openxmlformats.org/drawingml/2006/table">
@@ -11095,7 +10131,7 @@
                   </a:ext>
                 </a:extLst>
               </a:tr>
-              <a:tr h="1926077">
+              <a:tr h="2295162">
                 <a:tc>
                   <a:txBody>
                     <a:bodyPr/>
@@ -11106,7 +10142,580 @@
                           <a:latin typeface="Times New Roman" panose="02020603050405020304" pitchFamily="18" charset="0"/>
                           <a:cs typeface="Times New Roman" panose="02020603050405020304" pitchFamily="18" charset="0"/>
                         </a:rPr>
-                        <a:t>2018</a:t>
+                        <a:t>2017</a:t>
+                      </a:r>
+                      <a:endParaRPr lang="en-IN" sz="1400" dirty="0">
+                        <a:latin typeface="Times New Roman" panose="02020603050405020304" pitchFamily="18" charset="0"/>
+                        <a:cs typeface="Times New Roman" panose="02020603050405020304" pitchFamily="18" charset="0"/>
+                      </a:endParaRPr>
+                    </a:p>
+                  </a:txBody>
+                  <a:tcPr/>
+                </a:tc>
+                <a:tc>
+                  <a:txBody>
+                    <a:bodyPr/>
+                    <a:lstStyle/>
+                    <a:p>
+                      <a:r>
+                        <a:rPr lang="en-IN" sz="1400" b="0" i="0" u="none" strike="noStrike" kern="1200" baseline="0" dirty="0">
+                          <a:solidFill>
+                            <a:schemeClr val="tx1"/>
+                          </a:solidFill>
+                          <a:latin typeface="Times New Roman" panose="02020603050405020304" pitchFamily="18" charset="0"/>
+                          <a:ea typeface="+mn-ea"/>
+                          <a:cs typeface="Times New Roman" panose="02020603050405020304" pitchFamily="18" charset="0"/>
+                        </a:rPr>
+                        <a:t>Lu Yang, </a:t>
+                      </a:r>
+                      <a:r>
+                        <a:rPr lang="en-IN" sz="1400" b="0" i="0" u="none" strike="noStrike" kern="1200" baseline="0" dirty="0" err="1">
+                          <a:solidFill>
+                            <a:schemeClr val="tx1"/>
+                          </a:solidFill>
+                          <a:latin typeface="Times New Roman" panose="02020603050405020304" pitchFamily="18" charset="0"/>
+                          <a:ea typeface="+mn-ea"/>
+                          <a:cs typeface="Times New Roman" panose="02020603050405020304" pitchFamily="18" charset="0"/>
+                        </a:rPr>
+                        <a:t>Gongping</a:t>
+                      </a:r>
+                      <a:r>
+                        <a:rPr lang="en-IN" sz="1400" b="0" i="0" u="none" strike="noStrike" kern="1200" baseline="0" dirty="0">
+                          <a:solidFill>
+                            <a:schemeClr val="tx1"/>
+                          </a:solidFill>
+                          <a:latin typeface="Times New Roman" panose="02020603050405020304" pitchFamily="18" charset="0"/>
+                          <a:ea typeface="+mn-ea"/>
+                          <a:cs typeface="Times New Roman" panose="02020603050405020304" pitchFamily="18" charset="0"/>
+                        </a:rPr>
+                        <a:t> Yang, </a:t>
+                      </a:r>
+                      <a:r>
+                        <a:rPr lang="en-IN" sz="1400" b="0" i="0" u="none" strike="noStrike" kern="1200" baseline="0" dirty="0" err="1">
+                          <a:solidFill>
+                            <a:schemeClr val="tx1"/>
+                          </a:solidFill>
+                          <a:latin typeface="Times New Roman" panose="02020603050405020304" pitchFamily="18" charset="0"/>
+                          <a:ea typeface="+mn-ea"/>
+                          <a:cs typeface="Times New Roman" panose="02020603050405020304" pitchFamily="18" charset="0"/>
+                        </a:rPr>
+                        <a:t>Xiaoming</a:t>
+                      </a:r>
+                      <a:r>
+                        <a:rPr lang="en-IN" sz="1400" b="0" i="0" u="none" strike="noStrike" kern="1200" baseline="0" dirty="0">
+                          <a:solidFill>
+                            <a:schemeClr val="tx1"/>
+                          </a:solidFill>
+                          <a:latin typeface="Times New Roman" panose="02020603050405020304" pitchFamily="18" charset="0"/>
+                          <a:ea typeface="+mn-ea"/>
+                          <a:cs typeface="Times New Roman" panose="02020603050405020304" pitchFamily="18" charset="0"/>
+                        </a:rPr>
+                        <a:t> Xi, </a:t>
+                      </a:r>
+                      <a:r>
+                        <a:rPr lang="en-IN" sz="1400" b="0" i="0" u="none" strike="noStrike" kern="1200" baseline="0" dirty="0" err="1">
+                          <a:solidFill>
+                            <a:schemeClr val="tx1"/>
+                          </a:solidFill>
+                          <a:latin typeface="Times New Roman" panose="02020603050405020304" pitchFamily="18" charset="0"/>
+                          <a:ea typeface="+mn-ea"/>
+                          <a:cs typeface="Times New Roman" panose="02020603050405020304" pitchFamily="18" charset="0"/>
+                        </a:rPr>
+                        <a:t>Xianjing</a:t>
+                      </a:r>
+                      <a:r>
+                        <a:rPr lang="en-IN" sz="1400" b="0" i="0" u="none" strike="noStrike" kern="1200" baseline="0" dirty="0">
+                          <a:solidFill>
+                            <a:schemeClr val="tx1"/>
+                          </a:solidFill>
+                          <a:latin typeface="Times New Roman" panose="02020603050405020304" pitchFamily="18" charset="0"/>
+                          <a:ea typeface="+mn-ea"/>
+                          <a:cs typeface="Times New Roman" panose="02020603050405020304" pitchFamily="18" charset="0"/>
+                        </a:rPr>
+                        <a:t> Meng, </a:t>
+                      </a:r>
+                      <a:r>
+                        <a:rPr lang="en-IN" sz="1400" b="0" i="0" u="none" strike="noStrike" kern="1200" baseline="0" dirty="0" err="1">
+                          <a:solidFill>
+                            <a:schemeClr val="tx1"/>
+                          </a:solidFill>
+                          <a:latin typeface="Times New Roman" panose="02020603050405020304" pitchFamily="18" charset="0"/>
+                          <a:ea typeface="+mn-ea"/>
+                          <a:cs typeface="Times New Roman" panose="02020603050405020304" pitchFamily="18" charset="0"/>
+                        </a:rPr>
+                        <a:t>Chunyun</a:t>
+                      </a:r>
+                      <a:r>
+                        <a:rPr lang="en-IN" sz="1400" b="0" i="0" u="none" strike="noStrike" kern="1200" baseline="0" dirty="0">
+                          <a:solidFill>
+                            <a:schemeClr val="tx1"/>
+                          </a:solidFill>
+                          <a:latin typeface="Times New Roman" panose="02020603050405020304" pitchFamily="18" charset="0"/>
+                          <a:ea typeface="+mn-ea"/>
+                          <a:cs typeface="Times New Roman" panose="02020603050405020304" pitchFamily="18" charset="0"/>
+                        </a:rPr>
+                        <a:t> Zhang and </a:t>
+                      </a:r>
+                      <a:r>
+                        <a:rPr lang="en-IN" sz="1400" b="0" i="0" u="none" strike="noStrike" kern="1200" baseline="0" dirty="0" err="1">
+                          <a:solidFill>
+                            <a:schemeClr val="tx1"/>
+                          </a:solidFill>
+                          <a:latin typeface="Times New Roman" panose="02020603050405020304" pitchFamily="18" charset="0"/>
+                          <a:ea typeface="+mn-ea"/>
+                          <a:cs typeface="Times New Roman" panose="02020603050405020304" pitchFamily="18" charset="0"/>
+                        </a:rPr>
+                        <a:t>Yilong</a:t>
+                      </a:r>
+                      <a:r>
+                        <a:rPr lang="en-IN" sz="1400" b="0" i="0" u="none" strike="noStrike" kern="1200" baseline="0" dirty="0">
+                          <a:solidFill>
+                            <a:schemeClr val="tx1"/>
+                          </a:solidFill>
+                          <a:latin typeface="Times New Roman" panose="02020603050405020304" pitchFamily="18" charset="0"/>
+                          <a:ea typeface="+mn-ea"/>
+                          <a:cs typeface="Times New Roman" panose="02020603050405020304" pitchFamily="18" charset="0"/>
+                        </a:rPr>
+                        <a:t> Yin 	</a:t>
+                      </a:r>
+                    </a:p>
+                    <a:p>
+                      <a:endParaRPr lang="en-IN" sz="1400" b="0" i="0" u="none" strike="noStrike" kern="1200" baseline="0" dirty="0">
+                        <a:solidFill>
+                          <a:schemeClr val="tx1"/>
+                        </a:solidFill>
+                        <a:latin typeface="Times New Roman" panose="02020603050405020304" pitchFamily="18" charset="0"/>
+                        <a:ea typeface="+mn-ea"/>
+                        <a:cs typeface="Times New Roman" panose="02020603050405020304" pitchFamily="18" charset="0"/>
+                      </a:endParaRPr>
+                    </a:p>
+                    <a:p>
+                      <a:r>
+                        <a:rPr lang="en-IN" sz="1400" b="0" i="0" u="none" strike="noStrike" kern="1200" baseline="0" dirty="0">
+                          <a:solidFill>
+                            <a:schemeClr val="tx1"/>
+                          </a:solidFill>
+                          <a:latin typeface="Times New Roman" panose="02020603050405020304" pitchFamily="18" charset="0"/>
+                          <a:ea typeface="+mn-ea"/>
+                          <a:cs typeface="Times New Roman" panose="02020603050405020304" pitchFamily="18" charset="0"/>
+                        </a:rPr>
+                        <a:t>Link:</a:t>
+                      </a:r>
+                    </a:p>
+                    <a:p>
+                      <a:r>
+                        <a:rPr lang="en-IN" sz="1400" b="0" i="0" u="none" strike="noStrike" kern="1200" baseline="0" dirty="0">
+                          <a:solidFill>
+                            <a:schemeClr val="accent5">
+                              <a:lumMod val="75000"/>
+                            </a:schemeClr>
+                          </a:solidFill>
+                          <a:latin typeface="Times New Roman" panose="02020603050405020304" pitchFamily="18" charset="0"/>
+                          <a:ea typeface="+mn-ea"/>
+                          <a:cs typeface="Times New Roman" panose="02020603050405020304" pitchFamily="18" charset="0"/>
+                          <a:hlinkClick r:id="rId3"/>
+                        </a:rPr>
+                        <a:t>https://ieeexplore.ieee.org/document/7993012</a:t>
+                      </a:r>
+                      <a:endParaRPr lang="en-IN" sz="1400" b="0" i="0" u="none" strike="noStrike" kern="1200" baseline="0" dirty="0">
+                        <a:solidFill>
+                          <a:schemeClr val="accent5">
+                            <a:lumMod val="75000"/>
+                          </a:schemeClr>
+                        </a:solidFill>
+                        <a:latin typeface="Times New Roman" panose="02020603050405020304" pitchFamily="18" charset="0"/>
+                        <a:ea typeface="+mn-ea"/>
+                        <a:cs typeface="Times New Roman" panose="02020603050405020304" pitchFamily="18" charset="0"/>
+                      </a:endParaRPr>
+                    </a:p>
+                  </a:txBody>
+                  <a:tcPr/>
+                </a:tc>
+                <a:tc>
+                  <a:txBody>
+                    <a:bodyPr/>
+                    <a:lstStyle/>
+                    <a:p>
+                      <a:r>
+                        <a:rPr lang="en-IN" sz="1400" b="0" i="0" u="none" strike="noStrike" kern="1200" baseline="0" dirty="0">
+                          <a:solidFill>
+                            <a:schemeClr val="tx1"/>
+                          </a:solidFill>
+                          <a:latin typeface="Times New Roman" panose="02020603050405020304" pitchFamily="18" charset="0"/>
+                          <a:ea typeface="+mn-ea"/>
+                          <a:cs typeface="Times New Roman" panose="02020603050405020304" pitchFamily="18" charset="0"/>
+                        </a:rPr>
+                        <a:t>Tri-branch Vein Structure Assisted Finger Vein Recognition 	</a:t>
+                      </a:r>
+                    </a:p>
+                  </a:txBody>
+                  <a:tcPr/>
+                </a:tc>
+                <a:tc>
+                  <a:txBody>
+                    <a:bodyPr/>
+                    <a:lstStyle/>
+                    <a:p>
+                      <a:pPr marL="285750" indent="-285750">
+                        <a:buFont typeface="Wingdings" panose="05000000000000000000" pitchFamily="2" charset="2"/>
+                        <a:buChar char="ü"/>
+                      </a:pPr>
+                      <a:r>
+                        <a:rPr lang="en-US" sz="1400" b="0" i="0" u="none" strike="noStrike" kern="1200" baseline="0" dirty="0">
+                          <a:solidFill>
+                            <a:schemeClr val="tx1"/>
+                          </a:solidFill>
+                          <a:latin typeface="Times New Roman" panose="02020603050405020304" pitchFamily="18" charset="0"/>
+                          <a:ea typeface="+mn-ea"/>
+                          <a:cs typeface="Times New Roman" panose="02020603050405020304" pitchFamily="18" charset="0"/>
+                        </a:rPr>
+                        <a:t>Improve the recognition performance of the template matching </a:t>
+                      </a:r>
+                    </a:p>
+                    <a:p>
+                      <a:pPr marL="285750" indent="-285750">
+                        <a:buFont typeface="Wingdings" panose="05000000000000000000" pitchFamily="2" charset="2"/>
+                        <a:buChar char="ü"/>
+                      </a:pPr>
+                      <a:r>
+                        <a:rPr lang="en-US" sz="1400" b="0" i="0" u="none" strike="noStrike" kern="1200" baseline="0" dirty="0">
+                          <a:solidFill>
+                            <a:schemeClr val="tx1"/>
+                          </a:solidFill>
+                          <a:latin typeface="Times New Roman" panose="02020603050405020304" pitchFamily="18" charset="0"/>
+                          <a:ea typeface="+mn-ea"/>
+                          <a:cs typeface="Times New Roman" panose="02020603050405020304" pitchFamily="18" charset="0"/>
+                        </a:rPr>
+                        <a:t>Supports fused with the whole vein pattern by a user-specific threshold based filter framework </a:t>
+                      </a:r>
+                    </a:p>
+                    <a:p>
+                      <a:pPr marL="285750" indent="-285750">
+                        <a:buFont typeface="Wingdings" panose="05000000000000000000" pitchFamily="2" charset="2"/>
+                        <a:buChar char="ü"/>
+                      </a:pPr>
+                      <a:r>
+                        <a:rPr lang="en-US" sz="1400" b="0" i="0" u="none" strike="noStrike" kern="1200" baseline="0" dirty="0">
+                          <a:solidFill>
+                            <a:schemeClr val="tx1"/>
+                          </a:solidFill>
+                          <a:latin typeface="Times New Roman" panose="02020603050405020304" pitchFamily="18" charset="0"/>
+                          <a:ea typeface="+mn-ea"/>
+                          <a:cs typeface="Times New Roman" panose="02020603050405020304" pitchFamily="18" charset="0"/>
+                        </a:rPr>
+                        <a:t>Developed based on the imaging characteristic of finger vein that the gray value of vein point </a:t>
+                      </a:r>
+                      <a:endParaRPr lang="en-IN" sz="1400" dirty="0">
+                        <a:latin typeface="Times New Roman" panose="02020603050405020304" pitchFamily="18" charset="0"/>
+                        <a:cs typeface="Times New Roman" panose="02020603050405020304" pitchFamily="18" charset="0"/>
+                      </a:endParaRPr>
+                    </a:p>
+                  </a:txBody>
+                  <a:tcPr/>
+                </a:tc>
+                <a:tc>
+                  <a:txBody>
+                    <a:bodyPr/>
+                    <a:lstStyle/>
+                    <a:p>
+                      <a:pPr marL="285750" indent="-285750">
+                        <a:buFont typeface="Wingdings" panose="05000000000000000000" pitchFamily="2" charset="2"/>
+                        <a:buChar char="ü"/>
+                      </a:pPr>
+                      <a:r>
+                        <a:rPr lang="en-US" sz="1400" b="0" i="0" u="none" strike="noStrike" kern="1200" baseline="0" dirty="0">
+                          <a:solidFill>
+                            <a:schemeClr val="tx1"/>
+                          </a:solidFill>
+                          <a:latin typeface="Times New Roman" panose="02020603050405020304" pitchFamily="18" charset="0"/>
+                          <a:ea typeface="+mn-ea"/>
+                          <a:cs typeface="Times New Roman" panose="02020603050405020304" pitchFamily="18" charset="0"/>
+                        </a:rPr>
+                        <a:t>Performance remains unsatisfactory owing to defective vein networks and weak matching </a:t>
+                      </a:r>
+                    </a:p>
+                    <a:p>
+                      <a:pPr marL="285750" indent="-285750">
+                        <a:buFont typeface="Wingdings" panose="05000000000000000000" pitchFamily="2" charset="2"/>
+                        <a:buChar char="ü"/>
+                      </a:pPr>
+                      <a:r>
+                        <a:rPr lang="en-US" sz="1400" b="0" i="0" u="none" strike="noStrike" kern="1200" baseline="0" dirty="0">
+                          <a:solidFill>
+                            <a:schemeClr val="tx1"/>
+                          </a:solidFill>
+                          <a:latin typeface="Times New Roman" panose="02020603050405020304" pitchFamily="18" charset="0"/>
+                          <a:ea typeface="+mn-ea"/>
+                          <a:cs typeface="Times New Roman" panose="02020603050405020304" pitchFamily="18" charset="0"/>
+                        </a:rPr>
+                        <a:t>Neglect of deep analysis of the vein anatomy structure</a:t>
+                      </a:r>
+                    </a:p>
+                  </a:txBody>
+                  <a:tcPr/>
+                </a:tc>
+                <a:extLst>
+                  <a:ext uri="{0D108BD9-81ED-4DB2-BD59-A6C34878D82A}">
+                    <a16:rowId xmlns:a16="http://schemas.microsoft.com/office/drawing/2014/main" val="2292984554"/>
+                  </a:ext>
+                </a:extLst>
+              </a:tr>
+            </a:tbl>
+          </a:graphicData>
+        </a:graphic>
+      </p:graphicFrame>
+    </p:spTree>
+    <p:extLst>
+      <p:ext uri="{BB962C8B-B14F-4D97-AF65-F5344CB8AC3E}">
+        <p14:creationId xmlns:p14="http://schemas.microsoft.com/office/powerpoint/2010/main" val="20067004"/>
+      </p:ext>
+    </p:extLst>
+  </p:cSld>
+  <p:clrMapOvr>
+    <a:masterClrMapping/>
+  </p:clrMapOvr>
+</p:sld>
+</file>
+
+<file path=ppt/slides/slide5.xml><?xml version="1.0" encoding="utf-8"?>
+<p:sld xmlns:a="http://schemas.openxmlformats.org/drawingml/2006/main" xmlns:r="http://schemas.openxmlformats.org/officeDocument/2006/relationships" xmlns:p="http://schemas.openxmlformats.org/presentationml/2006/main">
+  <p:cSld>
+    <p:spTree>
+      <p:nvGrpSpPr>
+        <p:cNvPr id="1" name=""/>
+        <p:cNvGrpSpPr/>
+        <p:nvPr/>
+      </p:nvGrpSpPr>
+      <p:grpSpPr>
+        <a:xfrm>
+          <a:off x="0" y="0"/>
+          <a:ext cx="0" cy="0"/>
+          <a:chOff x="0" y="0"/>
+          <a:chExt cx="0" cy="0"/>
+        </a:xfrm>
+      </p:grpSpPr>
+      <p:sp>
+        <p:nvSpPr>
+          <p:cNvPr id="2" name="Title 1">
+            <a:extLst>
+              <a:ext uri="{FF2B5EF4-FFF2-40B4-BE49-F238E27FC236}">
+                <a16:creationId xmlns:a16="http://schemas.microsoft.com/office/drawing/2014/main" id="{DF1BE719-6F88-4308-A94C-23C0BF80E185}"/>
+              </a:ext>
+            </a:extLst>
+          </p:cNvPr>
+          <p:cNvSpPr>
+            <a:spLocks noGrp="1"/>
+          </p:cNvSpPr>
+          <p:nvPr>
+            <p:ph type="title"/>
+          </p:nvPr>
+        </p:nvSpPr>
+        <p:spPr>
+          <a:xfrm>
+            <a:off x="1535113" y="111792"/>
+            <a:ext cx="9520158" cy="1049235"/>
+          </a:xfrm>
+        </p:spPr>
+        <p:txBody>
+          <a:bodyPr anchor="t"/>
+          <a:lstStyle/>
+          <a:p>
+            <a:pPr algn="ctr"/>
+            <a:r>
+              <a:rPr lang="en-US" dirty="0"/>
+              <a:t>Literature Survey</a:t>
+            </a:r>
+            <a:endParaRPr lang="en-IN" dirty="0"/>
+          </a:p>
+        </p:txBody>
+      </p:sp>
+      <p:graphicFrame>
+        <p:nvGraphicFramePr>
+          <p:cNvPr id="4" name="Table 4">
+            <a:extLst>
+              <a:ext uri="{FF2B5EF4-FFF2-40B4-BE49-F238E27FC236}">
+                <a16:creationId xmlns:a16="http://schemas.microsoft.com/office/drawing/2014/main" id="{DD1886E6-CCF2-4979-8CEF-71715359DD7C}"/>
+              </a:ext>
+            </a:extLst>
+          </p:cNvPr>
+          <p:cNvGraphicFramePr>
+            <a:graphicFrameLocks noGrp="1"/>
+          </p:cNvGraphicFramePr>
+          <p:nvPr>
+            <p:ph idx="1"/>
+            <p:extLst>
+              <p:ext uri="{D42A27DB-BD31-4B8C-83A1-F6EECF244321}">
+                <p14:modId xmlns:p14="http://schemas.microsoft.com/office/powerpoint/2010/main" val="2276774972"/>
+              </p:ext>
+            </p:extLst>
+          </p:nvPr>
+        </p:nvGraphicFramePr>
+        <p:xfrm>
+          <a:off x="1535113" y="941098"/>
+          <a:ext cx="9973396" cy="5205727"/>
+        </p:xfrm>
+        <a:graphic>
+          <a:graphicData uri="http://schemas.openxmlformats.org/drawingml/2006/table">
+            <a:tbl>
+              <a:tblPr firstRow="1" bandRow="1">
+                <a:tableStyleId>{5940675A-B579-460E-94D1-54222C63F5DA}</a:tableStyleId>
+              </a:tblPr>
+              <a:tblGrid>
+                <a:gridCol w="1231325">
+                  <a:extLst>
+                    <a:ext uri="{9D8B030D-6E8A-4147-A177-3AD203B41FA5}">
+                      <a16:colId xmlns:a16="http://schemas.microsoft.com/office/drawing/2014/main" val="4137336576"/>
+                    </a:ext>
+                  </a:extLst>
+                </a:gridCol>
+                <a:gridCol w="1787644">
+                  <a:extLst>
+                    <a:ext uri="{9D8B030D-6E8A-4147-A177-3AD203B41FA5}">
+                      <a16:colId xmlns:a16="http://schemas.microsoft.com/office/drawing/2014/main" val="545084164"/>
+                    </a:ext>
+                  </a:extLst>
+                </a:gridCol>
+                <a:gridCol w="2055313">
+                  <a:extLst>
+                    <a:ext uri="{9D8B030D-6E8A-4147-A177-3AD203B41FA5}">
+                      <a16:colId xmlns:a16="http://schemas.microsoft.com/office/drawing/2014/main" val="3582126375"/>
+                    </a:ext>
+                  </a:extLst>
+                </a:gridCol>
+                <a:gridCol w="2808439">
+                  <a:extLst>
+                    <a:ext uri="{9D8B030D-6E8A-4147-A177-3AD203B41FA5}">
+                      <a16:colId xmlns:a16="http://schemas.microsoft.com/office/drawing/2014/main" val="3571017933"/>
+                    </a:ext>
+                  </a:extLst>
+                </a:gridCol>
+                <a:gridCol w="2090675">
+                  <a:extLst>
+                    <a:ext uri="{9D8B030D-6E8A-4147-A177-3AD203B41FA5}">
+                      <a16:colId xmlns:a16="http://schemas.microsoft.com/office/drawing/2014/main" val="1937686863"/>
+                    </a:ext>
+                  </a:extLst>
+                </a:gridCol>
+              </a:tblGrid>
+              <a:tr h="522717">
+                <a:tc>
+                  <a:txBody>
+                    <a:bodyPr/>
+                    <a:lstStyle/>
+                    <a:p>
+                      <a:r>
+                        <a:rPr lang="en-US" sz="1400" dirty="0">
+                          <a:latin typeface="Times New Roman" panose="02020603050405020304" pitchFamily="18" charset="0"/>
+                          <a:cs typeface="Times New Roman" panose="02020603050405020304" pitchFamily="18" charset="0"/>
+                        </a:rPr>
+                        <a:t>Year of Publishing</a:t>
+                      </a:r>
+                      <a:endParaRPr lang="en-IN" sz="1400" dirty="0">
+                        <a:latin typeface="Times New Roman" panose="02020603050405020304" pitchFamily="18" charset="0"/>
+                        <a:cs typeface="Times New Roman" panose="02020603050405020304" pitchFamily="18" charset="0"/>
+                      </a:endParaRPr>
+                    </a:p>
+                  </a:txBody>
+                  <a:tcPr/>
+                </a:tc>
+                <a:tc>
+                  <a:txBody>
+                    <a:bodyPr/>
+                    <a:lstStyle/>
+                    <a:p>
+                      <a:r>
+                        <a:rPr lang="en-US" sz="1400" dirty="0">
+                          <a:latin typeface="Times New Roman" panose="02020603050405020304" pitchFamily="18" charset="0"/>
+                          <a:cs typeface="Times New Roman" panose="02020603050405020304" pitchFamily="18" charset="0"/>
+                        </a:rPr>
+                        <a:t>Author Name</a:t>
+                      </a:r>
+                      <a:endParaRPr lang="en-IN" sz="1400" dirty="0">
+                        <a:latin typeface="Times New Roman" panose="02020603050405020304" pitchFamily="18" charset="0"/>
+                        <a:cs typeface="Times New Roman" panose="02020603050405020304" pitchFamily="18" charset="0"/>
+                      </a:endParaRPr>
+                    </a:p>
+                  </a:txBody>
+                  <a:tcPr/>
+                </a:tc>
+                <a:tc>
+                  <a:txBody>
+                    <a:bodyPr/>
+                    <a:lstStyle/>
+                    <a:p>
+                      <a:r>
+                        <a:rPr lang="en-US" sz="1400" dirty="0">
+                          <a:latin typeface="Times New Roman" panose="02020603050405020304" pitchFamily="18" charset="0"/>
+                          <a:cs typeface="Times New Roman" panose="02020603050405020304" pitchFamily="18" charset="0"/>
+                        </a:rPr>
+                        <a:t>Title of the Paper</a:t>
+                      </a:r>
+                      <a:endParaRPr lang="en-IN" sz="1400" dirty="0">
+                        <a:latin typeface="Times New Roman" panose="02020603050405020304" pitchFamily="18" charset="0"/>
+                        <a:cs typeface="Times New Roman" panose="02020603050405020304" pitchFamily="18" charset="0"/>
+                      </a:endParaRPr>
+                    </a:p>
+                  </a:txBody>
+                  <a:tcPr/>
+                </a:tc>
+                <a:tc>
+                  <a:txBody>
+                    <a:bodyPr/>
+                    <a:lstStyle/>
+                    <a:p>
+                      <a:r>
+                        <a:rPr lang="en-US" sz="1400" dirty="0">
+                          <a:latin typeface="Times New Roman" panose="02020603050405020304" pitchFamily="18" charset="0"/>
+                          <a:cs typeface="Times New Roman" panose="02020603050405020304" pitchFamily="18" charset="0"/>
+                        </a:rPr>
+                        <a:t>Merits</a:t>
+                      </a:r>
+                      <a:endParaRPr lang="en-IN" sz="1400" dirty="0">
+                        <a:latin typeface="Times New Roman" panose="02020603050405020304" pitchFamily="18" charset="0"/>
+                        <a:cs typeface="Times New Roman" panose="02020603050405020304" pitchFamily="18" charset="0"/>
+                      </a:endParaRPr>
+                    </a:p>
+                  </a:txBody>
+                  <a:tcPr/>
+                </a:tc>
+                <a:tc>
+                  <a:txBody>
+                    <a:bodyPr/>
+                    <a:lstStyle/>
+                    <a:p>
+                      <a:r>
+                        <a:rPr lang="en-US" sz="1400" dirty="0">
+                          <a:latin typeface="Times New Roman" panose="02020603050405020304" pitchFamily="18" charset="0"/>
+                          <a:cs typeface="Times New Roman" panose="02020603050405020304" pitchFamily="18" charset="0"/>
+                        </a:rPr>
+                        <a:t>Demerits</a:t>
+                      </a:r>
+                      <a:endParaRPr lang="en-IN" sz="1400" dirty="0">
+                        <a:latin typeface="Times New Roman" panose="02020603050405020304" pitchFamily="18" charset="0"/>
+                        <a:cs typeface="Times New Roman" panose="02020603050405020304" pitchFamily="18" charset="0"/>
+                      </a:endParaRPr>
+                    </a:p>
+                  </a:txBody>
+                  <a:tcPr/>
+                </a:tc>
+                <a:extLst>
+                  <a:ext uri="{0D108BD9-81ED-4DB2-BD59-A6C34878D82A}">
+                    <a16:rowId xmlns:a16="http://schemas.microsoft.com/office/drawing/2014/main" val="3011202477"/>
+                  </a:ext>
+                </a:extLst>
+              </a:tr>
+              <a:tr h="2244610">
+                <a:tc>
+                  <a:txBody>
+                    <a:bodyPr/>
+                    <a:lstStyle/>
+                    <a:p>
+                      <a:r>
+                        <a:rPr lang="en-US" sz="1400" dirty="0">
+                          <a:latin typeface="Times New Roman" panose="02020603050405020304" pitchFamily="18" charset="0"/>
+                          <a:cs typeface="Times New Roman" panose="02020603050405020304" pitchFamily="18" charset="0"/>
+                        </a:rPr>
+                        <a:t>2017</a:t>
                       </a:r>
                       <a:endParaRPr lang="en-IN" sz="1400" dirty="0">
                         <a:latin typeface="Times New Roman" panose="02020603050405020304" pitchFamily="18" charset="0"/>
@@ -11147,7 +10756,505 @@
                           <a:ea typeface="+mn-ea"/>
                           <a:cs typeface="Times New Roman" panose="02020603050405020304" pitchFamily="18" charset="0"/>
                         </a:rPr>
-                        <a:t>Raghavendra Ramachandra, Kiran Raja, Sushma Venkatesh and Christoph Busch </a:t>
+                        <a:t>Lu Yang, </a:t>
+                      </a:r>
+                      <a:r>
+                        <a:rPr lang="en-IN" sz="1400" b="0" i="0" u="none" strike="noStrike" kern="1200" baseline="0" dirty="0" err="1">
+                          <a:solidFill>
+                            <a:schemeClr val="tx1"/>
+                          </a:solidFill>
+                          <a:latin typeface="Times New Roman" panose="02020603050405020304" pitchFamily="18" charset="0"/>
+                          <a:ea typeface="+mn-ea"/>
+                          <a:cs typeface="Times New Roman" panose="02020603050405020304" pitchFamily="18" charset="0"/>
+                        </a:rPr>
+                        <a:t>Gongping</a:t>
+                      </a:r>
+                      <a:r>
+                        <a:rPr lang="en-IN" sz="1400" b="0" i="0" u="none" strike="noStrike" kern="1200" baseline="0" dirty="0">
+                          <a:solidFill>
+                            <a:schemeClr val="tx1"/>
+                          </a:solidFill>
+                          <a:latin typeface="Times New Roman" panose="02020603050405020304" pitchFamily="18" charset="0"/>
+                          <a:ea typeface="+mn-ea"/>
+                          <a:cs typeface="Times New Roman" panose="02020603050405020304" pitchFamily="18" charset="0"/>
+                        </a:rPr>
+                        <a:t> Yang, </a:t>
+                      </a:r>
+                      <a:r>
+                        <a:rPr lang="en-IN" sz="1400" b="0" i="0" u="none" strike="noStrike" kern="1200" baseline="0" dirty="0" err="1">
+                          <a:solidFill>
+                            <a:schemeClr val="tx1"/>
+                          </a:solidFill>
+                          <a:latin typeface="Times New Roman" panose="02020603050405020304" pitchFamily="18" charset="0"/>
+                          <a:ea typeface="+mn-ea"/>
+                          <a:cs typeface="Times New Roman" panose="02020603050405020304" pitchFamily="18" charset="0"/>
+                        </a:rPr>
+                        <a:t>Yilong</a:t>
+                      </a:r>
+                      <a:r>
+                        <a:rPr lang="en-IN" sz="1400" b="0" i="0" u="none" strike="noStrike" kern="1200" baseline="0" dirty="0">
+                          <a:solidFill>
+                            <a:schemeClr val="tx1"/>
+                          </a:solidFill>
+                          <a:latin typeface="Times New Roman" panose="02020603050405020304" pitchFamily="18" charset="0"/>
+                          <a:ea typeface="+mn-ea"/>
+                          <a:cs typeface="Times New Roman" panose="02020603050405020304" pitchFamily="18" charset="0"/>
+                        </a:rPr>
+                        <a:t> Yin, and </a:t>
+                      </a:r>
+                      <a:r>
+                        <a:rPr lang="en-IN" sz="1400" b="0" i="0" u="none" strike="noStrike" kern="1200" baseline="0" dirty="0" err="1">
+                          <a:solidFill>
+                            <a:schemeClr val="tx1"/>
+                          </a:solidFill>
+                          <a:latin typeface="Times New Roman" panose="02020603050405020304" pitchFamily="18" charset="0"/>
+                          <a:ea typeface="+mn-ea"/>
+                          <a:cs typeface="Times New Roman" panose="02020603050405020304" pitchFamily="18" charset="0"/>
+                        </a:rPr>
+                        <a:t>Xiaoming</a:t>
+                      </a:r>
+                      <a:r>
+                        <a:rPr lang="en-IN" sz="1400" b="0" i="0" u="none" strike="noStrike" kern="1200" baseline="0" dirty="0">
+                          <a:solidFill>
+                            <a:schemeClr val="tx1"/>
+                          </a:solidFill>
+                          <a:latin typeface="Times New Roman" panose="02020603050405020304" pitchFamily="18" charset="0"/>
+                          <a:ea typeface="+mn-ea"/>
+                          <a:cs typeface="Times New Roman" panose="02020603050405020304" pitchFamily="18" charset="0"/>
+                        </a:rPr>
+                        <a:t> Xi </a:t>
+                      </a:r>
+                    </a:p>
+                    <a:p>
+                      <a:pPr marL="0" marR="0" lvl="0" indent="0" algn="l" defTabSz="914400" rtl="0" eaLnBrk="1" fontAlgn="auto" latinLnBrk="0" hangingPunct="1">
+                        <a:lnSpc>
+                          <a:spcPct val="100000"/>
+                        </a:lnSpc>
+                        <a:spcBef>
+                          <a:spcPts val="0"/>
+                        </a:spcBef>
+                        <a:spcAft>
+                          <a:spcPts val="0"/>
+                        </a:spcAft>
+                        <a:buClrTx/>
+                        <a:buSzTx/>
+                        <a:buFontTx/>
+                        <a:buNone/>
+                        <a:tabLst/>
+                        <a:defRPr/>
+                      </a:pPr>
+                      <a:endParaRPr lang="en-IN" sz="1400" b="0" i="0" u="none" strike="noStrike" kern="1200" baseline="0" dirty="0">
+                        <a:solidFill>
+                          <a:schemeClr val="tx1"/>
+                        </a:solidFill>
+                        <a:latin typeface="Times New Roman" panose="02020603050405020304" pitchFamily="18" charset="0"/>
+                        <a:ea typeface="+mn-ea"/>
+                        <a:cs typeface="Times New Roman" panose="02020603050405020304" pitchFamily="18" charset="0"/>
+                      </a:endParaRPr>
+                    </a:p>
+                    <a:p>
+                      <a:pPr marL="0" marR="0" lvl="0" indent="0" algn="l" defTabSz="914400" rtl="0" eaLnBrk="1" fontAlgn="auto" latinLnBrk="0" hangingPunct="1">
+                        <a:lnSpc>
+                          <a:spcPct val="100000"/>
+                        </a:lnSpc>
+                        <a:spcBef>
+                          <a:spcPts val="0"/>
+                        </a:spcBef>
+                        <a:spcAft>
+                          <a:spcPts val="0"/>
+                        </a:spcAft>
+                        <a:buClrTx/>
+                        <a:buSzTx/>
+                        <a:buFontTx/>
+                        <a:buNone/>
+                        <a:tabLst/>
+                        <a:defRPr/>
+                      </a:pPr>
+                      <a:endParaRPr lang="en-IN" sz="1400" b="0" i="0" u="none" strike="noStrike" kern="1200" baseline="0" dirty="0">
+                        <a:solidFill>
+                          <a:schemeClr val="tx1"/>
+                        </a:solidFill>
+                        <a:latin typeface="Times New Roman" panose="02020603050405020304" pitchFamily="18" charset="0"/>
+                        <a:ea typeface="+mn-ea"/>
+                        <a:cs typeface="Times New Roman" panose="02020603050405020304" pitchFamily="18" charset="0"/>
+                      </a:endParaRPr>
+                    </a:p>
+                    <a:p>
+                      <a:pPr marL="0" marR="0" lvl="0" indent="0" algn="l" defTabSz="914400" rtl="0" eaLnBrk="1" fontAlgn="auto" latinLnBrk="0" hangingPunct="1">
+                        <a:lnSpc>
+                          <a:spcPct val="100000"/>
+                        </a:lnSpc>
+                        <a:spcBef>
+                          <a:spcPts val="0"/>
+                        </a:spcBef>
+                        <a:spcAft>
+                          <a:spcPts val="0"/>
+                        </a:spcAft>
+                        <a:buClrTx/>
+                        <a:buSzTx/>
+                        <a:buFontTx/>
+                        <a:buNone/>
+                        <a:tabLst/>
+                        <a:defRPr/>
+                      </a:pPr>
+                      <a:r>
+                        <a:rPr lang="en-IN" sz="1400" b="0" i="0" u="none" strike="noStrike" kern="1200" baseline="0" dirty="0">
+                          <a:solidFill>
+                            <a:schemeClr val="tx1"/>
+                          </a:solidFill>
+                          <a:latin typeface="Times New Roman" panose="02020603050405020304" pitchFamily="18" charset="0"/>
+                          <a:ea typeface="+mn-ea"/>
+                          <a:cs typeface="Times New Roman" panose="02020603050405020304" pitchFamily="18" charset="0"/>
+                        </a:rPr>
+                        <a:t>Link: </a:t>
+                      </a:r>
+                      <a:r>
+                        <a:rPr lang="en-IN" sz="1400" b="0" i="0" u="none" strike="noStrike" kern="1200" baseline="0" dirty="0">
+                          <a:solidFill>
+                            <a:schemeClr val="accent5">
+                              <a:lumMod val="75000"/>
+                            </a:schemeClr>
+                          </a:solidFill>
+                          <a:latin typeface="Times New Roman" panose="02020603050405020304" pitchFamily="18" charset="0"/>
+                          <a:ea typeface="+mn-ea"/>
+                          <a:cs typeface="Times New Roman" panose="02020603050405020304" pitchFamily="18" charset="0"/>
+                          <a:hlinkClick r:id="rId2"/>
+                        </a:rPr>
+                        <a:t>https://ieeexplore.ieee.org/document/7882665</a:t>
+                      </a:r>
+                      <a:endParaRPr lang="en-IN" sz="1400" b="0" i="0" u="none" strike="noStrike" kern="1200" baseline="0" dirty="0">
+                        <a:solidFill>
+                          <a:schemeClr val="accent5">
+                            <a:lumMod val="75000"/>
+                          </a:schemeClr>
+                        </a:solidFill>
+                        <a:latin typeface="Times New Roman" panose="02020603050405020304" pitchFamily="18" charset="0"/>
+                        <a:ea typeface="+mn-ea"/>
+                        <a:cs typeface="Times New Roman" panose="02020603050405020304" pitchFamily="18" charset="0"/>
+                      </a:endParaRPr>
+                    </a:p>
+                  </a:txBody>
+                  <a:tcPr/>
+                </a:tc>
+                <a:tc>
+                  <a:txBody>
+                    <a:bodyPr/>
+                    <a:lstStyle/>
+                    <a:p>
+                      <a:pPr marL="0" marR="0" lvl="0" indent="0" algn="l" defTabSz="914400" rtl="0" eaLnBrk="1" fontAlgn="auto" latinLnBrk="0" hangingPunct="1">
+                        <a:lnSpc>
+                          <a:spcPct val="100000"/>
+                        </a:lnSpc>
+                        <a:spcBef>
+                          <a:spcPts val="0"/>
+                        </a:spcBef>
+                        <a:spcAft>
+                          <a:spcPts val="0"/>
+                        </a:spcAft>
+                        <a:buClrTx/>
+                        <a:buSzTx/>
+                        <a:buFontTx/>
+                        <a:buNone/>
+                        <a:tabLst/>
+                        <a:defRPr/>
+                      </a:pPr>
+                      <a:r>
+                        <a:rPr lang="en-US" sz="1400" b="0" i="0" u="none" strike="noStrike" kern="1200" baseline="0" dirty="0">
+                          <a:solidFill>
+                            <a:schemeClr val="tx1"/>
+                          </a:solidFill>
+                          <a:latin typeface="Times New Roman" panose="02020603050405020304" pitchFamily="18" charset="0"/>
+                          <a:ea typeface="+mn-ea"/>
+                          <a:cs typeface="Times New Roman" panose="02020603050405020304" pitchFamily="18" charset="0"/>
+                        </a:rPr>
+                        <a:t>Finger Vein Recognition with Anatomy Structure Analysis </a:t>
+                      </a:r>
+                    </a:p>
+                  </a:txBody>
+                  <a:tcPr/>
+                </a:tc>
+                <a:tc>
+                  <a:txBody>
+                    <a:bodyPr/>
+                    <a:lstStyle/>
+                    <a:p>
+                      <a:pPr marL="285750" indent="-285750">
+                        <a:buFont typeface="Wingdings" panose="05000000000000000000" pitchFamily="2" charset="2"/>
+                        <a:buChar char="ü"/>
+                      </a:pPr>
+                      <a:r>
+                        <a:rPr lang="en-IN" sz="1400" b="0" i="0" u="none" strike="noStrike" kern="1200" baseline="0" dirty="0">
+                          <a:solidFill>
+                            <a:schemeClr val="tx1"/>
+                          </a:solidFill>
+                          <a:latin typeface="Times New Roman" panose="02020603050405020304" pitchFamily="18" charset="0"/>
+                          <a:ea typeface="+mn-ea"/>
+                          <a:cs typeface="Times New Roman" panose="02020603050405020304" pitchFamily="18" charset="0"/>
+                        </a:rPr>
+                        <a:t>Anatomy structure analysis-based vein extraction </a:t>
+                      </a:r>
+                    </a:p>
+                    <a:p>
+                      <a:pPr marL="285750" indent="-285750">
+                        <a:buFont typeface="Wingdings" panose="05000000000000000000" pitchFamily="2" charset="2"/>
+                        <a:buChar char="ü"/>
+                      </a:pPr>
+                      <a:r>
+                        <a:rPr lang="en-US" sz="1400" b="0" i="0" u="none" strike="noStrike" kern="1200" baseline="0" dirty="0">
+                          <a:solidFill>
+                            <a:schemeClr val="tx1"/>
+                          </a:solidFill>
+                          <a:latin typeface="Times New Roman" panose="02020603050405020304" pitchFamily="18" charset="0"/>
+                          <a:ea typeface="+mn-ea"/>
+                          <a:cs typeface="Times New Roman" panose="02020603050405020304" pitchFamily="18" charset="0"/>
+                        </a:rPr>
+                        <a:t>Extracted by the orientation map-guided curvature based on the valley- or half valley-shaped cross sectional profile </a:t>
+                      </a:r>
+                    </a:p>
+                    <a:p>
+                      <a:pPr marL="285750" indent="-285750">
+                        <a:buFont typeface="Wingdings" panose="05000000000000000000" pitchFamily="2" charset="2"/>
+                        <a:buChar char="ü"/>
+                      </a:pPr>
+                      <a:r>
+                        <a:rPr lang="en-US" sz="1400" b="0" i="0" u="none" strike="noStrike" kern="1200" baseline="0" dirty="0">
+                          <a:solidFill>
+                            <a:schemeClr val="tx1"/>
+                          </a:solidFill>
+                          <a:latin typeface="Times New Roman" panose="02020603050405020304" pitchFamily="18" charset="0"/>
+                          <a:ea typeface="+mn-ea"/>
+                          <a:cs typeface="Times New Roman" panose="02020603050405020304" pitchFamily="18" charset="0"/>
+                        </a:rPr>
+                        <a:t>Thinned and refined to obtain a reliable vein network </a:t>
+                      </a:r>
+                      <a:endParaRPr lang="en-IN" sz="1400" dirty="0">
+                        <a:latin typeface="Times New Roman" panose="02020603050405020304" pitchFamily="18" charset="0"/>
+                        <a:cs typeface="Times New Roman" panose="02020603050405020304" pitchFamily="18" charset="0"/>
+                      </a:endParaRPr>
+                    </a:p>
+                  </a:txBody>
+                  <a:tcPr/>
+                </a:tc>
+                <a:tc>
+                  <a:txBody>
+                    <a:bodyPr/>
+                    <a:lstStyle/>
+                    <a:p>
+                      <a:pPr marL="285750" indent="-285750">
+                        <a:buFont typeface="Wingdings" panose="05000000000000000000" pitchFamily="2" charset="2"/>
+                        <a:buChar char="ü"/>
+                      </a:pPr>
+                      <a:r>
+                        <a:rPr lang="en-US" sz="1400" b="0" i="0" u="none" strike="noStrike" kern="1200" baseline="0" dirty="0">
+                          <a:solidFill>
+                            <a:schemeClr val="tx1"/>
+                          </a:solidFill>
+                          <a:latin typeface="Times New Roman" panose="02020603050405020304" pitchFamily="18" charset="0"/>
+                          <a:ea typeface="+mn-ea"/>
+                          <a:cs typeface="Times New Roman" panose="02020603050405020304" pitchFamily="18" charset="0"/>
+                        </a:rPr>
+                        <a:t>Accurate evaluation of joint damage is low </a:t>
+                      </a:r>
+                    </a:p>
+                    <a:p>
+                      <a:pPr marL="285750" indent="-285750">
+                        <a:buFont typeface="Wingdings" panose="05000000000000000000" pitchFamily="2" charset="2"/>
+                        <a:buChar char="ü"/>
+                      </a:pPr>
+                      <a:r>
+                        <a:rPr lang="en-US" sz="1400" b="0" i="0" u="none" strike="noStrike" kern="1200" baseline="0" dirty="0">
+                          <a:solidFill>
+                            <a:schemeClr val="tx1"/>
+                          </a:solidFill>
+                          <a:latin typeface="Times New Roman" panose="02020603050405020304" pitchFamily="18" charset="0"/>
+                          <a:ea typeface="+mn-ea"/>
+                          <a:cs typeface="Times New Roman" panose="02020603050405020304" pitchFamily="18" charset="0"/>
+                        </a:rPr>
+                        <a:t>Does not improve the assessment sensitivity in the early stage </a:t>
+                      </a:r>
+                    </a:p>
+                    <a:p>
+                      <a:pPr marL="285750" indent="-285750">
+                        <a:buFont typeface="Wingdings" panose="05000000000000000000" pitchFamily="2" charset="2"/>
+                        <a:buChar char="ü"/>
+                      </a:pPr>
+                      <a:r>
+                        <a:rPr lang="en-US" sz="1400" b="0" i="0" u="none" strike="noStrike" kern="1200" baseline="0" dirty="0">
+                          <a:solidFill>
+                            <a:schemeClr val="tx1"/>
+                          </a:solidFill>
+                          <a:latin typeface="Times New Roman" panose="02020603050405020304" pitchFamily="18" charset="0"/>
+                          <a:ea typeface="+mn-ea"/>
+                          <a:cs typeface="Times New Roman" panose="02020603050405020304" pitchFamily="18" charset="0"/>
+                        </a:rPr>
+                        <a:t>Lead to the generation of bad candidate proposals</a:t>
+                      </a:r>
+                      <a:endParaRPr lang="en-IN" sz="1400" dirty="0">
+                        <a:latin typeface="Times New Roman" panose="02020603050405020304" pitchFamily="18" charset="0"/>
+                        <a:cs typeface="Times New Roman" panose="02020603050405020304" pitchFamily="18" charset="0"/>
+                      </a:endParaRPr>
+                    </a:p>
+                  </a:txBody>
+                  <a:tcPr/>
+                </a:tc>
+                <a:extLst>
+                  <a:ext uri="{0D108BD9-81ED-4DB2-BD59-A6C34878D82A}">
+                    <a16:rowId xmlns:a16="http://schemas.microsoft.com/office/drawing/2014/main" val="1504356262"/>
+                  </a:ext>
+                </a:extLst>
+              </a:tr>
+              <a:tr h="2253623">
+                <a:tc>
+                  <a:txBody>
+                    <a:bodyPr/>
+                    <a:lstStyle/>
+                    <a:p>
+                      <a:r>
+                        <a:rPr lang="en-US" sz="1400" dirty="0">
+                          <a:latin typeface="Times New Roman" panose="02020603050405020304" pitchFamily="18" charset="0"/>
+                          <a:cs typeface="Times New Roman" panose="02020603050405020304" pitchFamily="18" charset="0"/>
+                        </a:rPr>
+                        <a:t>2016</a:t>
+                      </a:r>
+                      <a:endParaRPr lang="en-IN" sz="1400" dirty="0">
+                        <a:latin typeface="Times New Roman" panose="02020603050405020304" pitchFamily="18" charset="0"/>
+                        <a:cs typeface="Times New Roman" panose="02020603050405020304" pitchFamily="18" charset="0"/>
+                      </a:endParaRPr>
+                    </a:p>
+                  </a:txBody>
+                  <a:tcPr/>
+                </a:tc>
+                <a:tc>
+                  <a:txBody>
+                    <a:bodyPr/>
+                    <a:lstStyle/>
+                    <a:p>
+                      <a:pPr marL="0" marR="0" lvl="0" indent="0" algn="l" defTabSz="914400" rtl="0" eaLnBrk="1" fontAlgn="auto" latinLnBrk="0" hangingPunct="1">
+                        <a:lnSpc>
+                          <a:spcPct val="100000"/>
+                        </a:lnSpc>
+                        <a:spcBef>
+                          <a:spcPts val="0"/>
+                        </a:spcBef>
+                        <a:spcAft>
+                          <a:spcPts val="0"/>
+                        </a:spcAft>
+                        <a:buClrTx/>
+                        <a:buSzTx/>
+                        <a:buFontTx/>
+                        <a:buNone/>
+                        <a:tabLst/>
+                        <a:defRPr/>
+                      </a:pPr>
+                      <a:r>
+                        <a:rPr lang="en-IN" sz="1400" b="0" i="0" u="none" strike="noStrike" kern="1200" baseline="0" dirty="0" err="1">
+                          <a:solidFill>
+                            <a:schemeClr val="tx1"/>
+                          </a:solidFill>
+                          <a:latin typeface="Times New Roman" panose="02020603050405020304" pitchFamily="18" charset="0"/>
+                          <a:ea typeface="+mn-ea"/>
+                          <a:cs typeface="Times New Roman" panose="02020603050405020304" pitchFamily="18" charset="0"/>
+                        </a:rPr>
+                        <a:t>Xinwei</a:t>
+                      </a:r>
+                      <a:r>
+                        <a:rPr lang="en-IN" sz="1400" b="0" i="0" u="none" strike="noStrike" kern="1200" baseline="0" dirty="0">
+                          <a:solidFill>
+                            <a:schemeClr val="tx1"/>
+                          </a:solidFill>
+                          <a:latin typeface="Times New Roman" panose="02020603050405020304" pitchFamily="18" charset="0"/>
+                          <a:ea typeface="+mn-ea"/>
+                          <a:cs typeface="Times New Roman" panose="02020603050405020304" pitchFamily="18" charset="0"/>
+                        </a:rPr>
+                        <a:t> </a:t>
+                      </a:r>
+                      <a:r>
+                        <a:rPr lang="en-IN" sz="1400" b="0" i="0" u="none" strike="noStrike" kern="1200" baseline="0" dirty="0" err="1">
+                          <a:solidFill>
+                            <a:schemeClr val="tx1"/>
+                          </a:solidFill>
+                          <a:latin typeface="Times New Roman" panose="02020603050405020304" pitchFamily="18" charset="0"/>
+                          <a:ea typeface="+mn-ea"/>
+                          <a:cs typeface="Times New Roman" panose="02020603050405020304" pitchFamily="18" charset="0"/>
+                        </a:rPr>
+                        <a:t>Qiu</a:t>
+                      </a:r>
+                      <a:r>
+                        <a:rPr lang="en-IN" sz="1400" b="0" i="0" u="none" strike="noStrike" kern="1200" baseline="0" dirty="0">
+                          <a:solidFill>
+                            <a:schemeClr val="tx1"/>
+                          </a:solidFill>
+                          <a:latin typeface="Times New Roman" panose="02020603050405020304" pitchFamily="18" charset="0"/>
+                          <a:ea typeface="+mn-ea"/>
+                          <a:cs typeface="Times New Roman" panose="02020603050405020304" pitchFamily="18" charset="0"/>
+                        </a:rPr>
+                        <a:t>, </a:t>
+                      </a:r>
+                      <a:r>
+                        <a:rPr lang="en-IN" sz="1400" b="0" i="0" u="none" strike="noStrike" kern="1200" baseline="0" dirty="0" err="1">
+                          <a:solidFill>
+                            <a:schemeClr val="tx1"/>
+                          </a:solidFill>
+                          <a:latin typeface="Times New Roman" panose="02020603050405020304" pitchFamily="18" charset="0"/>
+                          <a:ea typeface="+mn-ea"/>
+                          <a:cs typeface="Times New Roman" panose="02020603050405020304" pitchFamily="18" charset="0"/>
+                        </a:rPr>
+                        <a:t>Wenxiong</a:t>
+                      </a:r>
+                      <a:r>
+                        <a:rPr lang="en-IN" sz="1400" b="0" i="0" u="none" strike="noStrike" kern="1200" baseline="0" dirty="0">
+                          <a:solidFill>
+                            <a:schemeClr val="tx1"/>
+                          </a:solidFill>
+                          <a:latin typeface="Times New Roman" panose="02020603050405020304" pitchFamily="18" charset="0"/>
+                          <a:ea typeface="+mn-ea"/>
+                          <a:cs typeface="Times New Roman" panose="02020603050405020304" pitchFamily="18" charset="0"/>
+                        </a:rPr>
+                        <a:t> Kang, </a:t>
+                      </a:r>
+                      <a:r>
+                        <a:rPr lang="en-IN" sz="1400" b="0" i="0" u="none" strike="noStrike" kern="1200" baseline="0" dirty="0" err="1">
+                          <a:solidFill>
+                            <a:schemeClr val="tx1"/>
+                          </a:solidFill>
+                          <a:latin typeface="Times New Roman" panose="02020603050405020304" pitchFamily="18" charset="0"/>
+                          <a:ea typeface="+mn-ea"/>
+                          <a:cs typeface="Times New Roman" panose="02020603050405020304" pitchFamily="18" charset="0"/>
+                        </a:rPr>
+                        <a:t>Senping</a:t>
+                      </a:r>
+                      <a:r>
+                        <a:rPr lang="en-IN" sz="1400" b="0" i="0" u="none" strike="noStrike" kern="1200" baseline="0" dirty="0">
+                          <a:solidFill>
+                            <a:schemeClr val="tx1"/>
+                          </a:solidFill>
+                          <a:latin typeface="Times New Roman" panose="02020603050405020304" pitchFamily="18" charset="0"/>
+                          <a:ea typeface="+mn-ea"/>
+                          <a:cs typeface="Times New Roman" panose="02020603050405020304" pitchFamily="18" charset="0"/>
+                        </a:rPr>
+                        <a:t> Tian, Wei Jia, </a:t>
+                      </a:r>
+                      <a:r>
+                        <a:rPr lang="en-IN" sz="1400" b="0" i="0" u="none" strike="noStrike" kern="1200" baseline="0" dirty="0" err="1">
+                          <a:solidFill>
+                            <a:schemeClr val="tx1"/>
+                          </a:solidFill>
+                          <a:latin typeface="Times New Roman" panose="02020603050405020304" pitchFamily="18" charset="0"/>
+                          <a:ea typeface="+mn-ea"/>
+                          <a:cs typeface="Times New Roman" panose="02020603050405020304" pitchFamily="18" charset="0"/>
+                        </a:rPr>
+                        <a:t>Zhixing</a:t>
+                      </a:r>
+                      <a:r>
+                        <a:rPr lang="en-IN" sz="1400" b="0" i="0" u="none" strike="noStrike" kern="1200" baseline="0" dirty="0">
+                          <a:solidFill>
+                            <a:schemeClr val="tx1"/>
+                          </a:solidFill>
+                          <a:latin typeface="Times New Roman" panose="02020603050405020304" pitchFamily="18" charset="0"/>
+                          <a:ea typeface="+mn-ea"/>
+                          <a:cs typeface="Times New Roman" panose="02020603050405020304" pitchFamily="18" charset="0"/>
+                        </a:rPr>
+                        <a:t> Huang</a:t>
                       </a:r>
                     </a:p>
                     <a:p>
@@ -11204,27 +11311,8 @@
                           <a:ea typeface="+mn-ea"/>
                           <a:cs typeface="Times New Roman" panose="02020603050405020304" pitchFamily="18" charset="0"/>
                         </a:rPr>
-                        <a:t>Link:</a:t>
+                        <a:t>Link: </a:t>
                       </a:r>
-                    </a:p>
-                    <a:p>
-                      <a:pPr marL="0" marR="0" lvl="0" indent="0" algn="l" defTabSz="914400" rtl="0" eaLnBrk="1" fontAlgn="auto" latinLnBrk="0" hangingPunct="1">
-                        <a:lnSpc>
-                          <a:spcPct val="100000"/>
-                        </a:lnSpc>
-                        <a:spcBef>
-                          <a:spcPts val="0"/>
-                        </a:spcBef>
-                        <a:spcAft>
-                          <a:spcPts val="0"/>
-                        </a:spcAft>
-                        <a:buClrTx/>
-                        <a:buSzTx/>
-                        <a:buFontTx/>
-                        <a:buNone/>
-                        <a:tabLst/>
-                        <a:defRPr/>
-                      </a:pPr>
                       <a:r>
                         <a:rPr lang="en-IN" sz="1400" b="0" i="0" u="none" strike="noStrike" kern="1200" baseline="0" dirty="0">
                           <a:solidFill>
@@ -11237,80 +11325,8 @@
                           <a:cs typeface="Times New Roman" panose="02020603050405020304" pitchFamily="18" charset="0"/>
                           <a:hlinkClick r:id="rId3"/>
                         </a:rPr>
-                        <a:t>https://ieeexplore.ieee.org/document/8672597</a:t>
+                        <a:t>https://ieeexplore.ieee.org/document/8049353</a:t>
                       </a:r>
-                      <a:endParaRPr lang="en-IN" sz="1400" b="0" i="0" u="none" strike="noStrike" kern="1200" baseline="0" dirty="0">
-                        <a:solidFill>
-                          <a:schemeClr val="accent5">
-                            <a:lumMod val="75000"/>
-                          </a:schemeClr>
-                        </a:solidFill>
-                        <a:latin typeface="Times New Roman" panose="02020603050405020304" pitchFamily="18" charset="0"/>
-                        <a:ea typeface="+mn-ea"/>
-                        <a:cs typeface="Times New Roman" panose="02020603050405020304" pitchFamily="18" charset="0"/>
-                      </a:endParaRPr>
-                    </a:p>
-                    <a:p>
-                      <a:pPr marL="0" marR="0" lvl="0" indent="0" algn="l" defTabSz="914400" rtl="0" eaLnBrk="1" fontAlgn="auto" latinLnBrk="0" hangingPunct="1">
-                        <a:lnSpc>
-                          <a:spcPct val="100000"/>
-                        </a:lnSpc>
-                        <a:spcBef>
-                          <a:spcPts val="0"/>
-                        </a:spcBef>
-                        <a:spcAft>
-                          <a:spcPts val="0"/>
-                        </a:spcAft>
-                        <a:buClrTx/>
-                        <a:buSzTx/>
-                        <a:buFontTx/>
-                        <a:buNone/>
-                        <a:tabLst/>
-                        <a:defRPr/>
-                      </a:pPr>
-                      <a:r>
-                        <a:rPr lang="en-IN" sz="1400" b="0" i="0" u="none" strike="noStrike" kern="1200" baseline="0" dirty="0">
-                          <a:solidFill>
-                            <a:schemeClr val="tx1"/>
-                          </a:solidFill>
-                          <a:latin typeface="Times New Roman" panose="02020603050405020304" pitchFamily="18" charset="0"/>
-                          <a:ea typeface="+mn-ea"/>
-                          <a:cs typeface="Times New Roman" panose="02020603050405020304" pitchFamily="18" charset="0"/>
-                        </a:rPr>
-                        <a:t>	</a:t>
-                      </a:r>
-                    </a:p>
-                    <a:p>
-                      <a:r>
-                        <a:rPr lang="en-IN" sz="1400" b="0" i="0" u="none" strike="noStrike" kern="1200" baseline="0" dirty="0">
-                          <a:solidFill>
-                            <a:schemeClr val="tx1"/>
-                          </a:solidFill>
-                          <a:latin typeface="Times New Roman" panose="02020603050405020304" pitchFamily="18" charset="0"/>
-                          <a:ea typeface="+mn-ea"/>
-                          <a:cs typeface="Times New Roman" panose="02020603050405020304" pitchFamily="18" charset="0"/>
-                        </a:rPr>
-                        <a:t>	</a:t>
-                      </a:r>
-                    </a:p>
-                    <a:p>
-                      <a:pPr marL="0" marR="0" lvl="0" indent="0" algn="l" defTabSz="914400" rtl="0" eaLnBrk="1" fontAlgn="auto" latinLnBrk="0" hangingPunct="1">
-                        <a:lnSpc>
-                          <a:spcPct val="100000"/>
-                        </a:lnSpc>
-                        <a:spcBef>
-                          <a:spcPts val="0"/>
-                        </a:spcBef>
-                        <a:spcAft>
-                          <a:spcPts val="0"/>
-                        </a:spcAft>
-                        <a:buClrTx/>
-                        <a:buSzTx/>
-                        <a:buFontTx/>
-                        <a:buNone/>
-                        <a:tabLst/>
-                        <a:defRPr/>
-                      </a:pPr>
                       <a:r>
                         <a:rPr lang="en-IN" sz="1400" b="0" i="0" u="none" strike="noStrike" kern="1200" baseline="0" dirty="0">
                           <a:solidFill>
@@ -11331,25 +11347,8 @@
                     <a:bodyPr/>
                     <a:lstStyle/>
                     <a:p>
-                      <a:pPr marL="0" marR="0" lvl="0" indent="0" algn="l" defTabSz="914400" rtl="0" eaLnBrk="1" fontAlgn="auto" latinLnBrk="0" hangingPunct="1">
-                        <a:lnSpc>
-                          <a:spcPct val="100000"/>
-                        </a:lnSpc>
-                        <a:spcBef>
-                          <a:spcPts val="0"/>
-                        </a:spcBef>
-                        <a:spcAft>
-                          <a:spcPts val="0"/>
-                        </a:spcAft>
-                        <a:buClrTx/>
-                        <a:buSzTx/>
-                        <a:buFontTx/>
-                        <a:buNone/>
-                        <a:tabLst/>
-                        <a:defRPr/>
-                      </a:pPr>
                       <a:r>
-                        <a:rPr lang="en-US" sz="1400" b="0" i="0" u="none" strike="noStrike" kern="1200" baseline="0" dirty="0">
+                        <a:rPr lang="en-IN" sz="1400" b="0" i="0" u="none" strike="noStrike" kern="1200" baseline="0" dirty="0">
                           <a:solidFill>
                             <a:schemeClr val="tx1"/>
                           </a:solidFill>
@@ -11357,20 +11356,7 @@
                           <a:ea typeface="+mn-ea"/>
                           <a:cs typeface="Times New Roman" panose="02020603050405020304" pitchFamily="18" charset="0"/>
                         </a:rPr>
-                        <a:t>Design and Development of low-cost Sensor to capture ventral and dorsal Finger-vein for Biometric Authentication 	</a:t>
-                      </a:r>
-                    </a:p>
-                    <a:p>
-                      <a:r>
-                        <a:rPr lang="en-US" sz="1400" b="0" i="0" u="none" strike="noStrike" kern="1200" baseline="0" dirty="0">
-                          <a:solidFill>
-                            <a:schemeClr val="tx1"/>
-                          </a:solidFill>
-                          <a:latin typeface="Times New Roman" panose="02020603050405020304" pitchFamily="18" charset="0"/>
-                          <a:ea typeface="+mn-ea"/>
-                          <a:cs typeface="Times New Roman" panose="02020603050405020304" pitchFamily="18" charset="0"/>
-                        </a:rPr>
-                        <a:t>	</a:t>
+                        <a:t>Finger Vein Presentation Attack Detection Using Total Variation Decomposition 	</a:t>
                       </a:r>
                     </a:p>
                   </a:txBody>
@@ -11394,7 +11380,7 @@
                           <a:ea typeface="+mn-ea"/>
                           <a:cs typeface="Times New Roman" panose="02020603050405020304" pitchFamily="18" charset="0"/>
                         </a:rPr>
-                        <a:t>More accurate the detection results </a:t>
+                        <a:t>Efficient and robust method for detecting presentation attacks </a:t>
                       </a:r>
                     </a:p>
                     <a:p>
@@ -11411,7 +11397,7 @@
                           <a:ea typeface="+mn-ea"/>
                           <a:cs typeface="Times New Roman" panose="02020603050405020304" pitchFamily="18" charset="0"/>
                         </a:rPr>
-                        <a:t>Performance of the classifier improved significantly </a:t>
+                        <a:t>Detects degrees of blurriness and the noise distribution </a:t>
                       </a:r>
                     </a:p>
                     <a:p>
@@ -11428,7 +11414,7 @@
                           <a:ea typeface="+mn-ea"/>
                           <a:cs typeface="Times New Roman" panose="02020603050405020304" pitchFamily="18" charset="0"/>
                         </a:rPr>
-                        <a:t>Identify and detect with the help of patterns created </a:t>
+                        <a:t>Encode both structure and noise information in the decomposed components </a:t>
                       </a:r>
                     </a:p>
                     <a:p>
@@ -11465,7 +11451,7 @@
                           <a:ea typeface="+mn-ea"/>
                           <a:cs typeface="Times New Roman" panose="02020603050405020304" pitchFamily="18" charset="0"/>
                         </a:rPr>
-                        <a:t>Unable to resolve the problem when probability is half by half </a:t>
+                        <a:t>Does not support pattern based finger vein recognition </a:t>
                       </a:r>
                     </a:p>
                     <a:p>
@@ -11482,8 +11468,27 @@
                           <a:ea typeface="+mn-ea"/>
                           <a:cs typeface="Times New Roman" panose="02020603050405020304" pitchFamily="18" charset="0"/>
                         </a:rPr>
-                        <a:t>No better performance as a baseline.</a:t>
+                        <a:t>Computational cost in training the model is high </a:t>
                       </a:r>
+                    </a:p>
+                    <a:p>
+                      <a:pPr marL="285750" indent="-285750">
+                        <a:buFont typeface="Wingdings" panose="05000000000000000000" pitchFamily="2" charset="2"/>
+                        <a:buChar char="ü"/>
+                      </a:pPr>
+                      <a:r>
+                        <a:rPr lang="en-US" sz="1400" b="0" i="0" u="none" strike="noStrike" kern="1200" baseline="0" dirty="0">
+                          <a:solidFill>
+                            <a:schemeClr val="tx1"/>
+                          </a:solidFill>
+                          <a:latin typeface="Times New Roman" panose="02020603050405020304" pitchFamily="18" charset="0"/>
+                          <a:ea typeface="+mn-ea"/>
+                          <a:cs typeface="Times New Roman" panose="02020603050405020304" pitchFamily="18" charset="0"/>
+                        </a:rPr>
+                        <a:t>Does not bifurcation point of vein pattern vary largely between the imposter images </a:t>
+                      </a:r>
+                    </a:p>
+                    <a:p>
                       <a:r>
                         <a:rPr lang="en-IN" sz="1400" b="0" i="0" u="none" strike="noStrike" kern="1200" baseline="0" dirty="0">
                           <a:solidFill>
@@ -11501,7 +11506,7 @@
                 </a:tc>
                 <a:extLst>
                   <a:ext uri="{0D108BD9-81ED-4DB2-BD59-A6C34878D82A}">
-                    <a16:rowId xmlns:a16="http://schemas.microsoft.com/office/drawing/2014/main" val="427460015"/>
+                    <a16:rowId xmlns:a16="http://schemas.microsoft.com/office/drawing/2014/main" val="2012118569"/>
                   </a:ext>
                 </a:extLst>
               </a:tr>
@@ -11512,7 +11517,7 @@
     </p:spTree>
     <p:extLst>
       <p:ext uri="{BB962C8B-B14F-4D97-AF65-F5344CB8AC3E}">
-        <p14:creationId xmlns:p14="http://schemas.microsoft.com/office/powerpoint/2010/main" val="20067004"/>
+        <p14:creationId xmlns:p14="http://schemas.microsoft.com/office/powerpoint/2010/main" val="3239487573"/>
       </p:ext>
     </p:extLst>
   </p:cSld>
@@ -11588,18 +11593,22 @@
         <p:spPr/>
         <p:txBody>
           <a:bodyPr>
-            <a:normAutofit fontScale="92500" lnSpcReduction="10000"/>
+            <a:normAutofit/>
           </a:bodyPr>
           <a:lstStyle/>
           <a:p>
-            <a:pPr algn="just"/>
+            <a:pPr algn="just">
+              <a:lnSpc>
+                <a:spcPct val="200000"/>
+              </a:lnSpc>
+            </a:pPr>
             <a:r>
               <a:rPr lang="en-US" sz="1800" dirty="0">
                 <a:effectLst/>
                 <a:latin typeface="Times New Roman" panose="02020603050405020304" pitchFamily="18" charset="0"/>
                 <a:ea typeface="Times New Roman" panose="02020603050405020304" pitchFamily="18" charset="0"/>
               </a:rPr>
-              <a:t>Finger</a:t>
+              <a:t>Works by utilizing</a:t>
             </a:r>
             <a:r>
               <a:rPr lang="en-US" sz="1800" spc="5" dirty="0">
@@ -11615,6 +11624,54 @@
                 <a:latin typeface="Times New Roman" panose="02020603050405020304" pitchFamily="18" charset="0"/>
                 <a:ea typeface="Times New Roman" panose="02020603050405020304" pitchFamily="18" charset="0"/>
               </a:rPr>
+              <a:t>the</a:t>
+            </a:r>
+            <a:r>
+              <a:rPr lang="en-US" sz="1800" spc="5" dirty="0">
+                <a:effectLst/>
+                <a:latin typeface="Times New Roman" panose="02020603050405020304" pitchFamily="18" charset="0"/>
+                <a:ea typeface="Times New Roman" panose="02020603050405020304" pitchFamily="18" charset="0"/>
+              </a:rPr>
+              <a:t> </a:t>
+            </a:r>
+            <a:r>
+              <a:rPr lang="en-US" sz="1800" dirty="0">
+                <a:effectLst/>
+                <a:latin typeface="Times New Roman" panose="02020603050405020304" pitchFamily="18" charset="0"/>
+                <a:ea typeface="Times New Roman" panose="02020603050405020304" pitchFamily="18" charset="0"/>
+              </a:rPr>
+              <a:t>differences</a:t>
+            </a:r>
+            <a:r>
+              <a:rPr lang="en-US" sz="1800" spc="5" dirty="0">
+                <a:effectLst/>
+                <a:latin typeface="Times New Roman" panose="02020603050405020304" pitchFamily="18" charset="0"/>
+                <a:ea typeface="Times New Roman" panose="02020603050405020304" pitchFamily="18" charset="0"/>
+              </a:rPr>
+              <a:t> </a:t>
+            </a:r>
+            <a:r>
+              <a:rPr lang="en-US" sz="1800" dirty="0">
+                <a:effectLst/>
+                <a:latin typeface="Times New Roman" panose="02020603050405020304" pitchFamily="18" charset="0"/>
+                <a:ea typeface="Times New Roman" panose="02020603050405020304" pitchFamily="18" charset="0"/>
+              </a:rPr>
+              <a:t>of</a:t>
+            </a:r>
+            <a:r>
+              <a:rPr lang="en-US" sz="1800" spc="5" dirty="0">
+                <a:effectLst/>
+                <a:latin typeface="Times New Roman" panose="02020603050405020304" pitchFamily="18" charset="0"/>
+                <a:ea typeface="Times New Roman" panose="02020603050405020304" pitchFamily="18" charset="0"/>
+              </a:rPr>
+              <a:t> </a:t>
+            </a:r>
+            <a:r>
+              <a:rPr lang="en-US" sz="1800" dirty="0">
+                <a:effectLst/>
+                <a:latin typeface="Times New Roman" panose="02020603050405020304" pitchFamily="18" charset="0"/>
+                <a:ea typeface="Times New Roman" panose="02020603050405020304" pitchFamily="18" charset="0"/>
+              </a:rPr>
               <a:t>vein</a:t>
             </a:r>
             <a:r>
@@ -11631,7 +11688,7 @@
                 <a:latin typeface="Times New Roman" panose="02020603050405020304" pitchFamily="18" charset="0"/>
                 <a:ea typeface="Times New Roman" panose="02020603050405020304" pitchFamily="18" charset="0"/>
               </a:rPr>
-              <a:t>authentication</a:t>
+              <a:t>patterns</a:t>
             </a:r>
             <a:r>
               <a:rPr lang="en-US" sz="1800" spc="5" dirty="0">
@@ -11647,7 +11704,7 @@
                 <a:latin typeface="Times New Roman" panose="02020603050405020304" pitchFamily="18" charset="0"/>
                 <a:ea typeface="Times New Roman" panose="02020603050405020304" pitchFamily="18" charset="0"/>
               </a:rPr>
-              <a:t>works</a:t>
+              <a:t>for</a:t>
             </a:r>
             <a:r>
               <a:rPr lang="en-US" sz="1800" spc="5" dirty="0">
@@ -11663,7 +11720,7 @@
                 <a:latin typeface="Times New Roman" panose="02020603050405020304" pitchFamily="18" charset="0"/>
                 <a:ea typeface="Times New Roman" panose="02020603050405020304" pitchFamily="18" charset="0"/>
               </a:rPr>
-              <a:t>by utilizing</a:t>
+              <a:t>personal</a:t>
             </a:r>
             <a:r>
               <a:rPr lang="en-US" sz="1800" spc="5" dirty="0">
@@ -11679,7 +11736,22 @@
                 <a:latin typeface="Times New Roman" panose="02020603050405020304" pitchFamily="18" charset="0"/>
                 <a:ea typeface="Times New Roman" panose="02020603050405020304" pitchFamily="18" charset="0"/>
               </a:rPr>
-              <a:t>the</a:t>
+              <a:t>identification. </a:t>
+            </a:r>
+          </a:p>
+          <a:p>
+            <a:pPr algn="just">
+              <a:lnSpc>
+                <a:spcPct val="200000"/>
+              </a:lnSpc>
+            </a:pPr>
+            <a:r>
+              <a:rPr lang="en-US" sz="1800" dirty="0">
+                <a:effectLst/>
+                <a:latin typeface="Times New Roman" panose="02020603050405020304" pitchFamily="18" charset="0"/>
+                <a:ea typeface="Times New Roman" panose="02020603050405020304" pitchFamily="18" charset="0"/>
+              </a:rPr>
+              <a:t>Compares the vein pattern</a:t>
             </a:r>
             <a:r>
               <a:rPr lang="en-US" sz="1800" spc="5" dirty="0">
@@ -11695,817 +11767,81 @@
                 <a:latin typeface="Times New Roman" panose="02020603050405020304" pitchFamily="18" charset="0"/>
                 <a:ea typeface="Times New Roman" panose="02020603050405020304" pitchFamily="18" charset="0"/>
               </a:rPr>
-              <a:t>differences</a:t>
-            </a:r>
-            <a:r>
-              <a:rPr lang="en-US" sz="1800" spc="5" dirty="0">
+              <a:t>with existing pattern.</a:t>
+            </a:r>
+          </a:p>
+          <a:p>
+            <a:pPr algn="just">
+              <a:lnSpc>
+                <a:spcPct val="200000"/>
+              </a:lnSpc>
+            </a:pPr>
+            <a:r>
+              <a:rPr lang="en-US" sz="1800" dirty="0">
+                <a:effectLst/>
+                <a:latin typeface="Times New Roman" panose="02020603050405020304" pitchFamily="18" charset="0"/>
+                <a:ea typeface="Times New Roman" panose="02020603050405020304" pitchFamily="18" charset="0"/>
+              </a:rPr>
+              <a:t> Combination of</a:t>
+            </a:r>
+            <a:r>
+              <a:rPr lang="en-US" sz="1800" spc="-335" dirty="0">
+                <a:effectLst/>
+                <a:latin typeface="Times New Roman" panose="02020603050405020304" pitchFamily="18" charset="0"/>
+                <a:ea typeface="Times New Roman" panose="02020603050405020304" pitchFamily="18" charset="0"/>
+              </a:rPr>
+              <a:t>   </a:t>
+            </a:r>
+            <a:r>
+              <a:rPr lang="en-US" sz="1800" dirty="0">
+                <a:effectLst/>
+                <a:latin typeface="Times New Roman" panose="02020603050405020304" pitchFamily="18" charset="0"/>
+                <a:ea typeface="Times New Roman" panose="02020603050405020304" pitchFamily="18" charset="0"/>
+              </a:rPr>
+              <a:t>hardware design and software procedures. </a:t>
+            </a:r>
+          </a:p>
+          <a:p>
+            <a:pPr marL="592138" indent="-285750" algn="just">
+              <a:lnSpc>
+                <a:spcPct val="200000"/>
+              </a:lnSpc>
+              <a:buFont typeface="Wingdings" panose="05000000000000000000" pitchFamily="2" charset="2"/>
+              <a:buChar char="ü"/>
+            </a:pPr>
+            <a:r>
+              <a:rPr lang="en-US" sz="1800" dirty="0">
+                <a:effectLst/>
+                <a:latin typeface="Times New Roman" panose="02020603050405020304" pitchFamily="18" charset="0"/>
+                <a:ea typeface="Times New Roman" panose="02020603050405020304" pitchFamily="18" charset="0"/>
+              </a:rPr>
+              <a:t>Hardware- to capture finger veins.</a:t>
+            </a:r>
+          </a:p>
+          <a:p>
+            <a:pPr marL="592138" indent="-285750" algn="just">
+              <a:lnSpc>
+                <a:spcPct val="200000"/>
+              </a:lnSpc>
+              <a:buFont typeface="Wingdings" panose="05000000000000000000" pitchFamily="2" charset="2"/>
+              <a:buChar char="ü"/>
+            </a:pPr>
+            <a:r>
+              <a:rPr lang="en-US" sz="1800" dirty="0">
+                <a:effectLst/>
+                <a:latin typeface="Times New Roman" panose="02020603050405020304" pitchFamily="18" charset="0"/>
+                <a:ea typeface="Times New Roman" panose="02020603050405020304" pitchFamily="18" charset="0"/>
+              </a:rPr>
+              <a:t>Software- to use appropriate algorithms for authentication.</a:t>
+            </a:r>
+            <a:r>
+              <a:rPr lang="en-US" sz="1800" spc="20" dirty="0">
                 <a:effectLst/>
                 <a:latin typeface="Times New Roman" panose="02020603050405020304" pitchFamily="18" charset="0"/>
                 <a:ea typeface="Times New Roman" panose="02020603050405020304" pitchFamily="18" charset="0"/>
               </a:rPr>
               <a:t> </a:t>
             </a:r>
-            <a:r>
-              <a:rPr lang="en-US" sz="1800" dirty="0">
-                <a:effectLst/>
-                <a:latin typeface="Times New Roman" panose="02020603050405020304" pitchFamily="18" charset="0"/>
-                <a:ea typeface="Times New Roman" panose="02020603050405020304" pitchFamily="18" charset="0"/>
-              </a:rPr>
-              <a:t>of</a:t>
-            </a:r>
-            <a:r>
-              <a:rPr lang="en-US" sz="1800" spc="5" dirty="0">
-                <a:effectLst/>
-                <a:latin typeface="Times New Roman" panose="02020603050405020304" pitchFamily="18" charset="0"/>
-                <a:ea typeface="Times New Roman" panose="02020603050405020304" pitchFamily="18" charset="0"/>
-              </a:rPr>
-              <a:t> </a:t>
-            </a:r>
-            <a:r>
-              <a:rPr lang="en-US" sz="1800" dirty="0">
-                <a:effectLst/>
-                <a:latin typeface="Times New Roman" panose="02020603050405020304" pitchFamily="18" charset="0"/>
-                <a:ea typeface="Times New Roman" panose="02020603050405020304" pitchFamily="18" charset="0"/>
-              </a:rPr>
-              <a:t>vein</a:t>
-            </a:r>
-            <a:r>
-              <a:rPr lang="en-US" sz="1800" spc="5" dirty="0">
-                <a:effectLst/>
-                <a:latin typeface="Times New Roman" panose="02020603050405020304" pitchFamily="18" charset="0"/>
-                <a:ea typeface="Times New Roman" panose="02020603050405020304" pitchFamily="18" charset="0"/>
-              </a:rPr>
-              <a:t> </a:t>
-            </a:r>
-            <a:r>
-              <a:rPr lang="en-US" sz="1800" dirty="0">
-                <a:effectLst/>
-                <a:latin typeface="Times New Roman" panose="02020603050405020304" pitchFamily="18" charset="0"/>
-                <a:ea typeface="Times New Roman" panose="02020603050405020304" pitchFamily="18" charset="0"/>
-              </a:rPr>
-              <a:t>patterns</a:t>
-            </a:r>
-            <a:r>
-              <a:rPr lang="en-US" sz="1800" spc="5" dirty="0">
-                <a:effectLst/>
-                <a:latin typeface="Times New Roman" panose="02020603050405020304" pitchFamily="18" charset="0"/>
-                <a:ea typeface="Times New Roman" panose="02020603050405020304" pitchFamily="18" charset="0"/>
-              </a:rPr>
-              <a:t> </a:t>
-            </a:r>
-            <a:r>
-              <a:rPr lang="en-US" sz="1800" dirty="0">
-                <a:effectLst/>
-                <a:latin typeface="Times New Roman" panose="02020603050405020304" pitchFamily="18" charset="0"/>
-                <a:ea typeface="Times New Roman" panose="02020603050405020304" pitchFamily="18" charset="0"/>
-              </a:rPr>
-              <a:t>for</a:t>
-            </a:r>
-            <a:r>
-              <a:rPr lang="en-US" sz="1800" spc="5" dirty="0">
-                <a:effectLst/>
-                <a:latin typeface="Times New Roman" panose="02020603050405020304" pitchFamily="18" charset="0"/>
-                <a:ea typeface="Times New Roman" panose="02020603050405020304" pitchFamily="18" charset="0"/>
-              </a:rPr>
-              <a:t> </a:t>
-            </a:r>
-            <a:r>
-              <a:rPr lang="en-US" sz="1800" dirty="0">
-                <a:effectLst/>
-                <a:latin typeface="Times New Roman" panose="02020603050405020304" pitchFamily="18" charset="0"/>
-                <a:ea typeface="Times New Roman" panose="02020603050405020304" pitchFamily="18" charset="0"/>
-              </a:rPr>
-              <a:t>personal</a:t>
-            </a:r>
-            <a:r>
-              <a:rPr lang="en-US" sz="1800" spc="5" dirty="0">
-                <a:effectLst/>
-                <a:latin typeface="Times New Roman" panose="02020603050405020304" pitchFamily="18" charset="0"/>
-                <a:ea typeface="Times New Roman" panose="02020603050405020304" pitchFamily="18" charset="0"/>
-              </a:rPr>
-              <a:t> </a:t>
-            </a:r>
-            <a:r>
-              <a:rPr lang="en-US" sz="1800" dirty="0">
-                <a:effectLst/>
-                <a:latin typeface="Times New Roman" panose="02020603050405020304" pitchFamily="18" charset="0"/>
-                <a:ea typeface="Times New Roman" panose="02020603050405020304" pitchFamily="18" charset="0"/>
-              </a:rPr>
-              <a:t>identification. </a:t>
-            </a:r>
-          </a:p>
-          <a:p>
-            <a:pPr algn="just"/>
-            <a:r>
-              <a:rPr lang="en-US" sz="1800" dirty="0">
-                <a:effectLst/>
-                <a:latin typeface="Times New Roman" panose="02020603050405020304" pitchFamily="18" charset="0"/>
-                <a:ea typeface="Times New Roman" panose="02020603050405020304" pitchFamily="18" charset="0"/>
-              </a:rPr>
-              <a:t>The authentication process is carried out by comparing the vein pattern</a:t>
-            </a:r>
-            <a:r>
-              <a:rPr lang="en-US" sz="1800" spc="5" dirty="0">
-                <a:effectLst/>
-                <a:latin typeface="Times New Roman" panose="02020603050405020304" pitchFamily="18" charset="0"/>
-                <a:ea typeface="Times New Roman" panose="02020603050405020304" pitchFamily="18" charset="0"/>
-              </a:rPr>
-              <a:t> </a:t>
-            </a:r>
-            <a:r>
-              <a:rPr lang="en-US" sz="1800" dirty="0">
-                <a:effectLst/>
-                <a:latin typeface="Times New Roman" panose="02020603050405020304" pitchFamily="18" charset="0"/>
-                <a:ea typeface="Times New Roman" panose="02020603050405020304" pitchFamily="18" charset="0"/>
-              </a:rPr>
-              <a:t>that is previously captured during enrollment to the vein pattern that is taken during</a:t>
-            </a:r>
-            <a:r>
-              <a:rPr lang="en-US" sz="1800" spc="5" dirty="0">
-                <a:effectLst/>
-                <a:latin typeface="Times New Roman" panose="02020603050405020304" pitchFamily="18" charset="0"/>
-                <a:ea typeface="Times New Roman" panose="02020603050405020304" pitchFamily="18" charset="0"/>
-              </a:rPr>
-              <a:t> </a:t>
-            </a:r>
-            <a:r>
-              <a:rPr lang="en-US" sz="1800" dirty="0">
-                <a:effectLst/>
-                <a:latin typeface="Times New Roman" panose="02020603050405020304" pitchFamily="18" charset="0"/>
-                <a:ea typeface="Times New Roman" panose="02020603050405020304" pitchFamily="18" charset="0"/>
-              </a:rPr>
-              <a:t>authentication, and checking if they match.</a:t>
-            </a:r>
-          </a:p>
-          <a:p>
-            <a:pPr algn="just"/>
-            <a:r>
-              <a:rPr lang="en-US" sz="1800" dirty="0">
-                <a:effectLst/>
-                <a:latin typeface="Times New Roman" panose="02020603050405020304" pitchFamily="18" charset="0"/>
-                <a:ea typeface="Times New Roman" panose="02020603050405020304" pitchFamily="18" charset="0"/>
-              </a:rPr>
-              <a:t> To achieve this target, it’s necessary to make a combination between</a:t>
-            </a:r>
-            <a:r>
-              <a:rPr lang="en-US" sz="1800" spc="-335" dirty="0">
-                <a:effectLst/>
-                <a:latin typeface="Times New Roman" panose="02020603050405020304" pitchFamily="18" charset="0"/>
-                <a:ea typeface="Times New Roman" panose="02020603050405020304" pitchFamily="18" charset="0"/>
-              </a:rPr>
-              <a:t>  </a:t>
-            </a:r>
-            <a:r>
-              <a:rPr lang="en-US" sz="1800" dirty="0">
-                <a:effectLst/>
-                <a:latin typeface="Times New Roman" panose="02020603050405020304" pitchFamily="18" charset="0"/>
-                <a:ea typeface="Times New Roman" panose="02020603050405020304" pitchFamily="18" charset="0"/>
-              </a:rPr>
-              <a:t>hardware design and software procedures. Through hardware design, the system may</a:t>
-            </a:r>
-            <a:r>
-              <a:rPr lang="en-US" sz="1800" spc="5" dirty="0">
-                <a:effectLst/>
-                <a:latin typeface="Times New Roman" panose="02020603050405020304" pitchFamily="18" charset="0"/>
-                <a:ea typeface="Times New Roman" panose="02020603050405020304" pitchFamily="18" charset="0"/>
-              </a:rPr>
-              <a:t> </a:t>
-            </a:r>
-            <a:r>
-              <a:rPr lang="en-US" sz="1800" dirty="0">
-                <a:effectLst/>
-                <a:latin typeface="Times New Roman" panose="02020603050405020304" pitchFamily="18" charset="0"/>
-                <a:ea typeface="Times New Roman" panose="02020603050405020304" pitchFamily="18" charset="0"/>
-              </a:rPr>
-              <a:t>instruct the user to perform properly to make the pattern recognized easily. </a:t>
-            </a:r>
-          </a:p>
-          <a:p>
-            <a:pPr algn="just"/>
-            <a:r>
-              <a:rPr lang="en-US" sz="1800" dirty="0">
-                <a:effectLst/>
-                <a:latin typeface="Times New Roman" panose="02020603050405020304" pitchFamily="18" charset="0"/>
-                <a:ea typeface="Times New Roman" panose="02020603050405020304" pitchFamily="18" charset="0"/>
-              </a:rPr>
-              <a:t>Through</a:t>
-            </a:r>
-            <a:r>
-              <a:rPr lang="en-US" sz="1800" spc="5" dirty="0">
-                <a:effectLst/>
-                <a:latin typeface="Times New Roman" panose="02020603050405020304" pitchFamily="18" charset="0"/>
-                <a:ea typeface="Times New Roman" panose="02020603050405020304" pitchFamily="18" charset="0"/>
-              </a:rPr>
-              <a:t> </a:t>
-            </a:r>
-            <a:r>
-              <a:rPr lang="en-US" sz="1800" dirty="0">
-                <a:effectLst/>
-                <a:latin typeface="Times New Roman" panose="02020603050405020304" pitchFamily="18" charset="0"/>
-                <a:ea typeface="Times New Roman" panose="02020603050405020304" pitchFamily="18" charset="0"/>
-              </a:rPr>
-              <a:t>software procedures, the system may correct the problems related to the acquisition of</a:t>
-            </a:r>
-            <a:r>
-              <a:rPr lang="en-US" sz="1800" spc="5" dirty="0">
-                <a:effectLst/>
-                <a:latin typeface="Times New Roman" panose="02020603050405020304" pitchFamily="18" charset="0"/>
-                <a:ea typeface="Times New Roman" panose="02020603050405020304" pitchFamily="18" charset="0"/>
-              </a:rPr>
-              <a:t> </a:t>
-            </a:r>
-            <a:r>
-              <a:rPr lang="en-US" sz="1800" dirty="0">
-                <a:effectLst/>
-                <a:latin typeface="Times New Roman" panose="02020603050405020304" pitchFamily="18" charset="0"/>
-                <a:ea typeface="Times New Roman" panose="02020603050405020304" pitchFamily="18" charset="0"/>
-              </a:rPr>
-              <a:t>the</a:t>
-            </a:r>
-            <a:r>
-              <a:rPr lang="en-US" sz="1800" spc="15" dirty="0">
-                <a:effectLst/>
-                <a:latin typeface="Times New Roman" panose="02020603050405020304" pitchFamily="18" charset="0"/>
-                <a:ea typeface="Times New Roman" panose="02020603050405020304" pitchFamily="18" charset="0"/>
-              </a:rPr>
-              <a:t> </a:t>
-            </a:r>
-            <a:r>
-              <a:rPr lang="en-US" sz="1800" dirty="0">
-                <a:effectLst/>
-                <a:latin typeface="Times New Roman" panose="02020603050405020304" pitchFamily="18" charset="0"/>
-                <a:ea typeface="Times New Roman" panose="02020603050405020304" pitchFamily="18" charset="0"/>
-              </a:rPr>
-              <a:t>pattern,</a:t>
-            </a:r>
-            <a:r>
-              <a:rPr lang="en-US" sz="1800" spc="20" dirty="0">
-                <a:effectLst/>
-                <a:latin typeface="Times New Roman" panose="02020603050405020304" pitchFamily="18" charset="0"/>
-                <a:ea typeface="Times New Roman" panose="02020603050405020304" pitchFamily="18" charset="0"/>
-              </a:rPr>
-              <a:t> </a:t>
-            </a:r>
-            <a:r>
-              <a:rPr lang="en-US" sz="1800" dirty="0">
-                <a:effectLst/>
-                <a:latin typeface="Times New Roman" panose="02020603050405020304" pitchFamily="18" charset="0"/>
-                <a:ea typeface="Times New Roman" panose="02020603050405020304" pitchFamily="18" charset="0"/>
-              </a:rPr>
-              <a:t>relying</a:t>
-            </a:r>
-            <a:r>
-              <a:rPr lang="en-US" sz="1800" spc="5" dirty="0">
-                <a:effectLst/>
-                <a:latin typeface="Times New Roman" panose="02020603050405020304" pitchFamily="18" charset="0"/>
-                <a:ea typeface="Times New Roman" panose="02020603050405020304" pitchFamily="18" charset="0"/>
-              </a:rPr>
-              <a:t> </a:t>
-            </a:r>
-            <a:r>
-              <a:rPr lang="en-US" sz="1800" dirty="0">
-                <a:effectLst/>
-                <a:latin typeface="Times New Roman" panose="02020603050405020304" pitchFamily="18" charset="0"/>
-                <a:ea typeface="Times New Roman" panose="02020603050405020304" pitchFamily="18" charset="0"/>
-              </a:rPr>
-              <a:t>on</a:t>
-            </a:r>
-            <a:r>
-              <a:rPr lang="en-US" sz="1800" spc="45" dirty="0">
-                <a:effectLst/>
-                <a:latin typeface="Times New Roman" panose="02020603050405020304" pitchFamily="18" charset="0"/>
-                <a:ea typeface="Times New Roman" panose="02020603050405020304" pitchFamily="18" charset="0"/>
-              </a:rPr>
-              <a:t> </a:t>
-            </a:r>
-            <a:r>
-              <a:rPr lang="en-US" sz="1800" dirty="0">
-                <a:effectLst/>
-                <a:latin typeface="Times New Roman" panose="02020603050405020304" pitchFamily="18" charset="0"/>
-                <a:ea typeface="Times New Roman" panose="02020603050405020304" pitchFamily="18" charset="0"/>
-              </a:rPr>
-              <a:t>algorithms</a:t>
-            </a:r>
-            <a:r>
-              <a:rPr lang="en-US" sz="1800" spc="30" dirty="0">
-                <a:effectLst/>
-                <a:latin typeface="Times New Roman" panose="02020603050405020304" pitchFamily="18" charset="0"/>
-                <a:ea typeface="Times New Roman" panose="02020603050405020304" pitchFamily="18" charset="0"/>
-              </a:rPr>
-              <a:t> </a:t>
-            </a:r>
-            <a:r>
-              <a:rPr lang="en-US" sz="1800" dirty="0">
-                <a:effectLst/>
-                <a:latin typeface="Times New Roman" panose="02020603050405020304" pitchFamily="18" charset="0"/>
-                <a:ea typeface="Times New Roman" panose="02020603050405020304" pitchFamily="18" charset="0"/>
-              </a:rPr>
-              <a:t>that</a:t>
-            </a:r>
-            <a:r>
-              <a:rPr lang="en-US" sz="1800" spc="15" dirty="0">
-                <a:effectLst/>
-                <a:latin typeface="Times New Roman" panose="02020603050405020304" pitchFamily="18" charset="0"/>
-                <a:ea typeface="Times New Roman" panose="02020603050405020304" pitchFamily="18" charset="0"/>
-              </a:rPr>
-              <a:t> </a:t>
-            </a:r>
-            <a:r>
-              <a:rPr lang="en-US" sz="1800" dirty="0">
-                <a:effectLst/>
-                <a:latin typeface="Times New Roman" panose="02020603050405020304" pitchFamily="18" charset="0"/>
-                <a:ea typeface="Times New Roman" panose="02020603050405020304" pitchFamily="18" charset="0"/>
-              </a:rPr>
-              <a:t>aid</a:t>
-            </a:r>
-            <a:r>
-              <a:rPr lang="en-US" sz="1800" spc="20" dirty="0">
-                <a:effectLst/>
-                <a:latin typeface="Times New Roman" panose="02020603050405020304" pitchFamily="18" charset="0"/>
-                <a:ea typeface="Times New Roman" panose="02020603050405020304" pitchFamily="18" charset="0"/>
-              </a:rPr>
-              <a:t> </a:t>
-            </a:r>
-            <a:r>
-              <a:rPr lang="en-US" sz="1800" dirty="0">
-                <a:effectLst/>
-                <a:latin typeface="Times New Roman" panose="02020603050405020304" pitchFamily="18" charset="0"/>
-                <a:ea typeface="Times New Roman" panose="02020603050405020304" pitchFamily="18" charset="0"/>
-              </a:rPr>
-              <a:t>to</a:t>
-            </a:r>
-            <a:r>
-              <a:rPr lang="en-US" sz="1800" spc="15" dirty="0">
-                <a:effectLst/>
-                <a:latin typeface="Times New Roman" panose="02020603050405020304" pitchFamily="18" charset="0"/>
-                <a:ea typeface="Times New Roman" panose="02020603050405020304" pitchFamily="18" charset="0"/>
-              </a:rPr>
-              <a:t> </a:t>
-            </a:r>
-            <a:r>
-              <a:rPr lang="en-US" sz="1800" dirty="0">
-                <a:effectLst/>
-                <a:latin typeface="Times New Roman" panose="02020603050405020304" pitchFamily="18" charset="0"/>
-                <a:ea typeface="Times New Roman" panose="02020603050405020304" pitchFamily="18" charset="0"/>
-              </a:rPr>
-              <a:t>solve</a:t>
-            </a:r>
-            <a:r>
-              <a:rPr lang="en-US" sz="1800" spc="15" dirty="0">
-                <a:effectLst/>
-                <a:latin typeface="Times New Roman" panose="02020603050405020304" pitchFamily="18" charset="0"/>
-                <a:ea typeface="Times New Roman" panose="02020603050405020304" pitchFamily="18" charset="0"/>
-              </a:rPr>
-              <a:t> </a:t>
-            </a:r>
-            <a:r>
-              <a:rPr lang="en-US" sz="1800" dirty="0">
-                <a:effectLst/>
-                <a:latin typeface="Times New Roman" panose="02020603050405020304" pitchFamily="18" charset="0"/>
-                <a:ea typeface="Times New Roman" panose="02020603050405020304" pitchFamily="18" charset="0"/>
-              </a:rPr>
-              <a:t>irregularities.</a:t>
-            </a:r>
-            <a:r>
-              <a:rPr lang="en-US" sz="1800" spc="20" dirty="0">
-                <a:effectLst/>
-                <a:latin typeface="Times New Roman" panose="02020603050405020304" pitchFamily="18" charset="0"/>
-                <a:ea typeface="Times New Roman" panose="02020603050405020304" pitchFamily="18" charset="0"/>
-              </a:rPr>
-              <a:t> </a:t>
-            </a:r>
-          </a:p>
-          <a:p>
-            <a:pPr algn="just"/>
-            <a:r>
-              <a:rPr lang="en-US" sz="1800" dirty="0">
-                <a:effectLst/>
-                <a:latin typeface="Times New Roman" panose="02020603050405020304" pitchFamily="18" charset="0"/>
-                <a:ea typeface="Times New Roman" panose="02020603050405020304" pitchFamily="18" charset="0"/>
-              </a:rPr>
-              <a:t>Furthermore,</a:t>
-            </a:r>
-            <a:r>
-              <a:rPr lang="en-US" sz="1800" spc="10" dirty="0">
-                <a:effectLst/>
-                <a:latin typeface="Times New Roman" panose="02020603050405020304" pitchFamily="18" charset="0"/>
-                <a:ea typeface="Times New Roman" panose="02020603050405020304" pitchFamily="18" charset="0"/>
-              </a:rPr>
-              <a:t> </a:t>
-            </a:r>
-            <a:r>
-              <a:rPr lang="en-US" sz="1800" dirty="0">
-                <a:effectLst/>
-                <a:latin typeface="Times New Roman" panose="02020603050405020304" pitchFamily="18" charset="0"/>
-                <a:ea typeface="Times New Roman" panose="02020603050405020304" pitchFamily="18" charset="0"/>
-              </a:rPr>
-              <a:t>the algorithm</a:t>
-            </a:r>
-            <a:r>
-              <a:rPr lang="en-US" sz="1800" spc="5" dirty="0">
-                <a:effectLst/>
-                <a:latin typeface="Times New Roman" panose="02020603050405020304" pitchFamily="18" charset="0"/>
-                <a:ea typeface="Times New Roman" panose="02020603050405020304" pitchFamily="18" charset="0"/>
-              </a:rPr>
-              <a:t> </a:t>
-            </a:r>
-            <a:r>
-              <a:rPr lang="en-US" sz="1800" dirty="0">
-                <a:effectLst/>
-                <a:latin typeface="Times New Roman" panose="02020603050405020304" pitchFamily="18" charset="0"/>
-                <a:ea typeface="Times New Roman" panose="02020603050405020304" pitchFamily="18" charset="0"/>
-              </a:rPr>
-              <a:t>is</a:t>
-            </a:r>
-            <a:r>
-              <a:rPr lang="en-US" sz="1800" spc="35" dirty="0">
-                <a:effectLst/>
-                <a:latin typeface="Times New Roman" panose="02020603050405020304" pitchFamily="18" charset="0"/>
-                <a:ea typeface="Times New Roman" panose="02020603050405020304" pitchFamily="18" charset="0"/>
-              </a:rPr>
-              <a:t> </a:t>
-            </a:r>
-            <a:r>
-              <a:rPr lang="en-US" sz="1800" dirty="0">
-                <a:effectLst/>
-                <a:latin typeface="Times New Roman" panose="02020603050405020304" pitchFamily="18" charset="0"/>
-                <a:ea typeface="Times New Roman" panose="02020603050405020304" pitchFamily="18" charset="0"/>
-              </a:rPr>
-              <a:t>able</a:t>
-            </a:r>
-            <a:r>
-              <a:rPr lang="en-US" sz="1800" spc="15" dirty="0">
-                <a:effectLst/>
-                <a:latin typeface="Times New Roman" panose="02020603050405020304" pitchFamily="18" charset="0"/>
-                <a:ea typeface="Times New Roman" panose="02020603050405020304" pitchFamily="18" charset="0"/>
-              </a:rPr>
-              <a:t> </a:t>
-            </a:r>
-            <a:r>
-              <a:rPr lang="en-US" sz="1800" dirty="0">
-                <a:effectLst/>
-                <a:latin typeface="Times New Roman" panose="02020603050405020304" pitchFamily="18" charset="0"/>
-                <a:ea typeface="Times New Roman" panose="02020603050405020304" pitchFamily="18" charset="0"/>
-              </a:rPr>
-              <a:t>to</a:t>
-            </a:r>
-            <a:r>
-              <a:rPr lang="en-US" sz="1800" spc="35" dirty="0">
-                <a:effectLst/>
-                <a:latin typeface="Times New Roman" panose="02020603050405020304" pitchFamily="18" charset="0"/>
-                <a:ea typeface="Times New Roman" panose="02020603050405020304" pitchFamily="18" charset="0"/>
-              </a:rPr>
-              <a:t> </a:t>
-            </a:r>
-            <a:r>
-              <a:rPr lang="en-US" sz="1800" dirty="0">
-                <a:effectLst/>
-                <a:latin typeface="Times New Roman" panose="02020603050405020304" pitchFamily="18" charset="0"/>
-                <a:ea typeface="Times New Roman" panose="02020603050405020304" pitchFamily="18" charset="0"/>
-              </a:rPr>
-              <a:t>create</a:t>
-            </a:r>
-            <a:r>
-              <a:rPr lang="en-US" sz="1800" spc="15" dirty="0">
-                <a:effectLst/>
-                <a:latin typeface="Times New Roman" panose="02020603050405020304" pitchFamily="18" charset="0"/>
-                <a:ea typeface="Times New Roman" panose="02020603050405020304" pitchFamily="18" charset="0"/>
-              </a:rPr>
-              <a:t> </a:t>
-            </a:r>
-            <a:r>
-              <a:rPr lang="en-US" sz="1800" dirty="0">
-                <a:effectLst/>
-                <a:latin typeface="Times New Roman" panose="02020603050405020304" pitchFamily="18" charset="0"/>
-                <a:ea typeface="Times New Roman" panose="02020603050405020304" pitchFamily="18" charset="0"/>
-              </a:rPr>
-              <a:t>the</a:t>
-            </a:r>
-            <a:r>
-              <a:rPr lang="en-US" sz="1800" spc="20" dirty="0">
-                <a:effectLst/>
-                <a:latin typeface="Times New Roman" panose="02020603050405020304" pitchFamily="18" charset="0"/>
-                <a:ea typeface="Times New Roman" panose="02020603050405020304" pitchFamily="18" charset="0"/>
-              </a:rPr>
-              <a:t> </a:t>
-            </a:r>
-            <a:r>
-              <a:rPr lang="en-US" sz="1800" dirty="0">
-                <a:effectLst/>
-                <a:latin typeface="Times New Roman" panose="02020603050405020304" pitchFamily="18" charset="0"/>
-                <a:ea typeface="Times New Roman" panose="02020603050405020304" pitchFamily="18" charset="0"/>
-              </a:rPr>
-              <a:t>score</a:t>
-            </a:r>
-            <a:r>
-              <a:rPr lang="en-US" sz="1800" spc="20" dirty="0">
-                <a:effectLst/>
-                <a:latin typeface="Times New Roman" panose="02020603050405020304" pitchFamily="18" charset="0"/>
-                <a:ea typeface="Times New Roman" panose="02020603050405020304" pitchFamily="18" charset="0"/>
-              </a:rPr>
-              <a:t> </a:t>
-            </a:r>
-            <a:r>
-              <a:rPr lang="en-US" sz="1800" dirty="0">
-                <a:effectLst/>
-                <a:latin typeface="Times New Roman" panose="02020603050405020304" pitchFamily="18" charset="0"/>
-                <a:ea typeface="Times New Roman" panose="02020603050405020304" pitchFamily="18" charset="0"/>
-              </a:rPr>
-              <a:t>of</a:t>
-            </a:r>
-            <a:r>
-              <a:rPr lang="en-US" sz="1800" spc="15" dirty="0">
-                <a:effectLst/>
-                <a:latin typeface="Times New Roman" panose="02020603050405020304" pitchFamily="18" charset="0"/>
-                <a:ea typeface="Times New Roman" panose="02020603050405020304" pitchFamily="18" charset="0"/>
-              </a:rPr>
-              <a:t> </a:t>
-            </a:r>
-            <a:r>
-              <a:rPr lang="en-US" sz="1800" dirty="0">
-                <a:effectLst/>
-                <a:latin typeface="Times New Roman" panose="02020603050405020304" pitchFamily="18" charset="0"/>
-                <a:ea typeface="Times New Roman" panose="02020603050405020304" pitchFamily="18" charset="0"/>
-              </a:rPr>
-              <a:t>similarity</a:t>
-            </a:r>
-            <a:r>
-              <a:rPr lang="en-US" sz="1800" spc="15" dirty="0">
-                <a:effectLst/>
-                <a:latin typeface="Times New Roman" panose="02020603050405020304" pitchFamily="18" charset="0"/>
-                <a:ea typeface="Times New Roman" panose="02020603050405020304" pitchFamily="18" charset="0"/>
-              </a:rPr>
-              <a:t> </a:t>
-            </a:r>
-            <a:r>
-              <a:rPr lang="en-US" sz="1800" dirty="0">
-                <a:effectLst/>
-                <a:latin typeface="Times New Roman" panose="02020603050405020304" pitchFamily="18" charset="0"/>
-                <a:ea typeface="Times New Roman" panose="02020603050405020304" pitchFamily="18" charset="0"/>
-              </a:rPr>
-              <a:t>in</a:t>
-            </a:r>
-            <a:r>
-              <a:rPr lang="en-US" sz="1800" spc="25" dirty="0">
-                <a:effectLst/>
-                <a:latin typeface="Times New Roman" panose="02020603050405020304" pitchFamily="18" charset="0"/>
-                <a:ea typeface="Times New Roman" panose="02020603050405020304" pitchFamily="18" charset="0"/>
-              </a:rPr>
-              <a:t> </a:t>
-            </a:r>
-            <a:r>
-              <a:rPr lang="en-US" sz="1800" dirty="0">
-                <a:effectLst/>
-                <a:latin typeface="Times New Roman" panose="02020603050405020304" pitchFamily="18" charset="0"/>
-                <a:ea typeface="Times New Roman" panose="02020603050405020304" pitchFamily="18" charset="0"/>
-              </a:rPr>
-              <a:t>biometrical</a:t>
-            </a:r>
-            <a:r>
-              <a:rPr lang="en-US" sz="1800" spc="20" dirty="0">
-                <a:effectLst/>
-                <a:latin typeface="Times New Roman" panose="02020603050405020304" pitchFamily="18" charset="0"/>
-                <a:ea typeface="Times New Roman" panose="02020603050405020304" pitchFamily="18" charset="0"/>
-              </a:rPr>
-              <a:t> </a:t>
-            </a:r>
-            <a:r>
-              <a:rPr lang="en-US" sz="1800" dirty="0">
-                <a:effectLst/>
-                <a:latin typeface="Times New Roman" panose="02020603050405020304" pitchFamily="18" charset="0"/>
-                <a:ea typeface="Times New Roman" panose="02020603050405020304" pitchFamily="18" charset="0"/>
-              </a:rPr>
-              <a:t>character</a:t>
-            </a:r>
-            <a:r>
-              <a:rPr lang="en-US" sz="1800" spc="30" dirty="0">
-                <a:effectLst/>
-                <a:latin typeface="Times New Roman" panose="02020603050405020304" pitchFamily="18" charset="0"/>
-                <a:ea typeface="Times New Roman" panose="02020603050405020304" pitchFamily="18" charset="0"/>
-              </a:rPr>
-              <a:t> </a:t>
-            </a:r>
-            <a:r>
-              <a:rPr lang="en-US" sz="1800" dirty="0">
-                <a:effectLst/>
-                <a:latin typeface="Times New Roman" panose="02020603050405020304" pitchFamily="18" charset="0"/>
-                <a:ea typeface="Times New Roman" panose="02020603050405020304" pitchFamily="18" charset="0"/>
-              </a:rPr>
-              <a:t>from</a:t>
-            </a:r>
-            <a:r>
-              <a:rPr lang="en-US" sz="1800" spc="5" dirty="0">
-                <a:effectLst/>
-                <a:latin typeface="Times New Roman" panose="02020603050405020304" pitchFamily="18" charset="0"/>
-                <a:ea typeface="Times New Roman" panose="02020603050405020304" pitchFamily="18" charset="0"/>
-              </a:rPr>
-              <a:t> </a:t>
-            </a:r>
-            <a:r>
-              <a:rPr lang="en-US" sz="1800" dirty="0">
-                <a:effectLst/>
-                <a:latin typeface="Times New Roman" panose="02020603050405020304" pitchFamily="18" charset="0"/>
-                <a:ea typeface="Times New Roman" panose="02020603050405020304" pitchFamily="18" charset="0"/>
-              </a:rPr>
-              <a:t>extracted</a:t>
-            </a:r>
-            <a:r>
-              <a:rPr lang="en-US" sz="1800" spc="-335" dirty="0">
-                <a:effectLst/>
-                <a:latin typeface="Times New Roman" panose="02020603050405020304" pitchFamily="18" charset="0"/>
-                <a:ea typeface="Times New Roman" panose="02020603050405020304" pitchFamily="18" charset="0"/>
-              </a:rPr>
-              <a:t> </a:t>
-            </a:r>
-            <a:r>
-              <a:rPr lang="en-US" sz="1800" dirty="0">
-                <a:effectLst/>
-                <a:latin typeface="Times New Roman" panose="02020603050405020304" pitchFamily="18" charset="0"/>
-                <a:ea typeface="Times New Roman" panose="02020603050405020304" pitchFamily="18" charset="0"/>
-              </a:rPr>
-              <a:t>fingerprints,</a:t>
-            </a:r>
-            <a:r>
-              <a:rPr lang="en-US" sz="1800" spc="-15" dirty="0">
-                <a:effectLst/>
-                <a:latin typeface="Times New Roman" panose="02020603050405020304" pitchFamily="18" charset="0"/>
-                <a:ea typeface="Times New Roman" panose="02020603050405020304" pitchFamily="18" charset="0"/>
-              </a:rPr>
-              <a:t> </a:t>
-            </a:r>
-            <a:r>
-              <a:rPr lang="en-US" sz="1800" dirty="0">
-                <a:effectLst/>
-                <a:latin typeface="Times New Roman" panose="02020603050405020304" pitchFamily="18" charset="0"/>
-                <a:ea typeface="Times New Roman" panose="02020603050405020304" pitchFamily="18" charset="0"/>
-              </a:rPr>
-              <a:t>the</a:t>
-            </a:r>
-            <a:r>
-              <a:rPr lang="en-US" sz="1800" spc="-5" dirty="0">
-                <a:effectLst/>
-                <a:latin typeface="Times New Roman" panose="02020603050405020304" pitchFamily="18" charset="0"/>
-                <a:ea typeface="Times New Roman" panose="02020603050405020304" pitchFamily="18" charset="0"/>
-              </a:rPr>
-              <a:t> </a:t>
-            </a:r>
-            <a:r>
-              <a:rPr lang="en-US" sz="1800" dirty="0">
-                <a:effectLst/>
-                <a:latin typeface="Times New Roman" panose="02020603050405020304" pitchFamily="18" charset="0"/>
-                <a:ea typeface="Times New Roman" panose="02020603050405020304" pitchFamily="18" charset="0"/>
-              </a:rPr>
-              <a:t>result</a:t>
-            </a:r>
-            <a:r>
-              <a:rPr lang="en-US" sz="1800" spc="-5" dirty="0">
-                <a:effectLst/>
-                <a:latin typeface="Times New Roman" panose="02020603050405020304" pitchFamily="18" charset="0"/>
-                <a:ea typeface="Times New Roman" panose="02020603050405020304" pitchFamily="18" charset="0"/>
-              </a:rPr>
-              <a:t> </a:t>
-            </a:r>
-            <a:r>
-              <a:rPr lang="en-US" sz="1800" dirty="0">
-                <a:effectLst/>
-                <a:latin typeface="Times New Roman" panose="02020603050405020304" pitchFamily="18" charset="0"/>
-                <a:ea typeface="Times New Roman" panose="02020603050405020304" pitchFamily="18" charset="0"/>
-              </a:rPr>
-              <a:t>of</a:t>
-            </a:r>
-            <a:r>
-              <a:rPr lang="en-US" sz="1800" spc="-5" dirty="0">
-                <a:effectLst/>
-                <a:latin typeface="Times New Roman" panose="02020603050405020304" pitchFamily="18" charset="0"/>
-                <a:ea typeface="Times New Roman" panose="02020603050405020304" pitchFamily="18" charset="0"/>
-              </a:rPr>
-              <a:t> </a:t>
-            </a:r>
-            <a:r>
-              <a:rPr lang="en-US" sz="1800" dirty="0">
-                <a:effectLst/>
-                <a:latin typeface="Times New Roman" panose="02020603050405020304" pitchFamily="18" charset="0"/>
-                <a:ea typeface="Times New Roman" panose="02020603050405020304" pitchFamily="18" charset="0"/>
-              </a:rPr>
-              <a:t>which</a:t>
-            </a:r>
-            <a:r>
-              <a:rPr lang="en-US" sz="1800" spc="-5" dirty="0">
-                <a:effectLst/>
-                <a:latin typeface="Times New Roman" panose="02020603050405020304" pitchFamily="18" charset="0"/>
-                <a:ea typeface="Times New Roman" panose="02020603050405020304" pitchFamily="18" charset="0"/>
-              </a:rPr>
-              <a:t> </a:t>
-            </a:r>
-            <a:r>
-              <a:rPr lang="en-US" sz="1800" dirty="0">
-                <a:effectLst/>
-                <a:latin typeface="Times New Roman" panose="02020603050405020304" pitchFamily="18" charset="0"/>
-                <a:ea typeface="Times New Roman" panose="02020603050405020304" pitchFamily="18" charset="0"/>
-              </a:rPr>
-              <a:t>is assumed</a:t>
-            </a:r>
-            <a:r>
-              <a:rPr lang="en-US" sz="1800" spc="-5" dirty="0">
-                <a:effectLst/>
-                <a:latin typeface="Times New Roman" panose="02020603050405020304" pitchFamily="18" charset="0"/>
-                <a:ea typeface="Times New Roman" panose="02020603050405020304" pitchFamily="18" charset="0"/>
-              </a:rPr>
-              <a:t> </a:t>
-            </a:r>
-            <a:r>
-              <a:rPr lang="en-US" sz="1800" dirty="0">
-                <a:effectLst/>
-                <a:latin typeface="Times New Roman" panose="02020603050405020304" pitchFamily="18" charset="0"/>
-                <a:ea typeface="Times New Roman" panose="02020603050405020304" pitchFamily="18" charset="0"/>
-              </a:rPr>
-              <a:t>to</a:t>
-            </a:r>
-            <a:r>
-              <a:rPr lang="en-US" sz="1800" spc="-15" dirty="0">
-                <a:effectLst/>
-                <a:latin typeface="Times New Roman" panose="02020603050405020304" pitchFamily="18" charset="0"/>
-                <a:ea typeface="Times New Roman" panose="02020603050405020304" pitchFamily="18" charset="0"/>
-              </a:rPr>
-              <a:t> </a:t>
-            </a:r>
-            <a:r>
-              <a:rPr lang="en-US" sz="1800" dirty="0">
-                <a:effectLst/>
-                <a:latin typeface="Times New Roman" panose="02020603050405020304" pitchFamily="18" charset="0"/>
-                <a:ea typeface="Times New Roman" panose="02020603050405020304" pitchFamily="18" charset="0"/>
-              </a:rPr>
-              <a:t>be</a:t>
-            </a:r>
-            <a:r>
-              <a:rPr lang="en-US" sz="1800" spc="15" dirty="0">
-                <a:effectLst/>
-                <a:latin typeface="Times New Roman" panose="02020603050405020304" pitchFamily="18" charset="0"/>
-                <a:ea typeface="Times New Roman" panose="02020603050405020304" pitchFamily="18" charset="0"/>
-              </a:rPr>
-              <a:t> </a:t>
-            </a:r>
-            <a:r>
-              <a:rPr lang="en-US" sz="1800" dirty="0">
-                <a:effectLst/>
-                <a:latin typeface="Times New Roman" panose="02020603050405020304" pitchFamily="18" charset="0"/>
-                <a:ea typeface="Times New Roman" panose="02020603050405020304" pitchFamily="18" charset="0"/>
-              </a:rPr>
-              <a:t>accurate</a:t>
-            </a:r>
-            <a:r>
-              <a:rPr lang="en-US" sz="1800" spc="-5" dirty="0">
-                <a:effectLst/>
-                <a:latin typeface="Times New Roman" panose="02020603050405020304" pitchFamily="18" charset="0"/>
-                <a:ea typeface="Times New Roman" panose="02020603050405020304" pitchFamily="18" charset="0"/>
-              </a:rPr>
-              <a:t> </a:t>
-            </a:r>
-            <a:r>
-              <a:rPr lang="en-US" sz="1800" dirty="0">
-                <a:effectLst/>
-                <a:latin typeface="Times New Roman" panose="02020603050405020304" pitchFamily="18" charset="0"/>
-                <a:ea typeface="Times New Roman" panose="02020603050405020304" pitchFamily="18" charset="0"/>
-              </a:rPr>
-              <a:t>with</a:t>
-            </a:r>
-            <a:r>
-              <a:rPr lang="en-US" sz="1800" spc="-25" dirty="0">
-                <a:effectLst/>
-                <a:latin typeface="Times New Roman" panose="02020603050405020304" pitchFamily="18" charset="0"/>
-                <a:ea typeface="Times New Roman" panose="02020603050405020304" pitchFamily="18" charset="0"/>
-              </a:rPr>
-              <a:t> </a:t>
-            </a:r>
-            <a:r>
-              <a:rPr lang="en-US" sz="1800" dirty="0">
-                <a:effectLst/>
-                <a:latin typeface="Times New Roman" panose="02020603050405020304" pitchFamily="18" charset="0"/>
-                <a:ea typeface="Times New Roman" panose="02020603050405020304" pitchFamily="18" charset="0"/>
-              </a:rPr>
-              <a:t>infinite</a:t>
-            </a:r>
-            <a:r>
-              <a:rPr lang="en-US" sz="1800" spc="-20" dirty="0">
-                <a:effectLst/>
-                <a:latin typeface="Times New Roman" panose="02020603050405020304" pitchFamily="18" charset="0"/>
-                <a:ea typeface="Times New Roman" panose="02020603050405020304" pitchFamily="18" charset="0"/>
-              </a:rPr>
-              <a:t> </a:t>
-            </a:r>
-            <a:r>
-              <a:rPr lang="en-US" sz="1800" dirty="0">
-                <a:effectLst/>
-                <a:latin typeface="Times New Roman" panose="02020603050405020304" pitchFamily="18" charset="0"/>
-                <a:ea typeface="Times New Roman" panose="02020603050405020304" pitchFamily="18" charset="0"/>
-              </a:rPr>
-              <a:t>decimal.</a:t>
-            </a:r>
-            <a:endParaRPr lang="en-IN" sz="1800" dirty="0">
-              <a:effectLst/>
-              <a:latin typeface="Times New Roman" panose="02020603050405020304" pitchFamily="18" charset="0"/>
-              <a:ea typeface="Times New Roman" panose="02020603050405020304" pitchFamily="18" charset="0"/>
-            </a:endParaRPr>
           </a:p>
         </p:txBody>
       </p:sp>

--- a/Project Documents/Batch 3 PPT.pptx
+++ b/Project Documents/Batch 3 PPT.pptx
@@ -12,24 +12,26 @@
     <p:sldId id="269" r:id="rId6"/>
     <p:sldId id="291" r:id="rId7"/>
     <p:sldId id="258" r:id="rId8"/>
-    <p:sldId id="259" r:id="rId9"/>
-    <p:sldId id="286" r:id="rId10"/>
-    <p:sldId id="287" r:id="rId11"/>
-    <p:sldId id="288" r:id="rId12"/>
-    <p:sldId id="289" r:id="rId13"/>
-    <p:sldId id="261" r:id="rId14"/>
-    <p:sldId id="265" r:id="rId15"/>
-    <p:sldId id="266" r:id="rId16"/>
-    <p:sldId id="267" r:id="rId17"/>
-    <p:sldId id="293" r:id="rId18"/>
-    <p:sldId id="294" r:id="rId19"/>
-    <p:sldId id="276" r:id="rId20"/>
-    <p:sldId id="277" r:id="rId21"/>
-    <p:sldId id="278" r:id="rId22"/>
-    <p:sldId id="280" r:id="rId23"/>
-    <p:sldId id="290" r:id="rId24"/>
-    <p:sldId id="295" r:id="rId25"/>
-    <p:sldId id="281" r:id="rId26"/>
+    <p:sldId id="300" r:id="rId9"/>
+    <p:sldId id="259" r:id="rId10"/>
+    <p:sldId id="286" r:id="rId11"/>
+    <p:sldId id="287" r:id="rId12"/>
+    <p:sldId id="288" r:id="rId13"/>
+    <p:sldId id="289" r:id="rId14"/>
+    <p:sldId id="261" r:id="rId15"/>
+    <p:sldId id="265" r:id="rId16"/>
+    <p:sldId id="266" r:id="rId17"/>
+    <p:sldId id="267" r:id="rId18"/>
+    <p:sldId id="293" r:id="rId19"/>
+    <p:sldId id="294" r:id="rId20"/>
+    <p:sldId id="276" r:id="rId21"/>
+    <p:sldId id="277" r:id="rId22"/>
+    <p:sldId id="278" r:id="rId23"/>
+    <p:sldId id="280" r:id="rId24"/>
+    <p:sldId id="290" r:id="rId25"/>
+    <p:sldId id="295" r:id="rId26"/>
+    <p:sldId id="299" r:id="rId27"/>
+    <p:sldId id="281" r:id="rId28"/>
   </p:sldIdLst>
   <p:sldSz cx="12192000" cy="6858000"/>
   <p:notesSz cx="6858000" cy="9144000"/>
@@ -138,6 +140,232 @@
 
 <file path=ppt/changesInfos/changesInfo1.xml><?xml version="1.0" encoding="utf-8"?>
 <pc:chgInfo xmlns:a="http://schemas.openxmlformats.org/drawingml/2006/main" xmlns:r="http://schemas.openxmlformats.org/officeDocument/2006/relationships" xmlns:ac="http://schemas.microsoft.com/office/drawing/2013/main/command" xmlns:pc="http://schemas.microsoft.com/office/powerpoint/2013/main/command">
+  <pc:docChgLst>
+    <pc:chgData name="NIVEDHITAA RAVICHANDRAN" userId="9e8767f53ee90a34" providerId="LiveId" clId="{0CFCF152-1909-4EB2-B9F8-3E1B59B3C9F7}"/>
+    <pc:docChg chg="undo custSel addSld modSld">
+      <pc:chgData name="NIVEDHITAA RAVICHANDRAN" userId="9e8767f53ee90a34" providerId="LiveId" clId="{0CFCF152-1909-4EB2-B9F8-3E1B59B3C9F7}" dt="2021-08-01T13:26:28.193" v="138" actId="20577"/>
+      <pc:docMkLst>
+        <pc:docMk/>
+      </pc:docMkLst>
+      <pc:sldChg chg="modSp mod">
+        <pc:chgData name="NIVEDHITAA RAVICHANDRAN" userId="9e8767f53ee90a34" providerId="LiveId" clId="{0CFCF152-1909-4EB2-B9F8-3E1B59B3C9F7}" dt="2021-07-31T15:06:10.808" v="100" actId="27636"/>
+        <pc:sldMkLst>
+          <pc:docMk/>
+          <pc:sldMk cId="3227316547" sldId="256"/>
+        </pc:sldMkLst>
+        <pc:spChg chg="mod">
+          <ac:chgData name="NIVEDHITAA RAVICHANDRAN" userId="9e8767f53ee90a34" providerId="LiveId" clId="{0CFCF152-1909-4EB2-B9F8-3E1B59B3C9F7}" dt="2021-07-31T15:06:10.808" v="100" actId="27636"/>
+          <ac:spMkLst>
+            <pc:docMk/>
+            <pc:sldMk cId="3227316547" sldId="256"/>
+            <ac:spMk id="3" creationId="{8397D46F-F496-488F-A07C-AA534C28AFD4}"/>
+          </ac:spMkLst>
+        </pc:spChg>
+      </pc:sldChg>
+      <pc:sldChg chg="delSp modSp mod">
+        <pc:chgData name="NIVEDHITAA RAVICHANDRAN" userId="9e8767f53ee90a34" providerId="LiveId" clId="{0CFCF152-1909-4EB2-B9F8-3E1B59B3C9F7}" dt="2021-07-31T15:01:44.826" v="75" actId="14100"/>
+        <pc:sldMkLst>
+          <pc:docMk/>
+          <pc:sldMk cId="3750583137" sldId="258"/>
+        </pc:sldMkLst>
+        <pc:spChg chg="mod">
+          <ac:chgData name="NIVEDHITAA RAVICHANDRAN" userId="9e8767f53ee90a34" providerId="LiveId" clId="{0CFCF152-1909-4EB2-B9F8-3E1B59B3C9F7}" dt="2021-07-31T15:01:44.826" v="75" actId="14100"/>
+          <ac:spMkLst>
+            <pc:docMk/>
+            <pc:sldMk cId="3750583137" sldId="258"/>
+            <ac:spMk id="3" creationId="{9E8D94B8-1022-4FDD-9F65-DD49BDEE3F28}"/>
+          </ac:spMkLst>
+        </pc:spChg>
+        <pc:spChg chg="del mod">
+          <ac:chgData name="NIVEDHITAA RAVICHANDRAN" userId="9e8767f53ee90a34" providerId="LiveId" clId="{0CFCF152-1909-4EB2-B9F8-3E1B59B3C9F7}" dt="2021-07-31T15:01:39.245" v="74" actId="478"/>
+          <ac:spMkLst>
+            <pc:docMk/>
+            <pc:sldMk cId="3750583137" sldId="258"/>
+            <ac:spMk id="4" creationId="{2C305765-AC8E-407B-92B7-2A043991B684}"/>
+          </ac:spMkLst>
+        </pc:spChg>
+      </pc:sldChg>
+      <pc:sldChg chg="addSp modSp mod">
+        <pc:chgData name="NIVEDHITAA RAVICHANDRAN" userId="9e8767f53ee90a34" providerId="LiveId" clId="{0CFCF152-1909-4EB2-B9F8-3E1B59B3C9F7}" dt="2021-07-30T13:46:25.368" v="22" actId="14100"/>
+        <pc:sldMkLst>
+          <pc:docMk/>
+          <pc:sldMk cId="3197387941" sldId="278"/>
+        </pc:sldMkLst>
+        <pc:spChg chg="mod">
+          <ac:chgData name="NIVEDHITAA RAVICHANDRAN" userId="9e8767f53ee90a34" providerId="LiveId" clId="{0CFCF152-1909-4EB2-B9F8-3E1B59B3C9F7}" dt="2021-07-30T13:45:33.994" v="12" actId="1076"/>
+          <ac:spMkLst>
+            <pc:docMk/>
+            <pc:sldMk cId="3197387941" sldId="278"/>
+            <ac:spMk id="13" creationId="{3D21A9DD-CC3B-44A2-A26E-4D83D09A3862}"/>
+          </ac:spMkLst>
+        </pc:spChg>
+        <pc:grpChg chg="mod">
+          <ac:chgData name="NIVEDHITAA RAVICHANDRAN" userId="9e8767f53ee90a34" providerId="LiveId" clId="{0CFCF152-1909-4EB2-B9F8-3E1B59B3C9F7}" dt="2021-07-30T13:45:33.994" v="12" actId="1076"/>
+          <ac:grpSpMkLst>
+            <pc:docMk/>
+            <pc:sldMk cId="3197387941" sldId="278"/>
+            <ac:grpSpMk id="12" creationId="{F753D887-F9F8-4282-A8A0-5041F7949A21}"/>
+          </ac:grpSpMkLst>
+        </pc:grpChg>
+        <pc:picChg chg="add mod">
+          <ac:chgData name="NIVEDHITAA RAVICHANDRAN" userId="9e8767f53ee90a34" providerId="LiveId" clId="{0CFCF152-1909-4EB2-B9F8-3E1B59B3C9F7}" dt="2021-07-30T13:46:25.368" v="22" actId="14100"/>
+          <ac:picMkLst>
+            <pc:docMk/>
+            <pc:sldMk cId="3197387941" sldId="278"/>
+            <ac:picMk id="4" creationId="{1F7D8046-D911-4B30-8D0C-D7CA3A5F0D11}"/>
+          </ac:picMkLst>
+        </pc:picChg>
+        <pc:picChg chg="mod">
+          <ac:chgData name="NIVEDHITAA RAVICHANDRAN" userId="9e8767f53ee90a34" providerId="LiveId" clId="{0CFCF152-1909-4EB2-B9F8-3E1B59B3C9F7}" dt="2021-07-30T13:45:33.994" v="12" actId="1076"/>
+          <ac:picMkLst>
+            <pc:docMk/>
+            <pc:sldMk cId="3197387941" sldId="278"/>
+            <ac:picMk id="2058" creationId="{B38BFA0A-CF79-4B00-A251-313FC731503A}"/>
+          </ac:picMkLst>
+        </pc:picChg>
+      </pc:sldChg>
+      <pc:sldChg chg="addSp delSp modSp mod">
+        <pc:chgData name="NIVEDHITAA RAVICHANDRAN" userId="9e8767f53ee90a34" providerId="LiveId" clId="{0CFCF152-1909-4EB2-B9F8-3E1B59B3C9F7}" dt="2021-07-30T13:53:52.179" v="43" actId="1076"/>
+        <pc:sldMkLst>
+          <pc:docMk/>
+          <pc:sldMk cId="2889307848" sldId="280"/>
+        </pc:sldMkLst>
+        <pc:spChg chg="mod">
+          <ac:chgData name="NIVEDHITAA RAVICHANDRAN" userId="9e8767f53ee90a34" providerId="LiveId" clId="{0CFCF152-1909-4EB2-B9F8-3E1B59B3C9F7}" dt="2021-07-30T13:53:43.581" v="40" actId="1076"/>
+          <ac:spMkLst>
+            <pc:docMk/>
+            <pc:sldMk cId="2889307848" sldId="280"/>
+            <ac:spMk id="10" creationId="{73C974CE-A26A-479E-8709-73A2C2BB3F89}"/>
+          </ac:spMkLst>
+        </pc:spChg>
+        <pc:grpChg chg="mod">
+          <ac:chgData name="NIVEDHITAA RAVICHANDRAN" userId="9e8767f53ee90a34" providerId="LiveId" clId="{0CFCF152-1909-4EB2-B9F8-3E1B59B3C9F7}" dt="2021-07-30T13:53:43.581" v="40" actId="1076"/>
+          <ac:grpSpMkLst>
+            <pc:docMk/>
+            <pc:sldMk cId="2889307848" sldId="280"/>
+            <ac:grpSpMk id="9" creationId="{37178CCC-D331-49E5-A7F6-E908053952ED}"/>
+          </ac:grpSpMkLst>
+        </pc:grpChg>
+        <pc:picChg chg="add mod">
+          <ac:chgData name="NIVEDHITAA RAVICHANDRAN" userId="9e8767f53ee90a34" providerId="LiveId" clId="{0CFCF152-1909-4EB2-B9F8-3E1B59B3C9F7}" dt="2021-07-30T13:53:52.179" v="43" actId="1076"/>
+          <ac:picMkLst>
+            <pc:docMk/>
+            <pc:sldMk cId="2889307848" sldId="280"/>
+            <ac:picMk id="4" creationId="{39B36C2B-5EED-4685-89E1-6FC5565DB5B8}"/>
+          </ac:picMkLst>
+        </pc:picChg>
+        <pc:picChg chg="del">
+          <ac:chgData name="NIVEDHITAA RAVICHANDRAN" userId="9e8767f53ee90a34" providerId="LiveId" clId="{0CFCF152-1909-4EB2-B9F8-3E1B59B3C9F7}" dt="2021-07-30T13:50:55.115" v="23" actId="478"/>
+          <ac:picMkLst>
+            <pc:docMk/>
+            <pc:sldMk cId="2889307848" sldId="280"/>
+            <ac:picMk id="6" creationId="{000A39C3-3EAE-4D94-89D6-B164287B511D}"/>
+          </ac:picMkLst>
+        </pc:picChg>
+        <pc:picChg chg="add mod">
+          <ac:chgData name="NIVEDHITAA RAVICHANDRAN" userId="9e8767f53ee90a34" providerId="LiveId" clId="{0CFCF152-1909-4EB2-B9F8-3E1B59B3C9F7}" dt="2021-07-30T13:53:48.981" v="42" actId="1076"/>
+          <ac:picMkLst>
+            <pc:docMk/>
+            <pc:sldMk cId="2889307848" sldId="280"/>
+            <ac:picMk id="7" creationId="{22D0C432-AB66-4CDC-AEA2-DB5A00A259F1}"/>
+          </ac:picMkLst>
+        </pc:picChg>
+        <pc:picChg chg="mod">
+          <ac:chgData name="NIVEDHITAA RAVICHANDRAN" userId="9e8767f53ee90a34" providerId="LiveId" clId="{0CFCF152-1909-4EB2-B9F8-3E1B59B3C9F7}" dt="2021-07-30T13:53:43.581" v="40" actId="1076"/>
+          <ac:picMkLst>
+            <pc:docMk/>
+            <pc:sldMk cId="2889307848" sldId="280"/>
+            <ac:picMk id="1030" creationId="{DB847795-B307-4E1A-8039-747A2EDE90D5}"/>
+          </ac:picMkLst>
+        </pc:picChg>
+      </pc:sldChg>
+      <pc:sldChg chg="modSp mod">
+        <pc:chgData name="NIVEDHITAA RAVICHANDRAN" userId="9e8767f53ee90a34" providerId="LiveId" clId="{0CFCF152-1909-4EB2-B9F8-3E1B59B3C9F7}" dt="2021-07-30T13:35:41.418" v="9" actId="27636"/>
+        <pc:sldMkLst>
+          <pc:docMk/>
+          <pc:sldMk cId="904583571" sldId="295"/>
+        </pc:sldMkLst>
+        <pc:spChg chg="mod">
+          <ac:chgData name="NIVEDHITAA RAVICHANDRAN" userId="9e8767f53ee90a34" providerId="LiveId" clId="{0CFCF152-1909-4EB2-B9F8-3E1B59B3C9F7}" dt="2021-07-30T13:35:41.418" v="9" actId="27636"/>
+          <ac:spMkLst>
+            <pc:docMk/>
+            <pc:sldMk cId="904583571" sldId="295"/>
+            <ac:spMk id="3" creationId="{65C76839-197B-4507-8F16-012AE7BEAC06}"/>
+          </ac:spMkLst>
+        </pc:spChg>
+      </pc:sldChg>
+      <pc:sldChg chg="modSp new mod">
+        <pc:chgData name="NIVEDHITAA RAVICHANDRAN" userId="9e8767f53ee90a34" providerId="LiveId" clId="{0CFCF152-1909-4EB2-B9F8-3E1B59B3C9F7}" dt="2021-07-30T13:35:57.288" v="11" actId="27636"/>
+        <pc:sldMkLst>
+          <pc:docMk/>
+          <pc:sldMk cId="4247487562" sldId="299"/>
+        </pc:sldMkLst>
+        <pc:spChg chg="mod">
+          <ac:chgData name="NIVEDHITAA RAVICHANDRAN" userId="9e8767f53ee90a34" providerId="LiveId" clId="{0CFCF152-1909-4EB2-B9F8-3E1B59B3C9F7}" dt="2021-07-30T13:26:18.921" v="5" actId="242"/>
+          <ac:spMkLst>
+            <pc:docMk/>
+            <pc:sldMk cId="4247487562" sldId="299"/>
+            <ac:spMk id="2" creationId="{E50EA3F8-B637-429F-8EC5-93628F97E0DF}"/>
+          </ac:spMkLst>
+        </pc:spChg>
+        <pc:spChg chg="mod">
+          <ac:chgData name="NIVEDHITAA RAVICHANDRAN" userId="9e8767f53ee90a34" providerId="LiveId" clId="{0CFCF152-1909-4EB2-B9F8-3E1B59B3C9F7}" dt="2021-07-30T13:35:57.288" v="11" actId="27636"/>
+          <ac:spMkLst>
+            <pc:docMk/>
+            <pc:sldMk cId="4247487562" sldId="299"/>
+            <ac:spMk id="3" creationId="{83B533D8-1724-4597-ACF3-3A9FC631A86C}"/>
+          </ac:spMkLst>
+        </pc:spChg>
+      </pc:sldChg>
+      <pc:sldChg chg="addSp delSp modSp new mod modClrScheme chgLayout">
+        <pc:chgData name="NIVEDHITAA RAVICHANDRAN" userId="9e8767f53ee90a34" providerId="LiveId" clId="{0CFCF152-1909-4EB2-B9F8-3E1B59B3C9F7}" dt="2021-08-01T13:26:28.193" v="138" actId="20577"/>
+        <pc:sldMkLst>
+          <pc:docMk/>
+          <pc:sldMk cId="3323925398" sldId="300"/>
+        </pc:sldMkLst>
+        <pc:spChg chg="del mod ord">
+          <ac:chgData name="NIVEDHITAA RAVICHANDRAN" userId="9e8767f53ee90a34" providerId="LiveId" clId="{0CFCF152-1909-4EB2-B9F8-3E1B59B3C9F7}" dt="2021-07-31T15:02:03.820" v="77" actId="700"/>
+          <ac:spMkLst>
+            <pc:docMk/>
+            <pc:sldMk cId="3323925398" sldId="300"/>
+            <ac:spMk id="2" creationId="{3A97803D-B45B-4A31-BE26-0B1C5A571831}"/>
+          </ac:spMkLst>
+        </pc:spChg>
+        <pc:spChg chg="del mod ord">
+          <ac:chgData name="NIVEDHITAA RAVICHANDRAN" userId="9e8767f53ee90a34" providerId="LiveId" clId="{0CFCF152-1909-4EB2-B9F8-3E1B59B3C9F7}" dt="2021-07-31T15:02:03.820" v="77" actId="700"/>
+          <ac:spMkLst>
+            <pc:docMk/>
+            <pc:sldMk cId="3323925398" sldId="300"/>
+            <ac:spMk id="3" creationId="{FDDA71D2-2630-4978-B4A1-9C624C5B0C3D}"/>
+          </ac:spMkLst>
+        </pc:spChg>
+        <pc:spChg chg="del">
+          <ac:chgData name="NIVEDHITAA RAVICHANDRAN" userId="9e8767f53ee90a34" providerId="LiveId" clId="{0CFCF152-1909-4EB2-B9F8-3E1B59B3C9F7}" dt="2021-07-31T15:02:03.820" v="77" actId="700"/>
+          <ac:spMkLst>
+            <pc:docMk/>
+            <pc:sldMk cId="3323925398" sldId="300"/>
+            <ac:spMk id="4" creationId="{2D2D424D-D97E-43FD-9959-C8446BC7F570}"/>
+          </ac:spMkLst>
+        </pc:spChg>
+        <pc:spChg chg="add mod ord">
+          <ac:chgData name="NIVEDHITAA RAVICHANDRAN" userId="9e8767f53ee90a34" providerId="LiveId" clId="{0CFCF152-1909-4EB2-B9F8-3E1B59B3C9F7}" dt="2021-07-31T15:02:21.045" v="83" actId="20577"/>
+          <ac:spMkLst>
+            <pc:docMk/>
+            <pc:sldMk cId="3323925398" sldId="300"/>
+            <ac:spMk id="5" creationId="{B5CC730D-6ADD-4FEC-AF2D-C2F5CF2D939E}"/>
+          </ac:spMkLst>
+        </pc:spChg>
+        <pc:spChg chg="add mod ord">
+          <ac:chgData name="NIVEDHITAA RAVICHANDRAN" userId="9e8767f53ee90a34" providerId="LiveId" clId="{0CFCF152-1909-4EB2-B9F8-3E1B59B3C9F7}" dt="2021-08-01T13:26:28.193" v="138" actId="20577"/>
+          <ac:spMkLst>
+            <pc:docMk/>
+            <pc:sldMk cId="3323925398" sldId="300"/>
+            <ac:spMk id="6" creationId="{2BE40315-6CC4-4716-9C5B-86340E073930}"/>
+          </ac:spMkLst>
+        </pc:spChg>
+      </pc:sldChg>
+    </pc:docChg>
+  </pc:docChgLst>
   <pc:docChgLst>
     <pc:chgData name="NIVEDHITAA RAVICHANDRAN" userId="9e8767f53ee90a34" providerId="LiveId" clId="{19D098A1-F092-4345-B506-734DE4E564DC}"/>
     <pc:docChg chg="undo custSel addSld delSld modSld sldOrd">
@@ -1016,7 +1244,7 @@
           <a:p>
             <a:fld id="{A423BF71-38B7-8642-BFCE-EDAE9BD0CBAF}" type="datetimeFigureOut">
               <a:rPr lang="en-US" dirty="0"/>
-              <a:t>6/17/2021</a:t>
+              <a:t>7/30/2021</a:t>
             </a:fld>
             <a:endParaRPr lang="en-US" dirty="0"/>
           </a:p>
@@ -1228,7 +1456,7 @@
           <a:p>
             <a:fld id="{73B025CB-9D18-264E-A945-2D020344C9DA}" type="datetimeFigureOut">
               <a:rPr lang="en-US" dirty="0"/>
-              <a:t>6/17/2021</a:t>
+              <a:t>7/30/2021</a:t>
             </a:fld>
             <a:endParaRPr lang="en-US" dirty="0"/>
           </a:p>
@@ -1444,7 +1672,7 @@
           <a:p>
             <a:fld id="{507EFB6C-7E96-8F41-8872-189CA1C59F84}" type="datetimeFigureOut">
               <a:rPr lang="en-US" dirty="0"/>
-              <a:t>6/17/2021</a:t>
+              <a:t>7/30/2021</a:t>
             </a:fld>
             <a:endParaRPr lang="en-US" dirty="0"/>
           </a:p>
@@ -1646,7 +1874,7 @@
           <a:p>
             <a:fld id="{B6981CDE-9BE7-C544-8ACB-7077DFC4270F}" type="datetimeFigureOut">
               <a:rPr lang="en-US" dirty="0"/>
-              <a:t>6/17/2021</a:t>
+              <a:t>7/30/2021</a:t>
             </a:fld>
             <a:endParaRPr lang="en-US" dirty="0"/>
           </a:p>
@@ -1926,7 +2154,7 @@
           <a:p>
             <a:fld id="{B55BA285-9698-1B45-8319-D90A8C63F150}" type="datetimeFigureOut">
               <a:rPr lang="en-US" dirty="0"/>
-              <a:t>6/17/2021</a:t>
+              <a:t>7/30/2021</a:t>
             </a:fld>
             <a:endParaRPr lang="en-US" dirty="0"/>
           </a:p>
@@ -2195,7 +2423,7 @@
           <a:p>
             <a:fld id="{0A86CD42-43FF-B740-998F-DCC3802C4CE3}" type="datetimeFigureOut">
               <a:rPr lang="en-US" dirty="0"/>
-              <a:t>6/17/2021</a:t>
+              <a:t>7/30/2021</a:t>
             </a:fld>
             <a:endParaRPr lang="en-US" dirty="0"/>
           </a:p>
@@ -2612,7 +2840,7 @@
           <a:p>
             <a:fld id="{CEA0FFBD-2EE4-8547-BBAE-A1AC91C8D77E}" type="datetimeFigureOut">
               <a:rPr lang="en-US" dirty="0"/>
-              <a:t>6/17/2021</a:t>
+              <a:t>7/30/2021</a:t>
             </a:fld>
             <a:endParaRPr lang="en-US" dirty="0"/>
           </a:p>
@@ -2762,7 +2990,7 @@
           <a:p>
             <a:fld id="{955A2352-D7AC-F242-9256-A4477BCBF354}" type="datetimeFigureOut">
               <a:rPr lang="en-US" dirty="0"/>
-              <a:t>6/17/2021</a:t>
+              <a:t>7/30/2021</a:t>
             </a:fld>
             <a:endParaRPr lang="en-US" dirty="0"/>
           </a:p>
@@ -2889,7 +3117,7 @@
           <a:p>
             <a:fld id="{4EFCFC6A-9AE6-404D-9FDD-168B477B9C90}" type="datetimeFigureOut">
               <a:rPr lang="en-US" dirty="0"/>
-              <a:t>6/17/2021</a:t>
+              <a:t>7/30/2021</a:t>
             </a:fld>
             <a:endParaRPr lang="en-US" dirty="0"/>
           </a:p>
@@ -3135,7 +3363,7 @@
           <a:p>
             <a:fld id="{61CFCDFD-B4CF-A241-8D71-E814B10BEAF4}" type="datetimeFigureOut">
               <a:rPr lang="en-US" dirty="0"/>
-              <a:t>6/17/2021</a:t>
+              <a:t>7/30/2021</a:t>
             </a:fld>
             <a:endParaRPr lang="en-US" dirty="0"/>
           </a:p>
@@ -3585,7 +3813,7 @@
           <a:p>
             <a:fld id="{26A7B589-FD4B-7E46-869A-CBADC5FC564E}" type="datetimeFigureOut">
               <a:rPr lang="en-US" dirty="0"/>
-              <a:t>6/17/2021</a:t>
+              <a:t>7/30/2021</a:t>
             </a:fld>
             <a:endParaRPr lang="en-US" dirty="0"/>
           </a:p>
@@ -3907,7 +4135,7 @@
           <a:p>
             <a:fld id="{4CD8A92E-5FF9-8143-81B3-CCB531513398}" type="datetimeFigureOut">
               <a:rPr lang="en-US" dirty="0"/>
-              <a:t>6/17/2021</a:t>
+              <a:t>7/30/2021</a:t>
             </a:fld>
             <a:endParaRPr lang="en-US" dirty="0"/>
           </a:p>
@@ -4445,8 +4673,8 @@
         </p:nvSpPr>
         <p:spPr>
           <a:xfrm>
-            <a:off x="6880379" y="2073160"/>
-            <a:ext cx="4960639" cy="3497801"/>
+            <a:off x="6690167" y="2073160"/>
+            <a:ext cx="5150851" cy="3497801"/>
           </a:xfrm>
         </p:spPr>
         <p:txBody>
@@ -4491,7 +4719,7 @@
                 <a:latin typeface="Times New Roman" panose="02020603050405020304" pitchFamily="18" charset="0"/>
                 <a:cs typeface="Times New Roman" panose="02020603050405020304" pitchFamily="18" charset="0"/>
               </a:rPr>
-              <a:t>Nivedhitaa Ravichandran (21141710172)</a:t>
+              <a:t>Nivedhitaa Ravichandran (211417104172)</a:t>
             </a:r>
           </a:p>
           <a:p>
@@ -4663,6 +4891,123 @@
 </file>
 
 <file path=ppt/slides/slide10.xml><?xml version="1.0" encoding="utf-8"?>
+<p:sld xmlns:a="http://schemas.openxmlformats.org/drawingml/2006/main" xmlns:r="http://schemas.openxmlformats.org/officeDocument/2006/relationships" xmlns:p="http://schemas.openxmlformats.org/presentationml/2006/main">
+  <p:cSld>
+    <p:spTree>
+      <p:nvGrpSpPr>
+        <p:cNvPr id="1" name=""/>
+        <p:cNvGrpSpPr/>
+        <p:nvPr/>
+      </p:nvGrpSpPr>
+      <p:grpSpPr>
+        <a:xfrm>
+          <a:off x="0" y="0"/>
+          <a:ext cx="0" cy="0"/>
+          <a:chOff x="0" y="0"/>
+          <a:chExt cx="0" cy="0"/>
+        </a:xfrm>
+      </p:grpSpPr>
+      <p:sp>
+        <p:nvSpPr>
+          <p:cNvPr id="4" name="Title 1">
+            <a:extLst>
+              <a:ext uri="{FF2B5EF4-FFF2-40B4-BE49-F238E27FC236}">
+                <a16:creationId xmlns:a16="http://schemas.microsoft.com/office/drawing/2014/main" id="{7A3393BE-97AD-4853-8293-BC8A12B1FCFF}"/>
+              </a:ext>
+            </a:extLst>
+          </p:cNvPr>
+          <p:cNvSpPr>
+            <a:spLocks noGrp="1"/>
+          </p:cNvSpPr>
+          <p:nvPr/>
+        </p:nvSpPr>
+        <p:spPr>
+          <a:xfrm>
+            <a:off x="1335921" y="609158"/>
+            <a:ext cx="9520158" cy="1049235"/>
+          </a:xfrm>
+          <a:prstGeom prst="rect">
+            <a:avLst/>
+          </a:prstGeom>
+        </p:spPr>
+        <p:txBody>
+          <a:bodyPr vert="horz" lIns="91440" tIns="45720" rIns="91440" bIns="45720" rtlCol="0" anchor="t">
+            <a:normAutofit/>
+          </a:bodyPr>
+          <a:lstStyle>
+            <a:lvl1pPr algn="l" defTabSz="914400" rtl="0" eaLnBrk="1" latinLnBrk="0" hangingPunct="1">
+              <a:lnSpc>
+                <a:spcPct val="90000"/>
+              </a:lnSpc>
+              <a:spcBef>
+                <a:spcPct val="0"/>
+              </a:spcBef>
+              <a:buNone/>
+              <a:defRPr sz="3200" b="0" i="0" kern="1200" cap="none">
+                <a:solidFill>
+                  <a:schemeClr val="tx1"/>
+                </a:solidFill>
+                <a:effectLst/>
+                <a:latin typeface="+mj-lt"/>
+                <a:ea typeface="+mj-ea"/>
+                <a:cs typeface="+mj-cs"/>
+              </a:defRPr>
+            </a:lvl1pPr>
+          </a:lstStyle>
+          <a:p>
+            <a:pPr algn="ctr"/>
+            <a:r>
+              <a:rPr lang="en-US" dirty="0"/>
+              <a:t>Use Case Diagram</a:t>
+            </a:r>
+            <a:endParaRPr lang="en-IN" dirty="0"/>
+          </a:p>
+        </p:txBody>
+      </p:sp>
+      <p:pic>
+        <p:nvPicPr>
+          <p:cNvPr id="5" name="Picture 4">
+            <a:extLst>
+              <a:ext uri="{FF2B5EF4-FFF2-40B4-BE49-F238E27FC236}">
+                <a16:creationId xmlns:a16="http://schemas.microsoft.com/office/drawing/2014/main" id="{62781606-32EA-463C-ADFE-91FDA65F04AF}"/>
+              </a:ext>
+            </a:extLst>
+          </p:cNvPr>
+          <p:cNvPicPr>
+            <a:picLocks noChangeAspect="1"/>
+          </p:cNvPicPr>
+          <p:nvPr/>
+        </p:nvPicPr>
+        <p:blipFill>
+          <a:blip r:embed="rId2"/>
+          <a:stretch>
+            <a:fillRect/>
+          </a:stretch>
+        </p:blipFill>
+        <p:spPr>
+          <a:xfrm>
+            <a:off x="2684551" y="1187933"/>
+            <a:ext cx="6822898" cy="4482133"/>
+          </a:xfrm>
+          <a:prstGeom prst="rect">
+            <a:avLst/>
+          </a:prstGeom>
+        </p:spPr>
+      </p:pic>
+    </p:spTree>
+    <p:extLst>
+      <p:ext uri="{BB962C8B-B14F-4D97-AF65-F5344CB8AC3E}">
+        <p14:creationId xmlns:p14="http://schemas.microsoft.com/office/powerpoint/2010/main" val="1898598035"/>
+      </p:ext>
+    </p:extLst>
+  </p:cSld>
+  <p:clrMapOvr>
+    <a:masterClrMapping/>
+  </p:clrMapOvr>
+</p:sld>
+</file>
+
+<file path=ppt/slides/slide11.xml><?xml version="1.0" encoding="utf-8"?>
 <p:sld xmlns:a="http://schemas.openxmlformats.org/drawingml/2006/main" xmlns:r="http://schemas.openxmlformats.org/officeDocument/2006/relationships" xmlns:p="http://schemas.openxmlformats.org/presentationml/2006/main">
   <p:cSld>
     <p:spTree>
@@ -4779,7 +5124,7 @@
 </p:sld>
 </file>
 
-<file path=ppt/slides/slide11.xml><?xml version="1.0" encoding="utf-8"?>
+<file path=ppt/slides/slide12.xml><?xml version="1.0" encoding="utf-8"?>
 <p:sld xmlns:a="http://schemas.openxmlformats.org/drawingml/2006/main" xmlns:r="http://schemas.openxmlformats.org/officeDocument/2006/relationships" xmlns:p="http://schemas.openxmlformats.org/presentationml/2006/main">
   <p:cSld>
     <p:spTree>
@@ -4896,7 +5241,7 @@
 </p:sld>
 </file>
 
-<file path=ppt/slides/slide12.xml><?xml version="1.0" encoding="utf-8"?>
+<file path=ppt/slides/slide13.xml><?xml version="1.0" encoding="utf-8"?>
 <p:sld xmlns:a="http://schemas.openxmlformats.org/drawingml/2006/main" xmlns:r="http://schemas.openxmlformats.org/officeDocument/2006/relationships" xmlns:p="http://schemas.openxmlformats.org/presentationml/2006/main">
   <p:cSld>
     <p:spTree>
@@ -5013,7 +5358,7 @@
 </p:sld>
 </file>
 
-<file path=ppt/slides/slide13.xml><?xml version="1.0" encoding="utf-8"?>
+<file path=ppt/slides/slide14.xml><?xml version="1.0" encoding="utf-8"?>
 <p:sld xmlns:a="http://schemas.openxmlformats.org/drawingml/2006/main" xmlns:r="http://schemas.openxmlformats.org/officeDocument/2006/relationships" xmlns:p="http://schemas.openxmlformats.org/presentationml/2006/main">
   <p:cSld>
     <p:spTree>
@@ -5209,7 +5554,7 @@
 </p:sld>
 </file>
 
-<file path=ppt/slides/slide14.xml><?xml version="1.0" encoding="utf-8"?>
+<file path=ppt/slides/slide15.xml><?xml version="1.0" encoding="utf-8"?>
 <p:sld xmlns:a="http://schemas.openxmlformats.org/drawingml/2006/main" xmlns:r="http://schemas.openxmlformats.org/officeDocument/2006/relationships" xmlns:p="http://schemas.openxmlformats.org/presentationml/2006/main">
   <p:cSld>
     <p:spTree>
@@ -5419,7 +5764,7 @@
 </p:sld>
 </file>
 
-<file path=ppt/slides/slide15.xml><?xml version="1.0" encoding="utf-8"?>
+<file path=ppt/slides/slide16.xml><?xml version="1.0" encoding="utf-8"?>
 <p:sld xmlns:a="http://schemas.openxmlformats.org/drawingml/2006/main" xmlns:r="http://schemas.openxmlformats.org/officeDocument/2006/relationships" xmlns:p="http://schemas.openxmlformats.org/presentationml/2006/main">
   <p:cSld>
     <p:spTree>
@@ -5571,7 +5916,7 @@
 </p:sld>
 </file>
 
-<file path=ppt/slides/slide16.xml><?xml version="1.0" encoding="utf-8"?>
+<file path=ppt/slides/slide17.xml><?xml version="1.0" encoding="utf-8"?>
 <p:sld xmlns:a="http://schemas.openxmlformats.org/drawingml/2006/main" xmlns:r="http://schemas.openxmlformats.org/officeDocument/2006/relationships" xmlns:p="http://schemas.openxmlformats.org/presentationml/2006/main">
   <p:cSld>
     <p:spTree>
@@ -5725,7 +6070,7 @@
 </p:sld>
 </file>
 
-<file path=ppt/slides/slide17.xml><?xml version="1.0" encoding="utf-8"?>
+<file path=ppt/slides/slide18.xml><?xml version="1.0" encoding="utf-8"?>
 <p:sld xmlns:a="http://schemas.openxmlformats.org/drawingml/2006/main" xmlns:r="http://schemas.openxmlformats.org/officeDocument/2006/relationships" xmlns:p="http://schemas.openxmlformats.org/presentationml/2006/main">
   <p:cSld>
     <p:spTree>
@@ -5844,7 +6189,7 @@
 </p:sld>
 </file>
 
-<file path=ppt/slides/slide18.xml><?xml version="1.0" encoding="utf-8"?>
+<file path=ppt/slides/slide19.xml><?xml version="1.0" encoding="utf-8"?>
 <p:sld xmlns:a="http://schemas.openxmlformats.org/drawingml/2006/main" xmlns:r="http://schemas.openxmlformats.org/officeDocument/2006/relationships" xmlns:p="http://schemas.openxmlformats.org/presentationml/2006/main">
   <p:cSld>
     <p:spTree>
@@ -5946,7 +6291,177 @@
 </p:sld>
 </file>
 
-<file path=ppt/slides/slide19.xml><?xml version="1.0" encoding="utf-8"?>
+<file path=ppt/slides/slide2.xml><?xml version="1.0" encoding="utf-8"?>
+<p:sld xmlns:a="http://schemas.openxmlformats.org/drawingml/2006/main" xmlns:r="http://schemas.openxmlformats.org/officeDocument/2006/relationships" xmlns:p="http://schemas.openxmlformats.org/presentationml/2006/main">
+  <p:cSld>
+    <p:spTree>
+      <p:nvGrpSpPr>
+        <p:cNvPr id="1" name=""/>
+        <p:cNvGrpSpPr/>
+        <p:nvPr/>
+      </p:nvGrpSpPr>
+      <p:grpSpPr>
+        <a:xfrm>
+          <a:off x="0" y="0"/>
+          <a:ext cx="0" cy="0"/>
+          <a:chOff x="0" y="0"/>
+          <a:chExt cx="0" cy="0"/>
+        </a:xfrm>
+      </p:grpSpPr>
+      <p:sp>
+        <p:nvSpPr>
+          <p:cNvPr id="2" name="Title 1">
+            <a:extLst>
+              <a:ext uri="{FF2B5EF4-FFF2-40B4-BE49-F238E27FC236}">
+                <a16:creationId xmlns:a16="http://schemas.microsoft.com/office/drawing/2014/main" id="{2973E118-A10E-4A42-A394-40CB8B47D36C}"/>
+              </a:ext>
+            </a:extLst>
+          </p:cNvPr>
+          <p:cNvSpPr>
+            <a:spLocks noGrp="1"/>
+          </p:cNvSpPr>
+          <p:nvPr>
+            <p:ph type="title"/>
+          </p:nvPr>
+        </p:nvSpPr>
+        <p:spPr/>
+        <p:txBody>
+          <a:bodyPr anchor="ctr"/>
+          <a:lstStyle/>
+          <a:p>
+            <a:pPr algn="ctr"/>
+            <a:r>
+              <a:rPr lang="en-US" dirty="0">
+                <a:latin typeface="Times New Roman" panose="02020603050405020304" pitchFamily="18" charset="0"/>
+                <a:cs typeface="Times New Roman" panose="02020603050405020304" pitchFamily="18" charset="0"/>
+              </a:rPr>
+              <a:t>INTRODUCTION</a:t>
+            </a:r>
+            <a:endParaRPr lang="en-IN" dirty="0">
+              <a:latin typeface="Times New Roman" panose="02020603050405020304" pitchFamily="18" charset="0"/>
+              <a:cs typeface="Times New Roman" panose="02020603050405020304" pitchFamily="18" charset="0"/>
+            </a:endParaRPr>
+          </a:p>
+        </p:txBody>
+      </p:sp>
+      <p:sp>
+        <p:nvSpPr>
+          <p:cNvPr id="3" name="Content Placeholder 2">
+            <a:extLst>
+              <a:ext uri="{FF2B5EF4-FFF2-40B4-BE49-F238E27FC236}">
+                <a16:creationId xmlns:a16="http://schemas.microsoft.com/office/drawing/2014/main" id="{A644471E-A27A-48E1-B994-B5AF2F002F26}"/>
+              </a:ext>
+            </a:extLst>
+          </p:cNvPr>
+          <p:cNvSpPr>
+            <a:spLocks noGrp="1"/>
+          </p:cNvSpPr>
+          <p:nvPr>
+            <p:ph idx="1"/>
+          </p:nvPr>
+        </p:nvSpPr>
+        <p:spPr>
+          <a:xfrm>
+            <a:off x="1534696" y="1887586"/>
+            <a:ext cx="9520158" cy="3960195"/>
+          </a:xfrm>
+        </p:spPr>
+        <p:txBody>
+          <a:bodyPr anchor="t">
+            <a:noAutofit/>
+          </a:bodyPr>
+          <a:lstStyle/>
+          <a:p>
+            <a:pPr algn="just">
+              <a:lnSpc>
+                <a:spcPct val="200000"/>
+              </a:lnSpc>
+              <a:buSzPct val="80000"/>
+            </a:pPr>
+            <a:r>
+              <a:rPr lang="en-US" sz="2800" baseline="-25000" dirty="0">
+                <a:latin typeface="Times New Roman" panose="02020603050405020304" pitchFamily="18" charset="0"/>
+                <a:cs typeface="Times New Roman" panose="02020603050405020304" pitchFamily="18" charset="0"/>
+              </a:rPr>
+              <a:t>Finger vein recognition is a method that specifies an individual using the vein pattern inside one’s fingers.</a:t>
+            </a:r>
+          </a:p>
+          <a:p>
+            <a:pPr algn="just">
+              <a:lnSpc>
+                <a:spcPct val="200000"/>
+              </a:lnSpc>
+              <a:buSzPct val="80000"/>
+            </a:pPr>
+            <a:r>
+              <a:rPr lang="en-US" sz="2800" baseline="-25000" dirty="0">
+                <a:latin typeface="Times New Roman" panose="02020603050405020304" pitchFamily="18" charset="0"/>
+                <a:cs typeface="Times New Roman" panose="02020603050405020304" pitchFamily="18" charset="0"/>
+              </a:rPr>
+              <a:t>Unique</a:t>
+            </a:r>
+          </a:p>
+          <a:p>
+            <a:pPr algn="just">
+              <a:lnSpc>
+                <a:spcPct val="200000"/>
+              </a:lnSpc>
+              <a:buSzPct val="80000"/>
+            </a:pPr>
+            <a:r>
+              <a:rPr lang="en-US" sz="2800" baseline="-25000" dirty="0">
+                <a:latin typeface="Times New Roman" panose="02020603050405020304" pitchFamily="18" charset="0"/>
+                <a:cs typeface="Times New Roman" panose="02020603050405020304" pitchFamily="18" charset="0"/>
+              </a:rPr>
+              <a:t>Less intrusive.</a:t>
+            </a:r>
+          </a:p>
+          <a:p>
+            <a:pPr algn="just">
+              <a:lnSpc>
+                <a:spcPct val="200000"/>
+              </a:lnSpc>
+              <a:buSzPct val="80000"/>
+            </a:pPr>
+            <a:r>
+              <a:rPr lang="en-US" sz="2800" baseline="-25000" dirty="0">
+                <a:latin typeface="Times New Roman" panose="02020603050405020304" pitchFamily="18" charset="0"/>
+                <a:cs typeface="Times New Roman" panose="02020603050405020304" pitchFamily="18" charset="0"/>
+              </a:rPr>
+              <a:t>Extremely difficult to read or steal.</a:t>
+            </a:r>
+          </a:p>
+          <a:p>
+            <a:pPr algn="just">
+              <a:lnSpc>
+                <a:spcPct val="200000"/>
+              </a:lnSpc>
+              <a:buSzPct val="80000"/>
+            </a:pPr>
+            <a:r>
+              <a:rPr lang="en-US" sz="2800" baseline="-25000" dirty="0">
+                <a:latin typeface="Times New Roman" panose="02020603050405020304" pitchFamily="18" charset="0"/>
+                <a:cs typeface="Times New Roman" panose="02020603050405020304" pitchFamily="18" charset="0"/>
+              </a:rPr>
+              <a:t>Higher acceptance rate.</a:t>
+            </a:r>
+          </a:p>
+        </p:txBody>
+      </p:sp>
+    </p:spTree>
+    <p:extLst>
+      <p:ext uri="{BB962C8B-B14F-4D97-AF65-F5344CB8AC3E}">
+        <p14:creationId xmlns:p14="http://schemas.microsoft.com/office/powerpoint/2010/main" val="2924193010"/>
+      </p:ext>
+    </p:extLst>
+  </p:cSld>
+  <p:clrMapOvr>
+    <a:masterClrMapping/>
+  </p:clrMapOvr>
+</p:sld>
+</file>
+
+<file path=ppt/slides/slide20.xml><?xml version="1.0" encoding="utf-8"?>
 <p:sld xmlns:a="http://schemas.openxmlformats.org/drawingml/2006/main" xmlns:r="http://schemas.openxmlformats.org/officeDocument/2006/relationships" xmlns:p="http://schemas.openxmlformats.org/presentationml/2006/main">
   <p:cSld>
     <p:spTree>
@@ -6094,177 +6609,7 @@
 </p:sld>
 </file>
 
-<file path=ppt/slides/slide2.xml><?xml version="1.0" encoding="utf-8"?>
-<p:sld xmlns:a="http://schemas.openxmlformats.org/drawingml/2006/main" xmlns:r="http://schemas.openxmlformats.org/officeDocument/2006/relationships" xmlns:p="http://schemas.openxmlformats.org/presentationml/2006/main">
-  <p:cSld>
-    <p:spTree>
-      <p:nvGrpSpPr>
-        <p:cNvPr id="1" name=""/>
-        <p:cNvGrpSpPr/>
-        <p:nvPr/>
-      </p:nvGrpSpPr>
-      <p:grpSpPr>
-        <a:xfrm>
-          <a:off x="0" y="0"/>
-          <a:ext cx="0" cy="0"/>
-          <a:chOff x="0" y="0"/>
-          <a:chExt cx="0" cy="0"/>
-        </a:xfrm>
-      </p:grpSpPr>
-      <p:sp>
-        <p:nvSpPr>
-          <p:cNvPr id="2" name="Title 1">
-            <a:extLst>
-              <a:ext uri="{FF2B5EF4-FFF2-40B4-BE49-F238E27FC236}">
-                <a16:creationId xmlns:a16="http://schemas.microsoft.com/office/drawing/2014/main" id="{2973E118-A10E-4A42-A394-40CB8B47D36C}"/>
-              </a:ext>
-            </a:extLst>
-          </p:cNvPr>
-          <p:cNvSpPr>
-            <a:spLocks noGrp="1"/>
-          </p:cNvSpPr>
-          <p:nvPr>
-            <p:ph type="title"/>
-          </p:nvPr>
-        </p:nvSpPr>
-        <p:spPr/>
-        <p:txBody>
-          <a:bodyPr anchor="ctr"/>
-          <a:lstStyle/>
-          <a:p>
-            <a:pPr algn="ctr"/>
-            <a:r>
-              <a:rPr lang="en-US" dirty="0">
-                <a:latin typeface="Times New Roman" panose="02020603050405020304" pitchFamily="18" charset="0"/>
-                <a:cs typeface="Times New Roman" panose="02020603050405020304" pitchFamily="18" charset="0"/>
-              </a:rPr>
-              <a:t>INTRODUCTION</a:t>
-            </a:r>
-            <a:endParaRPr lang="en-IN" dirty="0">
-              <a:latin typeface="Times New Roman" panose="02020603050405020304" pitchFamily="18" charset="0"/>
-              <a:cs typeface="Times New Roman" panose="02020603050405020304" pitchFamily="18" charset="0"/>
-            </a:endParaRPr>
-          </a:p>
-        </p:txBody>
-      </p:sp>
-      <p:sp>
-        <p:nvSpPr>
-          <p:cNvPr id="3" name="Content Placeholder 2">
-            <a:extLst>
-              <a:ext uri="{FF2B5EF4-FFF2-40B4-BE49-F238E27FC236}">
-                <a16:creationId xmlns:a16="http://schemas.microsoft.com/office/drawing/2014/main" id="{A644471E-A27A-48E1-B994-B5AF2F002F26}"/>
-              </a:ext>
-            </a:extLst>
-          </p:cNvPr>
-          <p:cNvSpPr>
-            <a:spLocks noGrp="1"/>
-          </p:cNvSpPr>
-          <p:nvPr>
-            <p:ph idx="1"/>
-          </p:nvPr>
-        </p:nvSpPr>
-        <p:spPr>
-          <a:xfrm>
-            <a:off x="1534696" y="1887586"/>
-            <a:ext cx="9520158" cy="3960195"/>
-          </a:xfrm>
-        </p:spPr>
-        <p:txBody>
-          <a:bodyPr anchor="t">
-            <a:noAutofit/>
-          </a:bodyPr>
-          <a:lstStyle/>
-          <a:p>
-            <a:pPr algn="just">
-              <a:lnSpc>
-                <a:spcPct val="200000"/>
-              </a:lnSpc>
-              <a:buSzPct val="80000"/>
-            </a:pPr>
-            <a:r>
-              <a:rPr lang="en-US" sz="2800" baseline="-25000" dirty="0">
-                <a:latin typeface="Times New Roman" panose="02020603050405020304" pitchFamily="18" charset="0"/>
-                <a:cs typeface="Times New Roman" panose="02020603050405020304" pitchFamily="18" charset="0"/>
-              </a:rPr>
-              <a:t>Finger vein recognition is a method that specifies an individual using the vein pattern inside one’s fingers.</a:t>
-            </a:r>
-          </a:p>
-          <a:p>
-            <a:pPr algn="just">
-              <a:lnSpc>
-                <a:spcPct val="200000"/>
-              </a:lnSpc>
-              <a:buSzPct val="80000"/>
-            </a:pPr>
-            <a:r>
-              <a:rPr lang="en-US" sz="2800" baseline="-25000" dirty="0">
-                <a:latin typeface="Times New Roman" panose="02020603050405020304" pitchFamily="18" charset="0"/>
-                <a:cs typeface="Times New Roman" panose="02020603050405020304" pitchFamily="18" charset="0"/>
-              </a:rPr>
-              <a:t>Unique</a:t>
-            </a:r>
-          </a:p>
-          <a:p>
-            <a:pPr algn="just">
-              <a:lnSpc>
-                <a:spcPct val="200000"/>
-              </a:lnSpc>
-              <a:buSzPct val="80000"/>
-            </a:pPr>
-            <a:r>
-              <a:rPr lang="en-US" sz="2800" baseline="-25000" dirty="0">
-                <a:latin typeface="Times New Roman" panose="02020603050405020304" pitchFamily="18" charset="0"/>
-                <a:cs typeface="Times New Roman" panose="02020603050405020304" pitchFamily="18" charset="0"/>
-              </a:rPr>
-              <a:t>Less intrusive.</a:t>
-            </a:r>
-          </a:p>
-          <a:p>
-            <a:pPr algn="just">
-              <a:lnSpc>
-                <a:spcPct val="200000"/>
-              </a:lnSpc>
-              <a:buSzPct val="80000"/>
-            </a:pPr>
-            <a:r>
-              <a:rPr lang="en-US" sz="2800" baseline="-25000" dirty="0">
-                <a:latin typeface="Times New Roman" panose="02020603050405020304" pitchFamily="18" charset="0"/>
-                <a:cs typeface="Times New Roman" panose="02020603050405020304" pitchFamily="18" charset="0"/>
-              </a:rPr>
-              <a:t>Extremely difficult to read or steal.</a:t>
-            </a:r>
-          </a:p>
-          <a:p>
-            <a:pPr algn="just">
-              <a:lnSpc>
-                <a:spcPct val="200000"/>
-              </a:lnSpc>
-              <a:buSzPct val="80000"/>
-            </a:pPr>
-            <a:r>
-              <a:rPr lang="en-US" sz="2800" baseline="-25000" dirty="0">
-                <a:latin typeface="Times New Roman" panose="02020603050405020304" pitchFamily="18" charset="0"/>
-                <a:cs typeface="Times New Roman" panose="02020603050405020304" pitchFamily="18" charset="0"/>
-              </a:rPr>
-              <a:t>Higher acceptance rate.</a:t>
-            </a:r>
-          </a:p>
-        </p:txBody>
-      </p:sp>
-    </p:spTree>
-    <p:extLst>
-      <p:ext uri="{BB962C8B-B14F-4D97-AF65-F5344CB8AC3E}">
-        <p14:creationId xmlns:p14="http://schemas.microsoft.com/office/powerpoint/2010/main" val="2924193010"/>
-      </p:ext>
-    </p:extLst>
-  </p:cSld>
-  <p:clrMapOvr>
-    <a:masterClrMapping/>
-  </p:clrMapOvr>
-</p:sld>
-</file>
-
-<file path=ppt/slides/slide20.xml><?xml version="1.0" encoding="utf-8"?>
+<file path=ppt/slides/slide21.xml><?xml version="1.0" encoding="utf-8"?>
 <p:sld xmlns:a="http://schemas.openxmlformats.org/drawingml/2006/main" xmlns:r="http://schemas.openxmlformats.org/officeDocument/2006/relationships" xmlns:p="http://schemas.openxmlformats.org/presentationml/2006/main">
   <p:cSld>
     <p:spTree>
@@ -6647,7 +6992,7 @@
 </p:sld>
 </file>
 
-<file path=ppt/slides/slide21.xml><?xml version="1.0" encoding="utf-8"?>
+<file path=ppt/slides/slide22.xml><?xml version="1.0" encoding="utf-8"?>
 <p:sld xmlns:a="http://schemas.openxmlformats.org/drawingml/2006/main" xmlns:r="http://schemas.openxmlformats.org/officeDocument/2006/relationships" xmlns:p="http://schemas.openxmlformats.org/presentationml/2006/main">
   <p:cSld>
     <p:spTree>
@@ -6779,7 +7124,7 @@
         </p:nvGrpSpPr>
         <p:grpSpPr bwMode="auto">
           <a:xfrm>
-            <a:off x="3782218" y="2203142"/>
+            <a:off x="1620837" y="2111702"/>
             <a:ext cx="4627563" cy="3328988"/>
             <a:chOff x="0" y="0"/>
             <a:chExt cx="7287" cy="5243"/>
@@ -6886,6 +7231,36 @@
           </p:txBody>
         </p:sp>
       </p:grpSp>
+      <p:pic>
+        <p:nvPicPr>
+          <p:cNvPr id="4" name="Picture 3">
+            <a:extLst>
+              <a:ext uri="{FF2B5EF4-FFF2-40B4-BE49-F238E27FC236}">
+                <a16:creationId xmlns:a16="http://schemas.microsoft.com/office/drawing/2014/main" id="{1F7D8046-D911-4B30-8D0C-D7CA3A5F0D11}"/>
+              </a:ext>
+            </a:extLst>
+          </p:cNvPr>
+          <p:cNvPicPr>
+            <a:picLocks noChangeAspect="1"/>
+          </p:cNvPicPr>
+          <p:nvPr/>
+        </p:nvPicPr>
+        <p:blipFill>
+          <a:blip r:embed="rId3"/>
+          <a:stretch>
+            <a:fillRect/>
+          </a:stretch>
+        </p:blipFill>
+        <p:spPr>
+          <a:xfrm>
+            <a:off x="6813251" y="2116147"/>
+            <a:ext cx="4618037" cy="3385489"/>
+          </a:xfrm>
+          <a:prstGeom prst="rect">
+            <a:avLst/>
+          </a:prstGeom>
+        </p:spPr>
+      </p:pic>
     </p:spTree>
     <p:extLst>
       <p:ext uri="{BB962C8B-B14F-4D97-AF65-F5344CB8AC3E}">
@@ -6899,7 +7274,7 @@
 </p:sld>
 </file>
 
-<file path=ppt/slides/slide22.xml><?xml version="1.0" encoding="utf-8"?>
+<file path=ppt/slides/slide23.xml><?xml version="1.0" encoding="utf-8"?>
 <p:sld xmlns:a="http://schemas.openxmlformats.org/drawingml/2006/main" xmlns:r="http://schemas.openxmlformats.org/officeDocument/2006/relationships" xmlns:p="http://schemas.openxmlformats.org/presentationml/2006/main">
   <p:cSld>
     <p:spTree>
@@ -6962,7 +7337,7 @@
         </p:nvGrpSpPr>
         <p:grpSpPr bwMode="auto">
           <a:xfrm>
-            <a:off x="1818065" y="2132768"/>
+            <a:off x="817065" y="2137213"/>
             <a:ext cx="3211512" cy="2998788"/>
             <a:chOff x="3730" y="182"/>
             <a:chExt cx="5058" cy="4722"/>
@@ -7071,10 +7446,10 @@
       </p:grpSp>
       <p:pic>
         <p:nvPicPr>
-          <p:cNvPr id="6" name="Content Placeholder 6">
+          <p:cNvPr id="4" name="Picture 3">
             <a:extLst>
               <a:ext uri="{FF2B5EF4-FFF2-40B4-BE49-F238E27FC236}">
-                <a16:creationId xmlns:a16="http://schemas.microsoft.com/office/drawing/2014/main" id="{000A39C3-3EAE-4D94-89D6-B164287B511D}"/>
+                <a16:creationId xmlns:a16="http://schemas.microsoft.com/office/drawing/2014/main" id="{39B36C2B-5EED-4685-89E1-6FC5565DB5B8}"/>
               </a:ext>
             </a:extLst>
           </p:cNvPr>
@@ -7091,8 +7466,38 @@
         </p:blipFill>
         <p:spPr>
           <a:xfrm>
-            <a:off x="6752265" y="2393486"/>
-            <a:ext cx="3612146" cy="2476715"/>
+            <a:off x="4605721" y="2137213"/>
+            <a:ext cx="3192465" cy="2989262"/>
+          </a:xfrm>
+          <a:prstGeom prst="rect">
+            <a:avLst/>
+          </a:prstGeom>
+        </p:spPr>
+      </p:pic>
+      <p:pic>
+        <p:nvPicPr>
+          <p:cNvPr id="7" name="Picture 6">
+            <a:extLst>
+              <a:ext uri="{FF2B5EF4-FFF2-40B4-BE49-F238E27FC236}">
+                <a16:creationId xmlns:a16="http://schemas.microsoft.com/office/drawing/2014/main" id="{22D0C432-AB66-4CDC-AEA2-DB5A00A259F1}"/>
+              </a:ext>
+            </a:extLst>
+          </p:cNvPr>
+          <p:cNvPicPr>
+            <a:picLocks noChangeAspect="1"/>
+          </p:cNvPicPr>
+          <p:nvPr/>
+        </p:nvPicPr>
+        <p:blipFill>
+          <a:blip r:embed="rId4"/>
+          <a:stretch>
+            <a:fillRect/>
+          </a:stretch>
+        </p:blipFill>
+        <p:spPr>
+          <a:xfrm>
+            <a:off x="8384853" y="2137213"/>
+            <a:ext cx="3490772" cy="2989261"/>
           </a:xfrm>
           <a:prstGeom prst="rect">
             <a:avLst/>
@@ -7112,7 +7517,7 @@
 </p:sld>
 </file>
 
-<file path=ppt/slides/slide23.xml><?xml version="1.0" encoding="utf-8"?>
+<file path=ppt/slides/slide24.xml><?xml version="1.0" encoding="utf-8"?>
 <p:sld xmlns:a="http://schemas.openxmlformats.org/drawingml/2006/main" xmlns:r="http://schemas.openxmlformats.org/officeDocument/2006/relationships" xmlns:p="http://schemas.openxmlformats.org/presentationml/2006/main">
   <p:cSld>
     <p:spTree>
@@ -7267,7 +7672,7 @@
 </p:sld>
 </file>
 
-<file path=ppt/slides/slide24.xml><?xml version="1.0" encoding="utf-8"?>
+<file path=ppt/slides/slide25.xml><?xml version="1.0" encoding="utf-8"?>
 <p:sld xmlns:a="http://schemas.openxmlformats.org/drawingml/2006/main" xmlns:r="http://schemas.openxmlformats.org/officeDocument/2006/relationships" xmlns:p="http://schemas.openxmlformats.org/presentationml/2006/main">
   <p:cSld>
     <p:spTree>
@@ -7343,254 +7748,9 @@
         </p:spPr>
         <p:txBody>
           <a:bodyPr>
-            <a:normAutofit fontScale="92500" lnSpcReduction="20000"/>
+            <a:normAutofit fontScale="70000" lnSpcReduction="20000"/>
           </a:bodyPr>
           <a:lstStyle/>
-          <a:p>
-            <a:pPr marL="742950" marR="756920" lvl="1" indent="-285750" algn="just">
-              <a:lnSpc>
-                <a:spcPct val="150000"/>
-              </a:lnSpc>
-              <a:spcBef>
-                <a:spcPts val="780"/>
-              </a:spcBef>
-              <a:buSzPts val="1200"/>
-              <a:buFont typeface="Times New Roman" panose="02020603050405020304" pitchFamily="18" charset="0"/>
-              <a:buAutoNum type="arabicPeriod"/>
-            </a:pPr>
-            <a:r>
-              <a:rPr lang="en-US" sz="1500" spc="-30" dirty="0">
-                <a:effectLst/>
-                <a:latin typeface="Times New Roman" panose="02020603050405020304" pitchFamily="18" charset="0"/>
-                <a:ea typeface="Times New Roman" panose="02020603050405020304" pitchFamily="18" charset="0"/>
-              </a:rPr>
-              <a:t>K. B. Raja, R. Raghavendra, And C. Busch, “Video Presentation Attack</a:t>
-            </a:r>
-            <a:r>
-              <a:rPr lang="en-US" sz="1500" spc="5" dirty="0">
-                <a:effectLst/>
-                <a:latin typeface="Times New Roman" panose="02020603050405020304" pitchFamily="18" charset="0"/>
-                <a:ea typeface="Times New Roman" panose="02020603050405020304" pitchFamily="18" charset="0"/>
-              </a:rPr>
-              <a:t> </a:t>
-            </a:r>
-            <a:r>
-              <a:rPr lang="en-US" sz="1500" spc="-30" dirty="0">
-                <a:effectLst/>
-                <a:latin typeface="Times New Roman" panose="02020603050405020304" pitchFamily="18" charset="0"/>
-                <a:ea typeface="Times New Roman" panose="02020603050405020304" pitchFamily="18" charset="0"/>
-              </a:rPr>
-              <a:t>Detection In Visible Spectrum Iris Recognition Using Magnified Phase</a:t>
-            </a:r>
-            <a:r>
-              <a:rPr lang="en-US" sz="1500" spc="5" dirty="0">
-                <a:effectLst/>
-                <a:latin typeface="Times New Roman" panose="02020603050405020304" pitchFamily="18" charset="0"/>
-                <a:ea typeface="Times New Roman" panose="02020603050405020304" pitchFamily="18" charset="0"/>
-              </a:rPr>
-              <a:t> </a:t>
-            </a:r>
-            <a:r>
-              <a:rPr lang="en-US" sz="1500" spc="-30" dirty="0">
-                <a:effectLst/>
-                <a:latin typeface="Times New Roman" panose="02020603050405020304" pitchFamily="18" charset="0"/>
-                <a:ea typeface="Times New Roman" panose="02020603050405020304" pitchFamily="18" charset="0"/>
-              </a:rPr>
-              <a:t>Information,” IEEE</a:t>
-            </a:r>
-            <a:r>
-              <a:rPr lang="en-US" sz="1500" spc="-25" dirty="0">
-                <a:effectLst/>
-                <a:latin typeface="Times New Roman" panose="02020603050405020304" pitchFamily="18" charset="0"/>
-                <a:ea typeface="Times New Roman" panose="02020603050405020304" pitchFamily="18" charset="0"/>
-              </a:rPr>
-              <a:t> </a:t>
-            </a:r>
-            <a:r>
-              <a:rPr lang="en-US" sz="1500" spc="-30" dirty="0">
-                <a:effectLst/>
-                <a:latin typeface="Times New Roman" panose="02020603050405020304" pitchFamily="18" charset="0"/>
-                <a:ea typeface="Times New Roman" panose="02020603050405020304" pitchFamily="18" charset="0"/>
-              </a:rPr>
-              <a:t>Transactions</a:t>
-            </a:r>
-            <a:r>
-              <a:rPr lang="en-US" sz="1500" spc="-15" dirty="0">
-                <a:effectLst/>
-                <a:latin typeface="Times New Roman" panose="02020603050405020304" pitchFamily="18" charset="0"/>
-                <a:ea typeface="Times New Roman" panose="02020603050405020304" pitchFamily="18" charset="0"/>
-              </a:rPr>
-              <a:t> </a:t>
-            </a:r>
-            <a:r>
-              <a:rPr lang="en-US" sz="1500" spc="-30" dirty="0">
-                <a:effectLst/>
-                <a:latin typeface="Times New Roman" panose="02020603050405020304" pitchFamily="18" charset="0"/>
-                <a:ea typeface="Times New Roman" panose="02020603050405020304" pitchFamily="18" charset="0"/>
-              </a:rPr>
-              <a:t>On</a:t>
-            </a:r>
-            <a:r>
-              <a:rPr lang="en-US" sz="1500" spc="-20" dirty="0">
-                <a:effectLst/>
-                <a:latin typeface="Times New Roman" panose="02020603050405020304" pitchFamily="18" charset="0"/>
-                <a:ea typeface="Times New Roman" panose="02020603050405020304" pitchFamily="18" charset="0"/>
-              </a:rPr>
-              <a:t> </a:t>
-            </a:r>
-            <a:r>
-              <a:rPr lang="en-US" sz="1500" spc="-30" dirty="0">
-                <a:effectLst/>
-                <a:latin typeface="Times New Roman" panose="02020603050405020304" pitchFamily="18" charset="0"/>
-                <a:ea typeface="Times New Roman" panose="02020603050405020304" pitchFamily="18" charset="0"/>
-              </a:rPr>
-              <a:t>Information</a:t>
-            </a:r>
-            <a:r>
-              <a:rPr lang="en-US" sz="1500" spc="-15" dirty="0">
-                <a:effectLst/>
-                <a:latin typeface="Times New Roman" panose="02020603050405020304" pitchFamily="18" charset="0"/>
-                <a:ea typeface="Times New Roman" panose="02020603050405020304" pitchFamily="18" charset="0"/>
-              </a:rPr>
-              <a:t> </a:t>
-            </a:r>
-            <a:r>
-              <a:rPr lang="en-US" sz="1500" spc="-30" dirty="0">
-                <a:effectLst/>
-                <a:latin typeface="Times New Roman" panose="02020603050405020304" pitchFamily="18" charset="0"/>
-                <a:ea typeface="Times New Roman" panose="02020603050405020304" pitchFamily="18" charset="0"/>
-              </a:rPr>
-              <a:t>Forensics</a:t>
-            </a:r>
-            <a:r>
-              <a:rPr lang="en-US" sz="1500" spc="-20" dirty="0">
-                <a:effectLst/>
-                <a:latin typeface="Times New Roman" panose="02020603050405020304" pitchFamily="18" charset="0"/>
-                <a:ea typeface="Times New Roman" panose="02020603050405020304" pitchFamily="18" charset="0"/>
-              </a:rPr>
-              <a:t> </a:t>
-            </a:r>
-            <a:r>
-              <a:rPr lang="en-US" sz="1500" spc="-30" dirty="0">
-                <a:effectLst/>
-                <a:latin typeface="Times New Roman" panose="02020603050405020304" pitchFamily="18" charset="0"/>
-                <a:ea typeface="Times New Roman" panose="02020603050405020304" pitchFamily="18" charset="0"/>
-              </a:rPr>
-              <a:t>And</a:t>
-            </a:r>
-            <a:r>
-              <a:rPr lang="en-US" sz="1500" spc="-35" dirty="0">
-                <a:effectLst/>
-                <a:latin typeface="Times New Roman" panose="02020603050405020304" pitchFamily="18" charset="0"/>
-                <a:ea typeface="Times New Roman" panose="02020603050405020304" pitchFamily="18" charset="0"/>
-              </a:rPr>
-              <a:t> </a:t>
-            </a:r>
-            <a:r>
-              <a:rPr lang="en-US" sz="1500" spc="-30" dirty="0">
-                <a:effectLst/>
-                <a:latin typeface="Times New Roman" panose="02020603050405020304" pitchFamily="18" charset="0"/>
-                <a:ea typeface="Times New Roman" panose="02020603050405020304" pitchFamily="18" charset="0"/>
-              </a:rPr>
-              <a:t>Security, Vol.</a:t>
-            </a:r>
-            <a:r>
-              <a:rPr lang="en-US" sz="1500" spc="-335" dirty="0">
-                <a:effectLst/>
-                <a:latin typeface="Times New Roman" panose="02020603050405020304" pitchFamily="18" charset="0"/>
-                <a:ea typeface="Times New Roman" panose="02020603050405020304" pitchFamily="18" charset="0"/>
-              </a:rPr>
-              <a:t> </a:t>
-            </a:r>
-            <a:r>
-              <a:rPr lang="en-US" sz="1500" spc="-30" dirty="0">
-                <a:effectLst/>
-                <a:latin typeface="Times New Roman" panose="02020603050405020304" pitchFamily="18" charset="0"/>
-                <a:ea typeface="Times New Roman" panose="02020603050405020304" pitchFamily="18" charset="0"/>
-              </a:rPr>
-              <a:t>10,</a:t>
-            </a:r>
-            <a:r>
-              <a:rPr lang="en-US" sz="1500" spc="-10" dirty="0">
-                <a:effectLst/>
-                <a:latin typeface="Times New Roman" panose="02020603050405020304" pitchFamily="18" charset="0"/>
-                <a:ea typeface="Times New Roman" panose="02020603050405020304" pitchFamily="18" charset="0"/>
-              </a:rPr>
-              <a:t> </a:t>
-            </a:r>
-            <a:r>
-              <a:rPr lang="en-US" sz="1500" spc="-30" dirty="0">
-                <a:effectLst/>
-                <a:latin typeface="Times New Roman" panose="02020603050405020304" pitchFamily="18" charset="0"/>
-                <a:ea typeface="Times New Roman" panose="02020603050405020304" pitchFamily="18" charset="0"/>
-              </a:rPr>
-              <a:t>No.</a:t>
-            </a:r>
-            <a:r>
-              <a:rPr lang="en-US" sz="1500" spc="-20" dirty="0">
-                <a:effectLst/>
-                <a:latin typeface="Times New Roman" panose="02020603050405020304" pitchFamily="18" charset="0"/>
-                <a:ea typeface="Times New Roman" panose="02020603050405020304" pitchFamily="18" charset="0"/>
-              </a:rPr>
-              <a:t> </a:t>
-            </a:r>
-            <a:r>
-              <a:rPr lang="en-US" sz="1500" spc="-30" dirty="0">
-                <a:effectLst/>
-                <a:latin typeface="Times New Roman" panose="02020603050405020304" pitchFamily="18" charset="0"/>
-                <a:ea typeface="Times New Roman" panose="02020603050405020304" pitchFamily="18" charset="0"/>
-              </a:rPr>
-              <a:t>10,</a:t>
-            </a:r>
-            <a:r>
-              <a:rPr lang="en-US" sz="1500" spc="-5" dirty="0">
-                <a:effectLst/>
-                <a:latin typeface="Times New Roman" panose="02020603050405020304" pitchFamily="18" charset="0"/>
-                <a:ea typeface="Times New Roman" panose="02020603050405020304" pitchFamily="18" charset="0"/>
-              </a:rPr>
-              <a:t> </a:t>
-            </a:r>
-            <a:r>
-              <a:rPr lang="en-US" sz="1500" spc="-30" dirty="0">
-                <a:effectLst/>
-                <a:latin typeface="Times New Roman" panose="02020603050405020304" pitchFamily="18" charset="0"/>
-                <a:ea typeface="Times New Roman" panose="02020603050405020304" pitchFamily="18" charset="0"/>
-              </a:rPr>
-              <a:t>Pp.</a:t>
-            </a:r>
-            <a:r>
-              <a:rPr lang="en-US" sz="1500" spc="-5" dirty="0">
-                <a:effectLst/>
-                <a:latin typeface="Times New Roman" panose="02020603050405020304" pitchFamily="18" charset="0"/>
-                <a:ea typeface="Times New Roman" panose="02020603050405020304" pitchFamily="18" charset="0"/>
-              </a:rPr>
-              <a:t> </a:t>
-            </a:r>
-            <a:r>
-              <a:rPr lang="en-US" sz="1500" spc="-30" dirty="0">
-                <a:effectLst/>
-                <a:latin typeface="Times New Roman" panose="02020603050405020304" pitchFamily="18" charset="0"/>
-                <a:ea typeface="Times New Roman" panose="02020603050405020304" pitchFamily="18" charset="0"/>
-              </a:rPr>
-              <a:t>2048-2056,</a:t>
-            </a:r>
-            <a:r>
-              <a:rPr lang="en-US" sz="1500" spc="-5" dirty="0">
-                <a:effectLst/>
-                <a:latin typeface="Times New Roman" panose="02020603050405020304" pitchFamily="18" charset="0"/>
-                <a:ea typeface="Times New Roman" panose="02020603050405020304" pitchFamily="18" charset="0"/>
-              </a:rPr>
-              <a:t> </a:t>
-            </a:r>
-            <a:r>
-              <a:rPr lang="en-US" sz="1500" spc="-30" dirty="0">
-                <a:effectLst/>
-                <a:latin typeface="Times New Roman" panose="02020603050405020304" pitchFamily="18" charset="0"/>
-                <a:ea typeface="Times New Roman" panose="02020603050405020304" pitchFamily="18" charset="0"/>
-              </a:rPr>
-              <a:t>2015.</a:t>
-            </a:r>
-          </a:p>
           <a:p>
             <a:pPr marL="742950" marR="756920" lvl="1" indent="-285750" algn="just">
               <a:lnSpc>
@@ -7607,7 +7767,7 @@
               <a:buAutoNum type="arabicPeriod"/>
             </a:pPr>
             <a:r>
-              <a:rPr lang="en-US" sz="1500" spc="-30" dirty="0">
+              <a:rPr lang="en-US" sz="1800" spc="-30" dirty="0">
                 <a:effectLst/>
                 <a:latin typeface="Times New Roman" panose="02020603050405020304" pitchFamily="18" charset="0"/>
                 <a:ea typeface="Times New Roman" panose="02020603050405020304" pitchFamily="18" charset="0"/>
@@ -7615,7 +7775,7 @@
               <a:t>D. De Santos-Sierra, M. F. Arriaga-Gómez, G. </a:t>
             </a:r>
             <a:r>
-              <a:rPr lang="en-US" sz="1500" spc="-30" dirty="0" err="1">
+              <a:rPr lang="en-US" sz="1800" spc="-30" dirty="0" err="1">
                 <a:effectLst/>
                 <a:latin typeface="Times New Roman" panose="02020603050405020304" pitchFamily="18" charset="0"/>
                 <a:ea typeface="Times New Roman" panose="02020603050405020304" pitchFamily="18" charset="0"/>
@@ -7623,7 +7783,7 @@
               <a:t>Bailador</a:t>
             </a:r>
             <a:r>
-              <a:rPr lang="en-US" sz="1500" spc="-30" dirty="0">
+              <a:rPr lang="en-US" sz="1800" spc="-30" dirty="0">
                 <a:effectLst/>
                 <a:latin typeface="Times New Roman" panose="02020603050405020304" pitchFamily="18" charset="0"/>
                 <a:ea typeface="Times New Roman" panose="02020603050405020304" pitchFamily="18" charset="0"/>
@@ -7631,7 +7791,7 @@
               <a:t>, And C. Sánchez-</a:t>
             </a:r>
             <a:r>
-              <a:rPr lang="en-US" sz="1500" spc="-335" dirty="0">
+              <a:rPr lang="en-US" sz="1800" spc="-335" dirty="0">
                 <a:effectLst/>
                 <a:latin typeface="Times New Roman" panose="02020603050405020304" pitchFamily="18" charset="0"/>
                 <a:ea typeface="Times New Roman" panose="02020603050405020304" pitchFamily="18" charset="0"/>
@@ -7639,7 +7799,7 @@
               <a:t> </a:t>
             </a:r>
             <a:r>
-              <a:rPr lang="en-US" sz="1500" spc="-30" dirty="0">
+              <a:rPr lang="en-US" sz="1800" spc="-30" dirty="0">
                 <a:effectLst/>
                 <a:latin typeface="Times New Roman" panose="02020603050405020304" pitchFamily="18" charset="0"/>
                 <a:ea typeface="Times New Roman" panose="02020603050405020304" pitchFamily="18" charset="0"/>
@@ -7647,7 +7807,7 @@
               <a:t>Ávila, “Low Computational Cost Multilayer Graph- Based Segmentation</a:t>
             </a:r>
             <a:r>
-              <a:rPr lang="en-US" sz="1500" spc="5" dirty="0">
+              <a:rPr lang="en-US" sz="1800" spc="5" dirty="0">
                 <a:effectLst/>
                 <a:latin typeface="Times New Roman" panose="02020603050405020304" pitchFamily="18" charset="0"/>
                 <a:ea typeface="Times New Roman" panose="02020603050405020304" pitchFamily="18" charset="0"/>
@@ -7655,7 +7815,7 @@
               <a:t> </a:t>
             </a:r>
             <a:r>
-              <a:rPr lang="en-US" sz="1500" spc="-30" dirty="0">
+              <a:rPr lang="en-US" sz="1800" spc="-30" dirty="0">
                 <a:effectLst/>
                 <a:latin typeface="Times New Roman" panose="02020603050405020304" pitchFamily="18" charset="0"/>
                 <a:ea typeface="Times New Roman" panose="02020603050405020304" pitchFamily="18" charset="0"/>
@@ -7663,7 +7823,7 @@
               <a:t>Algorithms For Hand Recognition On Mobile Phones,” In Proc. Int.</a:t>
             </a:r>
             <a:r>
-              <a:rPr lang="en-US" sz="1500" spc="5" dirty="0">
+              <a:rPr lang="en-US" sz="1800" spc="5" dirty="0">
                 <a:effectLst/>
                 <a:latin typeface="Times New Roman" panose="02020603050405020304" pitchFamily="18" charset="0"/>
                 <a:ea typeface="Times New Roman" panose="02020603050405020304" pitchFamily="18" charset="0"/>
@@ -7671,7 +7831,7 @@
               <a:t> </a:t>
             </a:r>
             <a:r>
-              <a:rPr lang="en-US" sz="1500" spc="-30" dirty="0">
+              <a:rPr lang="en-US" sz="1800" spc="-30" dirty="0">
                 <a:effectLst/>
                 <a:latin typeface="Times New Roman" panose="02020603050405020304" pitchFamily="18" charset="0"/>
                 <a:ea typeface="Times New Roman" panose="02020603050405020304" pitchFamily="18" charset="0"/>
@@ -7679,7 +7839,7 @@
               <a:t>Carnahan Conf.</a:t>
             </a:r>
             <a:r>
-              <a:rPr lang="en-US" sz="1500" spc="-5" dirty="0">
+              <a:rPr lang="en-US" sz="1800" spc="-5" dirty="0">
                 <a:effectLst/>
                 <a:latin typeface="Times New Roman" panose="02020603050405020304" pitchFamily="18" charset="0"/>
                 <a:ea typeface="Times New Roman" panose="02020603050405020304" pitchFamily="18" charset="0"/>
@@ -7687,7 +7847,7 @@
               <a:t> </a:t>
             </a:r>
             <a:r>
-              <a:rPr lang="en-US" sz="1500" spc="-30" dirty="0">
+              <a:rPr lang="en-US" sz="1800" spc="-30" dirty="0">
                 <a:effectLst/>
                 <a:latin typeface="Times New Roman" panose="02020603050405020304" pitchFamily="18" charset="0"/>
                 <a:ea typeface="Times New Roman" panose="02020603050405020304" pitchFamily="18" charset="0"/>
@@ -7695,7 +7855,7 @@
               <a:t>Security</a:t>
             </a:r>
             <a:r>
-              <a:rPr lang="en-US" sz="1500" spc="-20" dirty="0">
+              <a:rPr lang="en-US" sz="1800" spc="-20" dirty="0">
                 <a:effectLst/>
                 <a:latin typeface="Times New Roman" panose="02020603050405020304" pitchFamily="18" charset="0"/>
                 <a:ea typeface="Times New Roman" panose="02020603050405020304" pitchFamily="18" charset="0"/>
@@ -7703,7 +7863,7 @@
               <a:t> </a:t>
             </a:r>
             <a:r>
-              <a:rPr lang="en-US" sz="1500" spc="-30" dirty="0">
+              <a:rPr lang="en-US" sz="1800" spc="-30" dirty="0">
                 <a:effectLst/>
                 <a:latin typeface="Times New Roman" panose="02020603050405020304" pitchFamily="18" charset="0"/>
                 <a:ea typeface="Times New Roman" panose="02020603050405020304" pitchFamily="18" charset="0"/>
@@ -7711,7 +7871,7 @@
               <a:t>Technol.</a:t>
             </a:r>
             <a:r>
-              <a:rPr lang="en-US" sz="1500" spc="-5" dirty="0">
+              <a:rPr lang="en-US" sz="1800" spc="-5" dirty="0">
                 <a:effectLst/>
                 <a:latin typeface="Times New Roman" panose="02020603050405020304" pitchFamily="18" charset="0"/>
                 <a:ea typeface="Times New Roman" panose="02020603050405020304" pitchFamily="18" charset="0"/>
@@ -7719,7 +7879,7 @@
               <a:t> </a:t>
             </a:r>
             <a:r>
-              <a:rPr lang="en-US" sz="1500" spc="-30" dirty="0">
+              <a:rPr lang="en-US" sz="1800" spc="-30" dirty="0">
                 <a:effectLst/>
                 <a:latin typeface="Times New Roman" panose="02020603050405020304" pitchFamily="18" charset="0"/>
                 <a:ea typeface="Times New Roman" panose="02020603050405020304" pitchFamily="18" charset="0"/>
@@ -7727,7 +7887,7 @@
               <a:t>(</a:t>
             </a:r>
             <a:r>
-              <a:rPr lang="en-US" sz="1500" spc="-30" dirty="0" err="1">
+              <a:rPr lang="en-US" sz="1800" spc="-30" dirty="0" err="1">
                 <a:effectLst/>
                 <a:latin typeface="Times New Roman" panose="02020603050405020304" pitchFamily="18" charset="0"/>
                 <a:ea typeface="Times New Roman" panose="02020603050405020304" pitchFamily="18" charset="0"/>
@@ -7735,7 +7895,7 @@
               <a:t>Iccst</a:t>
             </a:r>
             <a:r>
-              <a:rPr lang="en-US" sz="1500" spc="-30" dirty="0">
+              <a:rPr lang="en-US" sz="1800" spc="-30" dirty="0">
                 <a:effectLst/>
                 <a:latin typeface="Times New Roman" panose="02020603050405020304" pitchFamily="18" charset="0"/>
                 <a:ea typeface="Times New Roman" panose="02020603050405020304" pitchFamily="18" charset="0"/>
@@ -7743,7 +7903,7 @@
               <a:t>),</a:t>
             </a:r>
             <a:r>
-              <a:rPr lang="en-US" sz="1500" spc="-25" dirty="0">
+              <a:rPr lang="en-US" sz="1800" spc="-25" dirty="0">
                 <a:effectLst/>
                 <a:latin typeface="Times New Roman" panose="02020603050405020304" pitchFamily="18" charset="0"/>
                 <a:ea typeface="Times New Roman" panose="02020603050405020304" pitchFamily="18" charset="0"/>
@@ -7751,7 +7911,7 @@
               <a:t> </a:t>
             </a:r>
             <a:r>
-              <a:rPr lang="en-US" sz="1500" spc="-30" dirty="0">
+              <a:rPr lang="en-US" sz="1800" spc="-30" dirty="0">
                 <a:effectLst/>
                 <a:latin typeface="Times New Roman" panose="02020603050405020304" pitchFamily="18" charset="0"/>
                 <a:ea typeface="Times New Roman" panose="02020603050405020304" pitchFamily="18" charset="0"/>
@@ -7759,7 +7919,7 @@
               <a:t>Rome,</a:t>
             </a:r>
             <a:r>
-              <a:rPr lang="en-US" sz="1500" spc="-5" dirty="0">
+              <a:rPr lang="en-US" sz="1800" spc="-5" dirty="0">
                 <a:effectLst/>
                 <a:latin typeface="Times New Roman" panose="02020603050405020304" pitchFamily="18" charset="0"/>
                 <a:ea typeface="Times New Roman" panose="02020603050405020304" pitchFamily="18" charset="0"/>
@@ -7767,7 +7927,7 @@
               <a:t> </a:t>
             </a:r>
             <a:r>
-              <a:rPr lang="en-US" sz="1500" spc="-30" dirty="0">
+              <a:rPr lang="en-US" sz="1800" spc="-30" dirty="0">
                 <a:effectLst/>
                 <a:latin typeface="Times New Roman" panose="02020603050405020304" pitchFamily="18" charset="0"/>
                 <a:ea typeface="Times New Roman" panose="02020603050405020304" pitchFamily="18" charset="0"/>
@@ -7775,7 +7935,7 @@
               <a:t>Italy,</a:t>
             </a:r>
             <a:r>
-              <a:rPr lang="en-US" sz="1500" spc="-5" dirty="0">
+              <a:rPr lang="en-US" sz="1800" spc="-5" dirty="0">
                 <a:effectLst/>
                 <a:latin typeface="Times New Roman" panose="02020603050405020304" pitchFamily="18" charset="0"/>
                 <a:ea typeface="Times New Roman" panose="02020603050405020304" pitchFamily="18" charset="0"/>
@@ -7783,7 +7943,7 @@
               <a:t> </a:t>
             </a:r>
             <a:r>
-              <a:rPr lang="en-US" sz="1500" spc="-30" dirty="0">
+              <a:rPr lang="en-US" sz="1800" spc="-30" dirty="0">
                 <a:effectLst/>
                 <a:latin typeface="Times New Roman" panose="02020603050405020304" pitchFamily="18" charset="0"/>
                 <a:ea typeface="Times New Roman" panose="02020603050405020304" pitchFamily="18" charset="0"/>
@@ -7791,7 +7951,7 @@
               <a:t>2014,</a:t>
             </a:r>
             <a:r>
-              <a:rPr lang="en-US" sz="1500" spc="-5" dirty="0">
+              <a:rPr lang="en-US" sz="1800" spc="-5" dirty="0">
                 <a:effectLst/>
                 <a:latin typeface="Times New Roman" panose="02020603050405020304" pitchFamily="18" charset="0"/>
                 <a:ea typeface="Times New Roman" panose="02020603050405020304" pitchFamily="18" charset="0"/>
@@ -7799,7 +7959,7 @@
               <a:t> </a:t>
             </a:r>
             <a:r>
-              <a:rPr lang="en-US" sz="1500" spc="-30" dirty="0">
+              <a:rPr lang="en-US" sz="1800" spc="-30" dirty="0">
                 <a:effectLst/>
                 <a:latin typeface="Times New Roman" panose="02020603050405020304" pitchFamily="18" charset="0"/>
                 <a:ea typeface="Times New Roman" panose="02020603050405020304" pitchFamily="18" charset="0"/>
@@ -7807,7 +7967,7 @@
               <a:t>Pp.</a:t>
             </a:r>
             <a:r>
-              <a:rPr lang="en-US" sz="1500" spc="-5" dirty="0">
+              <a:rPr lang="en-US" sz="1800" spc="-5" dirty="0">
                 <a:effectLst/>
                 <a:latin typeface="Times New Roman" panose="02020603050405020304" pitchFamily="18" charset="0"/>
                 <a:ea typeface="Times New Roman" panose="02020603050405020304" pitchFamily="18" charset="0"/>
@@ -7815,14 +7975,14 @@
               <a:t> </a:t>
             </a:r>
             <a:r>
-              <a:rPr lang="en-US" sz="1500" spc="-30" dirty="0">
+              <a:rPr lang="en-US" sz="1800" spc="-30" dirty="0">
                 <a:effectLst/>
                 <a:latin typeface="Times New Roman" panose="02020603050405020304" pitchFamily="18" charset="0"/>
                 <a:ea typeface="Times New Roman" panose="02020603050405020304" pitchFamily="18" charset="0"/>
               </a:rPr>
               <a:t>1–5.</a:t>
             </a:r>
-            <a:endParaRPr lang="en-IN" sz="1500" spc="-30" dirty="0">
+            <a:endParaRPr lang="en-IN" sz="1800" spc="-30" dirty="0">
               <a:effectLst/>
               <a:latin typeface="Times New Roman" panose="02020603050405020304" pitchFamily="18" charset="0"/>
               <a:ea typeface="Times New Roman" panose="02020603050405020304" pitchFamily="18" charset="0"/>
@@ -7841,7 +8001,7 @@
               <a:buAutoNum type="arabicPeriod"/>
             </a:pPr>
             <a:r>
-              <a:rPr lang="en-US" sz="1500" spc="-30" dirty="0">
+              <a:rPr lang="en-US" sz="1800" spc="-30" dirty="0">
                 <a:effectLst/>
                 <a:latin typeface="Times New Roman" panose="02020603050405020304" pitchFamily="18" charset="0"/>
                 <a:ea typeface="Times New Roman" panose="02020603050405020304" pitchFamily="18" charset="0"/>
@@ -7849,7 +8009,7 @@
               <a:t>W. Kang And Q. Wu, “Pose-Invariant Hand Shape Recognition Based On</a:t>
             </a:r>
             <a:r>
-              <a:rPr lang="en-US" sz="1500" spc="-335" dirty="0">
+              <a:rPr lang="en-US" sz="1800" spc="-335" dirty="0">
                 <a:effectLst/>
                 <a:latin typeface="Times New Roman" panose="02020603050405020304" pitchFamily="18" charset="0"/>
                 <a:ea typeface="Times New Roman" panose="02020603050405020304" pitchFamily="18" charset="0"/>
@@ -7857,7 +8017,7 @@
               <a:t> </a:t>
             </a:r>
             <a:r>
-              <a:rPr lang="en-US" sz="1500" spc="-30" dirty="0">
+              <a:rPr lang="en-US" sz="1800" spc="-30" dirty="0">
                 <a:effectLst/>
                 <a:latin typeface="Times New Roman" panose="02020603050405020304" pitchFamily="18" charset="0"/>
                 <a:ea typeface="Times New Roman" panose="02020603050405020304" pitchFamily="18" charset="0"/>
@@ -7865,7 +8025,7 @@
               <a:t>Finger</a:t>
             </a:r>
             <a:r>
-              <a:rPr lang="en-US" sz="1500" spc="-10" dirty="0">
+              <a:rPr lang="en-US" sz="1800" spc="-10" dirty="0">
                 <a:effectLst/>
                 <a:latin typeface="Times New Roman" panose="02020603050405020304" pitchFamily="18" charset="0"/>
                 <a:ea typeface="Times New Roman" panose="02020603050405020304" pitchFamily="18" charset="0"/>
@@ -7873,7 +8033,7 @@
               <a:t> </a:t>
             </a:r>
             <a:r>
-              <a:rPr lang="en-US" sz="1500" spc="-30" dirty="0">
+              <a:rPr lang="en-US" sz="1800" spc="-30" dirty="0">
                 <a:effectLst/>
                 <a:latin typeface="Times New Roman" panose="02020603050405020304" pitchFamily="18" charset="0"/>
                 <a:ea typeface="Times New Roman" panose="02020603050405020304" pitchFamily="18" charset="0"/>
@@ -7881,7 +8041,7 @@
               <a:t>Geometry,”</a:t>
             </a:r>
             <a:r>
-              <a:rPr lang="en-US" sz="1500" spc="-15" dirty="0">
+              <a:rPr lang="en-US" sz="1800" spc="-15" dirty="0">
                 <a:effectLst/>
                 <a:latin typeface="Times New Roman" panose="02020603050405020304" pitchFamily="18" charset="0"/>
                 <a:ea typeface="Times New Roman" panose="02020603050405020304" pitchFamily="18" charset="0"/>
@@ -7889,7 +8049,7 @@
               <a:t> </a:t>
             </a:r>
             <a:r>
-              <a:rPr lang="en-US" sz="1500" spc="-30" dirty="0" err="1">
+              <a:rPr lang="en-US" sz="1800" spc="-30" dirty="0" err="1">
                 <a:effectLst/>
                 <a:latin typeface="Times New Roman" panose="02020603050405020304" pitchFamily="18" charset="0"/>
                 <a:ea typeface="Times New Roman" panose="02020603050405020304" pitchFamily="18" charset="0"/>
@@ -7897,7 +8057,7 @@
               <a:t>Ieee</a:t>
             </a:r>
             <a:r>
-              <a:rPr lang="en-US" sz="1500" spc="-10" dirty="0">
+              <a:rPr lang="en-US" sz="1800" spc="-10" dirty="0">
                 <a:effectLst/>
                 <a:latin typeface="Times New Roman" panose="02020603050405020304" pitchFamily="18" charset="0"/>
                 <a:ea typeface="Times New Roman" panose="02020603050405020304" pitchFamily="18" charset="0"/>
@@ -7905,7 +8065,7 @@
               <a:t> </a:t>
             </a:r>
             <a:r>
-              <a:rPr lang="en-US" sz="1500" spc="-30" dirty="0">
+              <a:rPr lang="en-US" sz="1800" spc="-30" dirty="0">
                 <a:effectLst/>
                 <a:latin typeface="Times New Roman" panose="02020603050405020304" pitchFamily="18" charset="0"/>
                 <a:ea typeface="Times New Roman" panose="02020603050405020304" pitchFamily="18" charset="0"/>
@@ -7913,7 +8073,7 @@
               <a:t>Trans.</a:t>
             </a:r>
             <a:r>
-              <a:rPr lang="en-US" sz="1500" spc="-15" dirty="0">
+              <a:rPr lang="en-US" sz="1800" spc="-15" dirty="0">
                 <a:effectLst/>
                 <a:latin typeface="Times New Roman" panose="02020603050405020304" pitchFamily="18" charset="0"/>
                 <a:ea typeface="Times New Roman" panose="02020603050405020304" pitchFamily="18" charset="0"/>
@@ -7921,7 +8081,7 @@
               <a:t> </a:t>
             </a:r>
             <a:r>
-              <a:rPr lang="en-US" sz="1500" spc="-30" dirty="0">
+              <a:rPr lang="en-US" sz="1800" spc="-30" dirty="0">
                 <a:effectLst/>
                 <a:latin typeface="Times New Roman" panose="02020603050405020304" pitchFamily="18" charset="0"/>
                 <a:ea typeface="Times New Roman" panose="02020603050405020304" pitchFamily="18" charset="0"/>
@@ -7929,7 +8089,7 @@
               <a:t>Syst.,</a:t>
             </a:r>
             <a:r>
-              <a:rPr lang="en-US" sz="1500" spc="-15" dirty="0">
+              <a:rPr lang="en-US" sz="1800" spc="-15" dirty="0">
                 <a:effectLst/>
                 <a:latin typeface="Times New Roman" panose="02020603050405020304" pitchFamily="18" charset="0"/>
                 <a:ea typeface="Times New Roman" panose="02020603050405020304" pitchFamily="18" charset="0"/>
@@ -7937,7 +8097,7 @@
               <a:t> </a:t>
             </a:r>
             <a:r>
-              <a:rPr lang="en-US" sz="1500" spc="-30" dirty="0">
+              <a:rPr lang="en-US" sz="1800" spc="-30" dirty="0">
                 <a:effectLst/>
                 <a:latin typeface="Times New Roman" panose="02020603050405020304" pitchFamily="18" charset="0"/>
                 <a:ea typeface="Times New Roman" panose="02020603050405020304" pitchFamily="18" charset="0"/>
@@ -7945,7 +8105,7 @@
               <a:t>Man,</a:t>
             </a:r>
             <a:r>
-              <a:rPr lang="en-US" sz="1500" spc="-25" dirty="0">
+              <a:rPr lang="en-US" sz="1800" spc="-25" dirty="0">
                 <a:effectLst/>
                 <a:latin typeface="Times New Roman" panose="02020603050405020304" pitchFamily="18" charset="0"/>
                 <a:ea typeface="Times New Roman" panose="02020603050405020304" pitchFamily="18" charset="0"/>
@@ -7953,7 +8113,7 @@
               <a:t> </a:t>
             </a:r>
             <a:r>
-              <a:rPr lang="en-US" sz="1500" spc="-30" dirty="0" err="1">
+              <a:rPr lang="en-US" sz="1800" spc="-30" dirty="0" err="1">
                 <a:effectLst/>
                 <a:latin typeface="Times New Roman" panose="02020603050405020304" pitchFamily="18" charset="0"/>
                 <a:ea typeface="Times New Roman" panose="02020603050405020304" pitchFamily="18" charset="0"/>
@@ -7961,7 +8121,7 @@
               <a:t>Cybern</a:t>
             </a:r>
             <a:r>
-              <a:rPr lang="en-US" sz="1500" spc="-30" dirty="0">
+              <a:rPr lang="en-US" sz="1800" spc="-30" dirty="0">
                 <a:effectLst/>
                 <a:latin typeface="Times New Roman" panose="02020603050405020304" pitchFamily="18" charset="0"/>
                 <a:ea typeface="Times New Roman" panose="02020603050405020304" pitchFamily="18" charset="0"/>
@@ -7969,7 +8129,7 @@
               <a:t>.,</a:t>
             </a:r>
             <a:r>
-              <a:rPr lang="en-US" sz="1500" spc="-10" dirty="0">
+              <a:rPr lang="en-US" sz="1800" spc="-10" dirty="0">
                 <a:effectLst/>
                 <a:latin typeface="Times New Roman" panose="02020603050405020304" pitchFamily="18" charset="0"/>
                 <a:ea typeface="Times New Roman" panose="02020603050405020304" pitchFamily="18" charset="0"/>
@@ -7977,7 +8137,7 @@
               <a:t> </a:t>
             </a:r>
             <a:r>
-              <a:rPr lang="en-US" sz="1500" spc="-30" dirty="0">
+              <a:rPr lang="en-US" sz="1800" spc="-30" dirty="0">
                 <a:effectLst/>
                 <a:latin typeface="Times New Roman" panose="02020603050405020304" pitchFamily="18" charset="0"/>
                 <a:ea typeface="Times New Roman" panose="02020603050405020304" pitchFamily="18" charset="0"/>
@@ -7985,7 +8145,7 @@
               <a:t>Syst.,</a:t>
             </a:r>
             <a:r>
-              <a:rPr lang="en-US" sz="1500" spc="-15" dirty="0">
+              <a:rPr lang="en-US" sz="1800" spc="-15" dirty="0">
                 <a:effectLst/>
                 <a:latin typeface="Times New Roman" panose="02020603050405020304" pitchFamily="18" charset="0"/>
                 <a:ea typeface="Times New Roman" panose="02020603050405020304" pitchFamily="18" charset="0"/>
@@ -7993,7 +8153,7 @@
               <a:t> </a:t>
             </a:r>
             <a:r>
-              <a:rPr lang="en-US" sz="1500" spc="-30" dirty="0">
+              <a:rPr lang="en-US" sz="1800" spc="-30" dirty="0">
                 <a:effectLst/>
                 <a:latin typeface="Times New Roman" panose="02020603050405020304" pitchFamily="18" charset="0"/>
                 <a:ea typeface="Times New Roman" panose="02020603050405020304" pitchFamily="18" charset="0"/>
@@ -8001,7 +8161,7 @@
               <a:t>Vol.</a:t>
             </a:r>
             <a:r>
-              <a:rPr lang="en-US" sz="1500" spc="-15" dirty="0">
+              <a:rPr lang="en-US" sz="1800" spc="-15" dirty="0">
                 <a:effectLst/>
                 <a:latin typeface="Times New Roman" panose="02020603050405020304" pitchFamily="18" charset="0"/>
                 <a:ea typeface="Times New Roman" panose="02020603050405020304" pitchFamily="18" charset="0"/>
@@ -8009,7 +8169,7 @@
               <a:t> </a:t>
             </a:r>
             <a:r>
-              <a:rPr lang="en-US" sz="1500" spc="-30" dirty="0">
+              <a:rPr lang="en-US" sz="1800" spc="-30" dirty="0">
                 <a:effectLst/>
                 <a:latin typeface="Times New Roman" panose="02020603050405020304" pitchFamily="18" charset="0"/>
                 <a:ea typeface="Times New Roman" panose="02020603050405020304" pitchFamily="18" charset="0"/>
@@ -8017,7 +8177,7 @@
               <a:t>44,</a:t>
             </a:r>
             <a:r>
-              <a:rPr lang="en-US" sz="1500" spc="-15" dirty="0">
+              <a:rPr lang="en-US" sz="1800" spc="-15" dirty="0">
                 <a:effectLst/>
                 <a:latin typeface="Times New Roman" panose="02020603050405020304" pitchFamily="18" charset="0"/>
                 <a:ea typeface="Times New Roman" panose="02020603050405020304" pitchFamily="18" charset="0"/>
@@ -8025,7 +8185,7 @@
               <a:t> </a:t>
             </a:r>
             <a:r>
-              <a:rPr lang="en-US" sz="1500" spc="-30" dirty="0">
+              <a:rPr lang="en-US" sz="1800" spc="-30" dirty="0">
                 <a:effectLst/>
                 <a:latin typeface="Times New Roman" panose="02020603050405020304" pitchFamily="18" charset="0"/>
                 <a:ea typeface="Times New Roman" panose="02020603050405020304" pitchFamily="18" charset="0"/>
@@ -8033,7 +8193,7 @@
               <a:t>No.</a:t>
             </a:r>
             <a:r>
-              <a:rPr lang="en-US" sz="1500" spc="-15" dirty="0">
+              <a:rPr lang="en-US" sz="1800" spc="-15" dirty="0">
                 <a:effectLst/>
                 <a:latin typeface="Times New Roman" panose="02020603050405020304" pitchFamily="18" charset="0"/>
                 <a:ea typeface="Times New Roman" panose="02020603050405020304" pitchFamily="18" charset="0"/>
@@ -8041,7 +8201,7 @@
               <a:t> </a:t>
             </a:r>
             <a:r>
-              <a:rPr lang="en-US" sz="1500" spc="-30" dirty="0">
+              <a:rPr lang="en-US" sz="1800" spc="-30" dirty="0">
                 <a:effectLst/>
                 <a:latin typeface="Times New Roman" panose="02020603050405020304" pitchFamily="18" charset="0"/>
                 <a:ea typeface="Times New Roman" panose="02020603050405020304" pitchFamily="18" charset="0"/>
@@ -8049,7 +8209,7 @@
               <a:t>11,</a:t>
             </a:r>
             <a:r>
-              <a:rPr lang="en-US" sz="1500" spc="-335" dirty="0">
+              <a:rPr lang="en-US" sz="1800" spc="-335" dirty="0">
                 <a:effectLst/>
                 <a:latin typeface="Times New Roman" panose="02020603050405020304" pitchFamily="18" charset="0"/>
                 <a:ea typeface="Times New Roman" panose="02020603050405020304" pitchFamily="18" charset="0"/>
@@ -8057,7 +8217,7 @@
               <a:t> </a:t>
             </a:r>
             <a:r>
-              <a:rPr lang="en-US" sz="1500" spc="-30" dirty="0">
+              <a:rPr lang="en-US" sz="1800" spc="-30" dirty="0">
                 <a:effectLst/>
                 <a:latin typeface="Times New Roman" panose="02020603050405020304" pitchFamily="18" charset="0"/>
                 <a:ea typeface="Times New Roman" panose="02020603050405020304" pitchFamily="18" charset="0"/>
@@ -8065,7 +8225,7 @@
               <a:t>Pp.</a:t>
             </a:r>
             <a:r>
-              <a:rPr lang="en-US" sz="1500" spc="-10" dirty="0">
+              <a:rPr lang="en-US" sz="1800" spc="-10" dirty="0">
                 <a:effectLst/>
                 <a:latin typeface="Times New Roman" panose="02020603050405020304" pitchFamily="18" charset="0"/>
                 <a:ea typeface="Times New Roman" panose="02020603050405020304" pitchFamily="18" charset="0"/>
@@ -8073,7 +8233,7 @@
               <a:t> </a:t>
             </a:r>
             <a:r>
-              <a:rPr lang="en-US" sz="1500" spc="-30" dirty="0">
+              <a:rPr lang="en-US" sz="1800" spc="-30" dirty="0">
                 <a:effectLst/>
                 <a:latin typeface="Times New Roman" panose="02020603050405020304" pitchFamily="18" charset="0"/>
                 <a:ea typeface="Times New Roman" panose="02020603050405020304" pitchFamily="18" charset="0"/>
@@ -8081,7 +8241,7 @@
               <a:t>1510–1521,</a:t>
             </a:r>
             <a:r>
-              <a:rPr lang="en-US" sz="1500" spc="-5" dirty="0">
+              <a:rPr lang="en-US" sz="1800" spc="-5" dirty="0">
                 <a:effectLst/>
                 <a:latin typeface="Times New Roman" panose="02020603050405020304" pitchFamily="18" charset="0"/>
                 <a:ea typeface="Times New Roman" panose="02020603050405020304" pitchFamily="18" charset="0"/>
@@ -8089,7 +8249,7 @@
               <a:t> </a:t>
             </a:r>
             <a:r>
-              <a:rPr lang="en-US" sz="1500" spc="-30" dirty="0">
+              <a:rPr lang="en-US" sz="1800" spc="-30" dirty="0">
                 <a:effectLst/>
                 <a:latin typeface="Times New Roman" panose="02020603050405020304" pitchFamily="18" charset="0"/>
                 <a:ea typeface="Times New Roman" panose="02020603050405020304" pitchFamily="18" charset="0"/>
@@ -8097,7 +8257,7 @@
               <a:t>Nov.</a:t>
             </a:r>
             <a:r>
-              <a:rPr lang="en-US" sz="1500" spc="-15" dirty="0">
+              <a:rPr lang="en-US" sz="1800" spc="-15" dirty="0">
                 <a:effectLst/>
                 <a:latin typeface="Times New Roman" panose="02020603050405020304" pitchFamily="18" charset="0"/>
                 <a:ea typeface="Times New Roman" panose="02020603050405020304" pitchFamily="18" charset="0"/>
@@ -8105,21 +8265,21 @@
               <a:t> </a:t>
             </a:r>
             <a:r>
-              <a:rPr lang="en-US" sz="1500" spc="-30" dirty="0">
+              <a:rPr lang="en-US" sz="1800" spc="-30" dirty="0">
                 <a:effectLst/>
                 <a:latin typeface="Times New Roman" panose="02020603050405020304" pitchFamily="18" charset="0"/>
                 <a:ea typeface="Times New Roman" panose="02020603050405020304" pitchFamily="18" charset="0"/>
               </a:rPr>
               <a:t>2014.</a:t>
             </a:r>
-            <a:endParaRPr lang="en-IN" sz="1500" spc="-30" dirty="0">
+            <a:endParaRPr lang="en-IN" sz="1800" spc="-30" dirty="0">
               <a:effectLst/>
               <a:latin typeface="Times New Roman" panose="02020603050405020304" pitchFamily="18" charset="0"/>
               <a:ea typeface="Times New Roman" panose="02020603050405020304" pitchFamily="18" charset="0"/>
             </a:endParaRPr>
           </a:p>
           <a:p>
-            <a:pPr marL="742950" marR="664210" lvl="1" indent="-285750" algn="just">
+            <a:pPr marL="742950" marR="601345" lvl="1" indent="-285750" algn="just">
               <a:lnSpc>
                 <a:spcPct val="150000"/>
               </a:lnSpc>
@@ -8134,15 +8294,15 @@
               <a:buAutoNum type="arabicPeriod"/>
             </a:pPr>
             <a:r>
-              <a:rPr lang="en-US" sz="1500" spc="-30" dirty="0">
-                <a:effectLst/>
-                <a:latin typeface="Times New Roman" panose="02020603050405020304" pitchFamily="18" charset="0"/>
-                <a:ea typeface="Times New Roman" panose="02020603050405020304" pitchFamily="18" charset="0"/>
-              </a:rPr>
-              <a:t>Nalini,</a:t>
-            </a:r>
-            <a:r>
-              <a:rPr lang="en-US" sz="1500" spc="-15" dirty="0">
+              <a:rPr lang="en-US" sz="1800" spc="-30" dirty="0">
+                <a:effectLst/>
+                <a:latin typeface="Times New Roman" panose="02020603050405020304" pitchFamily="18" charset="0"/>
+                <a:ea typeface="Times New Roman" panose="02020603050405020304" pitchFamily="18" charset="0"/>
+              </a:rPr>
+              <a:t>B. P. Nguyen, W.-L. Tay, And C.-K. Chui, “Robust Biometric Recognition</a:t>
+            </a:r>
+            <a:r>
+              <a:rPr lang="en-US" sz="1800" spc="5" dirty="0">
                 <a:effectLst/>
                 <a:latin typeface="Times New Roman" panose="02020603050405020304" pitchFamily="18" charset="0"/>
                 <a:ea typeface="Times New Roman" panose="02020603050405020304" pitchFamily="18" charset="0"/>
@@ -8150,15 +8310,31 @@
               <a:t> </a:t>
             </a:r>
             <a:r>
-              <a:rPr lang="en-US" sz="1500" spc="-30" dirty="0">
-                <a:effectLst/>
-                <a:latin typeface="Times New Roman" panose="02020603050405020304" pitchFamily="18" charset="0"/>
-                <a:ea typeface="Times New Roman" panose="02020603050405020304" pitchFamily="18" charset="0"/>
-              </a:rPr>
-              <a:t>K.,</a:t>
-            </a:r>
-            <a:r>
-              <a:rPr lang="en-US" sz="1500" spc="-15" dirty="0">
+              <a:rPr lang="en-US" sz="1800" spc="-30" dirty="0">
+                <a:effectLst/>
+                <a:latin typeface="Times New Roman" panose="02020603050405020304" pitchFamily="18" charset="0"/>
+                <a:ea typeface="Times New Roman" panose="02020603050405020304" pitchFamily="18" charset="0"/>
+              </a:rPr>
+              <a:t>From Palm Depth Images For Gloved Hands,” </a:t>
+            </a:r>
+            <a:r>
+              <a:rPr lang="en-US" sz="1800" spc="-30" dirty="0" err="1">
+                <a:effectLst/>
+                <a:latin typeface="Times New Roman" panose="02020603050405020304" pitchFamily="18" charset="0"/>
+                <a:ea typeface="Times New Roman" panose="02020603050405020304" pitchFamily="18" charset="0"/>
+              </a:rPr>
+              <a:t>Ieee</a:t>
+            </a:r>
+            <a:r>
+              <a:rPr lang="en-US" sz="1800" spc="-30" dirty="0">
+                <a:effectLst/>
+                <a:latin typeface="Times New Roman" panose="02020603050405020304" pitchFamily="18" charset="0"/>
+                <a:ea typeface="Times New Roman" panose="02020603050405020304" pitchFamily="18" charset="0"/>
+              </a:rPr>
+              <a:t> Trans. Human–Mach.</a:t>
+            </a:r>
+            <a:r>
+              <a:rPr lang="en-US" sz="1800" spc="5" dirty="0">
                 <a:effectLst/>
                 <a:latin typeface="Times New Roman" panose="02020603050405020304" pitchFamily="18" charset="0"/>
                 <a:ea typeface="Times New Roman" panose="02020603050405020304" pitchFamily="18" charset="0"/>
@@ -8166,15 +8342,15 @@
               <a:t> </a:t>
             </a:r>
             <a:r>
-              <a:rPr lang="en-US" sz="1500" spc="-30" dirty="0">
-                <a:effectLst/>
-                <a:latin typeface="Times New Roman" panose="02020603050405020304" pitchFamily="18" charset="0"/>
-                <a:ea typeface="Times New Roman" panose="02020603050405020304" pitchFamily="18" charset="0"/>
-              </a:rPr>
-              <a:t>and L.</a:t>
-            </a:r>
-            <a:r>
-              <a:rPr lang="en-US" sz="1500" spc="-15" dirty="0">
+              <a:rPr lang="en-US" sz="1800" spc="-30" dirty="0">
+                <a:effectLst/>
+                <a:latin typeface="Times New Roman" panose="02020603050405020304" pitchFamily="18" charset="0"/>
+                <a:ea typeface="Times New Roman" panose="02020603050405020304" pitchFamily="18" charset="0"/>
+              </a:rPr>
+              <a:t>Syst.,</a:t>
+            </a:r>
+            <a:r>
+              <a:rPr lang="en-US" sz="1800" spc="-15" dirty="0">
                 <a:effectLst/>
                 <a:latin typeface="Times New Roman" panose="02020603050405020304" pitchFamily="18" charset="0"/>
                 <a:ea typeface="Times New Roman" panose="02020603050405020304" pitchFamily="18" charset="0"/>
@@ -8182,15 +8358,15 @@
               <a:t> </a:t>
             </a:r>
             <a:r>
-              <a:rPr lang="en-US" sz="1500" spc="-30" dirty="0" err="1">
-                <a:effectLst/>
-                <a:latin typeface="Times New Roman" panose="02020603050405020304" pitchFamily="18" charset="0"/>
-                <a:ea typeface="Times New Roman" panose="02020603050405020304" pitchFamily="18" charset="0"/>
-              </a:rPr>
-              <a:t>Jaba</a:t>
-            </a:r>
-            <a:r>
-              <a:rPr lang="en-US" sz="1500" spc="-10" dirty="0">
+              <a:rPr lang="en-US" sz="1800" spc="-30" dirty="0">
+                <a:effectLst/>
+                <a:latin typeface="Times New Roman" panose="02020603050405020304" pitchFamily="18" charset="0"/>
+                <a:ea typeface="Times New Roman" panose="02020603050405020304" pitchFamily="18" charset="0"/>
+              </a:rPr>
+              <a:t>Vol.</a:t>
+            </a:r>
+            <a:r>
+              <a:rPr lang="en-US" sz="1800" spc="-15" dirty="0">
                 <a:effectLst/>
                 <a:latin typeface="Times New Roman" panose="02020603050405020304" pitchFamily="18" charset="0"/>
                 <a:ea typeface="Times New Roman" panose="02020603050405020304" pitchFamily="18" charset="0"/>
@@ -8198,15 +8374,15 @@
               <a:t> </a:t>
             </a:r>
             <a:r>
-              <a:rPr lang="en-US" sz="1500" spc="-30" dirty="0">
-                <a:effectLst/>
-                <a:latin typeface="Times New Roman" panose="02020603050405020304" pitchFamily="18" charset="0"/>
-                <a:ea typeface="Times New Roman" panose="02020603050405020304" pitchFamily="18" charset="0"/>
-              </a:rPr>
-              <a:t>Sheela.</a:t>
-            </a:r>
-            <a:r>
-              <a:rPr lang="en-US" sz="1500" spc="-10" dirty="0">
+              <a:rPr lang="en-US" sz="1800" spc="-30" dirty="0">
+                <a:effectLst/>
+                <a:latin typeface="Times New Roman" panose="02020603050405020304" pitchFamily="18" charset="0"/>
+                <a:ea typeface="Times New Roman" panose="02020603050405020304" pitchFamily="18" charset="0"/>
+              </a:rPr>
+              <a:t>45,</a:t>
+            </a:r>
+            <a:r>
+              <a:rPr lang="en-US" sz="1800" spc="-15" dirty="0">
                 <a:effectLst/>
                 <a:latin typeface="Times New Roman" panose="02020603050405020304" pitchFamily="18" charset="0"/>
                 <a:ea typeface="Times New Roman" panose="02020603050405020304" pitchFamily="18" charset="0"/>
@@ -8214,15 +8390,15 @@
               <a:t> </a:t>
             </a:r>
             <a:r>
-              <a:rPr lang="en-US" sz="1500" spc="-30" dirty="0">
-                <a:effectLst/>
-                <a:latin typeface="Times New Roman" panose="02020603050405020304" pitchFamily="18" charset="0"/>
-                <a:ea typeface="Times New Roman" panose="02020603050405020304" pitchFamily="18" charset="0"/>
-              </a:rPr>
-              <a:t>"A</a:t>
-            </a:r>
-            <a:r>
-              <a:rPr lang="en-US" sz="1500" spc="-15" dirty="0">
+              <a:rPr lang="en-US" sz="1800" spc="-30" dirty="0">
+                <a:effectLst/>
+                <a:latin typeface="Times New Roman" panose="02020603050405020304" pitchFamily="18" charset="0"/>
+                <a:ea typeface="Times New Roman" panose="02020603050405020304" pitchFamily="18" charset="0"/>
+              </a:rPr>
+              <a:t>No. 6,</a:t>
+            </a:r>
+            <a:r>
+              <a:rPr lang="en-US" sz="1800" spc="-15" dirty="0">
                 <a:effectLst/>
                 <a:latin typeface="Times New Roman" panose="02020603050405020304" pitchFamily="18" charset="0"/>
                 <a:ea typeface="Times New Roman" panose="02020603050405020304" pitchFamily="18" charset="0"/>
@@ -8230,15 +8406,15 @@
               <a:t> </a:t>
             </a:r>
             <a:r>
-              <a:rPr lang="en-US" sz="1500" spc="-30" dirty="0">
-                <a:effectLst/>
-                <a:latin typeface="Times New Roman" panose="02020603050405020304" pitchFamily="18" charset="0"/>
-                <a:ea typeface="Times New Roman" panose="02020603050405020304" pitchFamily="18" charset="0"/>
-              </a:rPr>
-              <a:t>survey on datamining</a:t>
-            </a:r>
-            <a:r>
-              <a:rPr lang="en-US" sz="1500" spc="-5" dirty="0">
+              <a:rPr lang="en-US" sz="1800" spc="-30" dirty="0">
+                <a:effectLst/>
+                <a:latin typeface="Times New Roman" panose="02020603050405020304" pitchFamily="18" charset="0"/>
+                <a:ea typeface="Times New Roman" panose="02020603050405020304" pitchFamily="18" charset="0"/>
+              </a:rPr>
+              <a:t>Pp.</a:t>
+            </a:r>
+            <a:r>
+              <a:rPr lang="en-US" sz="1800" spc="-15" dirty="0">
                 <a:effectLst/>
                 <a:latin typeface="Times New Roman" panose="02020603050405020304" pitchFamily="18" charset="0"/>
                 <a:ea typeface="Times New Roman" panose="02020603050405020304" pitchFamily="18" charset="0"/>
@@ -8246,15 +8422,15 @@
               <a:t> </a:t>
             </a:r>
             <a:r>
-              <a:rPr lang="en-US" sz="1500" spc="-30" dirty="0">
-                <a:effectLst/>
-                <a:latin typeface="Times New Roman" panose="02020603050405020304" pitchFamily="18" charset="0"/>
-                <a:ea typeface="Times New Roman" panose="02020603050405020304" pitchFamily="18" charset="0"/>
-              </a:rPr>
-              <a:t>in</a:t>
-            </a:r>
-            <a:r>
-              <a:rPr lang="en-US" sz="1500" spc="-5" dirty="0">
+              <a:rPr lang="en-US" sz="1800" spc="-30" dirty="0">
+                <a:effectLst/>
+                <a:latin typeface="Times New Roman" panose="02020603050405020304" pitchFamily="18" charset="0"/>
+                <a:ea typeface="Times New Roman" panose="02020603050405020304" pitchFamily="18" charset="0"/>
+              </a:rPr>
+              <a:t>799–804,</a:t>
+            </a:r>
+            <a:r>
+              <a:rPr lang="en-US" sz="1800" spc="-15" dirty="0">
                 <a:effectLst/>
                 <a:latin typeface="Times New Roman" panose="02020603050405020304" pitchFamily="18" charset="0"/>
                 <a:ea typeface="Times New Roman" panose="02020603050405020304" pitchFamily="18" charset="0"/>
@@ -8262,15 +8438,15 @@
               <a:t> </a:t>
             </a:r>
             <a:r>
-              <a:rPr lang="en-US" sz="1500" spc="-30" dirty="0">
-                <a:effectLst/>
-                <a:latin typeface="Times New Roman" panose="02020603050405020304" pitchFamily="18" charset="0"/>
-                <a:ea typeface="Times New Roman" panose="02020603050405020304" pitchFamily="18" charset="0"/>
-              </a:rPr>
-              <a:t>cyber</a:t>
-            </a:r>
-            <a:r>
-              <a:rPr lang="en-US" sz="1500" spc="-5" dirty="0">
+              <a:rPr lang="en-US" sz="1800" spc="-30" dirty="0">
+                <a:effectLst/>
+                <a:latin typeface="Times New Roman" panose="02020603050405020304" pitchFamily="18" charset="0"/>
+                <a:ea typeface="Times New Roman" panose="02020603050405020304" pitchFamily="18" charset="0"/>
+              </a:rPr>
+              <a:t>Dec.</a:t>
+            </a:r>
+            <a:r>
+              <a:rPr lang="en-US" sz="1800" spc="-15" dirty="0">
                 <a:effectLst/>
                 <a:latin typeface="Times New Roman" panose="02020603050405020304" pitchFamily="18" charset="0"/>
                 <a:ea typeface="Times New Roman" panose="02020603050405020304" pitchFamily="18" charset="0"/>
@@ -8278,15 +8454,15 @@
               <a:t> </a:t>
             </a:r>
             <a:r>
-              <a:rPr lang="en-US" sz="1500" spc="-30" dirty="0">
-                <a:effectLst/>
-                <a:latin typeface="Times New Roman" panose="02020603050405020304" pitchFamily="18" charset="0"/>
-                <a:ea typeface="Times New Roman" panose="02020603050405020304" pitchFamily="18" charset="0"/>
-              </a:rPr>
-              <a:t>bullying.” International Journal on Recent and Innovation Trends in Computing and</a:t>
-            </a:r>
-            <a:r>
-              <a:rPr lang="en-US" sz="1500" spc="5" dirty="0">
+              <a:rPr lang="en-US" sz="1800" spc="-30" dirty="0">
+                <a:effectLst/>
+                <a:latin typeface="Times New Roman" panose="02020603050405020304" pitchFamily="18" charset="0"/>
+                <a:ea typeface="Times New Roman" panose="02020603050405020304" pitchFamily="18" charset="0"/>
+              </a:rPr>
+              <a:t>2015.Morales</a:t>
+            </a:r>
+            <a:r>
+              <a:rPr lang="en-US" sz="1800" spc="-5" dirty="0">
                 <a:effectLst/>
                 <a:latin typeface="Times New Roman" panose="02020603050405020304" pitchFamily="18" charset="0"/>
                 <a:ea typeface="Times New Roman" panose="02020603050405020304" pitchFamily="18" charset="0"/>
@@ -8294,15 +8470,15 @@
               <a:t> </a:t>
             </a:r>
             <a:r>
-              <a:rPr lang="en-US" sz="1500" spc="-30" dirty="0">
-                <a:effectLst/>
-                <a:latin typeface="Times New Roman" panose="02020603050405020304" pitchFamily="18" charset="0"/>
-                <a:ea typeface="Times New Roman" panose="02020603050405020304" pitchFamily="18" charset="0"/>
-              </a:rPr>
-              <a:t>Communication</a:t>
-            </a:r>
-            <a:r>
-              <a:rPr lang="en-US" sz="1500" spc="-20" dirty="0">
+              <a:rPr lang="en-US" sz="1800" spc="-30" dirty="0">
+                <a:effectLst/>
+                <a:latin typeface="Times New Roman" panose="02020603050405020304" pitchFamily="18" charset="0"/>
+                <a:ea typeface="Times New Roman" panose="02020603050405020304" pitchFamily="18" charset="0"/>
+              </a:rPr>
+              <a:t>Et</a:t>
+            </a:r>
+            <a:r>
+              <a:rPr lang="en-US" sz="1800" spc="-10" dirty="0">
                 <a:effectLst/>
                 <a:latin typeface="Times New Roman" panose="02020603050405020304" pitchFamily="18" charset="0"/>
                 <a:ea typeface="Times New Roman" panose="02020603050405020304" pitchFamily="18" charset="0"/>
@@ -8310,15 +8486,15 @@
               <a:t> </a:t>
             </a:r>
             <a:r>
-              <a:rPr lang="en-US" sz="1500" spc="-30" dirty="0">
-                <a:effectLst/>
-                <a:latin typeface="Times New Roman" panose="02020603050405020304" pitchFamily="18" charset="0"/>
-                <a:ea typeface="Times New Roman" panose="02020603050405020304" pitchFamily="18" charset="0"/>
-              </a:rPr>
-              <a:t>2.7 (2014):</a:t>
-            </a:r>
-            <a:r>
-              <a:rPr lang="en-US" sz="1500" spc="-15" dirty="0">
+              <a:rPr lang="en-US" sz="1800" spc="-30" dirty="0">
+                <a:effectLst/>
+                <a:latin typeface="Times New Roman" panose="02020603050405020304" pitchFamily="18" charset="0"/>
+                <a:ea typeface="Times New Roman" panose="02020603050405020304" pitchFamily="18" charset="0"/>
+              </a:rPr>
+              <a:t>Al.,</a:t>
+            </a:r>
+            <a:r>
+              <a:rPr lang="en-US" sz="1800" spc="-15" dirty="0">
                 <a:effectLst/>
                 <a:latin typeface="Times New Roman" panose="02020603050405020304" pitchFamily="18" charset="0"/>
                 <a:ea typeface="Times New Roman" panose="02020603050405020304" pitchFamily="18" charset="0"/>
@@ -8326,36 +8502,15 @@
               <a:t> </a:t>
             </a:r>
             <a:r>
-              <a:rPr lang="en-US" sz="1500" spc="-30" dirty="0">
-                <a:effectLst/>
-                <a:latin typeface="Times New Roman" panose="02020603050405020304" pitchFamily="18" charset="0"/>
-                <a:ea typeface="Times New Roman" panose="02020603050405020304" pitchFamily="18" charset="0"/>
-              </a:rPr>
-              <a:t>1865-1869.</a:t>
-            </a:r>
-          </a:p>
-          <a:p>
-            <a:pPr marL="742950" marR="664210" lvl="1" indent="-285750" algn="just">
-              <a:lnSpc>
-                <a:spcPct val="150000"/>
-              </a:lnSpc>
-              <a:spcBef>
-                <a:spcPts val="5"/>
-              </a:spcBef>
-              <a:buSzPts val="1200"/>
-              <a:buFont typeface="Times New Roman" panose="02020603050405020304" pitchFamily="18" charset="0"/>
-              <a:buAutoNum type="arabicPeriod"/>
-            </a:pPr>
-            <a:r>
-              <a:rPr lang="en-US" sz="1500" spc="-30" dirty="0">
-                <a:effectLst/>
-                <a:latin typeface="Times New Roman" panose="02020603050405020304" pitchFamily="18" charset="0"/>
-                <a:ea typeface="Times New Roman" panose="02020603050405020304" pitchFamily="18" charset="0"/>
-              </a:rPr>
-              <a:t>L. Yang, G. Yang, Y. Yin, And R. Xiao, “Sliding Window-Based Region Of</a:t>
-            </a:r>
-            <a:r>
-              <a:rPr lang="en-US" sz="1500" spc="-335" dirty="0">
+              <a:rPr lang="en-US" sz="1800" spc="-30" dirty="0">
+                <a:effectLst/>
+                <a:latin typeface="Times New Roman" panose="02020603050405020304" pitchFamily="18" charset="0"/>
+                <a:ea typeface="Times New Roman" panose="02020603050405020304" pitchFamily="18" charset="0"/>
+              </a:rPr>
+              <a:t>“Synthesis</a:t>
+            </a:r>
+            <a:r>
+              <a:rPr lang="en-US" sz="1800" spc="-5" dirty="0">
                 <a:effectLst/>
                 <a:latin typeface="Times New Roman" panose="02020603050405020304" pitchFamily="18" charset="0"/>
                 <a:ea typeface="Times New Roman" panose="02020603050405020304" pitchFamily="18" charset="0"/>
@@ -8363,15 +8518,15 @@
               <a:t> </a:t>
             </a:r>
             <a:r>
-              <a:rPr lang="en-US" sz="1500" spc="-30" dirty="0">
-                <a:effectLst/>
-                <a:latin typeface="Times New Roman" panose="02020603050405020304" pitchFamily="18" charset="0"/>
-                <a:ea typeface="Times New Roman" panose="02020603050405020304" pitchFamily="18" charset="0"/>
-              </a:rPr>
-              <a:t>Interest Extraction For Finger Vein Images,” Sensors, Vol. 13, No. 3,</a:t>
-            </a:r>
-            <a:r>
-              <a:rPr lang="en-US" sz="1500" spc="5" dirty="0">
+              <a:rPr lang="en-US" sz="1800" spc="-30" dirty="0">
+                <a:effectLst/>
+                <a:latin typeface="Times New Roman" panose="02020603050405020304" pitchFamily="18" charset="0"/>
+                <a:ea typeface="Times New Roman" panose="02020603050405020304" pitchFamily="18" charset="0"/>
+              </a:rPr>
+              <a:t>Of</a:t>
+            </a:r>
+            <a:r>
+              <a:rPr lang="en-US" sz="1800" spc="-335" dirty="0">
                 <a:effectLst/>
                 <a:latin typeface="Times New Roman" panose="02020603050405020304" pitchFamily="18" charset="0"/>
                 <a:ea typeface="Times New Roman" panose="02020603050405020304" pitchFamily="18" charset="0"/>
@@ -8379,15 +8534,15 @@
               <a:t> </a:t>
             </a:r>
             <a:r>
-              <a:rPr lang="en-US" sz="1500" spc="-30" dirty="0">
-                <a:effectLst/>
-                <a:latin typeface="Times New Roman" panose="02020603050405020304" pitchFamily="18" charset="0"/>
-                <a:ea typeface="Times New Roman" panose="02020603050405020304" pitchFamily="18" charset="0"/>
-              </a:rPr>
-              <a:t>Pp.3799–3815,</a:t>
-            </a:r>
-            <a:r>
-              <a:rPr lang="en-US" sz="1500" spc="-10" dirty="0">
+              <a:rPr lang="en-US" sz="1800" spc="-30" dirty="0">
+                <a:effectLst/>
+                <a:latin typeface="Times New Roman" panose="02020603050405020304" pitchFamily="18" charset="0"/>
+                <a:ea typeface="Times New Roman" panose="02020603050405020304" pitchFamily="18" charset="0"/>
+              </a:rPr>
+              <a:t>Large Scale Hand-Shape Databases For Biometric Applications,” Pattern</a:t>
+            </a:r>
+            <a:r>
+              <a:rPr lang="en-US" sz="1800" spc="5" dirty="0">
                 <a:effectLst/>
                 <a:latin typeface="Times New Roman" panose="02020603050405020304" pitchFamily="18" charset="0"/>
                 <a:ea typeface="Times New Roman" panose="02020603050405020304" pitchFamily="18" charset="0"/>
@@ -8395,21 +8550,173 @@
               <a:t> </a:t>
             </a:r>
             <a:r>
-              <a:rPr lang="en-US" sz="1500" spc="-30" dirty="0">
-                <a:effectLst/>
-                <a:latin typeface="Times New Roman" panose="02020603050405020304" pitchFamily="18" charset="0"/>
-                <a:ea typeface="Times New Roman" panose="02020603050405020304" pitchFamily="18" charset="0"/>
-              </a:rPr>
-              <a:t>2013.</a:t>
-            </a:r>
-            <a:endParaRPr lang="en-IN" sz="1500" spc="-30" dirty="0">
+              <a:rPr lang="en-US" sz="1800" spc="-30" dirty="0" err="1">
+                <a:effectLst/>
+                <a:latin typeface="Times New Roman" panose="02020603050405020304" pitchFamily="18" charset="0"/>
+                <a:ea typeface="Times New Roman" panose="02020603050405020304" pitchFamily="18" charset="0"/>
+              </a:rPr>
+              <a:t>Recognit</a:t>
+            </a:r>
+            <a:r>
+              <a:rPr lang="en-US" sz="1800" spc="-30" dirty="0">
+                <a:effectLst/>
+                <a:latin typeface="Times New Roman" panose="02020603050405020304" pitchFamily="18" charset="0"/>
+                <a:ea typeface="Times New Roman" panose="02020603050405020304" pitchFamily="18" charset="0"/>
+              </a:rPr>
+              <a:t>.</a:t>
+            </a:r>
+            <a:r>
+              <a:rPr lang="en-US" sz="1800" spc="-10" dirty="0">
+                <a:effectLst/>
+                <a:latin typeface="Times New Roman" panose="02020603050405020304" pitchFamily="18" charset="0"/>
+                <a:ea typeface="Times New Roman" panose="02020603050405020304" pitchFamily="18" charset="0"/>
+              </a:rPr>
+              <a:t> </a:t>
+            </a:r>
+            <a:r>
+              <a:rPr lang="en-US" sz="1800" spc="-30" dirty="0">
+                <a:effectLst/>
+                <a:latin typeface="Times New Roman" panose="02020603050405020304" pitchFamily="18" charset="0"/>
+                <a:ea typeface="Times New Roman" panose="02020603050405020304" pitchFamily="18" charset="0"/>
+              </a:rPr>
+              <a:t>Lett.,</a:t>
+            </a:r>
+            <a:r>
+              <a:rPr lang="en-US" sz="1800" spc="-5" dirty="0">
+                <a:effectLst/>
+                <a:latin typeface="Times New Roman" panose="02020603050405020304" pitchFamily="18" charset="0"/>
+                <a:ea typeface="Times New Roman" panose="02020603050405020304" pitchFamily="18" charset="0"/>
+              </a:rPr>
+              <a:t> </a:t>
+            </a:r>
+            <a:r>
+              <a:rPr lang="en-US" sz="1800" spc="-30" dirty="0">
+                <a:effectLst/>
+                <a:latin typeface="Times New Roman" panose="02020603050405020304" pitchFamily="18" charset="0"/>
+                <a:ea typeface="Times New Roman" panose="02020603050405020304" pitchFamily="18" charset="0"/>
+              </a:rPr>
+              <a:t>Vol.</a:t>
+            </a:r>
+            <a:r>
+              <a:rPr lang="en-US" sz="1800" spc="-20" dirty="0">
+                <a:effectLst/>
+                <a:latin typeface="Times New Roman" panose="02020603050405020304" pitchFamily="18" charset="0"/>
+                <a:ea typeface="Times New Roman" panose="02020603050405020304" pitchFamily="18" charset="0"/>
+              </a:rPr>
+              <a:t> </a:t>
+            </a:r>
+            <a:r>
+              <a:rPr lang="en-US" sz="1800" spc="-30" dirty="0">
+                <a:effectLst/>
+                <a:latin typeface="Times New Roman" panose="02020603050405020304" pitchFamily="18" charset="0"/>
+                <a:ea typeface="Times New Roman" panose="02020603050405020304" pitchFamily="18" charset="0"/>
+              </a:rPr>
+              <a:t>68</a:t>
+            </a:r>
+            <a:r>
+              <a:rPr lang="en-US" sz="1800" spc="5" dirty="0">
+                <a:effectLst/>
+                <a:latin typeface="Times New Roman" panose="02020603050405020304" pitchFamily="18" charset="0"/>
+                <a:ea typeface="Times New Roman" panose="02020603050405020304" pitchFamily="18" charset="0"/>
+              </a:rPr>
+              <a:t> </a:t>
+            </a:r>
+            <a:r>
+              <a:rPr lang="en-US" sz="1800" spc="-30" dirty="0">
+                <a:effectLst/>
+                <a:latin typeface="Times New Roman" panose="02020603050405020304" pitchFamily="18" charset="0"/>
+                <a:ea typeface="Times New Roman" panose="02020603050405020304" pitchFamily="18" charset="0"/>
+              </a:rPr>
+              <a:t>,</a:t>
+            </a:r>
+            <a:r>
+              <a:rPr lang="en-US" sz="1800" spc="-5" dirty="0">
+                <a:effectLst/>
+                <a:latin typeface="Times New Roman" panose="02020603050405020304" pitchFamily="18" charset="0"/>
+                <a:ea typeface="Times New Roman" panose="02020603050405020304" pitchFamily="18" charset="0"/>
+              </a:rPr>
+              <a:t> </a:t>
+            </a:r>
+            <a:r>
+              <a:rPr lang="en-US" sz="1800" spc="-30" dirty="0">
+                <a:effectLst/>
+                <a:latin typeface="Times New Roman" panose="02020603050405020304" pitchFamily="18" charset="0"/>
+                <a:ea typeface="Times New Roman" panose="02020603050405020304" pitchFamily="18" charset="0"/>
+              </a:rPr>
+              <a:t>No.</a:t>
+            </a:r>
+            <a:r>
+              <a:rPr lang="en-US" sz="1800" spc="-20" dirty="0">
+                <a:effectLst/>
+                <a:latin typeface="Times New Roman" panose="02020603050405020304" pitchFamily="18" charset="0"/>
+                <a:ea typeface="Times New Roman" panose="02020603050405020304" pitchFamily="18" charset="0"/>
+              </a:rPr>
+              <a:t> </a:t>
+            </a:r>
+            <a:r>
+              <a:rPr lang="en-US" sz="1800" spc="-30" dirty="0">
+                <a:effectLst/>
+                <a:latin typeface="Times New Roman" panose="02020603050405020304" pitchFamily="18" charset="0"/>
+                <a:ea typeface="Times New Roman" panose="02020603050405020304" pitchFamily="18" charset="0"/>
+              </a:rPr>
+              <a:t>1,</a:t>
+            </a:r>
+            <a:r>
+              <a:rPr lang="en-US" sz="1800" spc="-10" dirty="0">
+                <a:effectLst/>
+                <a:latin typeface="Times New Roman" panose="02020603050405020304" pitchFamily="18" charset="0"/>
+                <a:ea typeface="Times New Roman" panose="02020603050405020304" pitchFamily="18" charset="0"/>
+              </a:rPr>
+              <a:t> </a:t>
+            </a:r>
+            <a:r>
+              <a:rPr lang="en-US" sz="1800" spc="-30" dirty="0">
+                <a:effectLst/>
+                <a:latin typeface="Times New Roman" panose="02020603050405020304" pitchFamily="18" charset="0"/>
+                <a:ea typeface="Times New Roman" panose="02020603050405020304" pitchFamily="18" charset="0"/>
+              </a:rPr>
+              <a:t>Pp.</a:t>
+            </a:r>
+            <a:r>
+              <a:rPr lang="en-US" sz="1800" spc="-5" dirty="0">
+                <a:effectLst/>
+                <a:latin typeface="Times New Roman" panose="02020603050405020304" pitchFamily="18" charset="0"/>
+                <a:ea typeface="Times New Roman" panose="02020603050405020304" pitchFamily="18" charset="0"/>
+              </a:rPr>
+              <a:t> </a:t>
+            </a:r>
+            <a:r>
+              <a:rPr lang="en-US" sz="1800" spc="-30" dirty="0">
+                <a:effectLst/>
+                <a:latin typeface="Times New Roman" panose="02020603050405020304" pitchFamily="18" charset="0"/>
+                <a:ea typeface="Times New Roman" panose="02020603050405020304" pitchFamily="18" charset="0"/>
+              </a:rPr>
+              <a:t>183–189,</a:t>
+            </a:r>
+            <a:r>
+              <a:rPr lang="en-US" sz="1800" spc="-20" dirty="0">
+                <a:effectLst/>
+                <a:latin typeface="Times New Roman" panose="02020603050405020304" pitchFamily="18" charset="0"/>
+                <a:ea typeface="Times New Roman" panose="02020603050405020304" pitchFamily="18" charset="0"/>
+              </a:rPr>
+              <a:t> </a:t>
+            </a:r>
+            <a:r>
+              <a:rPr lang="en-US" sz="1800" spc="-30" dirty="0">
+                <a:effectLst/>
+                <a:latin typeface="Times New Roman" panose="02020603050405020304" pitchFamily="18" charset="0"/>
+                <a:ea typeface="Times New Roman" panose="02020603050405020304" pitchFamily="18" charset="0"/>
+              </a:rPr>
+              <a:t>2015.</a:t>
+            </a:r>
+            <a:endParaRPr lang="en-IN" sz="1800" spc="-30" dirty="0">
               <a:effectLst/>
               <a:latin typeface="Times New Roman" panose="02020603050405020304" pitchFamily="18" charset="0"/>
               <a:ea typeface="Times New Roman" panose="02020603050405020304" pitchFamily="18" charset="0"/>
             </a:endParaRPr>
           </a:p>
           <a:p>
-            <a:pPr marL="742950" marR="969010" lvl="1" indent="-285750" algn="just">
+            <a:pPr marL="742950" marR="521335" lvl="1" indent="-285750" algn="just">
               <a:lnSpc>
                 <a:spcPct val="150000"/>
               </a:lnSpc>
@@ -8419,36 +8726,49 @@
               <a:buSzPts val="1200"/>
               <a:buFont typeface="Times New Roman" panose="02020603050405020304" pitchFamily="18" charset="0"/>
               <a:buAutoNum type="arabicPeriod"/>
-              <a:tabLst>
-                <a:tab pos="810260" algn="l"/>
-              </a:tabLst>
             </a:pPr>
             <a:r>
-              <a:rPr lang="en-US" sz="1500" spc="-30" dirty="0">
-                <a:effectLst/>
-                <a:latin typeface="Times New Roman" panose="02020603050405020304" pitchFamily="18" charset="0"/>
-                <a:ea typeface="Times New Roman" panose="02020603050405020304" pitchFamily="18" charset="0"/>
-              </a:rPr>
-              <a:t>Sheela, L. </a:t>
-            </a:r>
-            <a:r>
-              <a:rPr lang="en-US" sz="1500" spc="-30" dirty="0" err="1">
-                <a:effectLst/>
-                <a:latin typeface="Times New Roman" panose="02020603050405020304" pitchFamily="18" charset="0"/>
-                <a:ea typeface="Times New Roman" panose="02020603050405020304" pitchFamily="18" charset="0"/>
-              </a:rPr>
-              <a:t>Jaba</a:t>
-            </a:r>
-            <a:r>
-              <a:rPr lang="en-US" sz="1500" spc="-30" dirty="0">
-                <a:effectLst/>
-                <a:latin typeface="Times New Roman" panose="02020603050405020304" pitchFamily="18" charset="0"/>
-                <a:ea typeface="Times New Roman" panose="02020603050405020304" pitchFamily="18" charset="0"/>
-              </a:rPr>
-              <a:t>, and V. Shanthi. "DIMAR- Discovering interesting</a:t>
-            </a:r>
-            <a:r>
-              <a:rPr lang="en-US" sz="1500" spc="-335" dirty="0">
+              <a:rPr lang="en-US" sz="1800" spc="-30" dirty="0">
+                <a:effectLst/>
+                <a:latin typeface="Times New Roman" panose="02020603050405020304" pitchFamily="18" charset="0"/>
+                <a:ea typeface="Times New Roman" panose="02020603050405020304" pitchFamily="18" charset="0"/>
+              </a:rPr>
+              <a:t>R. M. </a:t>
+            </a:r>
+            <a:r>
+              <a:rPr lang="en-US" sz="1800" spc="-30" dirty="0" err="1">
+                <a:effectLst/>
+                <a:latin typeface="Times New Roman" panose="02020603050405020304" pitchFamily="18" charset="0"/>
+                <a:ea typeface="Times New Roman" panose="02020603050405020304" pitchFamily="18" charset="0"/>
+              </a:rPr>
+              <a:t>Luque-Baena</a:t>
+            </a:r>
+            <a:r>
+              <a:rPr lang="en-US" sz="1800" spc="-30" dirty="0">
+                <a:effectLst/>
+                <a:latin typeface="Times New Roman" panose="02020603050405020304" pitchFamily="18" charset="0"/>
+                <a:ea typeface="Times New Roman" panose="02020603050405020304" pitchFamily="18" charset="0"/>
+              </a:rPr>
+              <a:t>, D. Elizondo, E. López- Rubio, E. J. </a:t>
+            </a:r>
+            <a:r>
+              <a:rPr lang="en-US" sz="1800" spc="-30" dirty="0" err="1">
+                <a:effectLst/>
+                <a:latin typeface="Times New Roman" panose="02020603050405020304" pitchFamily="18" charset="0"/>
+                <a:ea typeface="Times New Roman" panose="02020603050405020304" pitchFamily="18" charset="0"/>
+              </a:rPr>
+              <a:t>Palomo</a:t>
+            </a:r>
+            <a:r>
+              <a:rPr lang="en-US" sz="1800" spc="-30" dirty="0">
+                <a:effectLst/>
+                <a:latin typeface="Times New Roman" panose="02020603050405020304" pitchFamily="18" charset="0"/>
+                <a:ea typeface="Times New Roman" panose="02020603050405020304" pitchFamily="18" charset="0"/>
+              </a:rPr>
+              <a:t>, And T.</a:t>
+            </a:r>
+            <a:r>
+              <a:rPr lang="en-US" sz="1800" spc="5" dirty="0">
                 <a:effectLst/>
                 <a:latin typeface="Times New Roman" panose="02020603050405020304" pitchFamily="18" charset="0"/>
                 <a:ea typeface="Times New Roman" panose="02020603050405020304" pitchFamily="18" charset="0"/>
@@ -8456,15 +8776,15 @@
               <a:t> </a:t>
             </a:r>
             <a:r>
-              <a:rPr lang="en-US" sz="1500" spc="-30" dirty="0">
-                <a:effectLst/>
-                <a:latin typeface="Times New Roman" panose="02020603050405020304" pitchFamily="18" charset="0"/>
-                <a:ea typeface="Times New Roman" panose="02020603050405020304" pitchFamily="18" charset="0"/>
-              </a:rPr>
-              <a:t>medical association rules form MRI scans." 2009 6th International</a:t>
-            </a:r>
-            <a:r>
-              <a:rPr lang="en-US" sz="1500" spc="5" dirty="0">
+              <a:rPr lang="en-US" sz="1800" spc="-30" dirty="0">
+                <a:effectLst/>
+                <a:latin typeface="Times New Roman" panose="02020603050405020304" pitchFamily="18" charset="0"/>
+                <a:ea typeface="Times New Roman" panose="02020603050405020304" pitchFamily="18" charset="0"/>
+              </a:rPr>
+              <a:t>Watson, “Assessment Of Geometric Features For Individual Identification</a:t>
+            </a:r>
+            <a:r>
+              <a:rPr lang="en-US" sz="1800" spc="5" dirty="0">
                 <a:effectLst/>
                 <a:latin typeface="Times New Roman" panose="02020603050405020304" pitchFamily="18" charset="0"/>
                 <a:ea typeface="Times New Roman" panose="02020603050405020304" pitchFamily="18" charset="0"/>
@@ -8472,15 +8792,15 @@
               <a:t> </a:t>
             </a:r>
             <a:r>
-              <a:rPr lang="en-US" sz="1500" spc="-30" dirty="0">
-                <a:effectLst/>
-                <a:latin typeface="Times New Roman" panose="02020603050405020304" pitchFamily="18" charset="0"/>
-                <a:ea typeface="Times New Roman" panose="02020603050405020304" pitchFamily="18" charset="0"/>
-              </a:rPr>
-              <a:t>Conference on Electrical Engineering/Electronics, Computer,</a:t>
-            </a:r>
-            <a:r>
-              <a:rPr lang="en-US" sz="1500" spc="5" dirty="0">
+              <a:rPr lang="en-US" sz="1800" spc="-30" dirty="0">
+                <a:effectLst/>
+                <a:latin typeface="Times New Roman" panose="02020603050405020304" pitchFamily="18" charset="0"/>
+                <a:ea typeface="Times New Roman" panose="02020603050405020304" pitchFamily="18" charset="0"/>
+              </a:rPr>
+              <a:t>And Verification In Biometric Hand Systems,” Expert Syst. Appl., Vol. 40,</a:t>
+            </a:r>
+            <a:r>
+              <a:rPr lang="en-US" sz="1800" spc="5" dirty="0">
                 <a:effectLst/>
                 <a:latin typeface="Times New Roman" panose="02020603050405020304" pitchFamily="18" charset="0"/>
                 <a:ea typeface="Times New Roman" panose="02020603050405020304" pitchFamily="18" charset="0"/>
@@ -8488,15 +8808,15 @@
               <a:t> </a:t>
             </a:r>
             <a:r>
-              <a:rPr lang="en-US" sz="1500" spc="-30" dirty="0">
-                <a:effectLst/>
-                <a:latin typeface="Times New Roman" panose="02020603050405020304" pitchFamily="18" charset="0"/>
-                <a:ea typeface="Times New Roman" panose="02020603050405020304" pitchFamily="18" charset="0"/>
-              </a:rPr>
-              <a:t>Telecommunications</a:t>
-            </a:r>
-            <a:r>
-              <a:rPr lang="en-US" sz="1500" spc="-20" dirty="0">
+              <a:rPr lang="en-US" sz="1800" spc="-30" dirty="0">
+                <a:effectLst/>
+                <a:latin typeface="Times New Roman" panose="02020603050405020304" pitchFamily="18" charset="0"/>
+                <a:ea typeface="Times New Roman" panose="02020603050405020304" pitchFamily="18" charset="0"/>
+              </a:rPr>
+              <a:t>No. 9, Pp. 3580–3594, 2013.S. Marcel, M. S. Nixon, And S. Z. Li, Handbook</a:t>
+            </a:r>
+            <a:r>
+              <a:rPr lang="en-US" sz="1800" spc="-340" dirty="0">
                 <a:effectLst/>
                 <a:latin typeface="Times New Roman" panose="02020603050405020304" pitchFamily="18" charset="0"/>
                 <a:ea typeface="Times New Roman" panose="02020603050405020304" pitchFamily="18" charset="0"/>
@@ -8504,15 +8824,15 @@
               <a:t> </a:t>
             </a:r>
             <a:r>
-              <a:rPr lang="en-US" sz="1500" spc="-30" dirty="0">
-                <a:effectLst/>
-                <a:latin typeface="Times New Roman" panose="02020603050405020304" pitchFamily="18" charset="0"/>
-                <a:ea typeface="Times New Roman" panose="02020603050405020304" pitchFamily="18" charset="0"/>
-              </a:rPr>
-              <a:t>and</a:t>
-            </a:r>
-            <a:r>
-              <a:rPr lang="en-US" sz="1500" spc="-20" dirty="0">
+              <a:rPr lang="en-US" sz="1800" spc="-30" dirty="0">
+                <a:effectLst/>
+                <a:latin typeface="Times New Roman" panose="02020603050405020304" pitchFamily="18" charset="0"/>
+                <a:ea typeface="Times New Roman" panose="02020603050405020304" pitchFamily="18" charset="0"/>
+              </a:rPr>
+              <a:t>of</a:t>
+            </a:r>
+            <a:r>
+              <a:rPr lang="en-US" sz="1800" spc="-10" dirty="0">
                 <a:effectLst/>
                 <a:latin typeface="Times New Roman" panose="02020603050405020304" pitchFamily="18" charset="0"/>
                 <a:ea typeface="Times New Roman" panose="02020603050405020304" pitchFamily="18" charset="0"/>
@@ -8520,15 +8840,15 @@
               <a:t> </a:t>
             </a:r>
             <a:r>
-              <a:rPr lang="en-US" sz="1500" spc="-30" dirty="0">
-                <a:effectLst/>
-                <a:latin typeface="Times New Roman" panose="02020603050405020304" pitchFamily="18" charset="0"/>
-                <a:ea typeface="Times New Roman" panose="02020603050405020304" pitchFamily="18" charset="0"/>
-              </a:rPr>
-              <a:t>Information</a:t>
-            </a:r>
-            <a:r>
-              <a:rPr lang="en-US" sz="1500" spc="-15" dirty="0">
+              <a:rPr lang="en-US" sz="1800" spc="-30" dirty="0">
+                <a:effectLst/>
+                <a:latin typeface="Times New Roman" panose="02020603050405020304" pitchFamily="18" charset="0"/>
+                <a:ea typeface="Times New Roman" panose="02020603050405020304" pitchFamily="18" charset="0"/>
+              </a:rPr>
+              <a:t>Biometric</a:t>
+            </a:r>
+            <a:r>
+              <a:rPr lang="en-US" sz="1800" spc="5" dirty="0">
                 <a:effectLst/>
                 <a:latin typeface="Times New Roman" panose="02020603050405020304" pitchFamily="18" charset="0"/>
                 <a:ea typeface="Times New Roman" panose="02020603050405020304" pitchFamily="18" charset="0"/>
@@ -8536,15 +8856,15 @@
               <a:t> </a:t>
             </a:r>
             <a:r>
-              <a:rPr lang="en-US" sz="1500" spc="-30" dirty="0">
-                <a:effectLst/>
-                <a:latin typeface="Times New Roman" panose="02020603050405020304" pitchFamily="18" charset="0"/>
-                <a:ea typeface="Times New Roman" panose="02020603050405020304" pitchFamily="18" charset="0"/>
-              </a:rPr>
-              <a:t>Technology. Vol.</a:t>
-            </a:r>
-            <a:r>
-              <a:rPr lang="en-US" sz="1500" spc="-25" dirty="0">
+              <a:rPr lang="en-US" sz="1800" spc="-30" dirty="0">
+                <a:effectLst/>
+                <a:latin typeface="Times New Roman" panose="02020603050405020304" pitchFamily="18" charset="0"/>
+                <a:ea typeface="Times New Roman" panose="02020603050405020304" pitchFamily="18" charset="0"/>
+              </a:rPr>
+              <a:t>Anti-Spoofing:</a:t>
+            </a:r>
+            <a:r>
+              <a:rPr lang="en-US" sz="1800" spc="5" dirty="0">
                 <a:effectLst/>
                 <a:latin typeface="Times New Roman" panose="02020603050405020304" pitchFamily="18" charset="0"/>
                 <a:ea typeface="Times New Roman" panose="02020603050405020304" pitchFamily="18" charset="0"/>
@@ -8552,15 +8872,15 @@
               <a:t> </a:t>
             </a:r>
             <a:r>
-              <a:rPr lang="en-US" sz="1500" spc="-30" dirty="0">
-                <a:effectLst/>
-                <a:latin typeface="Times New Roman" panose="02020603050405020304" pitchFamily="18" charset="0"/>
-                <a:ea typeface="Times New Roman" panose="02020603050405020304" pitchFamily="18" charset="0"/>
-              </a:rPr>
-              <a:t>2. IEEE,</a:t>
-            </a:r>
-            <a:r>
-              <a:rPr lang="en-US" sz="1500" spc="-25" dirty="0">
+              <a:rPr lang="en-US" sz="1800" spc="-30" dirty="0">
+                <a:effectLst/>
+                <a:latin typeface="Times New Roman" panose="02020603050405020304" pitchFamily="18" charset="0"/>
+                <a:ea typeface="Times New Roman" panose="02020603050405020304" pitchFamily="18" charset="0"/>
+              </a:rPr>
+              <a:t>Springer,</a:t>
+            </a:r>
+            <a:r>
+              <a:rPr lang="en-US" sz="1800" spc="-10" dirty="0">
                 <a:effectLst/>
                 <a:latin typeface="Times New Roman" panose="02020603050405020304" pitchFamily="18" charset="0"/>
                 <a:ea typeface="Times New Roman" panose="02020603050405020304" pitchFamily="18" charset="0"/>
@@ -8568,14 +8888,485 @@
               <a:t> </a:t>
             </a:r>
             <a:r>
-              <a:rPr lang="en-US" sz="1500" spc="-30" dirty="0">
-                <a:effectLst/>
-                <a:latin typeface="Times New Roman" panose="02020603050405020304" pitchFamily="18" charset="0"/>
-                <a:ea typeface="Times New Roman" panose="02020603050405020304" pitchFamily="18" charset="0"/>
-              </a:rPr>
-              <a:t>2009.</a:t>
-            </a:r>
-            <a:endParaRPr lang="en-IN" sz="1500" spc="-30" dirty="0">
+              <a:rPr lang="en-US" sz="1800" spc="-30" dirty="0">
+                <a:effectLst/>
+                <a:latin typeface="Times New Roman" panose="02020603050405020304" pitchFamily="18" charset="0"/>
+                <a:ea typeface="Times New Roman" panose="02020603050405020304" pitchFamily="18" charset="0"/>
+              </a:rPr>
+              <a:t>2014.</a:t>
+            </a:r>
+            <a:endParaRPr lang="en-IN" sz="1800" spc="-30" dirty="0">
+              <a:effectLst/>
+              <a:latin typeface="Times New Roman" panose="02020603050405020304" pitchFamily="18" charset="0"/>
+              <a:ea typeface="Times New Roman" panose="02020603050405020304" pitchFamily="18" charset="0"/>
+            </a:endParaRPr>
+          </a:p>
+          <a:p>
+            <a:pPr marL="742950" marR="554355" lvl="1" indent="-285750" algn="just">
+              <a:lnSpc>
+                <a:spcPct val="150000"/>
+              </a:lnSpc>
+              <a:spcAft>
+                <a:spcPts val="0"/>
+              </a:spcAft>
+              <a:buSzPts val="1200"/>
+              <a:buFont typeface="Times New Roman" panose="02020603050405020304" pitchFamily="18" charset="0"/>
+              <a:buAutoNum type="arabicPeriod"/>
+            </a:pPr>
+            <a:r>
+              <a:rPr lang="en-US" sz="1800" spc="-30" dirty="0">
+                <a:effectLst/>
+                <a:latin typeface="Times New Roman" panose="02020603050405020304" pitchFamily="18" charset="0"/>
+                <a:ea typeface="Times New Roman" panose="02020603050405020304" pitchFamily="18" charset="0"/>
+              </a:rPr>
+              <a:t>D.</a:t>
+            </a:r>
+            <a:r>
+              <a:rPr lang="en-US" sz="1800" spc="-20" dirty="0">
+                <a:effectLst/>
+                <a:latin typeface="Times New Roman" panose="02020603050405020304" pitchFamily="18" charset="0"/>
+                <a:ea typeface="Times New Roman" panose="02020603050405020304" pitchFamily="18" charset="0"/>
+              </a:rPr>
+              <a:t> </a:t>
+            </a:r>
+            <a:r>
+              <a:rPr lang="en-US" sz="1800" spc="-30" dirty="0" err="1">
+                <a:effectLst/>
+                <a:latin typeface="Times New Roman" panose="02020603050405020304" pitchFamily="18" charset="0"/>
+                <a:ea typeface="Times New Roman" panose="02020603050405020304" pitchFamily="18" charset="0"/>
+              </a:rPr>
+              <a:t>Gragnaniello</a:t>
+            </a:r>
+            <a:r>
+              <a:rPr lang="en-US" sz="1800" spc="-30" dirty="0">
+                <a:effectLst/>
+                <a:latin typeface="Times New Roman" panose="02020603050405020304" pitchFamily="18" charset="0"/>
+                <a:ea typeface="Times New Roman" panose="02020603050405020304" pitchFamily="18" charset="0"/>
+              </a:rPr>
+              <a:t>,</a:t>
+            </a:r>
+            <a:r>
+              <a:rPr lang="en-US" sz="1800" spc="-20" dirty="0">
+                <a:effectLst/>
+                <a:latin typeface="Times New Roman" panose="02020603050405020304" pitchFamily="18" charset="0"/>
+                <a:ea typeface="Times New Roman" panose="02020603050405020304" pitchFamily="18" charset="0"/>
+              </a:rPr>
+              <a:t> </a:t>
+            </a:r>
+            <a:r>
+              <a:rPr lang="en-US" sz="1800" spc="-30" dirty="0">
+                <a:effectLst/>
+                <a:latin typeface="Times New Roman" panose="02020603050405020304" pitchFamily="18" charset="0"/>
+                <a:ea typeface="Times New Roman" panose="02020603050405020304" pitchFamily="18" charset="0"/>
+              </a:rPr>
+              <a:t>C.</a:t>
+            </a:r>
+            <a:r>
+              <a:rPr lang="en-US" sz="1800" spc="-25" dirty="0">
+                <a:effectLst/>
+                <a:latin typeface="Times New Roman" panose="02020603050405020304" pitchFamily="18" charset="0"/>
+                <a:ea typeface="Times New Roman" panose="02020603050405020304" pitchFamily="18" charset="0"/>
+              </a:rPr>
+              <a:t> </a:t>
+            </a:r>
+            <a:r>
+              <a:rPr lang="en-US" sz="1800" spc="-30" dirty="0">
+                <a:effectLst/>
+                <a:latin typeface="Times New Roman" panose="02020603050405020304" pitchFamily="18" charset="0"/>
+                <a:ea typeface="Times New Roman" panose="02020603050405020304" pitchFamily="18" charset="0"/>
+              </a:rPr>
+              <a:t>Sansone,</a:t>
+            </a:r>
+            <a:r>
+              <a:rPr lang="en-US" sz="1800" spc="-20" dirty="0">
+                <a:effectLst/>
+                <a:latin typeface="Times New Roman" panose="02020603050405020304" pitchFamily="18" charset="0"/>
+                <a:ea typeface="Times New Roman" panose="02020603050405020304" pitchFamily="18" charset="0"/>
+              </a:rPr>
+              <a:t> </a:t>
+            </a:r>
+            <a:r>
+              <a:rPr lang="en-US" sz="1800" spc="-30" dirty="0">
+                <a:effectLst/>
+                <a:latin typeface="Times New Roman" panose="02020603050405020304" pitchFamily="18" charset="0"/>
+                <a:ea typeface="Times New Roman" panose="02020603050405020304" pitchFamily="18" charset="0"/>
+              </a:rPr>
+              <a:t>And</a:t>
+            </a:r>
+            <a:r>
+              <a:rPr lang="en-US" sz="1800" spc="-5" dirty="0">
+                <a:effectLst/>
+                <a:latin typeface="Times New Roman" panose="02020603050405020304" pitchFamily="18" charset="0"/>
+                <a:ea typeface="Times New Roman" panose="02020603050405020304" pitchFamily="18" charset="0"/>
+              </a:rPr>
+              <a:t> </a:t>
+            </a:r>
+            <a:r>
+              <a:rPr lang="en-US" sz="1800" spc="-30" dirty="0">
+                <a:effectLst/>
+                <a:latin typeface="Times New Roman" panose="02020603050405020304" pitchFamily="18" charset="0"/>
+                <a:ea typeface="Times New Roman" panose="02020603050405020304" pitchFamily="18" charset="0"/>
+              </a:rPr>
+              <a:t>L.</a:t>
+            </a:r>
+            <a:r>
+              <a:rPr lang="en-US" sz="1800" spc="-20" dirty="0">
+                <a:effectLst/>
+                <a:latin typeface="Times New Roman" panose="02020603050405020304" pitchFamily="18" charset="0"/>
+                <a:ea typeface="Times New Roman" panose="02020603050405020304" pitchFamily="18" charset="0"/>
+              </a:rPr>
+              <a:t> </a:t>
+            </a:r>
+            <a:r>
+              <a:rPr lang="en-US" sz="1800" spc="-30" dirty="0" err="1">
+                <a:effectLst/>
+                <a:latin typeface="Times New Roman" panose="02020603050405020304" pitchFamily="18" charset="0"/>
+                <a:ea typeface="Times New Roman" panose="02020603050405020304" pitchFamily="18" charset="0"/>
+              </a:rPr>
+              <a:t>Verdoliva</a:t>
+            </a:r>
+            <a:r>
+              <a:rPr lang="en-US" sz="1800" spc="-30" dirty="0">
+                <a:effectLst/>
+                <a:latin typeface="Times New Roman" panose="02020603050405020304" pitchFamily="18" charset="0"/>
+                <a:ea typeface="Times New Roman" panose="02020603050405020304" pitchFamily="18" charset="0"/>
+              </a:rPr>
+              <a:t>,</a:t>
+            </a:r>
+            <a:r>
+              <a:rPr lang="en-US" sz="1800" spc="-20" dirty="0">
+                <a:effectLst/>
+                <a:latin typeface="Times New Roman" panose="02020603050405020304" pitchFamily="18" charset="0"/>
+                <a:ea typeface="Times New Roman" panose="02020603050405020304" pitchFamily="18" charset="0"/>
+              </a:rPr>
+              <a:t> </a:t>
+            </a:r>
+            <a:r>
+              <a:rPr lang="en-US" sz="1800" spc="-30" dirty="0">
+                <a:effectLst/>
+                <a:latin typeface="Times New Roman" panose="02020603050405020304" pitchFamily="18" charset="0"/>
+                <a:ea typeface="Times New Roman" panose="02020603050405020304" pitchFamily="18" charset="0"/>
+              </a:rPr>
+              <a:t>“Iris</a:t>
+            </a:r>
+            <a:r>
+              <a:rPr lang="en-US" sz="1800" spc="-10" dirty="0">
+                <a:effectLst/>
+                <a:latin typeface="Times New Roman" panose="02020603050405020304" pitchFamily="18" charset="0"/>
+                <a:ea typeface="Times New Roman" panose="02020603050405020304" pitchFamily="18" charset="0"/>
+              </a:rPr>
+              <a:t> </a:t>
+            </a:r>
+            <a:r>
+              <a:rPr lang="en-US" sz="1800" spc="-30" dirty="0">
+                <a:effectLst/>
+                <a:latin typeface="Times New Roman" panose="02020603050405020304" pitchFamily="18" charset="0"/>
+                <a:ea typeface="Times New Roman" panose="02020603050405020304" pitchFamily="18" charset="0"/>
+              </a:rPr>
+              <a:t>Liveness</a:t>
+            </a:r>
+            <a:r>
+              <a:rPr lang="en-US" sz="1800" spc="-25" dirty="0">
+                <a:effectLst/>
+                <a:latin typeface="Times New Roman" panose="02020603050405020304" pitchFamily="18" charset="0"/>
+                <a:ea typeface="Times New Roman" panose="02020603050405020304" pitchFamily="18" charset="0"/>
+              </a:rPr>
+              <a:t> </a:t>
+            </a:r>
+            <a:r>
+              <a:rPr lang="en-US" sz="1800" spc="-30" dirty="0">
+                <a:effectLst/>
+                <a:latin typeface="Times New Roman" panose="02020603050405020304" pitchFamily="18" charset="0"/>
+                <a:ea typeface="Times New Roman" panose="02020603050405020304" pitchFamily="18" charset="0"/>
+              </a:rPr>
+              <a:t>Detection</a:t>
+            </a:r>
+            <a:r>
+              <a:rPr lang="en-US" sz="1800" spc="-10" dirty="0">
+                <a:effectLst/>
+                <a:latin typeface="Times New Roman" panose="02020603050405020304" pitchFamily="18" charset="0"/>
+                <a:ea typeface="Times New Roman" panose="02020603050405020304" pitchFamily="18" charset="0"/>
+              </a:rPr>
+              <a:t> </a:t>
+            </a:r>
+            <a:r>
+              <a:rPr lang="en-US" sz="1800" spc="-30" dirty="0">
+                <a:effectLst/>
+                <a:latin typeface="Times New Roman" panose="02020603050405020304" pitchFamily="18" charset="0"/>
+                <a:ea typeface="Times New Roman" panose="02020603050405020304" pitchFamily="18" charset="0"/>
+              </a:rPr>
+              <a:t>For</a:t>
+            </a:r>
+            <a:r>
+              <a:rPr lang="en-US" sz="1800" spc="-335" dirty="0">
+                <a:effectLst/>
+                <a:latin typeface="Times New Roman" panose="02020603050405020304" pitchFamily="18" charset="0"/>
+                <a:ea typeface="Times New Roman" panose="02020603050405020304" pitchFamily="18" charset="0"/>
+              </a:rPr>
+              <a:t> </a:t>
+            </a:r>
+            <a:r>
+              <a:rPr lang="en-US" sz="1800" spc="-30" dirty="0">
+                <a:effectLst/>
+                <a:latin typeface="Times New Roman" panose="02020603050405020304" pitchFamily="18" charset="0"/>
+                <a:ea typeface="Times New Roman" panose="02020603050405020304" pitchFamily="18" charset="0"/>
+              </a:rPr>
+              <a:t>Mobile Devices Based On Local Descriptors,” Pattern Recognition Letters,</a:t>
+            </a:r>
+            <a:r>
+              <a:rPr lang="en-US" sz="1800" spc="5" dirty="0">
+                <a:effectLst/>
+                <a:latin typeface="Times New Roman" panose="02020603050405020304" pitchFamily="18" charset="0"/>
+                <a:ea typeface="Times New Roman" panose="02020603050405020304" pitchFamily="18" charset="0"/>
+              </a:rPr>
+              <a:t> </a:t>
+            </a:r>
+            <a:r>
+              <a:rPr lang="en-US" sz="1800" spc="-30" dirty="0">
+                <a:effectLst/>
+                <a:latin typeface="Times New Roman" panose="02020603050405020304" pitchFamily="18" charset="0"/>
+                <a:ea typeface="Times New Roman" panose="02020603050405020304" pitchFamily="18" charset="0"/>
+              </a:rPr>
+              <a:t>Vol.</a:t>
+            </a:r>
+            <a:r>
+              <a:rPr lang="en-US" sz="1800" spc="-10" dirty="0">
+                <a:effectLst/>
+                <a:latin typeface="Times New Roman" panose="02020603050405020304" pitchFamily="18" charset="0"/>
+                <a:ea typeface="Times New Roman" panose="02020603050405020304" pitchFamily="18" charset="0"/>
+              </a:rPr>
+              <a:t> </a:t>
+            </a:r>
+            <a:r>
+              <a:rPr lang="en-US" sz="1800" spc="-30" dirty="0">
+                <a:effectLst/>
+                <a:latin typeface="Times New Roman" panose="02020603050405020304" pitchFamily="18" charset="0"/>
+                <a:ea typeface="Times New Roman" panose="02020603050405020304" pitchFamily="18" charset="0"/>
+              </a:rPr>
+              <a:t>57,</a:t>
+            </a:r>
+            <a:r>
+              <a:rPr lang="en-US" sz="1800" spc="-5" dirty="0">
+                <a:effectLst/>
+                <a:latin typeface="Times New Roman" panose="02020603050405020304" pitchFamily="18" charset="0"/>
+                <a:ea typeface="Times New Roman" panose="02020603050405020304" pitchFamily="18" charset="0"/>
+              </a:rPr>
+              <a:t> </a:t>
+            </a:r>
+            <a:r>
+              <a:rPr lang="en-US" sz="1800" spc="-30" dirty="0">
+                <a:effectLst/>
+                <a:latin typeface="Times New Roman" panose="02020603050405020304" pitchFamily="18" charset="0"/>
+                <a:ea typeface="Times New Roman" panose="02020603050405020304" pitchFamily="18" charset="0"/>
+              </a:rPr>
+              <a:t>Pp.</a:t>
+            </a:r>
+            <a:r>
+              <a:rPr lang="en-US" sz="1800" spc="-20" dirty="0">
+                <a:effectLst/>
+                <a:latin typeface="Times New Roman" panose="02020603050405020304" pitchFamily="18" charset="0"/>
+                <a:ea typeface="Times New Roman" panose="02020603050405020304" pitchFamily="18" charset="0"/>
+              </a:rPr>
+              <a:t> </a:t>
+            </a:r>
+            <a:r>
+              <a:rPr lang="en-US" sz="1800" spc="-30" dirty="0">
+                <a:effectLst/>
+                <a:latin typeface="Times New Roman" panose="02020603050405020304" pitchFamily="18" charset="0"/>
+                <a:ea typeface="Times New Roman" panose="02020603050405020304" pitchFamily="18" charset="0"/>
+              </a:rPr>
+              <a:t>81-87,</a:t>
+            </a:r>
+            <a:r>
+              <a:rPr lang="en-US" sz="1800" spc="-5" dirty="0">
+                <a:effectLst/>
+                <a:latin typeface="Times New Roman" panose="02020603050405020304" pitchFamily="18" charset="0"/>
+                <a:ea typeface="Times New Roman" panose="02020603050405020304" pitchFamily="18" charset="0"/>
+              </a:rPr>
+              <a:t> </a:t>
+            </a:r>
+            <a:r>
+              <a:rPr lang="en-US" sz="1800" spc="-30" dirty="0">
+                <a:effectLst/>
+                <a:latin typeface="Times New Roman" panose="02020603050405020304" pitchFamily="18" charset="0"/>
+                <a:ea typeface="Times New Roman" panose="02020603050405020304" pitchFamily="18" charset="0"/>
+              </a:rPr>
+              <a:t>2015.L.</a:t>
+            </a:r>
+            <a:r>
+              <a:rPr lang="en-US" sz="1800" spc="-5" dirty="0">
+                <a:effectLst/>
+                <a:latin typeface="Times New Roman" panose="02020603050405020304" pitchFamily="18" charset="0"/>
+                <a:ea typeface="Times New Roman" panose="02020603050405020304" pitchFamily="18" charset="0"/>
+              </a:rPr>
+              <a:t> </a:t>
+            </a:r>
+            <a:r>
+              <a:rPr lang="en-US" sz="1800" spc="-30" dirty="0">
+                <a:effectLst/>
+                <a:latin typeface="Times New Roman" panose="02020603050405020304" pitchFamily="18" charset="0"/>
+                <a:ea typeface="Times New Roman" panose="02020603050405020304" pitchFamily="18" charset="0"/>
+              </a:rPr>
+              <a:t>Yang,</a:t>
+            </a:r>
+            <a:r>
+              <a:rPr lang="en-US" sz="1800" spc="-5" dirty="0">
+                <a:effectLst/>
+                <a:latin typeface="Times New Roman" panose="02020603050405020304" pitchFamily="18" charset="0"/>
+                <a:ea typeface="Times New Roman" panose="02020603050405020304" pitchFamily="18" charset="0"/>
+              </a:rPr>
+              <a:t> </a:t>
+            </a:r>
+            <a:r>
+              <a:rPr lang="en-US" sz="1800" spc="-30" dirty="0">
+                <a:effectLst/>
+                <a:latin typeface="Times New Roman" panose="02020603050405020304" pitchFamily="18" charset="0"/>
+                <a:ea typeface="Times New Roman" panose="02020603050405020304" pitchFamily="18" charset="0"/>
+              </a:rPr>
+              <a:t>G.</a:t>
+            </a:r>
+            <a:r>
+              <a:rPr lang="en-US" sz="1800" spc="-5" dirty="0">
+                <a:effectLst/>
+                <a:latin typeface="Times New Roman" panose="02020603050405020304" pitchFamily="18" charset="0"/>
+                <a:ea typeface="Times New Roman" panose="02020603050405020304" pitchFamily="18" charset="0"/>
+              </a:rPr>
+              <a:t> </a:t>
+            </a:r>
+            <a:r>
+              <a:rPr lang="en-US" sz="1800" spc="-30" dirty="0">
+                <a:effectLst/>
+                <a:latin typeface="Times New Roman" panose="02020603050405020304" pitchFamily="18" charset="0"/>
+                <a:ea typeface="Times New Roman" panose="02020603050405020304" pitchFamily="18" charset="0"/>
+              </a:rPr>
+              <a:t>Yang,</a:t>
+            </a:r>
+            <a:endParaRPr lang="en-IN" sz="1800" spc="-30" dirty="0">
+              <a:effectLst/>
+              <a:latin typeface="Times New Roman" panose="02020603050405020304" pitchFamily="18" charset="0"/>
+              <a:ea typeface="Times New Roman" panose="02020603050405020304" pitchFamily="18" charset="0"/>
+            </a:endParaRPr>
+          </a:p>
+          <a:p>
+            <a:pPr marL="742950" marR="986155" lvl="1" indent="-285750" algn="just">
+              <a:lnSpc>
+                <a:spcPct val="150000"/>
+              </a:lnSpc>
+              <a:spcBef>
+                <a:spcPts val="5"/>
+              </a:spcBef>
+              <a:spcAft>
+                <a:spcPts val="0"/>
+              </a:spcAft>
+              <a:buSzPts val="1200"/>
+              <a:buFont typeface="Times New Roman" panose="02020603050405020304" pitchFamily="18" charset="0"/>
+              <a:buAutoNum type="arabicPeriod"/>
+            </a:pPr>
+            <a:r>
+              <a:rPr lang="en-US" sz="1800" spc="-30" dirty="0">
+                <a:effectLst/>
+                <a:latin typeface="Times New Roman" panose="02020603050405020304" pitchFamily="18" charset="0"/>
+                <a:ea typeface="Times New Roman" panose="02020603050405020304" pitchFamily="18" charset="0"/>
+              </a:rPr>
+              <a:t>Y. Yin, And X. Xi, “Finger Vein Recognition With Anatomy Structure</a:t>
+            </a:r>
+            <a:r>
+              <a:rPr lang="en-US" sz="1800" spc="-340" dirty="0">
+                <a:effectLst/>
+                <a:latin typeface="Times New Roman" panose="02020603050405020304" pitchFamily="18" charset="0"/>
+                <a:ea typeface="Times New Roman" panose="02020603050405020304" pitchFamily="18" charset="0"/>
+              </a:rPr>
+              <a:t> </a:t>
+            </a:r>
+            <a:r>
+              <a:rPr lang="en-US" sz="1800" spc="-30" dirty="0">
+                <a:effectLst/>
+                <a:latin typeface="Times New Roman" panose="02020603050405020304" pitchFamily="18" charset="0"/>
+                <a:ea typeface="Times New Roman" panose="02020603050405020304" pitchFamily="18" charset="0"/>
+              </a:rPr>
+              <a:t>Analysis,”</a:t>
+            </a:r>
+            <a:r>
+              <a:rPr lang="en-US" sz="1800" spc="-10" dirty="0">
+                <a:effectLst/>
+                <a:latin typeface="Times New Roman" panose="02020603050405020304" pitchFamily="18" charset="0"/>
+                <a:ea typeface="Times New Roman" panose="02020603050405020304" pitchFamily="18" charset="0"/>
+              </a:rPr>
+              <a:t> </a:t>
+            </a:r>
+            <a:r>
+              <a:rPr lang="en-US" sz="1800" spc="-30" dirty="0" err="1">
+                <a:effectLst/>
+                <a:latin typeface="Times New Roman" panose="02020603050405020304" pitchFamily="18" charset="0"/>
+                <a:ea typeface="Times New Roman" panose="02020603050405020304" pitchFamily="18" charset="0"/>
+              </a:rPr>
+              <a:t>Ieee</a:t>
+            </a:r>
+            <a:r>
+              <a:rPr lang="en-US" sz="1800" spc="-5" dirty="0">
+                <a:effectLst/>
+                <a:latin typeface="Times New Roman" panose="02020603050405020304" pitchFamily="18" charset="0"/>
+                <a:ea typeface="Times New Roman" panose="02020603050405020304" pitchFamily="18" charset="0"/>
+              </a:rPr>
+              <a:t> </a:t>
+            </a:r>
+            <a:r>
+              <a:rPr lang="en-US" sz="1800" spc="-30" dirty="0">
+                <a:effectLst/>
+                <a:latin typeface="Times New Roman" panose="02020603050405020304" pitchFamily="18" charset="0"/>
+                <a:ea typeface="Times New Roman" panose="02020603050405020304" pitchFamily="18" charset="0"/>
+              </a:rPr>
+              <a:t>Trans.</a:t>
+            </a:r>
+            <a:r>
+              <a:rPr lang="en-US" sz="1800" spc="-10" dirty="0">
+                <a:effectLst/>
+                <a:latin typeface="Times New Roman" panose="02020603050405020304" pitchFamily="18" charset="0"/>
+                <a:ea typeface="Times New Roman" panose="02020603050405020304" pitchFamily="18" charset="0"/>
+              </a:rPr>
+              <a:t> </a:t>
+            </a:r>
+            <a:r>
+              <a:rPr lang="en-US" sz="1800" spc="-30" dirty="0">
+                <a:effectLst/>
+                <a:latin typeface="Times New Roman" panose="02020603050405020304" pitchFamily="18" charset="0"/>
+                <a:ea typeface="Times New Roman" panose="02020603050405020304" pitchFamily="18" charset="0"/>
+              </a:rPr>
+              <a:t>Circuits Syst.</a:t>
+            </a:r>
+            <a:r>
+              <a:rPr lang="en-US" sz="1800" spc="-10" dirty="0">
+                <a:effectLst/>
+                <a:latin typeface="Times New Roman" panose="02020603050405020304" pitchFamily="18" charset="0"/>
+                <a:ea typeface="Times New Roman" panose="02020603050405020304" pitchFamily="18" charset="0"/>
+              </a:rPr>
+              <a:t> </a:t>
+            </a:r>
+            <a:r>
+              <a:rPr lang="en-US" sz="1800" spc="-30" dirty="0">
+                <a:effectLst/>
+                <a:latin typeface="Times New Roman" panose="02020603050405020304" pitchFamily="18" charset="0"/>
+                <a:ea typeface="Times New Roman" panose="02020603050405020304" pitchFamily="18" charset="0"/>
+              </a:rPr>
+              <a:t>Video.</a:t>
+            </a:r>
+            <a:r>
+              <a:rPr lang="en-US" sz="1800" spc="-10" dirty="0">
+                <a:effectLst/>
+                <a:latin typeface="Times New Roman" panose="02020603050405020304" pitchFamily="18" charset="0"/>
+                <a:ea typeface="Times New Roman" panose="02020603050405020304" pitchFamily="18" charset="0"/>
+              </a:rPr>
+              <a:t> </a:t>
+            </a:r>
+            <a:r>
+              <a:rPr lang="en-US" sz="1800" spc="-30" dirty="0">
+                <a:effectLst/>
+                <a:latin typeface="Times New Roman" panose="02020603050405020304" pitchFamily="18" charset="0"/>
+                <a:ea typeface="Times New Roman" panose="02020603050405020304" pitchFamily="18" charset="0"/>
+              </a:rPr>
+              <a:t>Technol., 2017.</a:t>
+            </a:r>
+            <a:endParaRPr lang="en-IN" sz="1800" spc="-30" dirty="0">
               <a:effectLst/>
               <a:latin typeface="Times New Roman" panose="02020603050405020304" pitchFamily="18" charset="0"/>
               <a:ea typeface="Times New Roman" panose="02020603050405020304" pitchFamily="18" charset="0"/>
@@ -8599,7 +9390,1044 @@
 </p:sld>
 </file>
 
-<file path=ppt/slides/slide25.xml><?xml version="1.0" encoding="utf-8"?>
+<file path=ppt/slides/slide26.xml><?xml version="1.0" encoding="utf-8"?>
+<p:sld xmlns:a="http://schemas.openxmlformats.org/drawingml/2006/main" xmlns:r="http://schemas.openxmlformats.org/officeDocument/2006/relationships" xmlns:p="http://schemas.openxmlformats.org/presentationml/2006/main">
+  <p:cSld>
+    <p:spTree>
+      <p:nvGrpSpPr>
+        <p:cNvPr id="1" name=""/>
+        <p:cNvGrpSpPr/>
+        <p:nvPr/>
+      </p:nvGrpSpPr>
+      <p:grpSpPr>
+        <a:xfrm>
+          <a:off x="0" y="0"/>
+          <a:ext cx="0" cy="0"/>
+          <a:chOff x="0" y="0"/>
+          <a:chExt cx="0" cy="0"/>
+        </a:xfrm>
+      </p:grpSpPr>
+      <p:sp>
+        <p:nvSpPr>
+          <p:cNvPr id="2" name="Title 1">
+            <a:extLst>
+              <a:ext uri="{FF2B5EF4-FFF2-40B4-BE49-F238E27FC236}">
+                <a16:creationId xmlns:a16="http://schemas.microsoft.com/office/drawing/2014/main" id="{E50EA3F8-B637-429F-8EC5-93628F97E0DF}"/>
+              </a:ext>
+            </a:extLst>
+          </p:cNvPr>
+          <p:cNvSpPr>
+            <a:spLocks noGrp="1"/>
+          </p:cNvSpPr>
+          <p:nvPr>
+            <p:ph type="title"/>
+          </p:nvPr>
+        </p:nvSpPr>
+        <p:spPr/>
+        <p:txBody>
+          <a:bodyPr anchor="ctr"/>
+          <a:lstStyle/>
+          <a:p>
+            <a:pPr algn="ctr"/>
+            <a:r>
+              <a:rPr lang="en-US" dirty="0"/>
+              <a:t>REFERENCES</a:t>
+            </a:r>
+            <a:endParaRPr lang="en-IN" dirty="0"/>
+          </a:p>
+        </p:txBody>
+      </p:sp>
+      <p:sp>
+        <p:nvSpPr>
+          <p:cNvPr id="3" name="Content Placeholder 2">
+            <a:extLst>
+              <a:ext uri="{FF2B5EF4-FFF2-40B4-BE49-F238E27FC236}">
+                <a16:creationId xmlns:a16="http://schemas.microsoft.com/office/drawing/2014/main" id="{83B533D8-1724-4597-ACF3-3A9FC631A86C}"/>
+              </a:ext>
+            </a:extLst>
+          </p:cNvPr>
+          <p:cNvSpPr>
+            <a:spLocks noGrp="1"/>
+          </p:cNvSpPr>
+          <p:nvPr>
+            <p:ph idx="1"/>
+          </p:nvPr>
+        </p:nvSpPr>
+        <p:spPr/>
+        <p:txBody>
+          <a:bodyPr>
+            <a:normAutofit fontScale="70000" lnSpcReduction="20000"/>
+          </a:bodyPr>
+          <a:lstStyle/>
+          <a:p>
+            <a:pPr marL="742950" marR="565785" lvl="1" indent="-285750" algn="just">
+              <a:lnSpc>
+                <a:spcPct val="150000"/>
+              </a:lnSpc>
+              <a:spcAft>
+                <a:spcPts val="0"/>
+              </a:spcAft>
+              <a:buSzPts val="1200"/>
+              <a:buFont typeface="Times New Roman" panose="02020603050405020304" pitchFamily="18" charset="0"/>
+              <a:buAutoNum type="arabicPeriod"/>
+            </a:pPr>
+            <a:r>
+              <a:rPr lang="en-US" sz="1800" spc="-30" dirty="0">
+                <a:effectLst/>
+                <a:latin typeface="Times New Roman" panose="02020603050405020304" pitchFamily="18" charset="0"/>
+                <a:ea typeface="Times New Roman" panose="02020603050405020304" pitchFamily="18" charset="0"/>
+              </a:rPr>
+              <a:t>L. Yang, G. Yang, L. Zhou, And Y. Yin, “</a:t>
+            </a:r>
+            <a:r>
+              <a:rPr lang="en-US" sz="1800" spc="-30" dirty="0" err="1">
+                <a:effectLst/>
+                <a:latin typeface="Times New Roman" panose="02020603050405020304" pitchFamily="18" charset="0"/>
+                <a:ea typeface="Times New Roman" panose="02020603050405020304" pitchFamily="18" charset="0"/>
+              </a:rPr>
+              <a:t>Superpixel</a:t>
+            </a:r>
+            <a:r>
+              <a:rPr lang="en-US" sz="1800" spc="-30" dirty="0">
+                <a:effectLst/>
+                <a:latin typeface="Times New Roman" panose="02020603050405020304" pitchFamily="18" charset="0"/>
+                <a:ea typeface="Times New Roman" panose="02020603050405020304" pitchFamily="18" charset="0"/>
+              </a:rPr>
+              <a:t> Based Finger Vein Roi</a:t>
+            </a:r>
+            <a:r>
+              <a:rPr lang="en-US" sz="1800" spc="-335" dirty="0">
+                <a:effectLst/>
+                <a:latin typeface="Times New Roman" panose="02020603050405020304" pitchFamily="18" charset="0"/>
+                <a:ea typeface="Times New Roman" panose="02020603050405020304" pitchFamily="18" charset="0"/>
+              </a:rPr>
+              <a:t> </a:t>
+            </a:r>
+            <a:r>
+              <a:rPr lang="en-US" sz="1800" spc="-30" dirty="0">
+                <a:effectLst/>
+                <a:latin typeface="Times New Roman" panose="02020603050405020304" pitchFamily="18" charset="0"/>
+                <a:ea typeface="Times New Roman" panose="02020603050405020304" pitchFamily="18" charset="0"/>
+              </a:rPr>
+              <a:t>Extraction</a:t>
+            </a:r>
+            <a:r>
+              <a:rPr lang="en-US" sz="1800" spc="-15" dirty="0">
+                <a:effectLst/>
+                <a:latin typeface="Times New Roman" panose="02020603050405020304" pitchFamily="18" charset="0"/>
+                <a:ea typeface="Times New Roman" panose="02020603050405020304" pitchFamily="18" charset="0"/>
+              </a:rPr>
+              <a:t> </a:t>
+            </a:r>
+            <a:r>
+              <a:rPr lang="en-US" sz="1800" spc="-30" dirty="0">
+                <a:effectLst/>
+                <a:latin typeface="Times New Roman" panose="02020603050405020304" pitchFamily="18" charset="0"/>
+                <a:ea typeface="Times New Roman" panose="02020603050405020304" pitchFamily="18" charset="0"/>
+              </a:rPr>
+              <a:t>With</a:t>
+            </a:r>
+            <a:r>
+              <a:rPr lang="en-US" sz="1800" spc="-10" dirty="0">
+                <a:effectLst/>
+                <a:latin typeface="Times New Roman" panose="02020603050405020304" pitchFamily="18" charset="0"/>
+                <a:ea typeface="Times New Roman" panose="02020603050405020304" pitchFamily="18" charset="0"/>
+              </a:rPr>
+              <a:t> </a:t>
+            </a:r>
+            <a:r>
+              <a:rPr lang="en-US" sz="1800" spc="-30" dirty="0">
+                <a:effectLst/>
+                <a:latin typeface="Times New Roman" panose="02020603050405020304" pitchFamily="18" charset="0"/>
+                <a:ea typeface="Times New Roman" panose="02020603050405020304" pitchFamily="18" charset="0"/>
+              </a:rPr>
+              <a:t>Sensor</a:t>
+            </a:r>
+            <a:r>
+              <a:rPr lang="en-US" sz="1800" spc="-15" dirty="0">
+                <a:effectLst/>
+                <a:latin typeface="Times New Roman" panose="02020603050405020304" pitchFamily="18" charset="0"/>
+                <a:ea typeface="Times New Roman" panose="02020603050405020304" pitchFamily="18" charset="0"/>
+              </a:rPr>
+              <a:t> </a:t>
+            </a:r>
+            <a:r>
+              <a:rPr lang="en-US" sz="1800" spc="-30" dirty="0">
+                <a:effectLst/>
+                <a:latin typeface="Times New Roman" panose="02020603050405020304" pitchFamily="18" charset="0"/>
+                <a:ea typeface="Times New Roman" panose="02020603050405020304" pitchFamily="18" charset="0"/>
+              </a:rPr>
+              <a:t>Interoperability,”</a:t>
+            </a:r>
+            <a:r>
+              <a:rPr lang="en-US" sz="1800" spc="-25" dirty="0">
+                <a:effectLst/>
+                <a:latin typeface="Times New Roman" panose="02020603050405020304" pitchFamily="18" charset="0"/>
+                <a:ea typeface="Times New Roman" panose="02020603050405020304" pitchFamily="18" charset="0"/>
+              </a:rPr>
+              <a:t> </a:t>
+            </a:r>
+            <a:r>
+              <a:rPr lang="en-US" sz="1800" spc="-30" dirty="0">
+                <a:effectLst/>
+                <a:latin typeface="Times New Roman" panose="02020603050405020304" pitchFamily="18" charset="0"/>
+                <a:ea typeface="Times New Roman" panose="02020603050405020304" pitchFamily="18" charset="0"/>
+              </a:rPr>
+              <a:t>In</a:t>
+            </a:r>
+            <a:r>
+              <a:rPr lang="en-US" sz="1800" spc="-10" dirty="0">
+                <a:effectLst/>
+                <a:latin typeface="Times New Roman" panose="02020603050405020304" pitchFamily="18" charset="0"/>
+                <a:ea typeface="Times New Roman" panose="02020603050405020304" pitchFamily="18" charset="0"/>
+              </a:rPr>
+              <a:t> </a:t>
+            </a:r>
+            <a:r>
+              <a:rPr lang="en-US" sz="1800" spc="-30" dirty="0">
+                <a:effectLst/>
+                <a:latin typeface="Times New Roman" panose="02020603050405020304" pitchFamily="18" charset="0"/>
+                <a:ea typeface="Times New Roman" panose="02020603050405020304" pitchFamily="18" charset="0"/>
+              </a:rPr>
+              <a:t>Proc.</a:t>
+            </a:r>
+            <a:r>
+              <a:rPr lang="en-US" sz="1800" spc="-20" dirty="0">
+                <a:effectLst/>
+                <a:latin typeface="Times New Roman" panose="02020603050405020304" pitchFamily="18" charset="0"/>
+                <a:ea typeface="Times New Roman" panose="02020603050405020304" pitchFamily="18" charset="0"/>
+              </a:rPr>
+              <a:t> </a:t>
+            </a:r>
+            <a:r>
+              <a:rPr lang="en-US" sz="1800" spc="-30" dirty="0">
+                <a:effectLst/>
+                <a:latin typeface="Times New Roman" panose="02020603050405020304" pitchFamily="18" charset="0"/>
+                <a:ea typeface="Times New Roman" panose="02020603050405020304" pitchFamily="18" charset="0"/>
+              </a:rPr>
+              <a:t>8th</a:t>
+            </a:r>
+            <a:r>
+              <a:rPr lang="en-US" sz="1800" spc="-10" dirty="0">
+                <a:effectLst/>
+                <a:latin typeface="Times New Roman" panose="02020603050405020304" pitchFamily="18" charset="0"/>
+                <a:ea typeface="Times New Roman" panose="02020603050405020304" pitchFamily="18" charset="0"/>
+              </a:rPr>
+              <a:t> </a:t>
+            </a:r>
+            <a:r>
+              <a:rPr lang="en-US" sz="1800" spc="-30" dirty="0">
+                <a:effectLst/>
+                <a:latin typeface="Times New Roman" panose="02020603050405020304" pitchFamily="18" charset="0"/>
+                <a:ea typeface="Times New Roman" panose="02020603050405020304" pitchFamily="18" charset="0"/>
+              </a:rPr>
+              <a:t>Int.</a:t>
+            </a:r>
+            <a:r>
+              <a:rPr lang="en-US" sz="1800" spc="-25" dirty="0">
+                <a:effectLst/>
+                <a:latin typeface="Times New Roman" panose="02020603050405020304" pitchFamily="18" charset="0"/>
+                <a:ea typeface="Times New Roman" panose="02020603050405020304" pitchFamily="18" charset="0"/>
+              </a:rPr>
+              <a:t> </a:t>
+            </a:r>
+            <a:r>
+              <a:rPr lang="en-US" sz="1800" spc="-30" dirty="0">
+                <a:effectLst/>
+                <a:latin typeface="Times New Roman" panose="02020603050405020304" pitchFamily="18" charset="0"/>
+                <a:ea typeface="Times New Roman" panose="02020603050405020304" pitchFamily="18" charset="0"/>
+              </a:rPr>
+              <a:t>Conf.</a:t>
+            </a:r>
+            <a:r>
+              <a:rPr lang="en-US" sz="1800" spc="-20" dirty="0">
+                <a:effectLst/>
+                <a:latin typeface="Times New Roman" panose="02020603050405020304" pitchFamily="18" charset="0"/>
+                <a:ea typeface="Times New Roman" panose="02020603050405020304" pitchFamily="18" charset="0"/>
+              </a:rPr>
+              <a:t> </a:t>
+            </a:r>
+            <a:r>
+              <a:rPr lang="en-US" sz="1800" spc="-30" dirty="0">
+                <a:effectLst/>
+                <a:latin typeface="Times New Roman" panose="02020603050405020304" pitchFamily="18" charset="0"/>
+                <a:ea typeface="Times New Roman" panose="02020603050405020304" pitchFamily="18" charset="0"/>
+              </a:rPr>
+              <a:t>Biometrics (</a:t>
+            </a:r>
+            <a:r>
+              <a:rPr lang="en-US" sz="1800" spc="-30" dirty="0" err="1">
+                <a:effectLst/>
+                <a:latin typeface="Times New Roman" panose="02020603050405020304" pitchFamily="18" charset="0"/>
+                <a:ea typeface="Times New Roman" panose="02020603050405020304" pitchFamily="18" charset="0"/>
+              </a:rPr>
+              <a:t>Icb</a:t>
+            </a:r>
+            <a:r>
+              <a:rPr lang="en-US" sz="1800" spc="-30" dirty="0">
+                <a:effectLst/>
+                <a:latin typeface="Times New Roman" panose="02020603050405020304" pitchFamily="18" charset="0"/>
+                <a:ea typeface="Times New Roman" panose="02020603050405020304" pitchFamily="18" charset="0"/>
+              </a:rPr>
+              <a:t>), Phuket, May. 2015, Pp. 444–451.</a:t>
+            </a:r>
+            <a:endParaRPr lang="en-IN" sz="1800" spc="-30" dirty="0">
+              <a:effectLst/>
+              <a:latin typeface="Times New Roman" panose="02020603050405020304" pitchFamily="18" charset="0"/>
+              <a:ea typeface="Times New Roman" panose="02020603050405020304" pitchFamily="18" charset="0"/>
+            </a:endParaRPr>
+          </a:p>
+          <a:p>
+            <a:pPr marL="742950" marR="578485" lvl="1" indent="-285750" algn="just">
+              <a:lnSpc>
+                <a:spcPct val="150000"/>
+              </a:lnSpc>
+              <a:spcBef>
+                <a:spcPts val="805"/>
+              </a:spcBef>
+              <a:spcAft>
+                <a:spcPts val="0"/>
+              </a:spcAft>
+              <a:buSzPts val="1200"/>
+              <a:buFont typeface="Times New Roman" panose="02020603050405020304" pitchFamily="18" charset="0"/>
+              <a:buAutoNum type="arabicPeriod"/>
+            </a:pPr>
+            <a:r>
+              <a:rPr lang="en-US" sz="1800" spc="-30" dirty="0">
+                <a:effectLst/>
+                <a:latin typeface="Times New Roman" panose="02020603050405020304" pitchFamily="18" charset="0"/>
+                <a:ea typeface="Times New Roman" panose="02020603050405020304" pitchFamily="18" charset="0"/>
+              </a:rPr>
+              <a:t>L. Yang, G. Yang, Y. Yin, And R. Xiao, “Sliding Window-Based Region Of</a:t>
+            </a:r>
+            <a:r>
+              <a:rPr lang="en-US" sz="1800" spc="-335" dirty="0">
+                <a:effectLst/>
+                <a:latin typeface="Times New Roman" panose="02020603050405020304" pitchFamily="18" charset="0"/>
+                <a:ea typeface="Times New Roman" panose="02020603050405020304" pitchFamily="18" charset="0"/>
+              </a:rPr>
+              <a:t> </a:t>
+            </a:r>
+            <a:r>
+              <a:rPr lang="en-US" sz="1800" spc="-30" dirty="0">
+                <a:effectLst/>
+                <a:latin typeface="Times New Roman" panose="02020603050405020304" pitchFamily="18" charset="0"/>
+                <a:ea typeface="Times New Roman" panose="02020603050405020304" pitchFamily="18" charset="0"/>
+              </a:rPr>
+              <a:t>Interest Extraction For Finger Vein Images,” Sensors, Vol. 13, No. 3,</a:t>
+            </a:r>
+            <a:r>
+              <a:rPr lang="en-US" sz="1800" spc="5" dirty="0">
+                <a:effectLst/>
+                <a:latin typeface="Times New Roman" panose="02020603050405020304" pitchFamily="18" charset="0"/>
+                <a:ea typeface="Times New Roman" panose="02020603050405020304" pitchFamily="18" charset="0"/>
+              </a:rPr>
+              <a:t> </a:t>
+            </a:r>
+            <a:r>
+              <a:rPr lang="en-US" sz="1800" spc="-30" dirty="0">
+                <a:effectLst/>
+                <a:latin typeface="Times New Roman" panose="02020603050405020304" pitchFamily="18" charset="0"/>
+                <a:ea typeface="Times New Roman" panose="02020603050405020304" pitchFamily="18" charset="0"/>
+              </a:rPr>
+              <a:t>Pp.3799–3815,</a:t>
+            </a:r>
+            <a:r>
+              <a:rPr lang="en-US" sz="1800" spc="-10" dirty="0">
+                <a:effectLst/>
+                <a:latin typeface="Times New Roman" panose="02020603050405020304" pitchFamily="18" charset="0"/>
+                <a:ea typeface="Times New Roman" panose="02020603050405020304" pitchFamily="18" charset="0"/>
+              </a:rPr>
+              <a:t> </a:t>
+            </a:r>
+            <a:r>
+              <a:rPr lang="en-US" sz="1800" spc="-30" dirty="0">
+                <a:effectLst/>
+                <a:latin typeface="Times New Roman" panose="02020603050405020304" pitchFamily="18" charset="0"/>
+                <a:ea typeface="Times New Roman" panose="02020603050405020304" pitchFamily="18" charset="0"/>
+              </a:rPr>
+              <a:t>2013.</a:t>
+            </a:r>
+            <a:endParaRPr lang="en-IN" sz="1800" spc="-30" dirty="0">
+              <a:effectLst/>
+              <a:latin typeface="Times New Roman" panose="02020603050405020304" pitchFamily="18" charset="0"/>
+              <a:ea typeface="Times New Roman" panose="02020603050405020304" pitchFamily="18" charset="0"/>
+            </a:endParaRPr>
+          </a:p>
+          <a:p>
+            <a:pPr marL="742950" marR="664210" lvl="1" indent="-285750" algn="just">
+              <a:lnSpc>
+                <a:spcPct val="150000"/>
+              </a:lnSpc>
+              <a:spcBef>
+                <a:spcPts val="5"/>
+              </a:spcBef>
+              <a:spcAft>
+                <a:spcPts val="0"/>
+              </a:spcAft>
+              <a:buSzPts val="1200"/>
+              <a:buFont typeface="Times New Roman" panose="02020603050405020304" pitchFamily="18" charset="0"/>
+              <a:buAutoNum type="arabicPeriod"/>
+            </a:pPr>
+            <a:r>
+              <a:rPr lang="en-US" sz="1800" spc="-30" dirty="0">
+                <a:effectLst/>
+                <a:latin typeface="Times New Roman" panose="02020603050405020304" pitchFamily="18" charset="0"/>
+                <a:ea typeface="Times New Roman" panose="02020603050405020304" pitchFamily="18" charset="0"/>
+              </a:rPr>
+              <a:t>Nalini,</a:t>
+            </a:r>
+            <a:r>
+              <a:rPr lang="en-US" sz="1800" spc="-15" dirty="0">
+                <a:effectLst/>
+                <a:latin typeface="Times New Roman" panose="02020603050405020304" pitchFamily="18" charset="0"/>
+                <a:ea typeface="Times New Roman" panose="02020603050405020304" pitchFamily="18" charset="0"/>
+              </a:rPr>
+              <a:t> </a:t>
+            </a:r>
+            <a:r>
+              <a:rPr lang="en-US" sz="1800" spc="-30" dirty="0">
+                <a:effectLst/>
+                <a:latin typeface="Times New Roman" panose="02020603050405020304" pitchFamily="18" charset="0"/>
+                <a:ea typeface="Times New Roman" panose="02020603050405020304" pitchFamily="18" charset="0"/>
+              </a:rPr>
+              <a:t>K.,</a:t>
+            </a:r>
+            <a:r>
+              <a:rPr lang="en-US" sz="1800" spc="-15" dirty="0">
+                <a:effectLst/>
+                <a:latin typeface="Times New Roman" panose="02020603050405020304" pitchFamily="18" charset="0"/>
+                <a:ea typeface="Times New Roman" panose="02020603050405020304" pitchFamily="18" charset="0"/>
+              </a:rPr>
+              <a:t> </a:t>
+            </a:r>
+            <a:r>
+              <a:rPr lang="en-US" sz="1800" spc="-30" dirty="0">
+                <a:effectLst/>
+                <a:latin typeface="Times New Roman" panose="02020603050405020304" pitchFamily="18" charset="0"/>
+                <a:ea typeface="Times New Roman" panose="02020603050405020304" pitchFamily="18" charset="0"/>
+              </a:rPr>
+              <a:t>and L.</a:t>
+            </a:r>
+            <a:r>
+              <a:rPr lang="en-US" sz="1800" spc="-15" dirty="0">
+                <a:effectLst/>
+                <a:latin typeface="Times New Roman" panose="02020603050405020304" pitchFamily="18" charset="0"/>
+                <a:ea typeface="Times New Roman" panose="02020603050405020304" pitchFamily="18" charset="0"/>
+              </a:rPr>
+              <a:t> </a:t>
+            </a:r>
+            <a:r>
+              <a:rPr lang="en-US" sz="1800" spc="-30" dirty="0" err="1">
+                <a:effectLst/>
+                <a:latin typeface="Times New Roman" panose="02020603050405020304" pitchFamily="18" charset="0"/>
+                <a:ea typeface="Times New Roman" panose="02020603050405020304" pitchFamily="18" charset="0"/>
+              </a:rPr>
+              <a:t>Jaba</a:t>
+            </a:r>
+            <a:r>
+              <a:rPr lang="en-US" sz="1800" spc="-10" dirty="0">
+                <a:effectLst/>
+                <a:latin typeface="Times New Roman" panose="02020603050405020304" pitchFamily="18" charset="0"/>
+                <a:ea typeface="Times New Roman" panose="02020603050405020304" pitchFamily="18" charset="0"/>
+              </a:rPr>
+              <a:t> </a:t>
+            </a:r>
+            <a:r>
+              <a:rPr lang="en-US" sz="1800" spc="-30" dirty="0">
+                <a:effectLst/>
+                <a:latin typeface="Times New Roman" panose="02020603050405020304" pitchFamily="18" charset="0"/>
+                <a:ea typeface="Times New Roman" panose="02020603050405020304" pitchFamily="18" charset="0"/>
+              </a:rPr>
+              <a:t>Sheela.</a:t>
+            </a:r>
+            <a:r>
+              <a:rPr lang="en-US" sz="1800" spc="-10" dirty="0">
+                <a:effectLst/>
+                <a:latin typeface="Times New Roman" panose="02020603050405020304" pitchFamily="18" charset="0"/>
+                <a:ea typeface="Times New Roman" panose="02020603050405020304" pitchFamily="18" charset="0"/>
+              </a:rPr>
+              <a:t> </a:t>
+            </a:r>
+            <a:r>
+              <a:rPr lang="en-US" sz="1800" spc="-30" dirty="0">
+                <a:effectLst/>
+                <a:latin typeface="Times New Roman" panose="02020603050405020304" pitchFamily="18" charset="0"/>
+                <a:ea typeface="Times New Roman" panose="02020603050405020304" pitchFamily="18" charset="0"/>
+              </a:rPr>
+              <a:t>"A</a:t>
+            </a:r>
+            <a:r>
+              <a:rPr lang="en-US" sz="1800" spc="-15" dirty="0">
+                <a:effectLst/>
+                <a:latin typeface="Times New Roman" panose="02020603050405020304" pitchFamily="18" charset="0"/>
+                <a:ea typeface="Times New Roman" panose="02020603050405020304" pitchFamily="18" charset="0"/>
+              </a:rPr>
+              <a:t> </a:t>
+            </a:r>
+            <a:r>
+              <a:rPr lang="en-US" sz="1800" spc="-30" dirty="0">
+                <a:effectLst/>
+                <a:latin typeface="Times New Roman" panose="02020603050405020304" pitchFamily="18" charset="0"/>
+                <a:ea typeface="Times New Roman" panose="02020603050405020304" pitchFamily="18" charset="0"/>
+              </a:rPr>
+              <a:t>survey on datamining</a:t>
+            </a:r>
+            <a:r>
+              <a:rPr lang="en-US" sz="1800" spc="-5" dirty="0">
+                <a:effectLst/>
+                <a:latin typeface="Times New Roman" panose="02020603050405020304" pitchFamily="18" charset="0"/>
+                <a:ea typeface="Times New Roman" panose="02020603050405020304" pitchFamily="18" charset="0"/>
+              </a:rPr>
+              <a:t> </a:t>
+            </a:r>
+            <a:r>
+              <a:rPr lang="en-US" sz="1800" spc="-30" dirty="0">
+                <a:effectLst/>
+                <a:latin typeface="Times New Roman" panose="02020603050405020304" pitchFamily="18" charset="0"/>
+                <a:ea typeface="Times New Roman" panose="02020603050405020304" pitchFamily="18" charset="0"/>
+              </a:rPr>
+              <a:t>in</a:t>
+            </a:r>
+            <a:r>
+              <a:rPr lang="en-US" sz="1800" spc="-5" dirty="0">
+                <a:effectLst/>
+                <a:latin typeface="Times New Roman" panose="02020603050405020304" pitchFamily="18" charset="0"/>
+                <a:ea typeface="Times New Roman" panose="02020603050405020304" pitchFamily="18" charset="0"/>
+              </a:rPr>
+              <a:t> </a:t>
+            </a:r>
+            <a:r>
+              <a:rPr lang="en-US" sz="1800" spc="-30" dirty="0">
+                <a:effectLst/>
+                <a:latin typeface="Times New Roman" panose="02020603050405020304" pitchFamily="18" charset="0"/>
+                <a:ea typeface="Times New Roman" panose="02020603050405020304" pitchFamily="18" charset="0"/>
+              </a:rPr>
+              <a:t>cyber</a:t>
+            </a:r>
+            <a:r>
+              <a:rPr lang="en-US" sz="1800" spc="-5" dirty="0">
+                <a:effectLst/>
+                <a:latin typeface="Times New Roman" panose="02020603050405020304" pitchFamily="18" charset="0"/>
+                <a:ea typeface="Times New Roman" panose="02020603050405020304" pitchFamily="18" charset="0"/>
+              </a:rPr>
+              <a:t> </a:t>
+            </a:r>
+            <a:r>
+              <a:rPr lang="en-US" sz="1800" spc="-30" dirty="0">
+                <a:effectLst/>
+                <a:latin typeface="Times New Roman" panose="02020603050405020304" pitchFamily="18" charset="0"/>
+                <a:ea typeface="Times New Roman" panose="02020603050405020304" pitchFamily="18" charset="0"/>
+              </a:rPr>
+              <a:t>bullying.” International Journal on Recent and Innovation Trends in Computing and</a:t>
+            </a:r>
+            <a:r>
+              <a:rPr lang="en-US" sz="1800" spc="5" dirty="0">
+                <a:effectLst/>
+                <a:latin typeface="Times New Roman" panose="02020603050405020304" pitchFamily="18" charset="0"/>
+                <a:ea typeface="Times New Roman" panose="02020603050405020304" pitchFamily="18" charset="0"/>
+              </a:rPr>
+              <a:t> </a:t>
+            </a:r>
+            <a:r>
+              <a:rPr lang="en-US" sz="1800" spc="-30" dirty="0">
+                <a:effectLst/>
+                <a:latin typeface="Times New Roman" panose="02020603050405020304" pitchFamily="18" charset="0"/>
+                <a:ea typeface="Times New Roman" panose="02020603050405020304" pitchFamily="18" charset="0"/>
+              </a:rPr>
+              <a:t>Communication</a:t>
+            </a:r>
+            <a:r>
+              <a:rPr lang="en-US" sz="1800" spc="-20" dirty="0">
+                <a:effectLst/>
+                <a:latin typeface="Times New Roman" panose="02020603050405020304" pitchFamily="18" charset="0"/>
+                <a:ea typeface="Times New Roman" panose="02020603050405020304" pitchFamily="18" charset="0"/>
+              </a:rPr>
+              <a:t> </a:t>
+            </a:r>
+            <a:r>
+              <a:rPr lang="en-US" sz="1800" spc="-30" dirty="0">
+                <a:effectLst/>
+                <a:latin typeface="Times New Roman" panose="02020603050405020304" pitchFamily="18" charset="0"/>
+                <a:ea typeface="Times New Roman" panose="02020603050405020304" pitchFamily="18" charset="0"/>
+              </a:rPr>
+              <a:t>2.7 (2014):</a:t>
+            </a:r>
+            <a:r>
+              <a:rPr lang="en-US" sz="1800" spc="-15" dirty="0">
+                <a:effectLst/>
+                <a:latin typeface="Times New Roman" panose="02020603050405020304" pitchFamily="18" charset="0"/>
+                <a:ea typeface="Times New Roman" panose="02020603050405020304" pitchFamily="18" charset="0"/>
+              </a:rPr>
+              <a:t> </a:t>
+            </a:r>
+            <a:r>
+              <a:rPr lang="en-US" sz="1800" spc="-30" dirty="0">
+                <a:effectLst/>
+                <a:latin typeface="Times New Roman" panose="02020603050405020304" pitchFamily="18" charset="0"/>
+                <a:ea typeface="Times New Roman" panose="02020603050405020304" pitchFamily="18" charset="0"/>
+              </a:rPr>
+              <a:t>1865-1869.</a:t>
+            </a:r>
+            <a:endParaRPr lang="en-IN" sz="1800" spc="-30" dirty="0">
+              <a:effectLst/>
+              <a:latin typeface="Times New Roman" panose="02020603050405020304" pitchFamily="18" charset="0"/>
+              <a:ea typeface="Times New Roman" panose="02020603050405020304" pitchFamily="18" charset="0"/>
+            </a:endParaRPr>
+          </a:p>
+          <a:p>
+            <a:pPr marL="742950" marR="969010" lvl="1" indent="-285750" algn="just">
+              <a:lnSpc>
+                <a:spcPct val="150000"/>
+              </a:lnSpc>
+              <a:spcAft>
+                <a:spcPts val="0"/>
+              </a:spcAft>
+              <a:buSzPts val="1200"/>
+              <a:buFont typeface="Times New Roman" panose="02020603050405020304" pitchFamily="18" charset="0"/>
+              <a:buAutoNum type="arabicPeriod"/>
+              <a:tabLst>
+                <a:tab pos="810260" algn="l"/>
+              </a:tabLst>
+            </a:pPr>
+            <a:r>
+              <a:rPr lang="en-US" sz="1800" spc="-30" dirty="0">
+                <a:effectLst/>
+                <a:latin typeface="Times New Roman" panose="02020603050405020304" pitchFamily="18" charset="0"/>
+                <a:ea typeface="Times New Roman" panose="02020603050405020304" pitchFamily="18" charset="0"/>
+              </a:rPr>
+              <a:t>Sheela, L. </a:t>
+            </a:r>
+            <a:r>
+              <a:rPr lang="en-US" sz="1800" spc="-30" dirty="0" err="1">
+                <a:effectLst/>
+                <a:latin typeface="Times New Roman" panose="02020603050405020304" pitchFamily="18" charset="0"/>
+                <a:ea typeface="Times New Roman" panose="02020603050405020304" pitchFamily="18" charset="0"/>
+              </a:rPr>
+              <a:t>Jaba</a:t>
+            </a:r>
+            <a:r>
+              <a:rPr lang="en-US" sz="1800" spc="-30" dirty="0">
+                <a:effectLst/>
+                <a:latin typeface="Times New Roman" panose="02020603050405020304" pitchFamily="18" charset="0"/>
+                <a:ea typeface="Times New Roman" panose="02020603050405020304" pitchFamily="18" charset="0"/>
+              </a:rPr>
+              <a:t>, and V. Shanthi. "DIMAR- Discovering interesting</a:t>
+            </a:r>
+            <a:r>
+              <a:rPr lang="en-US" sz="1800" spc="-335" dirty="0">
+                <a:effectLst/>
+                <a:latin typeface="Times New Roman" panose="02020603050405020304" pitchFamily="18" charset="0"/>
+                <a:ea typeface="Times New Roman" panose="02020603050405020304" pitchFamily="18" charset="0"/>
+              </a:rPr>
+              <a:t> </a:t>
+            </a:r>
+            <a:r>
+              <a:rPr lang="en-US" sz="1800" spc="-30" dirty="0">
+                <a:effectLst/>
+                <a:latin typeface="Times New Roman" panose="02020603050405020304" pitchFamily="18" charset="0"/>
+                <a:ea typeface="Times New Roman" panose="02020603050405020304" pitchFamily="18" charset="0"/>
+              </a:rPr>
+              <a:t>medical association rules form MRI scans." 2009 6th International</a:t>
+            </a:r>
+            <a:r>
+              <a:rPr lang="en-US" sz="1800" spc="5" dirty="0">
+                <a:effectLst/>
+                <a:latin typeface="Times New Roman" panose="02020603050405020304" pitchFamily="18" charset="0"/>
+                <a:ea typeface="Times New Roman" panose="02020603050405020304" pitchFamily="18" charset="0"/>
+              </a:rPr>
+              <a:t> </a:t>
+            </a:r>
+            <a:r>
+              <a:rPr lang="en-US" sz="1800" spc="-30" dirty="0">
+                <a:effectLst/>
+                <a:latin typeface="Times New Roman" panose="02020603050405020304" pitchFamily="18" charset="0"/>
+                <a:ea typeface="Times New Roman" panose="02020603050405020304" pitchFamily="18" charset="0"/>
+              </a:rPr>
+              <a:t>Conference on Electrical Engineering/Electronics, Computer,</a:t>
+            </a:r>
+            <a:r>
+              <a:rPr lang="en-US" sz="1800" spc="5" dirty="0">
+                <a:effectLst/>
+                <a:latin typeface="Times New Roman" panose="02020603050405020304" pitchFamily="18" charset="0"/>
+                <a:ea typeface="Times New Roman" panose="02020603050405020304" pitchFamily="18" charset="0"/>
+              </a:rPr>
+              <a:t> </a:t>
+            </a:r>
+            <a:r>
+              <a:rPr lang="en-US" sz="1800" spc="-30" dirty="0">
+                <a:effectLst/>
+                <a:latin typeface="Times New Roman" panose="02020603050405020304" pitchFamily="18" charset="0"/>
+                <a:ea typeface="Times New Roman" panose="02020603050405020304" pitchFamily="18" charset="0"/>
+              </a:rPr>
+              <a:t>Telecommunications</a:t>
+            </a:r>
+            <a:r>
+              <a:rPr lang="en-US" sz="1800" spc="-20" dirty="0">
+                <a:effectLst/>
+                <a:latin typeface="Times New Roman" panose="02020603050405020304" pitchFamily="18" charset="0"/>
+                <a:ea typeface="Times New Roman" panose="02020603050405020304" pitchFamily="18" charset="0"/>
+              </a:rPr>
+              <a:t> </a:t>
+            </a:r>
+            <a:r>
+              <a:rPr lang="en-US" sz="1800" spc="-30" dirty="0">
+                <a:effectLst/>
+                <a:latin typeface="Times New Roman" panose="02020603050405020304" pitchFamily="18" charset="0"/>
+                <a:ea typeface="Times New Roman" panose="02020603050405020304" pitchFamily="18" charset="0"/>
+              </a:rPr>
+              <a:t>and</a:t>
+            </a:r>
+            <a:r>
+              <a:rPr lang="en-US" sz="1800" spc="-20" dirty="0">
+                <a:effectLst/>
+                <a:latin typeface="Times New Roman" panose="02020603050405020304" pitchFamily="18" charset="0"/>
+                <a:ea typeface="Times New Roman" panose="02020603050405020304" pitchFamily="18" charset="0"/>
+              </a:rPr>
+              <a:t> </a:t>
+            </a:r>
+            <a:r>
+              <a:rPr lang="en-US" sz="1800" spc="-30" dirty="0">
+                <a:effectLst/>
+                <a:latin typeface="Times New Roman" panose="02020603050405020304" pitchFamily="18" charset="0"/>
+                <a:ea typeface="Times New Roman" panose="02020603050405020304" pitchFamily="18" charset="0"/>
+              </a:rPr>
+              <a:t>Information</a:t>
+            </a:r>
+            <a:r>
+              <a:rPr lang="en-US" sz="1800" spc="-15" dirty="0">
+                <a:effectLst/>
+                <a:latin typeface="Times New Roman" panose="02020603050405020304" pitchFamily="18" charset="0"/>
+                <a:ea typeface="Times New Roman" panose="02020603050405020304" pitchFamily="18" charset="0"/>
+              </a:rPr>
+              <a:t> </a:t>
+            </a:r>
+            <a:r>
+              <a:rPr lang="en-US" sz="1800" spc="-30" dirty="0">
+                <a:effectLst/>
+                <a:latin typeface="Times New Roman" panose="02020603050405020304" pitchFamily="18" charset="0"/>
+                <a:ea typeface="Times New Roman" panose="02020603050405020304" pitchFamily="18" charset="0"/>
+              </a:rPr>
+              <a:t>Technology. Vol.</a:t>
+            </a:r>
+            <a:r>
+              <a:rPr lang="en-US" sz="1800" spc="-25" dirty="0">
+                <a:effectLst/>
+                <a:latin typeface="Times New Roman" panose="02020603050405020304" pitchFamily="18" charset="0"/>
+                <a:ea typeface="Times New Roman" panose="02020603050405020304" pitchFamily="18" charset="0"/>
+              </a:rPr>
+              <a:t> </a:t>
+            </a:r>
+            <a:r>
+              <a:rPr lang="en-US" sz="1800" spc="-30" dirty="0">
+                <a:effectLst/>
+                <a:latin typeface="Times New Roman" panose="02020603050405020304" pitchFamily="18" charset="0"/>
+                <a:ea typeface="Times New Roman" panose="02020603050405020304" pitchFamily="18" charset="0"/>
+              </a:rPr>
+              <a:t>2. IEEE,</a:t>
+            </a:r>
+            <a:r>
+              <a:rPr lang="en-US" sz="1800" spc="-25" dirty="0">
+                <a:effectLst/>
+                <a:latin typeface="Times New Roman" panose="02020603050405020304" pitchFamily="18" charset="0"/>
+                <a:ea typeface="Times New Roman" panose="02020603050405020304" pitchFamily="18" charset="0"/>
+              </a:rPr>
+              <a:t> </a:t>
+            </a:r>
+            <a:r>
+              <a:rPr lang="en-US" sz="1800" spc="-30" dirty="0">
+                <a:effectLst/>
+                <a:latin typeface="Times New Roman" panose="02020603050405020304" pitchFamily="18" charset="0"/>
+                <a:ea typeface="Times New Roman" panose="02020603050405020304" pitchFamily="18" charset="0"/>
+              </a:rPr>
+              <a:t>2009.</a:t>
+            </a:r>
+            <a:endParaRPr lang="en-IN" sz="1800" spc="-30" dirty="0">
+              <a:effectLst/>
+              <a:latin typeface="Times New Roman" panose="02020603050405020304" pitchFamily="18" charset="0"/>
+              <a:ea typeface="Times New Roman" panose="02020603050405020304" pitchFamily="18" charset="0"/>
+            </a:endParaRPr>
+          </a:p>
+          <a:p>
+            <a:pPr marL="742950" marR="511175" lvl="1" indent="-285750" algn="just">
+              <a:lnSpc>
+                <a:spcPct val="150000"/>
+              </a:lnSpc>
+              <a:spcAft>
+                <a:spcPts val="0"/>
+              </a:spcAft>
+              <a:buSzPts val="1200"/>
+              <a:buFont typeface="Times New Roman" panose="02020603050405020304" pitchFamily="18" charset="0"/>
+              <a:buAutoNum type="arabicPeriod"/>
+              <a:tabLst>
+                <a:tab pos="810260" algn="l"/>
+              </a:tabLst>
+            </a:pPr>
+            <a:r>
+              <a:rPr lang="en-US" sz="1800" spc="-30" dirty="0">
+                <a:effectLst/>
+                <a:latin typeface="Times New Roman" panose="02020603050405020304" pitchFamily="18" charset="0"/>
+                <a:ea typeface="Times New Roman" panose="02020603050405020304" pitchFamily="18" charset="0"/>
+              </a:rPr>
+              <a:t>K. B. Raja, R. Raghavendra, And C. Busch, “Video Presentation Attack</a:t>
+            </a:r>
+            <a:r>
+              <a:rPr lang="en-US" sz="1800" spc="5" dirty="0">
+                <a:effectLst/>
+                <a:latin typeface="Times New Roman" panose="02020603050405020304" pitchFamily="18" charset="0"/>
+                <a:ea typeface="Times New Roman" panose="02020603050405020304" pitchFamily="18" charset="0"/>
+              </a:rPr>
+              <a:t> </a:t>
+            </a:r>
+            <a:r>
+              <a:rPr lang="en-US" sz="1800" spc="-30" dirty="0">
+                <a:effectLst/>
+                <a:latin typeface="Times New Roman" panose="02020603050405020304" pitchFamily="18" charset="0"/>
+                <a:ea typeface="Times New Roman" panose="02020603050405020304" pitchFamily="18" charset="0"/>
+              </a:rPr>
+              <a:t>Detection In Visible Spectrum Iris Recognition Using Magnified Phase</a:t>
+            </a:r>
+            <a:r>
+              <a:rPr lang="en-US" sz="1800" spc="5" dirty="0">
+                <a:effectLst/>
+                <a:latin typeface="Times New Roman" panose="02020603050405020304" pitchFamily="18" charset="0"/>
+                <a:ea typeface="Times New Roman" panose="02020603050405020304" pitchFamily="18" charset="0"/>
+              </a:rPr>
+              <a:t> </a:t>
+            </a:r>
+            <a:r>
+              <a:rPr lang="en-US" sz="1800" spc="-30" dirty="0">
+                <a:effectLst/>
+                <a:latin typeface="Times New Roman" panose="02020603050405020304" pitchFamily="18" charset="0"/>
+                <a:ea typeface="Times New Roman" panose="02020603050405020304" pitchFamily="18" charset="0"/>
+              </a:rPr>
+              <a:t>Information,” </a:t>
+            </a:r>
+            <a:r>
+              <a:rPr lang="en-US" sz="1800" spc="-30" dirty="0" err="1">
+                <a:effectLst/>
+                <a:latin typeface="Times New Roman" panose="02020603050405020304" pitchFamily="18" charset="0"/>
+                <a:ea typeface="Times New Roman" panose="02020603050405020304" pitchFamily="18" charset="0"/>
+              </a:rPr>
+              <a:t>Ieee</a:t>
+            </a:r>
+            <a:r>
+              <a:rPr lang="en-US" sz="1800" spc="-25" dirty="0">
+                <a:effectLst/>
+                <a:latin typeface="Times New Roman" panose="02020603050405020304" pitchFamily="18" charset="0"/>
+                <a:ea typeface="Times New Roman" panose="02020603050405020304" pitchFamily="18" charset="0"/>
+              </a:rPr>
+              <a:t> </a:t>
+            </a:r>
+            <a:r>
+              <a:rPr lang="en-US" sz="1800" spc="-30" dirty="0">
+                <a:effectLst/>
+                <a:latin typeface="Times New Roman" panose="02020603050405020304" pitchFamily="18" charset="0"/>
+                <a:ea typeface="Times New Roman" panose="02020603050405020304" pitchFamily="18" charset="0"/>
+              </a:rPr>
+              <a:t>Transactions</a:t>
+            </a:r>
+            <a:r>
+              <a:rPr lang="en-US" sz="1800" spc="-15" dirty="0">
+                <a:effectLst/>
+                <a:latin typeface="Times New Roman" panose="02020603050405020304" pitchFamily="18" charset="0"/>
+                <a:ea typeface="Times New Roman" panose="02020603050405020304" pitchFamily="18" charset="0"/>
+              </a:rPr>
+              <a:t> </a:t>
+            </a:r>
+            <a:r>
+              <a:rPr lang="en-US" sz="1800" spc="-30" dirty="0">
+                <a:effectLst/>
+                <a:latin typeface="Times New Roman" panose="02020603050405020304" pitchFamily="18" charset="0"/>
+                <a:ea typeface="Times New Roman" panose="02020603050405020304" pitchFamily="18" charset="0"/>
+              </a:rPr>
+              <a:t>On</a:t>
+            </a:r>
+            <a:r>
+              <a:rPr lang="en-US" sz="1800" spc="-20" dirty="0">
+                <a:effectLst/>
+                <a:latin typeface="Times New Roman" panose="02020603050405020304" pitchFamily="18" charset="0"/>
+                <a:ea typeface="Times New Roman" panose="02020603050405020304" pitchFamily="18" charset="0"/>
+              </a:rPr>
+              <a:t> </a:t>
+            </a:r>
+            <a:r>
+              <a:rPr lang="en-US" sz="1800" spc="-30" dirty="0">
+                <a:effectLst/>
+                <a:latin typeface="Times New Roman" panose="02020603050405020304" pitchFamily="18" charset="0"/>
+                <a:ea typeface="Times New Roman" panose="02020603050405020304" pitchFamily="18" charset="0"/>
+              </a:rPr>
+              <a:t>Information</a:t>
+            </a:r>
+            <a:r>
+              <a:rPr lang="en-US" sz="1800" spc="-15" dirty="0">
+                <a:effectLst/>
+                <a:latin typeface="Times New Roman" panose="02020603050405020304" pitchFamily="18" charset="0"/>
+                <a:ea typeface="Times New Roman" panose="02020603050405020304" pitchFamily="18" charset="0"/>
+              </a:rPr>
+              <a:t> </a:t>
+            </a:r>
+            <a:r>
+              <a:rPr lang="en-US" sz="1800" spc="-30" dirty="0">
+                <a:effectLst/>
+                <a:latin typeface="Times New Roman" panose="02020603050405020304" pitchFamily="18" charset="0"/>
+                <a:ea typeface="Times New Roman" panose="02020603050405020304" pitchFamily="18" charset="0"/>
+              </a:rPr>
+              <a:t>Forensics</a:t>
+            </a:r>
+            <a:r>
+              <a:rPr lang="en-US" sz="1800" spc="-20" dirty="0">
+                <a:effectLst/>
+                <a:latin typeface="Times New Roman" panose="02020603050405020304" pitchFamily="18" charset="0"/>
+                <a:ea typeface="Times New Roman" panose="02020603050405020304" pitchFamily="18" charset="0"/>
+              </a:rPr>
+              <a:t> </a:t>
+            </a:r>
+            <a:r>
+              <a:rPr lang="en-US" sz="1800" spc="-30" dirty="0">
+                <a:effectLst/>
+                <a:latin typeface="Times New Roman" panose="02020603050405020304" pitchFamily="18" charset="0"/>
+                <a:ea typeface="Times New Roman" panose="02020603050405020304" pitchFamily="18" charset="0"/>
+              </a:rPr>
+              <a:t>And</a:t>
+            </a:r>
+            <a:r>
+              <a:rPr lang="en-US" sz="1800" spc="-35" dirty="0">
+                <a:effectLst/>
+                <a:latin typeface="Times New Roman" panose="02020603050405020304" pitchFamily="18" charset="0"/>
+                <a:ea typeface="Times New Roman" panose="02020603050405020304" pitchFamily="18" charset="0"/>
+              </a:rPr>
+              <a:t> </a:t>
+            </a:r>
+            <a:r>
+              <a:rPr lang="en-US" sz="1800" spc="-30" dirty="0">
+                <a:effectLst/>
+                <a:latin typeface="Times New Roman" panose="02020603050405020304" pitchFamily="18" charset="0"/>
+                <a:ea typeface="Times New Roman" panose="02020603050405020304" pitchFamily="18" charset="0"/>
+              </a:rPr>
+              <a:t>Security, Vol.</a:t>
+            </a:r>
+            <a:r>
+              <a:rPr lang="en-US" sz="1800" spc="-335" dirty="0">
+                <a:effectLst/>
+                <a:latin typeface="Times New Roman" panose="02020603050405020304" pitchFamily="18" charset="0"/>
+                <a:ea typeface="Times New Roman" panose="02020603050405020304" pitchFamily="18" charset="0"/>
+              </a:rPr>
+              <a:t> </a:t>
+            </a:r>
+            <a:r>
+              <a:rPr lang="en-US" sz="1800" spc="-30" dirty="0">
+                <a:effectLst/>
+                <a:latin typeface="Times New Roman" panose="02020603050405020304" pitchFamily="18" charset="0"/>
+                <a:ea typeface="Times New Roman" panose="02020603050405020304" pitchFamily="18" charset="0"/>
+              </a:rPr>
+              <a:t>10,</a:t>
+            </a:r>
+            <a:r>
+              <a:rPr lang="en-US" sz="1800" spc="-10" dirty="0">
+                <a:effectLst/>
+                <a:latin typeface="Times New Roman" panose="02020603050405020304" pitchFamily="18" charset="0"/>
+                <a:ea typeface="Times New Roman" panose="02020603050405020304" pitchFamily="18" charset="0"/>
+              </a:rPr>
+              <a:t> </a:t>
+            </a:r>
+            <a:r>
+              <a:rPr lang="en-US" sz="1800" spc="-30" dirty="0">
+                <a:effectLst/>
+                <a:latin typeface="Times New Roman" panose="02020603050405020304" pitchFamily="18" charset="0"/>
+                <a:ea typeface="Times New Roman" panose="02020603050405020304" pitchFamily="18" charset="0"/>
+              </a:rPr>
+              <a:t>No.</a:t>
+            </a:r>
+            <a:r>
+              <a:rPr lang="en-US" sz="1800" spc="-20" dirty="0">
+                <a:effectLst/>
+                <a:latin typeface="Times New Roman" panose="02020603050405020304" pitchFamily="18" charset="0"/>
+                <a:ea typeface="Times New Roman" panose="02020603050405020304" pitchFamily="18" charset="0"/>
+              </a:rPr>
+              <a:t> </a:t>
+            </a:r>
+            <a:r>
+              <a:rPr lang="en-US" sz="1800" spc="-30" dirty="0">
+                <a:effectLst/>
+                <a:latin typeface="Times New Roman" panose="02020603050405020304" pitchFamily="18" charset="0"/>
+                <a:ea typeface="Times New Roman" panose="02020603050405020304" pitchFamily="18" charset="0"/>
+              </a:rPr>
+              <a:t>10,</a:t>
+            </a:r>
+            <a:r>
+              <a:rPr lang="en-US" sz="1800" spc="-5" dirty="0">
+                <a:effectLst/>
+                <a:latin typeface="Times New Roman" panose="02020603050405020304" pitchFamily="18" charset="0"/>
+                <a:ea typeface="Times New Roman" panose="02020603050405020304" pitchFamily="18" charset="0"/>
+              </a:rPr>
+              <a:t> </a:t>
+            </a:r>
+            <a:r>
+              <a:rPr lang="en-US" sz="1800" spc="-30" dirty="0">
+                <a:effectLst/>
+                <a:latin typeface="Times New Roman" panose="02020603050405020304" pitchFamily="18" charset="0"/>
+                <a:ea typeface="Times New Roman" panose="02020603050405020304" pitchFamily="18" charset="0"/>
+              </a:rPr>
+              <a:t>Pp.</a:t>
+            </a:r>
+            <a:r>
+              <a:rPr lang="en-US" sz="1800" spc="-5" dirty="0">
+                <a:effectLst/>
+                <a:latin typeface="Times New Roman" panose="02020603050405020304" pitchFamily="18" charset="0"/>
+                <a:ea typeface="Times New Roman" panose="02020603050405020304" pitchFamily="18" charset="0"/>
+              </a:rPr>
+              <a:t> </a:t>
+            </a:r>
+            <a:r>
+              <a:rPr lang="en-US" sz="1800" spc="-30" dirty="0">
+                <a:effectLst/>
+                <a:latin typeface="Times New Roman" panose="02020603050405020304" pitchFamily="18" charset="0"/>
+                <a:ea typeface="Times New Roman" panose="02020603050405020304" pitchFamily="18" charset="0"/>
+              </a:rPr>
+              <a:t>2048-2056,</a:t>
+            </a:r>
+            <a:r>
+              <a:rPr lang="en-US" sz="1800" spc="-5" dirty="0">
+                <a:effectLst/>
+                <a:latin typeface="Times New Roman" panose="02020603050405020304" pitchFamily="18" charset="0"/>
+                <a:ea typeface="Times New Roman" panose="02020603050405020304" pitchFamily="18" charset="0"/>
+              </a:rPr>
+              <a:t> </a:t>
+            </a:r>
+            <a:r>
+              <a:rPr lang="en-US" sz="1800" spc="-30" dirty="0">
+                <a:effectLst/>
+                <a:latin typeface="Times New Roman" panose="02020603050405020304" pitchFamily="18" charset="0"/>
+                <a:ea typeface="Times New Roman" panose="02020603050405020304" pitchFamily="18" charset="0"/>
+              </a:rPr>
+              <a:t>2015.</a:t>
+            </a:r>
+            <a:endParaRPr lang="en-IN" sz="1800" spc="-30" dirty="0">
+              <a:effectLst/>
+              <a:latin typeface="Times New Roman" panose="02020603050405020304" pitchFamily="18" charset="0"/>
+              <a:ea typeface="Times New Roman" panose="02020603050405020304" pitchFamily="18" charset="0"/>
+            </a:endParaRPr>
+          </a:p>
+          <a:p>
+            <a:endParaRPr lang="en-IN" dirty="0"/>
+          </a:p>
+        </p:txBody>
+      </p:sp>
+    </p:spTree>
+    <p:extLst>
+      <p:ext uri="{BB962C8B-B14F-4D97-AF65-F5344CB8AC3E}">
+        <p14:creationId xmlns:p14="http://schemas.microsoft.com/office/powerpoint/2010/main" val="4247487562"/>
+      </p:ext>
+    </p:extLst>
+  </p:cSld>
+  <p:clrMapOvr>
+    <a:masterClrMapping/>
+  </p:clrMapOvr>
+</p:sld>
+</file>
+
+<file path=ppt/slides/slide27.xml><?xml version="1.0" encoding="utf-8"?>
 <p:sld xmlns:a="http://schemas.openxmlformats.org/drawingml/2006/main" xmlns:r="http://schemas.openxmlformats.org/officeDocument/2006/relationships" xmlns:p="http://schemas.openxmlformats.org/presentationml/2006/main">
   <p:cSld>
     <p:spTree>
@@ -11921,194 +13749,10 @@
             <p:ph sz="half" idx="1"/>
           </p:nvPr>
         </p:nvSpPr>
-        <p:spPr/>
-        <p:txBody>
-          <a:bodyPr>
-            <a:normAutofit/>
-          </a:bodyPr>
-          <a:lstStyle/>
-          <a:p>
-            <a:r>
-              <a:rPr lang="en-IN" sz="1800" b="1" i="0" u="none" strike="noStrike" baseline="0" dirty="0">
-                <a:solidFill>
-                  <a:srgbClr val="000000"/>
-                </a:solidFill>
-                <a:latin typeface="Times New Roman" panose="02020603050405020304" pitchFamily="18" charset="0"/>
-                <a:cs typeface="Times New Roman" panose="02020603050405020304" pitchFamily="18" charset="0"/>
-              </a:rPr>
-              <a:t>Backend Technologies </a:t>
-            </a:r>
-          </a:p>
-          <a:p>
-            <a:pPr marL="0" indent="268288">
-              <a:buNone/>
-            </a:pPr>
-            <a:r>
-              <a:rPr lang="en-IN" sz="1800" b="0" i="0" u="none" strike="noStrike" baseline="0" dirty="0">
-                <a:solidFill>
-                  <a:srgbClr val="000000"/>
-                </a:solidFill>
-                <a:latin typeface="Times New Roman" panose="02020603050405020304" pitchFamily="18" charset="0"/>
-                <a:cs typeface="Times New Roman" panose="02020603050405020304" pitchFamily="18" charset="0"/>
-              </a:rPr>
-              <a:t>Python </a:t>
-            </a:r>
-          </a:p>
-          <a:p>
-            <a:pPr indent="306388">
-              <a:buFont typeface="Wingdings" panose="05000000000000000000" pitchFamily="2" charset="2"/>
-              <a:buChar char="v"/>
-            </a:pPr>
-            <a:r>
-              <a:rPr lang="en-IN" sz="1800" b="0" i="0" u="none" strike="noStrike" baseline="0" dirty="0">
-                <a:solidFill>
-                  <a:srgbClr val="000000"/>
-                </a:solidFill>
-                <a:latin typeface="Times New Roman" panose="02020603050405020304" pitchFamily="18" charset="0"/>
-                <a:cs typeface="Times New Roman" panose="02020603050405020304" pitchFamily="18" charset="0"/>
-              </a:rPr>
-              <a:t>Numpy </a:t>
-            </a:r>
-          </a:p>
-          <a:p>
-            <a:pPr indent="306388">
-              <a:buFont typeface="Wingdings" panose="05000000000000000000" pitchFamily="2" charset="2"/>
-              <a:buChar char="v"/>
-            </a:pPr>
-            <a:r>
-              <a:rPr lang="en-IN" sz="1800" b="0" i="0" u="none" strike="noStrike" baseline="0" dirty="0">
-                <a:solidFill>
-                  <a:srgbClr val="000000"/>
-                </a:solidFill>
-                <a:latin typeface="Times New Roman" panose="02020603050405020304" pitchFamily="18" charset="0"/>
-                <a:cs typeface="Times New Roman" panose="02020603050405020304" pitchFamily="18" charset="0"/>
-              </a:rPr>
-              <a:t>Scikit-learn (</a:t>
-            </a:r>
-            <a:r>
-              <a:rPr lang="en-IN" sz="1800" b="0" i="0" u="none" strike="noStrike" baseline="0" dirty="0" err="1">
-                <a:solidFill>
-                  <a:srgbClr val="000000"/>
-                </a:solidFill>
-                <a:latin typeface="Times New Roman" panose="02020603050405020304" pitchFamily="18" charset="0"/>
-                <a:cs typeface="Times New Roman" panose="02020603050405020304" pitchFamily="18" charset="0"/>
-              </a:rPr>
-              <a:t>Sklearn</a:t>
-            </a:r>
-            <a:r>
-              <a:rPr lang="en-IN" sz="1800" b="0" i="0" u="none" strike="noStrike" baseline="0" dirty="0">
-                <a:solidFill>
-                  <a:srgbClr val="000000"/>
-                </a:solidFill>
-                <a:latin typeface="Times New Roman" panose="02020603050405020304" pitchFamily="18" charset="0"/>
-                <a:cs typeface="Times New Roman" panose="02020603050405020304" pitchFamily="18" charset="0"/>
-              </a:rPr>
-              <a:t>)</a:t>
-            </a:r>
-          </a:p>
-          <a:p>
-            <a:pPr indent="306388">
-              <a:buFont typeface="Wingdings" panose="05000000000000000000" pitchFamily="2" charset="2"/>
-              <a:buChar char="v"/>
-            </a:pPr>
-            <a:r>
-              <a:rPr lang="en-IN" sz="1800" b="0" i="0" u="none" strike="noStrike" baseline="0" dirty="0">
-                <a:solidFill>
-                  <a:srgbClr val="000000"/>
-                </a:solidFill>
-                <a:latin typeface="Times New Roman" panose="02020603050405020304" pitchFamily="18" charset="0"/>
-                <a:cs typeface="Times New Roman" panose="02020603050405020304" pitchFamily="18" charset="0"/>
-              </a:rPr>
-              <a:t>TensorFlow &amp; </a:t>
-            </a:r>
-            <a:r>
-              <a:rPr lang="en-IN" sz="1800" b="0" i="0" u="none" strike="noStrike" baseline="0" dirty="0" err="1">
-                <a:solidFill>
-                  <a:srgbClr val="000000"/>
-                </a:solidFill>
-                <a:latin typeface="Times New Roman" panose="02020603050405020304" pitchFamily="18" charset="0"/>
-                <a:cs typeface="Times New Roman" panose="02020603050405020304" pitchFamily="18" charset="0"/>
-              </a:rPr>
-              <a:t>Keras</a:t>
-            </a:r>
-            <a:r>
-              <a:rPr lang="en-IN" sz="1800" b="0" i="0" u="none" strike="noStrike" baseline="0" dirty="0">
-                <a:solidFill>
-                  <a:srgbClr val="000000"/>
-                </a:solidFill>
-                <a:latin typeface="Times New Roman" panose="02020603050405020304" pitchFamily="18" charset="0"/>
-                <a:cs typeface="Times New Roman" panose="02020603050405020304" pitchFamily="18" charset="0"/>
-              </a:rPr>
-              <a:t> </a:t>
-            </a:r>
-          </a:p>
-          <a:p>
-            <a:r>
-              <a:rPr lang="en-IN" sz="1800" b="1" i="0" u="none" strike="noStrike" baseline="0" dirty="0">
-                <a:solidFill>
-                  <a:srgbClr val="000000"/>
-                </a:solidFill>
-                <a:latin typeface="Times New Roman" panose="02020603050405020304" pitchFamily="18" charset="0"/>
-                <a:cs typeface="Times New Roman" panose="02020603050405020304" pitchFamily="18" charset="0"/>
-              </a:rPr>
-              <a:t>Frontend Technologies </a:t>
-            </a:r>
-          </a:p>
-          <a:p>
-            <a:pPr marL="534988" indent="-266700">
-              <a:buFont typeface="Wingdings" panose="05000000000000000000" pitchFamily="2" charset="2"/>
-              <a:buChar char="v"/>
-            </a:pPr>
-            <a:r>
-              <a:rPr lang="en-IN" sz="1800" dirty="0" err="1">
-                <a:solidFill>
-                  <a:srgbClr val="000000"/>
-                </a:solidFill>
-                <a:latin typeface="Times New Roman" panose="02020603050405020304" pitchFamily="18" charset="0"/>
-                <a:cs typeface="Times New Roman" panose="02020603050405020304" pitchFamily="18" charset="0"/>
-              </a:rPr>
-              <a:t>Jupyter</a:t>
-            </a:r>
-            <a:r>
-              <a:rPr lang="en-IN" sz="1800" dirty="0">
-                <a:solidFill>
-                  <a:srgbClr val="000000"/>
-                </a:solidFill>
-                <a:latin typeface="Times New Roman" panose="02020603050405020304" pitchFamily="18" charset="0"/>
-                <a:cs typeface="Times New Roman" panose="02020603050405020304" pitchFamily="18" charset="0"/>
-              </a:rPr>
-              <a:t> Notebook</a:t>
-            </a:r>
-            <a:endParaRPr lang="en-IN" sz="1800" b="0" i="0" u="none" strike="noStrike" baseline="0" dirty="0">
-              <a:solidFill>
-                <a:srgbClr val="000000"/>
-              </a:solidFill>
-              <a:latin typeface="Times New Roman" panose="02020603050405020304" pitchFamily="18" charset="0"/>
-              <a:cs typeface="Times New Roman" panose="02020603050405020304" pitchFamily="18" charset="0"/>
-            </a:endParaRPr>
-          </a:p>
-        </p:txBody>
-      </p:sp>
-      <p:sp>
-        <p:nvSpPr>
-          <p:cNvPr id="4" name="Content Placeholder 3">
-            <a:extLst>
-              <a:ext uri="{FF2B5EF4-FFF2-40B4-BE49-F238E27FC236}">
-                <a16:creationId xmlns:a16="http://schemas.microsoft.com/office/drawing/2014/main" id="{2C305765-AC8E-407B-92B7-2A043991B684}"/>
-              </a:ext>
-            </a:extLst>
-          </p:cNvPr>
-          <p:cNvSpPr>
-            <a:spLocks noGrp="1"/>
-          </p:cNvSpPr>
-          <p:nvPr>
-            <p:ph sz="half" idx="2"/>
-          </p:nvPr>
-        </p:nvSpPr>
         <p:spPr>
           <a:xfrm>
-            <a:off x="6450722" y="2010878"/>
-            <a:ext cx="4604130" cy="3441520"/>
+            <a:off x="1534694" y="2010878"/>
+            <a:ext cx="9520157" cy="3438144"/>
           </a:xfrm>
         </p:spPr>
         <p:txBody>
@@ -12118,63 +13762,160 @@
           <a:lstStyle/>
           <a:p>
             <a:r>
-              <a:rPr lang="en-US" sz="1800" b="1" i="0" u="none" strike="noStrike" baseline="0" dirty="0">
+              <a:rPr lang="en-IN" sz="1800" b="1" i="0" u="none" strike="noStrike" baseline="0" dirty="0">
+                <a:solidFill>
+                  <a:srgbClr val="000000"/>
+                </a:solidFill>
                 <a:latin typeface="Times New Roman" panose="02020603050405020304" pitchFamily="18" charset="0"/>
                 <a:cs typeface="Times New Roman" panose="02020603050405020304" pitchFamily="18" charset="0"/>
               </a:rPr>
-              <a:t>Dataset Used</a:t>
-            </a:r>
-          </a:p>
-          <a:p>
-            <a:pPr indent="131763">
+              <a:t>Backend Technologies </a:t>
+            </a:r>
+          </a:p>
+          <a:p>
+            <a:pPr marL="0" indent="268288">
+              <a:buNone/>
+            </a:pPr>
+            <a:r>
+              <a:rPr lang="en-IN" sz="1800" b="0" i="0" u="none" strike="noStrike" baseline="0" dirty="0">
+                <a:solidFill>
+                  <a:srgbClr val="000000"/>
+                </a:solidFill>
+                <a:latin typeface="Times New Roman" panose="02020603050405020304" pitchFamily="18" charset="0"/>
+                <a:cs typeface="Times New Roman" panose="02020603050405020304" pitchFamily="18" charset="0"/>
+              </a:rPr>
+              <a:t>Python </a:t>
+            </a:r>
+          </a:p>
+          <a:p>
+            <a:pPr indent="306388">
               <a:buFont typeface="Wingdings" panose="05000000000000000000" pitchFamily="2" charset="2"/>
               <a:buChar char="v"/>
             </a:pPr>
             <a:r>
-              <a:rPr lang="en-US" sz="1800" dirty="0">
+              <a:rPr lang="en-IN" sz="1800" b="0" i="0" u="none" strike="noStrike" baseline="0" dirty="0">
+                <a:solidFill>
+                  <a:srgbClr val="000000"/>
+                </a:solidFill>
                 <a:latin typeface="Times New Roman" panose="02020603050405020304" pitchFamily="18" charset="0"/>
                 <a:cs typeface="Times New Roman" panose="02020603050405020304" pitchFamily="18" charset="0"/>
               </a:rPr>
-              <a:t>Size: 180MB</a:t>
-            </a:r>
-          </a:p>
-          <a:p>
-            <a:pPr indent="131763">
+              <a:t>Numpy </a:t>
+            </a:r>
+          </a:p>
+          <a:p>
+            <a:pPr indent="306388">
               <a:buFont typeface="Wingdings" panose="05000000000000000000" pitchFamily="2" charset="2"/>
               <a:buChar char="v"/>
             </a:pPr>
             <a:r>
-              <a:rPr lang="en-US" sz="1800" dirty="0">
+              <a:rPr lang="en-IN" sz="1800" b="0" i="0" u="none" strike="noStrike" baseline="0" dirty="0">
+                <a:solidFill>
+                  <a:srgbClr val="000000"/>
+                </a:solidFill>
                 <a:latin typeface="Times New Roman" panose="02020603050405020304" pitchFamily="18" charset="0"/>
                 <a:cs typeface="Times New Roman" panose="02020603050405020304" pitchFamily="18" charset="0"/>
               </a:rPr>
-              <a:t>No. of samples used: 120 Men and 40 Women</a:t>
-            </a:r>
-          </a:p>
-          <a:p>
-            <a:pPr indent="131763">
+              <a:t>Scikit-learn (</a:t>
+            </a:r>
+            <a:r>
+              <a:rPr lang="en-IN" sz="1800" b="0" i="0" u="none" strike="noStrike" baseline="0" dirty="0" err="1">
+                <a:solidFill>
+                  <a:srgbClr val="000000"/>
+                </a:solidFill>
+                <a:latin typeface="Times New Roman" panose="02020603050405020304" pitchFamily="18" charset="0"/>
+                <a:cs typeface="Times New Roman" panose="02020603050405020304" pitchFamily="18" charset="0"/>
+              </a:rPr>
+              <a:t>Sklearn</a:t>
+            </a:r>
+            <a:r>
+              <a:rPr lang="en-IN" sz="1800" b="0" i="0" u="none" strike="noStrike" baseline="0" dirty="0">
+                <a:solidFill>
+                  <a:srgbClr val="000000"/>
+                </a:solidFill>
+                <a:latin typeface="Times New Roman" panose="02020603050405020304" pitchFamily="18" charset="0"/>
+                <a:cs typeface="Times New Roman" panose="02020603050405020304" pitchFamily="18" charset="0"/>
+              </a:rPr>
+              <a:t>)</a:t>
+            </a:r>
+          </a:p>
+          <a:p>
+            <a:pPr indent="306388">
               <a:buFont typeface="Wingdings" panose="05000000000000000000" pitchFamily="2" charset="2"/>
               <a:buChar char="v"/>
             </a:pPr>
             <a:r>
-              <a:rPr lang="en-US" sz="1800" b="0" i="0" u="none" strike="noStrike" baseline="0" dirty="0">
+              <a:rPr lang="en-IN" sz="1800" b="0" i="0" u="none" strike="noStrike" baseline="0" dirty="0">
+                <a:solidFill>
+                  <a:srgbClr val="000000"/>
+                </a:solidFill>
                 <a:latin typeface="Times New Roman" panose="02020603050405020304" pitchFamily="18" charset="0"/>
                 <a:cs typeface="Times New Roman" panose="02020603050405020304" pitchFamily="18" charset="0"/>
               </a:rPr>
-              <a:t>Link: </a:t>
-            </a:r>
-            <a:r>
-              <a:rPr lang="en-US" sz="1800" b="1" dirty="0">
+              <a:t>TensorFlow &amp; </a:t>
+            </a:r>
+            <a:r>
+              <a:rPr lang="en-IN" sz="1800" b="0" i="0" u="none" strike="noStrike" baseline="0" dirty="0" err="1">
                 <a:solidFill>
-                  <a:schemeClr val="tx1"/>
+                  <a:srgbClr val="000000"/>
                 </a:solidFill>
                 <a:latin typeface="Times New Roman" panose="02020603050405020304" pitchFamily="18" charset="0"/>
                 <a:cs typeface="Times New Roman" panose="02020603050405020304" pitchFamily="18" charset="0"/>
-                <a:hlinkClick r:id="rId2"/>
-              </a:rPr>
-              <a:t>https://www.kaggle.com/ryeltsin/finger-vein</a:t>
+              </a:rPr>
+              <a:t>Keras</a:t>
+            </a:r>
+            <a:r>
+              <a:rPr lang="en-IN" sz="1800" b="0" i="0" u="none" strike="noStrike" baseline="0" dirty="0">
+                <a:solidFill>
+                  <a:srgbClr val="000000"/>
+                </a:solidFill>
+                <a:latin typeface="Times New Roman" panose="02020603050405020304" pitchFamily="18" charset="0"/>
+                <a:cs typeface="Times New Roman" panose="02020603050405020304" pitchFamily="18" charset="0"/>
+              </a:rPr>
+              <a:t> </a:t>
+            </a:r>
+          </a:p>
+          <a:p>
+            <a:r>
+              <a:rPr lang="en-IN" sz="1800" b="1" i="0" u="none" strike="noStrike" baseline="0" dirty="0">
+                <a:solidFill>
+                  <a:srgbClr val="000000"/>
+                </a:solidFill>
+                <a:latin typeface="Times New Roman" panose="02020603050405020304" pitchFamily="18" charset="0"/>
+                <a:cs typeface="Times New Roman" panose="02020603050405020304" pitchFamily="18" charset="0"/>
+              </a:rPr>
+              <a:t>Frontend Technologies </a:t>
+            </a:r>
+          </a:p>
+          <a:p>
+            <a:pPr marL="534988" indent="-266700">
+              <a:buFont typeface="Wingdings" panose="05000000000000000000" pitchFamily="2" charset="2"/>
+              <a:buChar char="v"/>
+            </a:pPr>
+            <a:r>
+              <a:rPr lang="en-IN" sz="1800" dirty="0" err="1">
+                <a:solidFill>
+                  <a:srgbClr val="000000"/>
+                </a:solidFill>
+                <a:latin typeface="Times New Roman" panose="02020603050405020304" pitchFamily="18" charset="0"/>
+                <a:cs typeface="Times New Roman" panose="02020603050405020304" pitchFamily="18" charset="0"/>
+              </a:rPr>
+              <a:t>Jupyter</a:t>
+            </a:r>
+            <a:r>
+              <a:rPr lang="en-IN" sz="1800" dirty="0">
+                <a:solidFill>
+                  <a:srgbClr val="000000"/>
+                </a:solidFill>
+                <a:latin typeface="Times New Roman" panose="02020603050405020304" pitchFamily="18" charset="0"/>
+                <a:cs typeface="Times New Roman" panose="02020603050405020304" pitchFamily="18" charset="0"/>
+              </a:rPr>
+              <a:t> Notebook</a:t>
             </a:r>
             <a:endParaRPr lang="en-IN" sz="1800" b="0" i="0" u="none" strike="noStrike" baseline="0" dirty="0">
+              <a:solidFill>
+                <a:srgbClr val="000000"/>
+              </a:solidFill>
               <a:latin typeface="Times New Roman" panose="02020603050405020304" pitchFamily="18" charset="0"/>
               <a:cs typeface="Times New Roman" panose="02020603050405020304" pitchFamily="18" charset="0"/>
             </a:endParaRPr>
@@ -12195,6 +13936,154 @@
 </file>
 
 <file path=ppt/slides/slide8.xml><?xml version="1.0" encoding="utf-8"?>
+<p:sld xmlns:a="http://schemas.openxmlformats.org/drawingml/2006/main" xmlns:r="http://schemas.openxmlformats.org/officeDocument/2006/relationships" xmlns:p="http://schemas.openxmlformats.org/presentationml/2006/main">
+  <p:cSld>
+    <p:spTree>
+      <p:nvGrpSpPr>
+        <p:cNvPr id="1" name=""/>
+        <p:cNvGrpSpPr/>
+        <p:nvPr/>
+      </p:nvGrpSpPr>
+      <p:grpSpPr>
+        <a:xfrm>
+          <a:off x="0" y="0"/>
+          <a:ext cx="0" cy="0"/>
+          <a:chOff x="0" y="0"/>
+          <a:chExt cx="0" cy="0"/>
+        </a:xfrm>
+      </p:grpSpPr>
+      <p:sp>
+        <p:nvSpPr>
+          <p:cNvPr id="5" name="Title 4">
+            <a:extLst>
+              <a:ext uri="{FF2B5EF4-FFF2-40B4-BE49-F238E27FC236}">
+                <a16:creationId xmlns:a16="http://schemas.microsoft.com/office/drawing/2014/main" id="{B5CC730D-6ADD-4FEC-AF2D-C2F5CF2D939E}"/>
+              </a:ext>
+            </a:extLst>
+          </p:cNvPr>
+          <p:cNvSpPr>
+            <a:spLocks noGrp="1"/>
+          </p:cNvSpPr>
+          <p:nvPr>
+            <p:ph type="title"/>
+          </p:nvPr>
+        </p:nvSpPr>
+        <p:spPr/>
+        <p:txBody>
+          <a:bodyPr anchor="ctr"/>
+          <a:lstStyle/>
+          <a:p>
+            <a:pPr algn="ctr"/>
+            <a:r>
+              <a:rPr lang="en-US" sz="3200" b="1" i="0" u="none" strike="noStrike" baseline="0" dirty="0">
+                <a:latin typeface="Times New Roman" panose="02020603050405020304" pitchFamily="18" charset="0"/>
+                <a:cs typeface="Times New Roman" panose="02020603050405020304" pitchFamily="18" charset="0"/>
+              </a:rPr>
+              <a:t>Dataset Used</a:t>
+            </a:r>
+            <a:endParaRPr lang="en-IN" dirty="0"/>
+          </a:p>
+        </p:txBody>
+      </p:sp>
+      <p:sp>
+        <p:nvSpPr>
+          <p:cNvPr id="6" name="Content Placeholder 5">
+            <a:extLst>
+              <a:ext uri="{FF2B5EF4-FFF2-40B4-BE49-F238E27FC236}">
+                <a16:creationId xmlns:a16="http://schemas.microsoft.com/office/drawing/2014/main" id="{2BE40315-6CC4-4716-9C5B-86340E073930}"/>
+              </a:ext>
+            </a:extLst>
+          </p:cNvPr>
+          <p:cNvSpPr>
+            <a:spLocks noGrp="1"/>
+          </p:cNvSpPr>
+          <p:nvPr>
+            <p:ph idx="1"/>
+          </p:nvPr>
+        </p:nvSpPr>
+        <p:spPr/>
+        <p:txBody>
+          <a:bodyPr/>
+          <a:lstStyle/>
+          <a:p>
+            <a:pPr indent="131763">
+              <a:buFont typeface="Wingdings" panose="05000000000000000000" pitchFamily="2" charset="2"/>
+              <a:buChar char="v"/>
+            </a:pPr>
+            <a:r>
+              <a:rPr lang="en-US" sz="2000" dirty="0">
+                <a:latin typeface="Times New Roman" panose="02020603050405020304" pitchFamily="18" charset="0"/>
+                <a:cs typeface="Times New Roman" panose="02020603050405020304" pitchFamily="18" charset="0"/>
+              </a:rPr>
+              <a:t>Size: 80MB</a:t>
+            </a:r>
+          </a:p>
+          <a:p>
+            <a:pPr indent="131763">
+              <a:buFont typeface="Wingdings" panose="05000000000000000000" pitchFamily="2" charset="2"/>
+              <a:buChar char="v"/>
+            </a:pPr>
+            <a:r>
+              <a:rPr lang="en-US" sz="2000" dirty="0">
+                <a:latin typeface="Times New Roman" panose="02020603050405020304" pitchFamily="18" charset="0"/>
+                <a:cs typeface="Times New Roman" panose="02020603050405020304" pitchFamily="18" charset="0"/>
+              </a:rPr>
+              <a:t>No. of samples used: 65 people’s finger vein data</a:t>
+            </a:r>
+          </a:p>
+          <a:p>
+            <a:pPr indent="131763">
+              <a:buFont typeface="Wingdings" panose="05000000000000000000" pitchFamily="2" charset="2"/>
+              <a:buChar char="v"/>
+            </a:pPr>
+            <a:r>
+              <a:rPr lang="en-US" sz="2000" b="0" i="0" u="none" strike="noStrike" baseline="0" dirty="0">
+                <a:latin typeface="Times New Roman" panose="02020603050405020304" pitchFamily="18" charset="0"/>
+                <a:cs typeface="Times New Roman" panose="02020603050405020304" pitchFamily="18" charset="0"/>
+              </a:rPr>
+              <a:t>Source link: </a:t>
+            </a:r>
+            <a:r>
+              <a:rPr lang="en-US" sz="2000" b="1" dirty="0">
+                <a:solidFill>
+                  <a:schemeClr val="accent1"/>
+                </a:solidFill>
+                <a:latin typeface="Times New Roman" panose="02020603050405020304" pitchFamily="18" charset="0"/>
+                <a:cs typeface="Times New Roman" panose="02020603050405020304" pitchFamily="18" charset="0"/>
+                <a:hlinkClick r:id="rId2">
+                  <a:extLst>
+                    <a:ext uri="{A12FA001-AC4F-418D-AE19-62706E023703}">
+                      <ahyp:hlinkClr xmlns:ahyp="http://schemas.microsoft.com/office/drawing/2018/hyperlinkcolor" val="tx"/>
+                    </a:ext>
+                  </a:extLst>
+                </a:hlinkClick>
+              </a:rPr>
+              <a:t>http://drfendi.com/2015/12/05/fv-usm-database-download-page/</a:t>
+            </a:r>
+            <a:endParaRPr lang="en-IN" sz="2000" b="0" i="0" u="none" strike="noStrike" baseline="0" dirty="0">
+              <a:solidFill>
+                <a:schemeClr val="accent1"/>
+              </a:solidFill>
+              <a:latin typeface="Times New Roman" panose="02020603050405020304" pitchFamily="18" charset="0"/>
+              <a:cs typeface="Times New Roman" panose="02020603050405020304" pitchFamily="18" charset="0"/>
+            </a:endParaRPr>
+          </a:p>
+        </p:txBody>
+      </p:sp>
+    </p:spTree>
+    <p:extLst>
+      <p:ext uri="{BB962C8B-B14F-4D97-AF65-F5344CB8AC3E}">
+        <p14:creationId xmlns:p14="http://schemas.microsoft.com/office/powerpoint/2010/main" val="3323925398"/>
+      </p:ext>
+    </p:extLst>
+  </p:cSld>
+  <p:clrMapOvr>
+    <a:masterClrMapping/>
+  </p:clrMapOvr>
+</p:sld>
+</file>
+
+<file path=ppt/slides/slide9.xml><?xml version="1.0" encoding="utf-8"?>
 <p:sld xmlns:a="http://schemas.openxmlformats.org/drawingml/2006/main" xmlns:r="http://schemas.openxmlformats.org/officeDocument/2006/relationships" xmlns:p="http://schemas.openxmlformats.org/presentationml/2006/main">
   <p:cSld>
     <p:spTree>
@@ -12300,123 +14189,6 @@
     <p:extLst>
       <p:ext uri="{BB962C8B-B14F-4D97-AF65-F5344CB8AC3E}">
         <p14:creationId xmlns:p14="http://schemas.microsoft.com/office/powerpoint/2010/main" val="2159790702"/>
-      </p:ext>
-    </p:extLst>
-  </p:cSld>
-  <p:clrMapOvr>
-    <a:masterClrMapping/>
-  </p:clrMapOvr>
-</p:sld>
-</file>
-
-<file path=ppt/slides/slide9.xml><?xml version="1.0" encoding="utf-8"?>
-<p:sld xmlns:a="http://schemas.openxmlformats.org/drawingml/2006/main" xmlns:r="http://schemas.openxmlformats.org/officeDocument/2006/relationships" xmlns:p="http://schemas.openxmlformats.org/presentationml/2006/main">
-  <p:cSld>
-    <p:spTree>
-      <p:nvGrpSpPr>
-        <p:cNvPr id="1" name=""/>
-        <p:cNvGrpSpPr/>
-        <p:nvPr/>
-      </p:nvGrpSpPr>
-      <p:grpSpPr>
-        <a:xfrm>
-          <a:off x="0" y="0"/>
-          <a:ext cx="0" cy="0"/>
-          <a:chOff x="0" y="0"/>
-          <a:chExt cx="0" cy="0"/>
-        </a:xfrm>
-      </p:grpSpPr>
-      <p:sp>
-        <p:nvSpPr>
-          <p:cNvPr id="4" name="Title 1">
-            <a:extLst>
-              <a:ext uri="{FF2B5EF4-FFF2-40B4-BE49-F238E27FC236}">
-                <a16:creationId xmlns:a16="http://schemas.microsoft.com/office/drawing/2014/main" id="{7A3393BE-97AD-4853-8293-BC8A12B1FCFF}"/>
-              </a:ext>
-            </a:extLst>
-          </p:cNvPr>
-          <p:cNvSpPr>
-            <a:spLocks noGrp="1"/>
-          </p:cNvSpPr>
-          <p:nvPr/>
-        </p:nvSpPr>
-        <p:spPr>
-          <a:xfrm>
-            <a:off x="1335921" y="609158"/>
-            <a:ext cx="9520158" cy="1049235"/>
-          </a:xfrm>
-          <a:prstGeom prst="rect">
-            <a:avLst/>
-          </a:prstGeom>
-        </p:spPr>
-        <p:txBody>
-          <a:bodyPr vert="horz" lIns="91440" tIns="45720" rIns="91440" bIns="45720" rtlCol="0" anchor="t">
-            <a:normAutofit/>
-          </a:bodyPr>
-          <a:lstStyle>
-            <a:lvl1pPr algn="l" defTabSz="914400" rtl="0" eaLnBrk="1" latinLnBrk="0" hangingPunct="1">
-              <a:lnSpc>
-                <a:spcPct val="90000"/>
-              </a:lnSpc>
-              <a:spcBef>
-                <a:spcPct val="0"/>
-              </a:spcBef>
-              <a:buNone/>
-              <a:defRPr sz="3200" b="0" i="0" kern="1200" cap="none">
-                <a:solidFill>
-                  <a:schemeClr val="tx1"/>
-                </a:solidFill>
-                <a:effectLst/>
-                <a:latin typeface="+mj-lt"/>
-                <a:ea typeface="+mj-ea"/>
-                <a:cs typeface="+mj-cs"/>
-              </a:defRPr>
-            </a:lvl1pPr>
-          </a:lstStyle>
-          <a:p>
-            <a:pPr algn="ctr"/>
-            <a:r>
-              <a:rPr lang="en-US" dirty="0"/>
-              <a:t>Use Case Diagram</a:t>
-            </a:r>
-            <a:endParaRPr lang="en-IN" dirty="0"/>
-          </a:p>
-        </p:txBody>
-      </p:sp>
-      <p:pic>
-        <p:nvPicPr>
-          <p:cNvPr id="5" name="Picture 4">
-            <a:extLst>
-              <a:ext uri="{FF2B5EF4-FFF2-40B4-BE49-F238E27FC236}">
-                <a16:creationId xmlns:a16="http://schemas.microsoft.com/office/drawing/2014/main" id="{62781606-32EA-463C-ADFE-91FDA65F04AF}"/>
-              </a:ext>
-            </a:extLst>
-          </p:cNvPr>
-          <p:cNvPicPr>
-            <a:picLocks noChangeAspect="1"/>
-          </p:cNvPicPr>
-          <p:nvPr/>
-        </p:nvPicPr>
-        <p:blipFill>
-          <a:blip r:embed="rId2"/>
-          <a:stretch>
-            <a:fillRect/>
-          </a:stretch>
-        </p:blipFill>
-        <p:spPr>
-          <a:xfrm>
-            <a:off x="2684551" y="1187933"/>
-            <a:ext cx="6822898" cy="4482133"/>
-          </a:xfrm>
-          <a:prstGeom prst="rect">
-            <a:avLst/>
-          </a:prstGeom>
-        </p:spPr>
-      </p:pic>
-    </p:spTree>
-    <p:extLst>
-      <p:ext uri="{BB962C8B-B14F-4D97-AF65-F5344CB8AC3E}">
-        <p14:creationId xmlns:p14="http://schemas.microsoft.com/office/powerpoint/2010/main" val="1898598035"/>
       </p:ext>
     </p:extLst>
   </p:cSld>
